--- a/powerpoint/04_初探Java.pptx
+++ b/powerpoint/04_初探Java.pptx
@@ -15,9 +15,12 @@
     <p:sldId id="264" r:id="rId9"/>
     <p:sldId id="265" r:id="rId10"/>
     <p:sldId id="266" r:id="rId11"/>
-    <p:sldId id="268" r:id="rId12"/>
-    <p:sldId id="269" r:id="rId13"/>
-    <p:sldId id="267" r:id="rId14"/>
+    <p:sldId id="269" r:id="rId12"/>
+    <p:sldId id="270" r:id="rId13"/>
+    <p:sldId id="273" r:id="rId14"/>
+    <p:sldId id="271" r:id="rId15"/>
+    <p:sldId id="272" r:id="rId16"/>
+    <p:sldId id="267" r:id="rId17"/>
   </p:sldIdLst>
   <p:sldSz cx="12192000" cy="6858000"/>
   <p:notesSz cx="6858000" cy="9144000"/>
@@ -8922,7 +8925,7 @@
           </p:nvCxnSpPr>
           <p:spPr>
             <a:xfrm>
-              <a:off x="5867791" y="2572539"/>
+              <a:off x="5897531" y="2572539"/>
               <a:ext cx="0" cy="3535036"/>
             </a:xfrm>
             <a:prstGeom prst="line">
@@ -9572,8 +9575,8 @@
           </p:nvSpPr>
           <p:spPr>
             <a:xfrm>
-              <a:off x="4541411" y="3369390"/>
-              <a:ext cx="1360207" cy="1754326"/>
+              <a:off x="4542144" y="3369390"/>
+              <a:ext cx="1336611" cy="1754326"/>
             </a:xfrm>
             <a:prstGeom prst="rect">
               <a:avLst/>
@@ -9592,7 +9595,7 @@
                     <a:schemeClr val="bg1"/>
                   </a:solidFill>
                 </a:rPr>
-                <a:t>直接表示，</a:t>
+                <a:t>整數後方</a:t>
               </a:r>
               <a:endParaRPr lang="en-US" altLang="zh-TW">
                 <a:solidFill>
@@ -9607,7 +9610,23 @@
                     <a:schemeClr val="bg1"/>
                   </a:solidFill>
                 </a:rPr>
-                <a:t>值的範圍為</a:t>
+                <a:t>加</a:t>
+              </a:r>
+              <a:r>
+                <a:rPr lang="en-US" altLang="zh-TW">
+                  <a:solidFill>
+                    <a:schemeClr val="bg1"/>
+                  </a:solidFill>
+                </a:rPr>
+                <a:t>L</a:t>
+              </a:r>
+              <a:r>
+                <a:rPr lang="zh-TW" altLang="en-US">
+                  <a:solidFill>
+                    <a:schemeClr val="bg1"/>
+                  </a:solidFill>
+                </a:rPr>
+                <a:t>表示，</a:t>
               </a:r>
               <a:endParaRPr lang="en-US" altLang="zh-TW">
                 <a:solidFill>
@@ -9617,6 +9636,14 @@
             </a:p>
             <a:p>
               <a:r>
+                <a:rPr lang="zh-TW" altLang="en-US">
+                  <a:solidFill>
+                    <a:schemeClr val="bg1"/>
+                  </a:solidFill>
+                </a:rPr>
+                <a:t>值的範圍為</a:t>
+              </a:r>
+              <a:r>
                 <a:rPr lang="en-US" altLang="zh-TW">
                   <a:solidFill>
                     <a:schemeClr val="bg1"/>
@@ -9642,13 +9669,6 @@
                 </a:rPr>
                 <a:t>到</a:t>
               </a:r>
-              <a:endParaRPr lang="en-US" altLang="zh-TW">
-                <a:solidFill>
-                  <a:schemeClr val="bg1"/>
-                </a:solidFill>
-              </a:endParaRPr>
-            </a:p>
-            <a:p>
               <a:r>
                 <a:rPr lang="en-US" altLang="zh-TW">
                   <a:solidFill>
@@ -9700,8 +9720,8 @@
           </p:nvSpPr>
           <p:spPr>
             <a:xfrm>
-              <a:off x="5870477" y="3369390"/>
-              <a:ext cx="1583552" cy="1754326"/>
+              <a:off x="5892733" y="3369390"/>
+              <a:ext cx="1573013" cy="1754326"/>
             </a:xfrm>
             <a:prstGeom prst="rect">
               <a:avLst/>
@@ -9720,18 +9740,31 @@
                     <a:schemeClr val="bg1"/>
                   </a:solidFill>
                 </a:rPr>
-                <a:t>小數後方加</a:t>
-              </a:r>
-              <a:r>
-                <a:rPr lang="en-US" altLang="zh-TW">
-                  <a:solidFill>
-                    <a:schemeClr val="bg1"/>
-                  </a:solidFill>
-                </a:rPr>
-                <a:t>f</a:t>
-              </a:r>
+                <a:t>小數後方</a:t>
+              </a:r>
+              <a:endParaRPr lang="en-US" altLang="zh-TW">
+                <a:solidFill>
+                  <a:schemeClr val="bg1"/>
+                </a:solidFill>
+              </a:endParaRPr>
             </a:p>
             <a:p>
+              <a:r>
+                <a:rPr lang="zh-TW" altLang="en-US">
+                  <a:solidFill>
+                    <a:schemeClr val="bg1"/>
+                  </a:solidFill>
+                </a:rPr>
+                <a:t>加</a:t>
+              </a:r>
+              <a:r>
+                <a:rPr lang="en-US" altLang="zh-TW">
+                  <a:solidFill>
+                    <a:schemeClr val="bg1"/>
+                  </a:solidFill>
+                </a:rPr>
+                <a:t>f</a:t>
+              </a:r>
               <a:r>
                 <a:rPr lang="zh-TW" altLang="en-US">
                   <a:solidFill>
@@ -10308,8 +10341,8 @@
           </p:nvSpPr>
           <p:spPr>
             <a:xfrm>
-              <a:off x="4612285" y="5226222"/>
-              <a:ext cx="1204176" cy="830997"/>
+              <a:off x="4564807" y="5226222"/>
+              <a:ext cx="1374094" cy="830997"/>
             </a:xfrm>
             <a:prstGeom prst="rect">
               <a:avLst/>
@@ -10328,7 +10361,7 @@
                     <a:schemeClr val="bg1"/>
                   </a:solidFill>
                 </a:rPr>
-                <a:t>999999</a:t>
+                <a:t>999999L</a:t>
               </a:r>
             </a:p>
             <a:p>
@@ -10338,7 +10371,7 @@
                     <a:schemeClr val="bg1"/>
                   </a:solidFill>
                 </a:rPr>
-                <a:t>-77777</a:t>
+                <a:t>-77777L</a:t>
               </a:r>
               <a:endParaRPr lang="zh-TW" altLang="en-US" sz="2400">
                 <a:solidFill>
@@ -10595,7 +10628,7 @@
         </p:nvSpPr>
         <p:spPr>
           <a:xfrm>
-            <a:off x="838200" y="1332564"/>
+            <a:off x="416859" y="1287739"/>
             <a:ext cx="10515600" cy="584775"/>
           </a:xfrm>
         </p:spPr>
@@ -10630,329 +10663,264 @@
           </a:p>
         </p:txBody>
       </p:sp>
-      <p:grpSp>
-        <p:nvGrpSpPr>
-          <p:cNvPr id="21" name="群組 20">
+      <p:sp>
+        <p:nvSpPr>
+          <p:cNvPr id="7" name="Rectangle 2">
             <a:extLst>
               <a:ext uri="{FF2B5EF4-FFF2-40B4-BE49-F238E27FC236}">
-                <a16:creationId xmlns:a16="http://schemas.microsoft.com/office/drawing/2014/main" id="{CA3E27CF-CA6B-4003-A042-A00632D1EC72}"/>
+                <a16:creationId xmlns:a16="http://schemas.microsoft.com/office/drawing/2014/main" id="{4B49C753-249D-460B-BAE6-2D0EF5C95C31}"/>
               </a:ext>
             </a:extLst>
           </p:cNvPr>
-          <p:cNvGrpSpPr/>
+          <p:cNvSpPr>
+            <a:spLocks noChangeArrowheads="1"/>
+          </p:cNvSpPr>
           <p:nvPr/>
-        </p:nvGrpSpPr>
-        <p:grpSpPr>
+        </p:nvSpPr>
+        <p:spPr bwMode="auto">
           <a:xfrm>
-            <a:off x="903194" y="1808562"/>
-            <a:ext cx="10121153" cy="646331"/>
-            <a:chOff x="903194" y="1808562"/>
-            <a:chExt cx="10121153" cy="646331"/>
+            <a:off x="481853" y="1775272"/>
+            <a:ext cx="10121153" cy="830997"/>
           </a:xfrm>
-        </p:grpSpPr>
-        <p:sp>
-          <p:nvSpPr>
-            <p:cNvPr id="7" name="Rectangle 2">
-              <a:extLst>
-                <a:ext uri="{FF2B5EF4-FFF2-40B4-BE49-F238E27FC236}">
-                  <a16:creationId xmlns:a16="http://schemas.microsoft.com/office/drawing/2014/main" id="{4B49C753-249D-460B-BAE6-2D0EF5C95C31}"/>
-                </a:ext>
-              </a:extLst>
-            </p:cNvPr>
-            <p:cNvSpPr>
-              <a:spLocks noChangeArrowheads="1"/>
-            </p:cNvSpPr>
-            <p:nvPr/>
-          </p:nvSpPr>
-          <p:spPr bwMode="auto">
-            <a:xfrm>
-              <a:off x="903194" y="1808562"/>
-              <a:ext cx="10121153" cy="646331"/>
-            </a:xfrm>
-            <a:prstGeom prst="rect">
+          <a:prstGeom prst="rect">
+            <a:avLst/>
+          </a:prstGeom>
+          <a:solidFill>
+            <a:srgbClr val="1E1F22"/>
+          </a:solidFill>
+          <a:ln>
+            <a:noFill/>
+          </a:ln>
+          <a:effectLst/>
+          <a:extLst>
+            <a:ext uri="{91240B29-F687-4F45-9708-019B960494DF}">
+              <a14:hiddenLine xmlns:a14="http://schemas.microsoft.com/office/drawing/2010/main" w="9525">
+                <a:solidFill>
+                  <a:schemeClr val="tx1"/>
+                </a:solidFill>
+                <a:miter lim="800000"/>
+                <a:headEnd/>
+                <a:tailEnd/>
+              </a14:hiddenLine>
+            </a:ext>
+            <a:ext uri="{AF507438-7753-43E0-B8FC-AC1667EBCBE1}">
+              <a14:hiddenEffects xmlns:a14="http://schemas.microsoft.com/office/drawing/2010/main">
+                <a:effectLst>
+                  <a:outerShdw dist="35921" dir="2700000" algn="ctr" rotWithShape="0">
+                    <a:schemeClr val="bg2"/>
+                  </a:outerShdw>
+                </a:effectLst>
+              </a14:hiddenEffects>
+            </a:ext>
+          </a:extLst>
+        </p:spPr>
+        <p:txBody>
+          <a:bodyPr vert="horz" wrap="square" lIns="91440" tIns="45720" rIns="91440" bIns="45720" numCol="1" anchor="ctr" anchorCtr="0" compatLnSpc="1">
+            <a:prstTxWarp prst="textNoShape">
               <a:avLst/>
-            </a:prstGeom>
-            <a:solidFill>
-              <a:srgbClr val="1E1F22"/>
-            </a:solidFill>
-            <a:ln>
-              <a:noFill/>
-            </a:ln>
-            <a:effectLst/>
-            <a:extLst>
-              <a:ext uri="{91240B29-F687-4F45-9708-019B960494DF}">
-                <a14:hiddenLine xmlns:a14="http://schemas.microsoft.com/office/drawing/2010/main" w="9525">
-                  <a:solidFill>
-                    <a:schemeClr val="tx1"/>
-                  </a:solidFill>
-                  <a:miter lim="800000"/>
-                  <a:headEnd/>
-                  <a:tailEnd/>
-                </a14:hiddenLine>
-              </a:ext>
-              <a:ext uri="{AF507438-7753-43E0-B8FC-AC1667EBCBE1}">
-                <a14:hiddenEffects xmlns:a14="http://schemas.microsoft.com/office/drawing/2010/main">
-                  <a:effectLst>
-                    <a:outerShdw dist="35921" dir="2700000" algn="ctr" rotWithShape="0">
-                      <a:schemeClr val="bg2"/>
-                    </a:outerShdw>
-                  </a:effectLst>
-                </a14:hiddenEffects>
-              </a:ext>
-            </a:extLst>
-          </p:spPr>
-          <p:txBody>
-            <a:bodyPr vert="horz" wrap="square" lIns="91440" tIns="45720" rIns="91440" bIns="45720" numCol="1" anchor="ctr" anchorCtr="0" compatLnSpc="1">
-              <a:prstTxWarp prst="textNoShape">
-                <a:avLst/>
-              </a:prstTxWarp>
-              <a:spAutoFit/>
-            </a:bodyPr>
-            <a:lstStyle/>
-            <a:p>
-              <a:pPr marL="0" marR="0" lvl="0" indent="0" algn="l" defTabSz="914400" rtl="0" eaLnBrk="0" fontAlgn="base" latinLnBrk="0" hangingPunct="0">
-                <a:lnSpc>
-                  <a:spcPct val="100000"/>
-                </a:lnSpc>
-                <a:spcBef>
-                  <a:spcPct val="0"/>
-                </a:spcBef>
-                <a:spcAft>
-                  <a:spcPct val="0"/>
-                </a:spcAft>
-                <a:buClrTx/>
-                <a:buSzTx/>
-                <a:buFontTx/>
-                <a:buNone/>
-                <a:tabLst/>
-              </a:pPr>
-              <a:r>
-                <a:rPr kumimoji="0" lang="zh-TW" altLang="en-US" b="0" i="0" u="none" strike="noStrike" cap="none" normalizeH="0" baseline="0">
-                  <a:ln>
-                    <a:noFill/>
-                  </a:ln>
-                  <a:solidFill>
-                    <a:srgbClr val="CF8E6D"/>
-                  </a:solidFill>
-                  <a:effectLst/>
-                  <a:ea typeface="+mj-ea"/>
-                  <a:cs typeface="JetBrains Mono" panose="02000009000000000000" pitchFamily="49" charset="0"/>
-                </a:rPr>
-                <a:t>資料型態</a:t>
-              </a:r>
-              <a:r>
-                <a:rPr kumimoji="0" lang="zh-TW" altLang="zh-TW" b="0" i="0" u="none" strike="noStrike" cap="none" normalizeH="0" baseline="0">
-                  <a:ln>
-                    <a:noFill/>
-                  </a:ln>
-                  <a:solidFill>
-                    <a:srgbClr val="CF8E6D"/>
-                  </a:solidFill>
-                  <a:effectLst/>
-                  <a:ea typeface="+mj-ea"/>
-                  <a:cs typeface="JetBrains Mono" panose="02000009000000000000" pitchFamily="49" charset="0"/>
-                </a:rPr>
-                <a:t> </a:t>
-              </a:r>
-              <a:r>
-                <a:rPr lang="zh-TW" altLang="en-US">
-                  <a:solidFill>
-                    <a:srgbClr val="BCBEC4"/>
-                  </a:solidFill>
-                  <a:ea typeface="+mj-ea"/>
-                  <a:cs typeface="JetBrains Mono" panose="02000009000000000000" pitchFamily="49" charset="0"/>
-                </a:rPr>
-                <a:t>變數名稱</a:t>
-              </a:r>
-              <a:r>
-                <a:rPr kumimoji="0" lang="zh-TW" altLang="zh-TW" b="0" i="0" u="none" strike="noStrike" cap="none" normalizeH="0" baseline="0">
-                  <a:ln>
-                    <a:noFill/>
-                  </a:ln>
-                  <a:solidFill>
-                    <a:srgbClr val="BCBEC4"/>
-                  </a:solidFill>
-                  <a:effectLst/>
-                  <a:ea typeface="+mj-ea"/>
-                  <a:cs typeface="JetBrains Mono" panose="02000009000000000000" pitchFamily="49" charset="0"/>
-                </a:rPr>
-                <a:t>; </a:t>
-              </a:r>
-              <a:r>
-                <a:rPr kumimoji="0" lang="zh-TW" altLang="zh-TW" b="0" i="0" u="none" strike="noStrike" cap="none" normalizeH="0" baseline="0">
-                  <a:ln>
-                    <a:noFill/>
-                  </a:ln>
-                  <a:solidFill>
-                    <a:srgbClr val="7A7E85"/>
-                  </a:solidFill>
-                  <a:effectLst/>
-                  <a:ea typeface="+mj-ea"/>
-                  <a:cs typeface="JetBrains Mono" panose="02000009000000000000" pitchFamily="49" charset="0"/>
-                </a:rPr>
-                <a:t>// 第一種</a:t>
-              </a:r>
-              <a:br>
-                <a:rPr kumimoji="0" lang="zh-TW" altLang="zh-TW" b="0" i="0" u="none" strike="noStrike" cap="none" normalizeH="0" baseline="0">
-                  <a:ln>
-                    <a:noFill/>
-                  </a:ln>
-                  <a:solidFill>
-                    <a:srgbClr val="7A7E85"/>
-                  </a:solidFill>
-                  <a:effectLst/>
-                  <a:ea typeface="+mj-ea"/>
-                  <a:cs typeface="JetBrains Mono" panose="02000009000000000000" pitchFamily="49" charset="0"/>
-                </a:rPr>
-              </a:br>
-              <a:r>
-                <a:rPr lang="zh-TW" altLang="en-US">
-                  <a:solidFill>
-                    <a:srgbClr val="CF8E6D"/>
-                  </a:solidFill>
-                  <a:ea typeface="+mj-ea"/>
-                  <a:cs typeface="JetBrains Mono" panose="02000009000000000000" pitchFamily="49" charset="0"/>
-                </a:rPr>
-                <a:t>資料型態</a:t>
-              </a:r>
-              <a:r>
-                <a:rPr kumimoji="0" lang="zh-TW" altLang="zh-TW" b="0" i="0" u="none" strike="noStrike" cap="none" normalizeH="0" baseline="0">
-                  <a:ln>
-                    <a:noFill/>
-                  </a:ln>
-                  <a:solidFill>
-                    <a:srgbClr val="CF8E6D"/>
-                  </a:solidFill>
-                  <a:effectLst/>
-                  <a:ea typeface="+mj-ea"/>
-                  <a:cs typeface="JetBrains Mono" panose="02000009000000000000" pitchFamily="49" charset="0"/>
-                </a:rPr>
-                <a:t> </a:t>
-              </a:r>
-              <a:r>
-                <a:rPr kumimoji="0" lang="zh-TW" altLang="en-US" b="0" i="0" u="none" strike="noStrike" cap="none" normalizeH="0" baseline="0">
-                  <a:ln>
-                    <a:noFill/>
-                  </a:ln>
-                  <a:solidFill>
-                    <a:srgbClr val="BCBEC4"/>
-                  </a:solidFill>
-                  <a:effectLst/>
-                  <a:ea typeface="+mj-ea"/>
-                  <a:cs typeface="JetBrains Mono" panose="02000009000000000000" pitchFamily="49" charset="0"/>
-                </a:rPr>
-                <a:t>變數名稱</a:t>
-              </a:r>
-              <a:r>
-                <a:rPr kumimoji="0" lang="zh-TW" altLang="zh-TW" b="0" i="0" u="none" strike="noStrike" cap="none" normalizeH="0" baseline="0">
-                  <a:ln>
-                    <a:noFill/>
-                  </a:ln>
-                  <a:solidFill>
-                    <a:srgbClr val="BCBEC4"/>
-                  </a:solidFill>
-                  <a:effectLst/>
-                  <a:ea typeface="+mj-ea"/>
-                  <a:cs typeface="JetBrains Mono" panose="02000009000000000000" pitchFamily="49" charset="0"/>
-                </a:rPr>
-                <a:t> = </a:t>
-              </a:r>
-              <a:r>
-                <a:rPr lang="zh-TW" altLang="en-US">
-                  <a:solidFill>
-                    <a:srgbClr val="2AACB8"/>
-                  </a:solidFill>
-                  <a:ea typeface="+mj-ea"/>
-                  <a:cs typeface="JetBrains Mono" panose="02000009000000000000" pitchFamily="49" charset="0"/>
-                </a:rPr>
-                <a:t>初始值</a:t>
-              </a:r>
-              <a:r>
-                <a:rPr kumimoji="0" lang="zh-TW" altLang="zh-TW" b="0" i="0" u="none" strike="noStrike" cap="none" normalizeH="0" baseline="0">
-                  <a:ln>
-                    <a:noFill/>
-                  </a:ln>
-                  <a:solidFill>
-                    <a:srgbClr val="BCBEC4"/>
-                  </a:solidFill>
-                  <a:effectLst/>
-                  <a:ea typeface="+mj-ea"/>
-                  <a:cs typeface="JetBrains Mono" panose="02000009000000000000" pitchFamily="49" charset="0"/>
-                </a:rPr>
-                <a:t>; </a:t>
-              </a:r>
-              <a:r>
-                <a:rPr kumimoji="0" lang="zh-TW" altLang="zh-TW" b="0" i="0" u="none" strike="noStrike" cap="none" normalizeH="0" baseline="0">
-                  <a:ln>
-                    <a:noFill/>
-                  </a:ln>
-                  <a:solidFill>
-                    <a:srgbClr val="7A7E85"/>
-                  </a:solidFill>
-                  <a:effectLst/>
-                  <a:ea typeface="+mj-ea"/>
-                  <a:cs typeface="JetBrains Mono" panose="02000009000000000000" pitchFamily="49" charset="0"/>
-                </a:rPr>
-                <a:t>// 第二種</a:t>
-              </a:r>
-              <a:endParaRPr kumimoji="0" lang="zh-TW" altLang="zh-TW" b="0" i="0" u="none" strike="noStrike" cap="none" normalizeH="0" baseline="0">
+            </a:prstTxWarp>
+            <a:spAutoFit/>
+          </a:bodyPr>
+          <a:lstStyle/>
+          <a:p>
+            <a:pPr marL="0" marR="0" lvl="0" indent="0" algn="l" defTabSz="914400" rtl="0" eaLnBrk="0" fontAlgn="base" latinLnBrk="0" hangingPunct="0">
+              <a:lnSpc>
+                <a:spcPct val="100000"/>
+              </a:lnSpc>
+              <a:spcBef>
+                <a:spcPct val="0"/>
+              </a:spcBef>
+              <a:spcAft>
+                <a:spcPct val="0"/>
+              </a:spcAft>
+              <a:buClrTx/>
+              <a:buSzTx/>
+              <a:buFontTx/>
+              <a:buNone/>
+              <a:tabLst/>
+            </a:pPr>
+            <a:r>
+              <a:rPr kumimoji="0" lang="zh-TW" altLang="en-US" sz="2400" b="0" i="0" u="none" strike="noStrike" cap="none" normalizeH="0" baseline="0">
                 <a:ln>
                   <a:noFill/>
                 </a:ln>
                 <a:solidFill>
-                  <a:schemeClr val="tx1"/>
+                  <a:srgbClr val="CF8E6D"/>
                 </a:solidFill>
                 <a:effectLst/>
                 <a:ea typeface="+mj-ea"/>
-              </a:endParaRPr>
-            </a:p>
-          </p:txBody>
-        </p:sp>
-        <p:sp>
-          <p:nvSpPr>
-            <p:cNvPr id="5" name="文字方塊 4">
-              <a:extLst>
-                <a:ext uri="{FF2B5EF4-FFF2-40B4-BE49-F238E27FC236}">
-                  <a16:creationId xmlns:a16="http://schemas.microsoft.com/office/drawing/2014/main" id="{B0E7017C-A844-4321-AA52-9D82FB147D3A}"/>
-                </a:ext>
-              </a:extLst>
-            </p:cNvPr>
-            <p:cNvSpPr txBox="1"/>
-            <p:nvPr/>
-          </p:nvSpPr>
-          <p:spPr>
-            <a:xfrm>
-              <a:off x="10333132" y="2080527"/>
-              <a:ext cx="691215" cy="369332"/>
-            </a:xfrm>
-            <a:prstGeom prst="rect">
-              <a:avLst/>
-            </a:prstGeom>
-            <a:noFill/>
-          </p:spPr>
-          <p:txBody>
-            <a:bodyPr wrap="none" rtlCol="0">
-              <a:spAutoFit/>
-            </a:bodyPr>
-            <a:lstStyle/>
-            <a:p>
-              <a:r>
-                <a:rPr lang="en-US" altLang="zh-TW">
-                  <a:solidFill>
-                    <a:schemeClr val="accent3"/>
-                  </a:solidFill>
-                </a:rPr>
-                <a:t>java</a:t>
-              </a:r>
-              <a:endParaRPr lang="zh-TW" altLang="en-US">
-                <a:solidFill>
-                  <a:schemeClr val="accent3"/>
-                </a:solidFill>
-              </a:endParaRPr>
-            </a:p>
-          </p:txBody>
-        </p:sp>
-      </p:grpSp>
+                <a:cs typeface="JetBrains Mono" panose="02000009000000000000" pitchFamily="49" charset="0"/>
+              </a:rPr>
+              <a:t>資料型別</a:t>
+            </a:r>
+            <a:r>
+              <a:rPr kumimoji="0" lang="zh-TW" altLang="zh-TW" sz="2400" b="0" i="0" u="none" strike="noStrike" cap="none" normalizeH="0" baseline="0">
+                <a:ln>
+                  <a:noFill/>
+                </a:ln>
+                <a:solidFill>
+                  <a:srgbClr val="CF8E6D"/>
+                </a:solidFill>
+                <a:effectLst/>
+                <a:ea typeface="+mj-ea"/>
+                <a:cs typeface="JetBrains Mono" panose="02000009000000000000" pitchFamily="49" charset="0"/>
+              </a:rPr>
+              <a:t> </a:t>
+            </a:r>
+            <a:r>
+              <a:rPr lang="zh-TW" altLang="en-US" sz="2400">
+                <a:solidFill>
+                  <a:srgbClr val="BCBEC4"/>
+                </a:solidFill>
+                <a:ea typeface="+mj-ea"/>
+                <a:cs typeface="JetBrains Mono" panose="02000009000000000000" pitchFamily="49" charset="0"/>
+              </a:rPr>
+              <a:t>變數名稱</a:t>
+            </a:r>
+            <a:r>
+              <a:rPr kumimoji="0" lang="zh-TW" altLang="zh-TW" sz="2400" b="0" i="0" u="none" strike="noStrike" cap="none" normalizeH="0" baseline="0">
+                <a:ln>
+                  <a:noFill/>
+                </a:ln>
+                <a:solidFill>
+                  <a:srgbClr val="BCBEC4"/>
+                </a:solidFill>
+                <a:effectLst/>
+                <a:ea typeface="+mj-ea"/>
+                <a:cs typeface="JetBrains Mono" panose="02000009000000000000" pitchFamily="49" charset="0"/>
+              </a:rPr>
+              <a:t>; </a:t>
+            </a:r>
+            <a:r>
+              <a:rPr kumimoji="0" lang="zh-TW" altLang="zh-TW" sz="2400" b="0" i="0" u="none" strike="noStrike" cap="none" normalizeH="0" baseline="0">
+                <a:ln>
+                  <a:noFill/>
+                </a:ln>
+                <a:solidFill>
+                  <a:srgbClr val="7A7E85"/>
+                </a:solidFill>
+                <a:effectLst/>
+                <a:ea typeface="+mj-ea"/>
+                <a:cs typeface="JetBrains Mono" panose="02000009000000000000" pitchFamily="49" charset="0"/>
+              </a:rPr>
+              <a:t>// 第一種</a:t>
+            </a:r>
+            <a:br>
+              <a:rPr kumimoji="0" lang="zh-TW" altLang="zh-TW" sz="2400" b="0" i="0" u="none" strike="noStrike" cap="none" normalizeH="0" baseline="0">
+                <a:ln>
+                  <a:noFill/>
+                </a:ln>
+                <a:solidFill>
+                  <a:srgbClr val="7A7E85"/>
+                </a:solidFill>
+                <a:effectLst/>
+                <a:ea typeface="+mj-ea"/>
+                <a:cs typeface="JetBrains Mono" panose="02000009000000000000" pitchFamily="49" charset="0"/>
+              </a:rPr>
+            </a:br>
+            <a:r>
+              <a:rPr lang="zh-TW" altLang="en-US" sz="2400">
+                <a:solidFill>
+                  <a:srgbClr val="CF8E6D"/>
+                </a:solidFill>
+                <a:ea typeface="+mj-ea"/>
+                <a:cs typeface="JetBrains Mono" panose="02000009000000000000" pitchFamily="49" charset="0"/>
+              </a:rPr>
+              <a:t>資料型別</a:t>
+            </a:r>
+            <a:r>
+              <a:rPr kumimoji="0" lang="zh-TW" altLang="zh-TW" sz="2400" b="0" i="0" u="none" strike="noStrike" cap="none" normalizeH="0" baseline="0">
+                <a:ln>
+                  <a:noFill/>
+                </a:ln>
+                <a:solidFill>
+                  <a:srgbClr val="CF8E6D"/>
+                </a:solidFill>
+                <a:effectLst/>
+                <a:ea typeface="+mj-ea"/>
+                <a:cs typeface="JetBrains Mono" panose="02000009000000000000" pitchFamily="49" charset="0"/>
+              </a:rPr>
+              <a:t> </a:t>
+            </a:r>
+            <a:r>
+              <a:rPr kumimoji="0" lang="zh-TW" altLang="en-US" sz="2400" b="0" i="0" u="none" strike="noStrike" cap="none" normalizeH="0" baseline="0">
+                <a:ln>
+                  <a:noFill/>
+                </a:ln>
+                <a:solidFill>
+                  <a:srgbClr val="BCBEC4"/>
+                </a:solidFill>
+                <a:effectLst/>
+                <a:ea typeface="+mj-ea"/>
+                <a:cs typeface="JetBrains Mono" panose="02000009000000000000" pitchFamily="49" charset="0"/>
+              </a:rPr>
+              <a:t>變數名稱</a:t>
+            </a:r>
+            <a:r>
+              <a:rPr kumimoji="0" lang="zh-TW" altLang="zh-TW" sz="2400" b="0" i="0" u="none" strike="noStrike" cap="none" normalizeH="0" baseline="0">
+                <a:ln>
+                  <a:noFill/>
+                </a:ln>
+                <a:solidFill>
+                  <a:srgbClr val="BCBEC4"/>
+                </a:solidFill>
+                <a:effectLst/>
+                <a:ea typeface="+mj-ea"/>
+                <a:cs typeface="JetBrains Mono" panose="02000009000000000000" pitchFamily="49" charset="0"/>
+              </a:rPr>
+              <a:t> = </a:t>
+            </a:r>
+            <a:r>
+              <a:rPr lang="zh-TW" altLang="en-US" sz="2400">
+                <a:solidFill>
+                  <a:srgbClr val="2AACB8"/>
+                </a:solidFill>
+                <a:ea typeface="+mj-ea"/>
+                <a:cs typeface="JetBrains Mono" panose="02000009000000000000" pitchFamily="49" charset="0"/>
+              </a:rPr>
+              <a:t>值</a:t>
+            </a:r>
+            <a:r>
+              <a:rPr kumimoji="0" lang="zh-TW" altLang="zh-TW" sz="2400" b="0" i="0" u="none" strike="noStrike" cap="none" normalizeH="0" baseline="0">
+                <a:ln>
+                  <a:noFill/>
+                </a:ln>
+                <a:solidFill>
+                  <a:srgbClr val="BCBEC4"/>
+                </a:solidFill>
+                <a:effectLst/>
+                <a:ea typeface="+mj-ea"/>
+                <a:cs typeface="JetBrains Mono" panose="02000009000000000000" pitchFamily="49" charset="0"/>
+              </a:rPr>
+              <a:t>; </a:t>
+            </a:r>
+            <a:r>
+              <a:rPr kumimoji="0" lang="zh-TW" altLang="zh-TW" sz="2400" b="0" i="0" u="none" strike="noStrike" cap="none" normalizeH="0" baseline="0">
+                <a:ln>
+                  <a:noFill/>
+                </a:ln>
+                <a:solidFill>
+                  <a:srgbClr val="7A7E85"/>
+                </a:solidFill>
+                <a:effectLst/>
+                <a:ea typeface="+mj-ea"/>
+                <a:cs typeface="JetBrains Mono" panose="02000009000000000000" pitchFamily="49" charset="0"/>
+              </a:rPr>
+              <a:t>// 第二種</a:t>
+            </a:r>
+            <a:endParaRPr kumimoji="0" lang="zh-TW" altLang="zh-TW" sz="2400" b="0" i="0" u="none" strike="noStrike" cap="none" normalizeH="0" baseline="0">
+              <a:ln>
+                <a:noFill/>
+              </a:ln>
+              <a:solidFill>
+                <a:schemeClr val="tx1"/>
+              </a:solidFill>
+              <a:effectLst/>
+              <a:ea typeface="+mj-ea"/>
+            </a:endParaRPr>
+          </a:p>
+        </p:txBody>
+      </p:sp>
       <p:sp>
         <p:nvSpPr>
           <p:cNvPr id="10" name="內容版面配置區 2">
@@ -10969,8 +10937,8 @@
         </p:nvSpPr>
         <p:spPr>
           <a:xfrm>
-            <a:off x="838200" y="2583323"/>
-            <a:ext cx="10515600" cy="2134359"/>
+            <a:off x="416859" y="2699861"/>
+            <a:ext cx="11595847" cy="2014394"/>
           </a:xfrm>
           <a:prstGeom prst="rect">
             <a:avLst/>
@@ -11147,31 +11115,28 @@
           <a:p>
             <a:r>
               <a:rPr lang="zh-TW" altLang="en-US"/>
-              <a:t>第一種是只有宣告變數，沒有初始化數變，沒有初始化前為</a:t>
-            </a:r>
-            <a:r>
-              <a:rPr lang="en-US" altLang="zh-TW"/>
-              <a:t>null</a:t>
-            </a:r>
-          </a:p>
-          <a:p>
-            <a:r>
-              <a:rPr lang="zh-TW" altLang="en-US"/>
-              <a:t>第二種是宣告變數，並且初始化變數的值為初始值</a:t>
+              <a:t>第一種只是宣告變數，沒有初始化變數</a:t>
             </a:r>
             <a:endParaRPr lang="en-US" altLang="zh-TW"/>
           </a:p>
           <a:p>
             <a:r>
               <a:rPr lang="zh-TW" altLang="en-US"/>
-              <a:t>兩種都是陳述式，所以皆需單獨一行，且結尾需有一個分號</a:t>
+              <a:t>第二種是宣告變數，並初始化變數的值，且值的資料型別必須和變數相同</a:t>
             </a:r>
             <a:endParaRPr lang="en-US" altLang="zh-TW"/>
           </a:p>
           <a:p>
             <a:r>
               <a:rPr lang="zh-TW" altLang="en-US"/>
-              <a:t>舉例：</a:t>
+              <a:t>兩種都是陳述式，所以皆須單獨一行，且結尾須有個分號</a:t>
+            </a:r>
+            <a:endParaRPr lang="en-US" altLang="zh-TW"/>
+          </a:p>
+          <a:p>
+            <a:r>
+              <a:rPr lang="zh-TW" altLang="en-US"/>
+              <a:t>已經宣告過的變數不可以再宣告。舉例：</a:t>
             </a:r>
           </a:p>
         </p:txBody>
@@ -11190,10 +11155,10 @@
         </p:nvGrpSpPr>
         <p:grpSpPr>
           <a:xfrm>
-            <a:off x="903194" y="4595027"/>
-            <a:ext cx="10121153" cy="1754326"/>
-            <a:chOff x="903194" y="4576555"/>
-            <a:chExt cx="10121153" cy="1754326"/>
+            <a:off x="416857" y="4714255"/>
+            <a:ext cx="4928347" cy="1569660"/>
+            <a:chOff x="6364940" y="4668890"/>
+            <a:chExt cx="4928347" cy="1569660"/>
           </a:xfrm>
         </p:grpSpPr>
         <p:sp>
@@ -11212,8 +11177,8 @@
           </p:nvSpPr>
           <p:spPr bwMode="auto">
             <a:xfrm>
-              <a:off x="903194" y="4576555"/>
-              <a:ext cx="10121153" cy="1754326"/>
+              <a:off x="6364940" y="4668890"/>
+              <a:ext cx="4928347" cy="1569660"/>
             </a:xfrm>
             <a:prstGeom prst="rect">
               <a:avLst/>
@@ -11274,7 +11239,7 @@
                 <a:defRPr/>
               </a:pPr>
               <a:r>
-                <a:rPr kumimoji="0" lang="zh-TW" altLang="zh-TW" sz="1300" b="0" i="0" u="none" strike="noStrike" kern="1200" cap="none" spc="0" normalizeH="0" baseline="0" noProof="0">
+                <a:rPr kumimoji="0" lang="zh-TW" altLang="zh-TW" sz="2400" b="0" i="0" u="none" strike="noStrike" kern="1200" cap="none" spc="0" normalizeH="0" baseline="0" noProof="0">
                   <a:ln>
                     <a:noFill/>
                   </a:ln>
@@ -11290,7 +11255,7 @@
                 <a:t>byte </a:t>
               </a:r>
               <a:r>
-                <a:rPr kumimoji="0" lang="zh-TW" altLang="zh-TW" sz="1300" b="0" i="0" u="none" strike="noStrike" kern="1200" cap="none" spc="0" normalizeH="0" baseline="0" noProof="0">
+                <a:rPr kumimoji="0" lang="zh-TW" altLang="zh-TW" sz="2400" b="0" i="0" u="none" strike="noStrike" kern="1200" cap="none" spc="0" normalizeH="0" baseline="0" noProof="0">
                   <a:ln>
                     <a:noFill/>
                   </a:ln>
@@ -11306,7 +11271,7 @@
                 <a:t>a;</a:t>
               </a:r>
               <a:br>
-                <a:rPr kumimoji="0" lang="zh-TW" altLang="zh-TW" sz="1300" b="0" i="0" u="none" strike="noStrike" kern="1200" cap="none" spc="0" normalizeH="0" baseline="0" noProof="0">
+                <a:rPr kumimoji="0" lang="zh-TW" altLang="zh-TW" sz="2400" b="0" i="0" u="none" strike="noStrike" kern="1200" cap="none" spc="0" normalizeH="0" baseline="0" noProof="0">
                   <a:ln>
                     <a:noFill/>
                   </a:ln>
@@ -11321,7 +11286,7 @@
                 </a:rPr>
               </a:br>
               <a:r>
-                <a:rPr kumimoji="0" lang="zh-TW" altLang="zh-TW" sz="1300" b="0" i="0" u="none" strike="noStrike" kern="1200" cap="none" spc="0" normalizeH="0" baseline="0" noProof="0">
+                <a:rPr kumimoji="0" lang="zh-TW" altLang="zh-TW" sz="2400" b="0" i="0" u="none" strike="noStrike" kern="1200" cap="none" spc="0" normalizeH="0" baseline="0" noProof="0">
                   <a:ln>
                     <a:noFill/>
                   </a:ln>
@@ -11337,7 +11302,7 @@
                 <a:t>short </a:t>
               </a:r>
               <a:r>
-                <a:rPr kumimoji="0" lang="zh-TW" altLang="zh-TW" sz="1300" b="0" i="0" u="none" strike="noStrike" kern="1200" cap="none" spc="0" normalizeH="0" baseline="0" noProof="0">
+                <a:rPr kumimoji="0" lang="zh-TW" altLang="zh-TW" sz="2400" b="0" i="0" u="none" strike="noStrike" kern="1200" cap="none" spc="0" normalizeH="0" baseline="0" noProof="0">
                   <a:ln>
                     <a:noFill/>
                   </a:ln>
@@ -11353,7 +11318,7 @@
                 <a:t>b = </a:t>
               </a:r>
               <a:r>
-                <a:rPr kumimoji="0" lang="zh-TW" altLang="zh-TW" sz="1300" b="0" i="0" u="none" strike="noStrike" kern="1200" cap="none" spc="0" normalizeH="0" baseline="0" noProof="0">
+                <a:rPr kumimoji="0" lang="zh-TW" altLang="zh-TW" sz="2400" b="0" i="0" u="none" strike="noStrike" kern="1200" cap="none" spc="0" normalizeH="0" baseline="0" noProof="0">
                   <a:ln>
                     <a:noFill/>
                   </a:ln>
@@ -11369,7 +11334,7 @@
                 <a:t>0</a:t>
               </a:r>
               <a:r>
-                <a:rPr kumimoji="0" lang="zh-TW" altLang="zh-TW" sz="1300" b="0" i="0" u="none" strike="noStrike" kern="1200" cap="none" spc="0" normalizeH="0" baseline="0" noProof="0">
+                <a:rPr kumimoji="0" lang="zh-TW" altLang="zh-TW" sz="2400" b="0" i="0" u="none" strike="noStrike" kern="1200" cap="none" spc="0" normalizeH="0" baseline="0" noProof="0">
                   <a:ln>
                     <a:noFill/>
                   </a:ln>
@@ -11385,7 +11350,7 @@
                 <a:t>;</a:t>
               </a:r>
               <a:br>
-                <a:rPr kumimoji="0" lang="zh-TW" altLang="zh-TW" sz="1300" b="0" i="0" u="none" strike="noStrike" kern="1200" cap="none" spc="0" normalizeH="0" baseline="0" noProof="0">
+                <a:rPr kumimoji="0" lang="zh-TW" altLang="zh-TW" sz="2400" b="0" i="0" u="none" strike="noStrike" kern="1200" cap="none" spc="0" normalizeH="0" baseline="0" noProof="0">
                   <a:ln>
                     <a:noFill/>
                   </a:ln>
@@ -11400,7 +11365,7 @@
                 </a:rPr>
               </a:br>
               <a:r>
-                <a:rPr kumimoji="0" lang="zh-TW" altLang="zh-TW" sz="1300" b="0" i="0" u="none" strike="noStrike" kern="1200" cap="none" spc="0" normalizeH="0" baseline="0" noProof="0">
+                <a:rPr kumimoji="0" lang="zh-TW" altLang="zh-TW" sz="2400" b="0" i="0" u="none" strike="noStrike" kern="1200" cap="none" spc="0" normalizeH="0" baseline="0" noProof="0">
                   <a:ln>
                     <a:noFill/>
                   </a:ln>
@@ -11416,7 +11381,7 @@
                 <a:t>int </a:t>
               </a:r>
               <a:r>
-                <a:rPr kumimoji="0" lang="zh-TW" altLang="zh-TW" sz="1300" b="0" i="0" u="none" strike="noStrike" kern="1200" cap="none" spc="0" normalizeH="0" baseline="0" noProof="0">
+                <a:rPr kumimoji="0" lang="zh-TW" altLang="zh-TW" sz="2400" b="0" i="0" u="none" strike="noStrike" kern="1200" cap="none" spc="0" normalizeH="0" baseline="0" noProof="0">
                   <a:ln>
                     <a:noFill/>
                   </a:ln>
@@ -11432,7 +11397,7 @@
                 <a:t>c = </a:t>
               </a:r>
               <a:r>
-                <a:rPr kumimoji="0" lang="zh-TW" altLang="zh-TW" sz="1300" b="0" i="0" u="none" strike="noStrike" kern="1200" cap="none" spc="0" normalizeH="0" baseline="0" noProof="0">
+                <a:rPr kumimoji="0" lang="zh-TW" altLang="zh-TW" sz="2400" b="0" i="0" u="none" strike="noStrike" kern="1200" cap="none" spc="0" normalizeH="0" baseline="0" noProof="0">
                   <a:ln>
                     <a:noFill/>
                   </a:ln>
@@ -11448,7 +11413,7 @@
                 <a:t>2147483647</a:t>
               </a:r>
               <a:r>
-                <a:rPr kumimoji="0" lang="zh-TW" altLang="zh-TW" sz="1300" b="0" i="0" u="none" strike="noStrike" kern="1200" cap="none" spc="0" normalizeH="0" baseline="0" noProof="0">
+                <a:rPr kumimoji="0" lang="zh-TW" altLang="zh-TW" sz="2400" b="0" i="0" u="none" strike="noStrike" kern="1200" cap="none" spc="0" normalizeH="0" baseline="0" noProof="0">
                   <a:ln>
                     <a:noFill/>
                   </a:ln>
@@ -11464,7 +11429,7 @@
                 <a:t>;</a:t>
               </a:r>
               <a:br>
-                <a:rPr kumimoji="0" lang="zh-TW" altLang="zh-TW" sz="1300" b="0" i="0" u="none" strike="noStrike" kern="1200" cap="none" spc="0" normalizeH="0" baseline="0" noProof="0">
+                <a:rPr kumimoji="0" lang="zh-TW" altLang="zh-TW" sz="2400" b="0" i="0" u="none" strike="noStrike" kern="1200" cap="none" spc="0" normalizeH="0" baseline="0" noProof="0">
                   <a:ln>
                     <a:noFill/>
                   </a:ln>
@@ -11479,7 +11444,7 @@
                 </a:rPr>
               </a:br>
               <a:r>
-                <a:rPr kumimoji="0" lang="zh-TW" altLang="zh-TW" sz="1300" b="0" i="0" u="none" strike="noStrike" kern="1200" cap="none" spc="0" normalizeH="0" baseline="0" noProof="0">
+                <a:rPr kumimoji="0" lang="zh-TW" altLang="zh-TW" sz="2400" b="0" i="0" u="none" strike="noStrike" kern="1200" cap="none" spc="0" normalizeH="0" baseline="0" noProof="0">
                   <a:ln>
                     <a:noFill/>
                   </a:ln>
@@ -11495,7 +11460,7 @@
                 <a:t>long </a:t>
               </a:r>
               <a:r>
-                <a:rPr kumimoji="0" lang="zh-TW" altLang="zh-TW" sz="1300" b="0" i="0" u="none" strike="noStrike" kern="1200" cap="none" spc="0" normalizeH="0" baseline="0" noProof="0">
+                <a:rPr kumimoji="0" lang="zh-TW" altLang="zh-TW" sz="2400" b="0" i="0" u="none" strike="noStrike" kern="1200" cap="none" spc="0" normalizeH="0" baseline="0" noProof="0">
                   <a:ln>
                     <a:noFill/>
                   </a:ln>
@@ -11508,10 +11473,10 @@
                   <a:ea typeface="微軟正黑體 Light"/>
                   <a:cs typeface="JetBrains Mono" panose="02000009000000000000" pitchFamily="49" charset="0"/>
                 </a:rPr>
-                <a:t>d;</a:t>
-              </a:r>
-              <a:br>
-                <a:rPr kumimoji="0" lang="zh-TW" altLang="zh-TW" sz="1300" b="0" i="0" u="none" strike="noStrike" kern="1200" cap="none" spc="0" normalizeH="0" baseline="0" noProof="0">
+                <a:t>d</a:t>
+              </a:r>
+              <a:r>
+                <a:rPr kumimoji="0" lang="zh-TW" altLang="en-US" sz="2400" b="0" i="0" u="none" strike="noStrike" kern="1200" cap="none" spc="0" normalizeH="0" baseline="0" noProof="0">
                   <a:ln>
                     <a:noFill/>
                   </a:ln>
@@ -11524,14 +11489,15 @@
                   <a:ea typeface="微軟正黑體 Light"/>
                   <a:cs typeface="JetBrains Mono" panose="02000009000000000000" pitchFamily="49" charset="0"/>
                 </a:rPr>
-              </a:br>
-              <a:r>
-                <a:rPr kumimoji="0" lang="zh-TW" altLang="zh-TW" sz="1300" b="0" i="0" u="none" strike="noStrike" kern="1200" cap="none" spc="0" normalizeH="0" baseline="0" noProof="0">
-                  <a:ln>
-                    <a:noFill/>
-                  </a:ln>
-                  <a:solidFill>
-                    <a:srgbClr val="CF8E6D"/>
+                <a:t> </a:t>
+              </a:r>
+              <a:r>
+                <a:rPr kumimoji="0" lang="zh-TW" altLang="zh-TW" sz="2400" b="0" i="0" u="none" strike="noStrike" kern="1200" cap="none" spc="0" normalizeH="0" baseline="0" noProof="0">
+                  <a:ln>
+                    <a:noFill/>
+                  </a:ln>
+                  <a:solidFill>
+                    <a:srgbClr val="BCBEC4"/>
                   </a:solidFill>
                   <a:effectLst/>
                   <a:uLnTx/>
@@ -11539,15 +11505,15 @@
                   <a:ea typeface="微軟正黑體 Light"/>
                   <a:cs typeface="JetBrains Mono" panose="02000009000000000000" pitchFamily="49" charset="0"/>
                 </a:rPr>
-                <a:t>float </a:t>
-              </a:r>
-              <a:r>
-                <a:rPr kumimoji="0" lang="zh-TW" altLang="zh-TW" sz="1300" b="0" i="0" u="none" strike="noStrike" kern="1200" cap="none" spc="0" normalizeH="0" baseline="0" noProof="0">
-                  <a:ln>
-                    <a:noFill/>
-                  </a:ln>
-                  <a:solidFill>
-                    <a:srgbClr val="BCBEC4"/>
+                <a:t>= </a:t>
+              </a:r>
+              <a:r>
+                <a:rPr kumimoji="0" lang="zh-TW" altLang="zh-TW" sz="2400" b="0" i="0" u="none" strike="noStrike" kern="1200" cap="none" spc="0" normalizeH="0" baseline="0" noProof="0">
+                  <a:ln>
+                    <a:noFill/>
+                  </a:ln>
+                  <a:solidFill>
+                    <a:srgbClr val="2AACB8"/>
                   </a:solidFill>
                   <a:effectLst/>
                   <a:uLnTx/>
@@ -11555,10 +11521,10 @@
                   <a:ea typeface="微軟正黑體 Light"/>
                   <a:cs typeface="JetBrains Mono" panose="02000009000000000000" pitchFamily="49" charset="0"/>
                 </a:rPr>
-                <a:t>e = </a:t>
-              </a:r>
-              <a:r>
-                <a:rPr kumimoji="0" lang="zh-TW" altLang="zh-TW" sz="1300" b="0" i="0" u="none" strike="noStrike" kern="1200" cap="none" spc="0" normalizeH="0" baseline="0" noProof="0">
+                <a:t>2</a:t>
+              </a:r>
+              <a:r>
+                <a:rPr kumimoji="0" lang="en-US" altLang="zh-TW" sz="2400" b="0" i="0" u="none" strike="noStrike" kern="1200" cap="none" spc="0" normalizeH="0" baseline="0" noProof="0">
                   <a:ln>
                     <a:noFill/>
                   </a:ln>
@@ -11571,10 +11537,10 @@
                   <a:ea typeface="微軟正黑體 Light"/>
                   <a:cs typeface="JetBrains Mono" panose="02000009000000000000" pitchFamily="49" charset="0"/>
                 </a:rPr>
-                <a:t>1.414f</a:t>
-              </a:r>
-              <a:r>
-                <a:rPr kumimoji="0" lang="zh-TW" altLang="zh-TW" sz="1300" b="0" i="0" u="none" strike="noStrike" kern="1200" cap="none" spc="0" normalizeH="0" baseline="0" noProof="0">
+                <a:t>999999999L</a:t>
+              </a:r>
+              <a:r>
+                <a:rPr kumimoji="0" lang="zh-TW" altLang="zh-TW" sz="2400" b="0" i="0" u="none" strike="noStrike" kern="1200" cap="none" spc="0" normalizeH="0" baseline="0" noProof="0">
                   <a:ln>
                     <a:noFill/>
                   </a:ln>
@@ -11589,244 +11555,7 @@
                 </a:rPr>
                 <a:t>;</a:t>
               </a:r>
-              <a:br>
-                <a:rPr kumimoji="0" lang="zh-TW" altLang="zh-TW" sz="1300" b="0" i="0" u="none" strike="noStrike" kern="1200" cap="none" spc="0" normalizeH="0" baseline="0" noProof="0">
-                  <a:ln>
-                    <a:noFill/>
-                  </a:ln>
-                  <a:solidFill>
-                    <a:srgbClr val="BCBEC4"/>
-                  </a:solidFill>
-                  <a:effectLst/>
-                  <a:uLnTx/>
-                  <a:uFillTx/>
-                  <a:ea typeface="微軟正黑體 Light"/>
-                  <a:cs typeface="JetBrains Mono" panose="02000009000000000000" pitchFamily="49" charset="0"/>
-                </a:rPr>
-              </a:br>
-              <a:r>
-                <a:rPr kumimoji="0" lang="zh-TW" altLang="zh-TW" sz="1300" b="0" i="0" u="none" strike="noStrike" kern="1200" cap="none" spc="0" normalizeH="0" baseline="0" noProof="0">
-                  <a:ln>
-                    <a:noFill/>
-                  </a:ln>
-                  <a:solidFill>
-                    <a:srgbClr val="CF8E6D"/>
-                  </a:solidFill>
-                  <a:effectLst/>
-                  <a:uLnTx/>
-                  <a:uFillTx/>
-                  <a:ea typeface="微軟正黑體 Light"/>
-                  <a:cs typeface="JetBrains Mono" panose="02000009000000000000" pitchFamily="49" charset="0"/>
-                </a:rPr>
-                <a:t>double </a:t>
-              </a:r>
-              <a:r>
-                <a:rPr kumimoji="0" lang="zh-TW" altLang="zh-TW" sz="1300" b="0" i="0" u="none" strike="noStrike" kern="1200" cap="none" spc="0" normalizeH="0" baseline="0" noProof="0">
-                  <a:ln>
-                    <a:noFill/>
-                  </a:ln>
-                  <a:solidFill>
-                    <a:srgbClr val="BCBEC4"/>
-                  </a:solidFill>
-                  <a:effectLst/>
-                  <a:uLnTx/>
-                  <a:uFillTx/>
-                  <a:ea typeface="微軟正黑體 Light"/>
-                  <a:cs typeface="JetBrains Mono" panose="02000009000000000000" pitchFamily="49" charset="0"/>
-                </a:rPr>
-                <a:t>f = </a:t>
-              </a:r>
-              <a:r>
-                <a:rPr kumimoji="0" lang="zh-TW" altLang="zh-TW" sz="1300" b="0" i="0" u="none" strike="noStrike" kern="1200" cap="none" spc="0" normalizeH="0" baseline="0" noProof="0">
-                  <a:ln>
-                    <a:noFill/>
-                  </a:ln>
-                  <a:solidFill>
-                    <a:srgbClr val="2AACB8"/>
-                  </a:solidFill>
-                  <a:effectLst/>
-                  <a:uLnTx/>
-                  <a:uFillTx/>
-                  <a:ea typeface="微軟正黑體 Light"/>
-                  <a:cs typeface="JetBrains Mono" panose="02000009000000000000" pitchFamily="49" charset="0"/>
-                </a:rPr>
-                <a:t>6.8</a:t>
-              </a:r>
-              <a:r>
-                <a:rPr kumimoji="0" lang="zh-TW" altLang="zh-TW" sz="1300" b="0" i="0" u="none" strike="noStrike" kern="1200" cap="none" spc="0" normalizeH="0" baseline="0" noProof="0">
-                  <a:ln>
-                    <a:noFill/>
-                  </a:ln>
-                  <a:solidFill>
-                    <a:srgbClr val="BCBEC4"/>
-                  </a:solidFill>
-                  <a:effectLst/>
-                  <a:uLnTx/>
-                  <a:uFillTx/>
-                  <a:ea typeface="微軟正黑體 Light"/>
-                  <a:cs typeface="JetBrains Mono" panose="02000009000000000000" pitchFamily="49" charset="0"/>
-                </a:rPr>
-                <a:t>;</a:t>
-              </a:r>
-              <a:br>
-                <a:rPr kumimoji="0" lang="zh-TW" altLang="zh-TW" sz="1300" b="0" i="0" u="none" strike="noStrike" kern="1200" cap="none" spc="0" normalizeH="0" baseline="0" noProof="0">
-                  <a:ln>
-                    <a:noFill/>
-                  </a:ln>
-                  <a:solidFill>
-                    <a:srgbClr val="BCBEC4"/>
-                  </a:solidFill>
-                  <a:effectLst/>
-                  <a:uLnTx/>
-                  <a:uFillTx/>
-                  <a:ea typeface="微軟正黑體 Light"/>
-                  <a:cs typeface="JetBrains Mono" panose="02000009000000000000" pitchFamily="49" charset="0"/>
-                </a:rPr>
-              </a:br>
-              <a:r>
-                <a:rPr kumimoji="0" lang="zh-TW" altLang="zh-TW" sz="1300" b="0" i="0" u="none" strike="noStrike" kern="1200" cap="none" spc="0" normalizeH="0" baseline="0" noProof="0">
-                  <a:ln>
-                    <a:noFill/>
-                  </a:ln>
-                  <a:solidFill>
-                    <a:srgbClr val="CF8E6D"/>
-                  </a:solidFill>
-                  <a:effectLst/>
-                  <a:uLnTx/>
-                  <a:uFillTx/>
-                  <a:ea typeface="微軟正黑體 Light"/>
-                  <a:cs typeface="JetBrains Mono" panose="02000009000000000000" pitchFamily="49" charset="0"/>
-                </a:rPr>
-                <a:t>char </a:t>
-              </a:r>
-              <a:r>
-                <a:rPr kumimoji="0" lang="zh-TW" altLang="zh-TW" sz="1300" b="0" i="0" u="none" strike="noStrike" kern="1200" cap="none" spc="0" normalizeH="0" baseline="0" noProof="0">
-                  <a:ln>
-                    <a:noFill/>
-                  </a:ln>
-                  <a:solidFill>
-                    <a:srgbClr val="BCBEC4"/>
-                  </a:solidFill>
-                  <a:effectLst/>
-                  <a:uLnTx/>
-                  <a:uFillTx/>
-                  <a:ea typeface="微軟正黑體 Light"/>
-                  <a:cs typeface="JetBrains Mono" panose="02000009000000000000" pitchFamily="49" charset="0"/>
-                </a:rPr>
-                <a:t>g = </a:t>
-              </a:r>
-              <a:r>
-                <a:rPr kumimoji="0" lang="zh-TW" altLang="zh-TW" sz="1300" b="0" i="0" u="none" strike="noStrike" kern="1200" cap="none" spc="0" normalizeH="0" baseline="0" noProof="0">
-                  <a:ln>
-                    <a:noFill/>
-                  </a:ln>
-                  <a:solidFill>
-                    <a:srgbClr val="6AAB73"/>
-                  </a:solidFill>
-                  <a:effectLst/>
-                  <a:uLnTx/>
-                  <a:uFillTx/>
-                  <a:ea typeface="微軟正黑體 Light"/>
-                  <a:cs typeface="JetBrains Mono" panose="02000009000000000000" pitchFamily="49" charset="0"/>
-                </a:rPr>
-                <a:t>'z'</a:t>
-              </a:r>
-              <a:r>
-                <a:rPr kumimoji="0" lang="zh-TW" altLang="zh-TW" sz="1300" b="0" i="0" u="none" strike="noStrike" kern="1200" cap="none" spc="0" normalizeH="0" baseline="0" noProof="0">
-                  <a:ln>
-                    <a:noFill/>
-                  </a:ln>
-                  <a:solidFill>
-                    <a:srgbClr val="BCBEC4"/>
-                  </a:solidFill>
-                  <a:effectLst/>
-                  <a:uLnTx/>
-                  <a:uFillTx/>
-                  <a:ea typeface="微軟正黑體 Light"/>
-                  <a:cs typeface="JetBrains Mono" panose="02000009000000000000" pitchFamily="49" charset="0"/>
-                </a:rPr>
-                <a:t>;</a:t>
-              </a:r>
-              <a:br>
-                <a:rPr kumimoji="0" lang="zh-TW" altLang="zh-TW" sz="1300" b="0" i="0" u="none" strike="noStrike" kern="1200" cap="none" spc="0" normalizeH="0" baseline="0" noProof="0">
-                  <a:ln>
-                    <a:noFill/>
-                  </a:ln>
-                  <a:solidFill>
-                    <a:srgbClr val="BCBEC4"/>
-                  </a:solidFill>
-                  <a:effectLst/>
-                  <a:uLnTx/>
-                  <a:uFillTx/>
-                  <a:ea typeface="微軟正黑體 Light"/>
-                  <a:cs typeface="JetBrains Mono" panose="02000009000000000000" pitchFamily="49" charset="0"/>
-                </a:rPr>
-              </a:br>
-              <a:r>
-                <a:rPr kumimoji="0" lang="zh-TW" altLang="zh-TW" sz="1300" b="0" i="0" u="none" strike="noStrike" kern="1200" cap="none" spc="0" normalizeH="0" baseline="0" noProof="0">
-                  <a:ln>
-                    <a:noFill/>
-                  </a:ln>
-                  <a:solidFill>
-                    <a:srgbClr val="CF8E6D"/>
-                  </a:solidFill>
-                  <a:effectLst/>
-                  <a:uLnTx/>
-                  <a:uFillTx/>
-                  <a:ea typeface="微軟正黑體 Light"/>
-                  <a:cs typeface="JetBrains Mono" panose="02000009000000000000" pitchFamily="49" charset="0"/>
-                </a:rPr>
-                <a:t>boolean </a:t>
-              </a:r>
-              <a:r>
-                <a:rPr kumimoji="0" lang="zh-TW" altLang="zh-TW" sz="1300" b="0" i="0" u="none" strike="noStrike" kern="1200" cap="none" spc="0" normalizeH="0" baseline="0" noProof="0">
-                  <a:ln>
-                    <a:noFill/>
-                  </a:ln>
-                  <a:solidFill>
-                    <a:srgbClr val="BCBEC4"/>
-                  </a:solidFill>
-                  <a:effectLst/>
-                  <a:uLnTx/>
-                  <a:uFillTx/>
-                  <a:ea typeface="微軟正黑體 Light"/>
-                  <a:cs typeface="JetBrains Mono" panose="02000009000000000000" pitchFamily="49" charset="0"/>
-                </a:rPr>
-                <a:t>h = </a:t>
-              </a:r>
-              <a:r>
-                <a:rPr kumimoji="0" lang="zh-TW" altLang="zh-TW" sz="1300" b="0" i="0" u="none" strike="noStrike" kern="1200" cap="none" spc="0" normalizeH="0" baseline="0" noProof="0">
-                  <a:ln>
-                    <a:noFill/>
-                  </a:ln>
-                  <a:solidFill>
-                    <a:srgbClr val="CF8E6D"/>
-                  </a:solidFill>
-                  <a:effectLst/>
-                  <a:uLnTx/>
-                  <a:uFillTx/>
-                  <a:ea typeface="微軟正黑體 Light"/>
-                  <a:cs typeface="JetBrains Mono" panose="02000009000000000000" pitchFamily="49" charset="0"/>
-                </a:rPr>
-                <a:t>true</a:t>
-              </a:r>
-              <a:r>
-                <a:rPr kumimoji="0" lang="zh-TW" altLang="zh-TW" sz="1300" b="0" i="0" u="none" strike="noStrike" kern="1200" cap="none" spc="0" normalizeH="0" baseline="0" noProof="0">
-                  <a:ln>
-                    <a:noFill/>
-                  </a:ln>
-                  <a:solidFill>
-                    <a:srgbClr val="BCBEC4"/>
-                  </a:solidFill>
-                  <a:effectLst/>
-                  <a:uLnTx/>
-                  <a:uFillTx/>
-                  <a:ea typeface="微軟正黑體 Light"/>
-                  <a:cs typeface="JetBrains Mono" panose="02000009000000000000" pitchFamily="49" charset="0"/>
-                </a:rPr>
-                <a:t>;</a:t>
-              </a:r>
-              <a:endParaRPr kumimoji="0" lang="zh-TW" altLang="zh-TW" sz="1800" b="0" i="0" u="none" strike="noStrike" kern="1200" cap="none" spc="0" normalizeH="0" baseline="0" noProof="0">
+              <a:endParaRPr kumimoji="0" lang="zh-TW" altLang="zh-TW" sz="3600" b="0" i="0" u="none" strike="noStrike" kern="1200" cap="none" spc="0" normalizeH="0" baseline="0" noProof="0">
                 <a:ln>
                   <a:noFill/>
                 </a:ln>
@@ -11855,7 +11584,7 @@
           </p:nvSpPr>
           <p:spPr>
             <a:xfrm>
-              <a:off x="10333132" y="5961549"/>
+              <a:off x="10519150" y="5869218"/>
               <a:ext cx="691215" cy="369332"/>
             </a:xfrm>
             <a:prstGeom prst="rect">
@@ -11886,10 +11615,468 @@
           </p:txBody>
         </p:sp>
       </p:grpSp>
+      <p:grpSp>
+        <p:nvGrpSpPr>
+          <p:cNvPr id="11" name="群組 10">
+            <a:extLst>
+              <a:ext uri="{FF2B5EF4-FFF2-40B4-BE49-F238E27FC236}">
+                <a16:creationId xmlns:a16="http://schemas.microsoft.com/office/drawing/2014/main" id="{15E2CA3F-E225-455D-B0C0-066ED79C396A}"/>
+              </a:ext>
+            </a:extLst>
+          </p:cNvPr>
+          <p:cNvGrpSpPr/>
+          <p:nvPr/>
+        </p:nvGrpSpPr>
+        <p:grpSpPr>
+          <a:xfrm>
+            <a:off x="5674659" y="4714255"/>
+            <a:ext cx="4928347" cy="1569660"/>
+            <a:chOff x="6813177" y="4668889"/>
+            <a:chExt cx="4928347" cy="1569660"/>
+          </a:xfrm>
+        </p:grpSpPr>
+        <p:sp>
+          <p:nvSpPr>
+            <p:cNvPr id="12" name="Rectangle 6">
+              <a:extLst>
+                <a:ext uri="{FF2B5EF4-FFF2-40B4-BE49-F238E27FC236}">
+                  <a16:creationId xmlns:a16="http://schemas.microsoft.com/office/drawing/2014/main" id="{C1129C0B-0532-4601-80F9-F7713FF6BEFE}"/>
+                </a:ext>
+              </a:extLst>
+            </p:cNvPr>
+            <p:cNvSpPr>
+              <a:spLocks noChangeArrowheads="1"/>
+            </p:cNvSpPr>
+            <p:nvPr/>
+          </p:nvSpPr>
+          <p:spPr bwMode="auto">
+            <a:xfrm>
+              <a:off x="6813177" y="4668889"/>
+              <a:ext cx="4928347" cy="1569660"/>
+            </a:xfrm>
+            <a:prstGeom prst="rect">
+              <a:avLst/>
+            </a:prstGeom>
+            <a:solidFill>
+              <a:srgbClr val="1E1F22"/>
+            </a:solidFill>
+            <a:ln>
+              <a:noFill/>
+            </a:ln>
+            <a:effectLst/>
+            <a:extLst>
+              <a:ext uri="{91240B29-F687-4F45-9708-019B960494DF}">
+                <a14:hiddenLine xmlns:a14="http://schemas.microsoft.com/office/drawing/2010/main" w="9525">
+                  <a:solidFill>
+                    <a:schemeClr val="tx1"/>
+                  </a:solidFill>
+                  <a:miter lim="800000"/>
+                  <a:headEnd/>
+                  <a:tailEnd/>
+                </a14:hiddenLine>
+              </a:ext>
+              <a:ext uri="{AF507438-7753-43E0-B8FC-AC1667EBCBE1}">
+                <a14:hiddenEffects xmlns:a14="http://schemas.microsoft.com/office/drawing/2010/main">
+                  <a:effectLst>
+                    <a:outerShdw dist="35921" dir="2700000" algn="ctr" rotWithShape="0">
+                      <a:schemeClr val="bg2"/>
+                    </a:outerShdw>
+                  </a:effectLst>
+                </a14:hiddenEffects>
+              </a:ext>
+            </a:extLst>
+          </p:spPr>
+          <p:txBody>
+            <a:bodyPr vert="horz" wrap="square" lIns="91440" tIns="45720" rIns="91440" bIns="45720" numCol="1" anchor="ctr" anchorCtr="0" compatLnSpc="1">
+              <a:prstTxWarp prst="textNoShape">
+                <a:avLst/>
+              </a:prstTxWarp>
+              <a:spAutoFit/>
+            </a:bodyPr>
+            <a:lstStyle/>
+            <a:p>
+              <a:pPr marL="0" marR="0" lvl="0" indent="0" algn="l" defTabSz="914400" rtl="0" eaLnBrk="0" fontAlgn="base" latinLnBrk="0" hangingPunct="0">
+                <a:lnSpc>
+                  <a:spcPct val="100000"/>
+                </a:lnSpc>
+                <a:spcBef>
+                  <a:spcPct val="0"/>
+                </a:spcBef>
+                <a:spcAft>
+                  <a:spcPct val="0"/>
+                </a:spcAft>
+                <a:buClrTx/>
+                <a:buSzTx/>
+                <a:buFontTx/>
+                <a:buNone/>
+                <a:tabLst/>
+                <a:defRPr/>
+              </a:pPr>
+              <a:r>
+                <a:rPr kumimoji="0" lang="zh-TW" altLang="zh-TW" sz="2400" b="0" i="0" u="none" strike="noStrike" kern="1200" cap="none" spc="0" normalizeH="0" baseline="0" noProof="0">
+                  <a:ln>
+                    <a:noFill/>
+                  </a:ln>
+                  <a:solidFill>
+                    <a:srgbClr val="CF8E6D"/>
+                  </a:solidFill>
+                  <a:effectLst/>
+                  <a:uLnTx/>
+                  <a:uFillTx/>
+                  <a:ea typeface="微軟正黑體 Light"/>
+                  <a:cs typeface="JetBrains Mono" panose="02000009000000000000" pitchFamily="49" charset="0"/>
+                </a:rPr>
+                <a:t>float </a:t>
+              </a:r>
+              <a:r>
+                <a:rPr kumimoji="0" lang="zh-TW" altLang="zh-TW" sz="2400" b="0" i="0" u="none" strike="noStrike" kern="1200" cap="none" spc="0" normalizeH="0" baseline="0" noProof="0">
+                  <a:ln>
+                    <a:noFill/>
+                  </a:ln>
+                  <a:solidFill>
+                    <a:srgbClr val="BCBEC4"/>
+                  </a:solidFill>
+                  <a:effectLst/>
+                  <a:uLnTx/>
+                  <a:uFillTx/>
+                  <a:ea typeface="微軟正黑體 Light"/>
+                  <a:cs typeface="JetBrains Mono" panose="02000009000000000000" pitchFamily="49" charset="0"/>
+                </a:rPr>
+                <a:t>e = </a:t>
+              </a:r>
+              <a:r>
+                <a:rPr kumimoji="0" lang="zh-TW" altLang="zh-TW" sz="2400" b="0" i="0" u="none" strike="noStrike" kern="1200" cap="none" spc="0" normalizeH="0" baseline="0" noProof="0">
+                  <a:ln>
+                    <a:noFill/>
+                  </a:ln>
+                  <a:solidFill>
+                    <a:srgbClr val="2AACB8"/>
+                  </a:solidFill>
+                  <a:effectLst/>
+                  <a:uLnTx/>
+                  <a:uFillTx/>
+                  <a:ea typeface="微軟正黑體 Light"/>
+                  <a:cs typeface="JetBrains Mono" panose="02000009000000000000" pitchFamily="49" charset="0"/>
+                </a:rPr>
+                <a:t>1.414f</a:t>
+              </a:r>
+              <a:r>
+                <a:rPr kumimoji="0" lang="zh-TW" altLang="zh-TW" sz="2400" b="0" i="0" u="none" strike="noStrike" kern="1200" cap="none" spc="0" normalizeH="0" baseline="0" noProof="0">
+                  <a:ln>
+                    <a:noFill/>
+                  </a:ln>
+                  <a:solidFill>
+                    <a:srgbClr val="BCBEC4"/>
+                  </a:solidFill>
+                  <a:effectLst/>
+                  <a:uLnTx/>
+                  <a:uFillTx/>
+                  <a:ea typeface="微軟正黑體 Light"/>
+                  <a:cs typeface="JetBrains Mono" panose="02000009000000000000" pitchFamily="49" charset="0"/>
+                </a:rPr>
+                <a:t>;</a:t>
+              </a:r>
+              <a:br>
+                <a:rPr kumimoji="0" lang="zh-TW" altLang="zh-TW" sz="2400" b="0" i="0" u="none" strike="noStrike" kern="1200" cap="none" spc="0" normalizeH="0" baseline="0" noProof="0">
+                  <a:ln>
+                    <a:noFill/>
+                  </a:ln>
+                  <a:solidFill>
+                    <a:srgbClr val="BCBEC4"/>
+                  </a:solidFill>
+                  <a:effectLst/>
+                  <a:uLnTx/>
+                  <a:uFillTx/>
+                  <a:ea typeface="微軟正黑體 Light"/>
+                  <a:cs typeface="JetBrains Mono" panose="02000009000000000000" pitchFamily="49" charset="0"/>
+                </a:rPr>
+              </a:br>
+              <a:r>
+                <a:rPr kumimoji="0" lang="zh-TW" altLang="zh-TW" sz="2400" b="0" i="0" u="none" strike="noStrike" kern="1200" cap="none" spc="0" normalizeH="0" baseline="0" noProof="0">
+                  <a:ln>
+                    <a:noFill/>
+                  </a:ln>
+                  <a:solidFill>
+                    <a:srgbClr val="CF8E6D"/>
+                  </a:solidFill>
+                  <a:effectLst/>
+                  <a:uLnTx/>
+                  <a:uFillTx/>
+                  <a:ea typeface="微軟正黑體 Light"/>
+                  <a:cs typeface="JetBrains Mono" panose="02000009000000000000" pitchFamily="49" charset="0"/>
+                </a:rPr>
+                <a:t>double </a:t>
+              </a:r>
+              <a:r>
+                <a:rPr kumimoji="0" lang="zh-TW" altLang="zh-TW" sz="2400" b="0" i="0" u="none" strike="noStrike" kern="1200" cap="none" spc="0" normalizeH="0" baseline="0" noProof="0">
+                  <a:ln>
+                    <a:noFill/>
+                  </a:ln>
+                  <a:solidFill>
+                    <a:srgbClr val="BCBEC4"/>
+                  </a:solidFill>
+                  <a:effectLst/>
+                  <a:uLnTx/>
+                  <a:uFillTx/>
+                  <a:ea typeface="微軟正黑體 Light"/>
+                  <a:cs typeface="JetBrains Mono" panose="02000009000000000000" pitchFamily="49" charset="0"/>
+                </a:rPr>
+                <a:t>f = </a:t>
+              </a:r>
+              <a:r>
+                <a:rPr kumimoji="0" lang="zh-TW" altLang="zh-TW" sz="2400" b="0" i="0" u="none" strike="noStrike" kern="1200" cap="none" spc="0" normalizeH="0" baseline="0" noProof="0">
+                  <a:ln>
+                    <a:noFill/>
+                  </a:ln>
+                  <a:solidFill>
+                    <a:srgbClr val="2AACB8"/>
+                  </a:solidFill>
+                  <a:effectLst/>
+                  <a:uLnTx/>
+                  <a:uFillTx/>
+                  <a:ea typeface="微軟正黑體 Light"/>
+                  <a:cs typeface="JetBrains Mono" panose="02000009000000000000" pitchFamily="49" charset="0"/>
+                </a:rPr>
+                <a:t>6.8</a:t>
+              </a:r>
+              <a:r>
+                <a:rPr kumimoji="0" lang="zh-TW" altLang="zh-TW" sz="2400" b="0" i="0" u="none" strike="noStrike" kern="1200" cap="none" spc="0" normalizeH="0" baseline="0" noProof="0">
+                  <a:ln>
+                    <a:noFill/>
+                  </a:ln>
+                  <a:solidFill>
+                    <a:srgbClr val="BCBEC4"/>
+                  </a:solidFill>
+                  <a:effectLst/>
+                  <a:uLnTx/>
+                  <a:uFillTx/>
+                  <a:ea typeface="微軟正黑體 Light"/>
+                  <a:cs typeface="JetBrains Mono" panose="02000009000000000000" pitchFamily="49" charset="0"/>
+                </a:rPr>
+                <a:t>;</a:t>
+              </a:r>
+              <a:br>
+                <a:rPr kumimoji="0" lang="zh-TW" altLang="zh-TW" sz="2400" b="0" i="0" u="none" strike="noStrike" kern="1200" cap="none" spc="0" normalizeH="0" baseline="0" noProof="0">
+                  <a:ln>
+                    <a:noFill/>
+                  </a:ln>
+                  <a:solidFill>
+                    <a:srgbClr val="BCBEC4"/>
+                  </a:solidFill>
+                  <a:effectLst/>
+                  <a:uLnTx/>
+                  <a:uFillTx/>
+                  <a:ea typeface="微軟正黑體 Light"/>
+                  <a:cs typeface="JetBrains Mono" panose="02000009000000000000" pitchFamily="49" charset="0"/>
+                </a:rPr>
+              </a:br>
+              <a:r>
+                <a:rPr kumimoji="0" lang="zh-TW" altLang="zh-TW" sz="2400" b="0" i="0" u="none" strike="noStrike" kern="1200" cap="none" spc="0" normalizeH="0" baseline="0" noProof="0">
+                  <a:ln>
+                    <a:noFill/>
+                  </a:ln>
+                  <a:solidFill>
+                    <a:srgbClr val="CF8E6D"/>
+                  </a:solidFill>
+                  <a:effectLst/>
+                  <a:uLnTx/>
+                  <a:uFillTx/>
+                  <a:ea typeface="微軟正黑體 Light"/>
+                  <a:cs typeface="JetBrains Mono" panose="02000009000000000000" pitchFamily="49" charset="0"/>
+                </a:rPr>
+                <a:t>char </a:t>
+              </a:r>
+              <a:r>
+                <a:rPr kumimoji="0" lang="zh-TW" altLang="zh-TW" sz="2400" b="0" i="0" u="none" strike="noStrike" kern="1200" cap="none" spc="0" normalizeH="0" baseline="0" noProof="0">
+                  <a:ln>
+                    <a:noFill/>
+                  </a:ln>
+                  <a:solidFill>
+                    <a:srgbClr val="BCBEC4"/>
+                  </a:solidFill>
+                  <a:effectLst/>
+                  <a:uLnTx/>
+                  <a:uFillTx/>
+                  <a:ea typeface="微軟正黑體 Light"/>
+                  <a:cs typeface="JetBrains Mono" panose="02000009000000000000" pitchFamily="49" charset="0"/>
+                </a:rPr>
+                <a:t>g = </a:t>
+              </a:r>
+              <a:r>
+                <a:rPr kumimoji="0" lang="zh-TW" altLang="zh-TW" sz="2400" b="0" i="0" u="none" strike="noStrike" kern="1200" cap="none" spc="0" normalizeH="0" baseline="0" noProof="0">
+                  <a:ln>
+                    <a:noFill/>
+                  </a:ln>
+                  <a:solidFill>
+                    <a:srgbClr val="6AAB73"/>
+                  </a:solidFill>
+                  <a:effectLst/>
+                  <a:uLnTx/>
+                  <a:uFillTx/>
+                  <a:ea typeface="微軟正黑體 Light"/>
+                  <a:cs typeface="JetBrains Mono" panose="02000009000000000000" pitchFamily="49" charset="0"/>
+                </a:rPr>
+                <a:t>'z'</a:t>
+              </a:r>
+              <a:r>
+                <a:rPr kumimoji="0" lang="zh-TW" altLang="zh-TW" sz="2400" b="0" i="0" u="none" strike="noStrike" kern="1200" cap="none" spc="0" normalizeH="0" baseline="0" noProof="0">
+                  <a:ln>
+                    <a:noFill/>
+                  </a:ln>
+                  <a:solidFill>
+                    <a:srgbClr val="BCBEC4"/>
+                  </a:solidFill>
+                  <a:effectLst/>
+                  <a:uLnTx/>
+                  <a:uFillTx/>
+                  <a:ea typeface="微軟正黑體 Light"/>
+                  <a:cs typeface="JetBrains Mono" panose="02000009000000000000" pitchFamily="49" charset="0"/>
+                </a:rPr>
+                <a:t>;</a:t>
+              </a:r>
+              <a:br>
+                <a:rPr kumimoji="0" lang="zh-TW" altLang="zh-TW" sz="2400" b="0" i="0" u="none" strike="noStrike" kern="1200" cap="none" spc="0" normalizeH="0" baseline="0" noProof="0">
+                  <a:ln>
+                    <a:noFill/>
+                  </a:ln>
+                  <a:solidFill>
+                    <a:srgbClr val="BCBEC4"/>
+                  </a:solidFill>
+                  <a:effectLst/>
+                  <a:uLnTx/>
+                  <a:uFillTx/>
+                  <a:ea typeface="微軟正黑體 Light"/>
+                  <a:cs typeface="JetBrains Mono" panose="02000009000000000000" pitchFamily="49" charset="0"/>
+                </a:rPr>
+              </a:br>
+              <a:r>
+                <a:rPr kumimoji="0" lang="zh-TW" altLang="zh-TW" sz="2400" b="0" i="0" u="none" strike="noStrike" kern="1200" cap="none" spc="0" normalizeH="0" baseline="0" noProof="0">
+                  <a:ln>
+                    <a:noFill/>
+                  </a:ln>
+                  <a:solidFill>
+                    <a:srgbClr val="CF8E6D"/>
+                  </a:solidFill>
+                  <a:effectLst/>
+                  <a:uLnTx/>
+                  <a:uFillTx/>
+                  <a:ea typeface="微軟正黑體 Light"/>
+                  <a:cs typeface="JetBrains Mono" panose="02000009000000000000" pitchFamily="49" charset="0"/>
+                </a:rPr>
+                <a:t>boolean </a:t>
+              </a:r>
+              <a:r>
+                <a:rPr kumimoji="0" lang="zh-TW" altLang="zh-TW" sz="2400" b="0" i="0" u="none" strike="noStrike" kern="1200" cap="none" spc="0" normalizeH="0" baseline="0" noProof="0">
+                  <a:ln>
+                    <a:noFill/>
+                  </a:ln>
+                  <a:solidFill>
+                    <a:srgbClr val="BCBEC4"/>
+                  </a:solidFill>
+                  <a:effectLst/>
+                  <a:uLnTx/>
+                  <a:uFillTx/>
+                  <a:ea typeface="微軟正黑體 Light"/>
+                  <a:cs typeface="JetBrains Mono" panose="02000009000000000000" pitchFamily="49" charset="0"/>
+                </a:rPr>
+                <a:t>h = </a:t>
+              </a:r>
+              <a:r>
+                <a:rPr kumimoji="0" lang="zh-TW" altLang="zh-TW" sz="2400" b="0" i="0" u="none" strike="noStrike" kern="1200" cap="none" spc="0" normalizeH="0" baseline="0" noProof="0">
+                  <a:ln>
+                    <a:noFill/>
+                  </a:ln>
+                  <a:solidFill>
+                    <a:srgbClr val="CF8E6D"/>
+                  </a:solidFill>
+                  <a:effectLst/>
+                  <a:uLnTx/>
+                  <a:uFillTx/>
+                  <a:ea typeface="微軟正黑體 Light"/>
+                  <a:cs typeface="JetBrains Mono" panose="02000009000000000000" pitchFamily="49" charset="0"/>
+                </a:rPr>
+                <a:t>true</a:t>
+              </a:r>
+              <a:r>
+                <a:rPr kumimoji="0" lang="zh-TW" altLang="zh-TW" sz="2400" b="0" i="0" u="none" strike="noStrike" kern="1200" cap="none" spc="0" normalizeH="0" baseline="0" noProof="0">
+                  <a:ln>
+                    <a:noFill/>
+                  </a:ln>
+                  <a:solidFill>
+                    <a:srgbClr val="BCBEC4"/>
+                  </a:solidFill>
+                  <a:effectLst/>
+                  <a:uLnTx/>
+                  <a:uFillTx/>
+                  <a:ea typeface="微軟正黑體 Light"/>
+                  <a:cs typeface="JetBrains Mono" panose="02000009000000000000" pitchFamily="49" charset="0"/>
+                </a:rPr>
+                <a:t>;</a:t>
+              </a:r>
+              <a:endParaRPr kumimoji="0" lang="zh-TW" altLang="zh-TW" sz="3600" b="0" i="0" u="none" strike="noStrike" kern="1200" cap="none" spc="0" normalizeH="0" baseline="0" noProof="0">
+                <a:ln>
+                  <a:noFill/>
+                </a:ln>
+                <a:solidFill>
+                  <a:prstClr val="white"/>
+                </a:solidFill>
+                <a:effectLst/>
+                <a:uLnTx/>
+                <a:uFillTx/>
+                <a:ea typeface="微軟正黑體 Light"/>
+              </a:endParaRPr>
+            </a:p>
+          </p:txBody>
+        </p:sp>
+        <p:sp>
+          <p:nvSpPr>
+            <p:cNvPr id="13" name="文字方塊 12">
+              <a:extLst>
+                <a:ext uri="{FF2B5EF4-FFF2-40B4-BE49-F238E27FC236}">
+                  <a16:creationId xmlns:a16="http://schemas.microsoft.com/office/drawing/2014/main" id="{4F1AE356-18D2-4F96-B6F6-0EEBF916045D}"/>
+                </a:ext>
+              </a:extLst>
+            </p:cNvPr>
+            <p:cNvSpPr txBox="1"/>
+            <p:nvPr/>
+          </p:nvSpPr>
+          <p:spPr>
+            <a:xfrm>
+              <a:off x="11050308" y="5869217"/>
+              <a:ext cx="691215" cy="369332"/>
+            </a:xfrm>
+            <a:prstGeom prst="rect">
+              <a:avLst/>
+            </a:prstGeom>
+            <a:noFill/>
+          </p:spPr>
+          <p:txBody>
+            <a:bodyPr wrap="none" rtlCol="0">
+              <a:spAutoFit/>
+            </a:bodyPr>
+            <a:lstStyle/>
+            <a:p>
+              <a:r>
+                <a:rPr lang="en-US" altLang="zh-TW">
+                  <a:solidFill>
+                    <a:schemeClr val="accent3"/>
+                  </a:solidFill>
+                </a:rPr>
+                <a:t>java</a:t>
+              </a:r>
+              <a:endParaRPr lang="zh-TW" altLang="en-US">
+                <a:solidFill>
+                  <a:schemeClr val="accent3"/>
+                </a:solidFill>
+              </a:endParaRPr>
+            </a:p>
+          </p:txBody>
+        </p:sp>
+      </p:grpSp>
     </p:spTree>
     <p:extLst>
       <p:ext uri="{BB962C8B-B14F-4D97-AF65-F5344CB8AC3E}">
-        <p14:creationId xmlns:p14="http://schemas.microsoft.com/office/powerpoint/2010/main" val="1249155745"/>
+        <p14:creationId xmlns:p14="http://schemas.microsoft.com/office/powerpoint/2010/main" val="1004309032"/>
       </p:ext>
     </p:extLst>
   </p:cSld>
@@ -11975,8 +12162,8 @@
         </p:nvSpPr>
         <p:spPr>
           <a:xfrm>
-            <a:off x="838200" y="1332564"/>
-            <a:ext cx="10515600" cy="584775"/>
+            <a:off x="838200" y="1448641"/>
+            <a:ext cx="10515600" cy="588674"/>
           </a:xfrm>
         </p:spPr>
         <p:txBody>
@@ -11993,15 +12180,15 @@
             </a:r>
             <a:r>
               <a:rPr lang="zh-TW" altLang="en-US"/>
-              <a:t>中可以宣告</a:t>
+              <a:t>中，賦值</a:t>
             </a:r>
             <a:r>
               <a:rPr lang="en-US" altLang="zh-TW"/>
-              <a:t>(declare)</a:t>
+              <a:t>(assign)</a:t>
             </a:r>
             <a:r>
               <a:rPr lang="zh-TW" altLang="en-US"/>
-              <a:t>變數，宣告的方式有兩種：</a:t>
+              <a:t>給變數的方式如下：</a:t>
             </a:r>
             <a:endParaRPr lang="en-US" altLang="zh-TW"/>
           </a:p>
@@ -12024,10 +12211,10 @@
         </p:nvGrpSpPr>
         <p:grpSpPr>
           <a:xfrm>
-            <a:off x="903194" y="1808562"/>
-            <a:ext cx="10121153" cy="646331"/>
-            <a:chOff x="903194" y="1808562"/>
-            <a:chExt cx="10121153" cy="646331"/>
+            <a:off x="903194" y="1959472"/>
+            <a:ext cx="10121153" cy="461665"/>
+            <a:chOff x="903194" y="1900896"/>
+            <a:chExt cx="10121153" cy="461665"/>
           </a:xfrm>
         </p:grpSpPr>
         <p:sp>
@@ -12046,8 +12233,8 @@
           </p:nvSpPr>
           <p:spPr bwMode="auto">
             <a:xfrm>
-              <a:off x="903194" y="1808562"/>
-              <a:ext cx="10121153" cy="646331"/>
+              <a:off x="903194" y="1900896"/>
+              <a:ext cx="10121153" cy="461665"/>
             </a:xfrm>
             <a:prstGeom prst="rect">
               <a:avLst/>
@@ -12107,175 +12294,54 @@
                 <a:tabLst/>
               </a:pPr>
               <a:r>
-                <a:rPr kumimoji="0" lang="zh-TW" altLang="en-US" b="0" i="0" u="none" strike="noStrike" cap="none" normalizeH="0" baseline="0">
-                  <a:ln>
-                    <a:noFill/>
-                  </a:ln>
-                  <a:solidFill>
-                    <a:srgbClr val="CF8E6D"/>
+                <a:rPr kumimoji="0" lang="zh-TW" altLang="en-US" sz="2400" b="0" i="0" u="none" strike="noStrike" cap="none" normalizeH="0" baseline="0">
+                  <a:ln>
+                    <a:noFill/>
+                  </a:ln>
+                  <a:solidFill>
+                    <a:srgbClr val="BCBEC4"/>
                   </a:solidFill>
                   <a:effectLst/>
                   <a:ea typeface="+mj-ea"/>
                   <a:cs typeface="JetBrains Mono" panose="02000009000000000000" pitchFamily="49" charset="0"/>
                 </a:rPr>
-                <a:t>資料型態</a:t>
-              </a:r>
-              <a:r>
-                <a:rPr kumimoji="0" lang="zh-TW" altLang="zh-TW" b="0" i="0" u="none" strike="noStrike" cap="none" normalizeH="0" baseline="0">
-                  <a:ln>
-                    <a:noFill/>
-                  </a:ln>
-                  <a:solidFill>
-                    <a:srgbClr val="CF8E6D"/>
+                <a:t>變數名稱</a:t>
+              </a:r>
+              <a:r>
+                <a:rPr kumimoji="0" lang="zh-TW" altLang="zh-TW" sz="2400" b="0" i="0" u="none" strike="noStrike" cap="none" normalizeH="0" baseline="0">
+                  <a:ln>
+                    <a:noFill/>
+                  </a:ln>
+                  <a:solidFill>
+                    <a:srgbClr val="BCBEC4"/>
                   </a:solidFill>
                   <a:effectLst/>
                   <a:ea typeface="+mj-ea"/>
                   <a:cs typeface="JetBrains Mono" panose="02000009000000000000" pitchFamily="49" charset="0"/>
                 </a:rPr>
-                <a:t> </a:t>
-              </a:r>
-              <a:r>
-                <a:rPr lang="zh-TW" altLang="en-US">
+                <a:t> = </a:t>
+              </a:r>
+              <a:r>
+                <a:rPr lang="zh-TW" altLang="en-US" sz="2400">
+                  <a:solidFill>
+                    <a:srgbClr val="2AACB8"/>
+                  </a:solidFill>
+                  <a:ea typeface="+mj-ea"/>
+                  <a:cs typeface="JetBrains Mono" panose="02000009000000000000" pitchFamily="49" charset="0"/>
+                </a:rPr>
+                <a:t>值</a:t>
+              </a:r>
+              <a:r>
+                <a:rPr lang="en-US" altLang="zh-TW" sz="2400">
                   <a:solidFill>
                     <a:srgbClr val="BCBEC4"/>
                   </a:solidFill>
                   <a:ea typeface="+mj-ea"/>
                   <a:cs typeface="JetBrains Mono" panose="02000009000000000000" pitchFamily="49" charset="0"/>
                 </a:rPr>
-                <a:t>變數名稱</a:t>
-              </a:r>
-              <a:r>
-                <a:rPr kumimoji="0" lang="zh-TW" altLang="zh-TW" b="0" i="0" u="none" strike="noStrike" cap="none" normalizeH="0" baseline="0">
-                  <a:ln>
-                    <a:noFill/>
-                  </a:ln>
-                  <a:solidFill>
-                    <a:srgbClr val="BCBEC4"/>
-                  </a:solidFill>
-                  <a:effectLst/>
-                  <a:ea typeface="+mj-ea"/>
-                  <a:cs typeface="JetBrains Mono" panose="02000009000000000000" pitchFamily="49" charset="0"/>
-                </a:rPr>
-                <a:t>; </a:t>
-              </a:r>
-              <a:r>
-                <a:rPr kumimoji="0" lang="zh-TW" altLang="zh-TW" b="0" i="0" u="none" strike="noStrike" cap="none" normalizeH="0" baseline="0">
-                  <a:ln>
-                    <a:noFill/>
-                  </a:ln>
-                  <a:solidFill>
-                    <a:srgbClr val="7A7E85"/>
-                  </a:solidFill>
-                  <a:effectLst/>
-                  <a:ea typeface="+mj-ea"/>
-                  <a:cs typeface="JetBrains Mono" panose="02000009000000000000" pitchFamily="49" charset="0"/>
-                </a:rPr>
-                <a:t>// 第一種</a:t>
-              </a:r>
-              <a:br>
-                <a:rPr kumimoji="0" lang="zh-TW" altLang="zh-TW" b="0" i="0" u="none" strike="noStrike" cap="none" normalizeH="0" baseline="0">
-                  <a:ln>
-                    <a:noFill/>
-                  </a:ln>
-                  <a:solidFill>
-                    <a:srgbClr val="7A7E85"/>
-                  </a:solidFill>
-                  <a:effectLst/>
-                  <a:ea typeface="+mj-ea"/>
-                  <a:cs typeface="JetBrains Mono" panose="02000009000000000000" pitchFamily="49" charset="0"/>
-                </a:rPr>
-              </a:br>
-              <a:r>
-                <a:rPr lang="zh-TW" altLang="en-US">
-                  <a:solidFill>
-                    <a:srgbClr val="CF8E6D"/>
-                  </a:solidFill>
-                  <a:ea typeface="+mj-ea"/>
-                  <a:cs typeface="JetBrains Mono" panose="02000009000000000000" pitchFamily="49" charset="0"/>
-                </a:rPr>
-                <a:t>資料型態</a:t>
-              </a:r>
-              <a:r>
-                <a:rPr kumimoji="0" lang="zh-TW" altLang="zh-TW" b="0" i="0" u="none" strike="noStrike" cap="none" normalizeH="0" baseline="0">
-                  <a:ln>
-                    <a:noFill/>
-                  </a:ln>
-                  <a:solidFill>
-                    <a:srgbClr val="CF8E6D"/>
-                  </a:solidFill>
-                  <a:effectLst/>
-                  <a:ea typeface="+mj-ea"/>
-                  <a:cs typeface="JetBrains Mono" panose="02000009000000000000" pitchFamily="49" charset="0"/>
-                </a:rPr>
-                <a:t> </a:t>
-              </a:r>
-              <a:r>
-                <a:rPr kumimoji="0" lang="zh-TW" altLang="en-US" b="0" i="0" u="none" strike="noStrike" cap="none" normalizeH="0" baseline="0">
-                  <a:ln>
-                    <a:noFill/>
-                  </a:ln>
-                  <a:solidFill>
-                    <a:srgbClr val="BCBEC4"/>
-                  </a:solidFill>
-                  <a:effectLst/>
-                  <a:ea typeface="+mj-ea"/>
-                  <a:cs typeface="JetBrains Mono" panose="02000009000000000000" pitchFamily="49" charset="0"/>
-                </a:rPr>
-                <a:t>變數名稱</a:t>
-              </a:r>
-              <a:r>
-                <a:rPr kumimoji="0" lang="zh-TW" altLang="zh-TW" b="0" i="0" u="none" strike="noStrike" cap="none" normalizeH="0" baseline="0">
-                  <a:ln>
-                    <a:noFill/>
-                  </a:ln>
-                  <a:solidFill>
-                    <a:srgbClr val="BCBEC4"/>
-                  </a:solidFill>
-                  <a:effectLst/>
-                  <a:ea typeface="+mj-ea"/>
-                  <a:cs typeface="JetBrains Mono" panose="02000009000000000000" pitchFamily="49" charset="0"/>
-                </a:rPr>
-                <a:t> = </a:t>
-              </a:r>
-              <a:r>
-                <a:rPr lang="zh-TW" altLang="en-US">
-                  <a:solidFill>
-                    <a:srgbClr val="2AACB8"/>
-                  </a:solidFill>
-                  <a:ea typeface="+mj-ea"/>
-                  <a:cs typeface="JetBrains Mono" panose="02000009000000000000" pitchFamily="49" charset="0"/>
-                </a:rPr>
-                <a:t>初始值</a:t>
-              </a:r>
-              <a:r>
-                <a:rPr kumimoji="0" lang="zh-TW" altLang="zh-TW" b="0" i="0" u="none" strike="noStrike" cap="none" normalizeH="0" baseline="0">
-                  <a:ln>
-                    <a:noFill/>
-                  </a:ln>
-                  <a:solidFill>
-                    <a:srgbClr val="BCBEC4"/>
-                  </a:solidFill>
-                  <a:effectLst/>
-                  <a:ea typeface="+mj-ea"/>
-                  <a:cs typeface="JetBrains Mono" panose="02000009000000000000" pitchFamily="49" charset="0"/>
-                </a:rPr>
-                <a:t>; </a:t>
-              </a:r>
-              <a:r>
-                <a:rPr kumimoji="0" lang="zh-TW" altLang="zh-TW" b="0" i="0" u="none" strike="noStrike" cap="none" normalizeH="0" baseline="0">
-                  <a:ln>
-                    <a:noFill/>
-                  </a:ln>
-                  <a:solidFill>
-                    <a:srgbClr val="7A7E85"/>
-                  </a:solidFill>
-                  <a:effectLst/>
-                  <a:ea typeface="+mj-ea"/>
-                  <a:cs typeface="JetBrains Mono" panose="02000009000000000000" pitchFamily="49" charset="0"/>
-                </a:rPr>
-                <a:t>// 第二種</a:t>
-              </a:r>
-              <a:endParaRPr kumimoji="0" lang="zh-TW" altLang="zh-TW" b="0" i="0" u="none" strike="noStrike" cap="none" normalizeH="0" baseline="0">
+                <a:t>;</a:t>
+              </a:r>
+              <a:endParaRPr kumimoji="0" lang="zh-TW" altLang="zh-TW" sz="2400" b="0" i="0" u="none" strike="noStrike" cap="none" normalizeH="0" baseline="0">
                 <a:ln>
                   <a:noFill/>
                 </a:ln>
@@ -12302,7 +12368,7 @@
           </p:nvSpPr>
           <p:spPr>
             <a:xfrm>
-              <a:off x="10333132" y="2080527"/>
+              <a:off x="10333132" y="1978739"/>
               <a:ext cx="691215" cy="369332"/>
             </a:xfrm>
             <a:prstGeom prst="rect">
@@ -12349,8 +12415,8 @@
         </p:nvSpPr>
         <p:spPr>
           <a:xfrm>
-            <a:off x="838200" y="2583323"/>
-            <a:ext cx="10515600" cy="2134359"/>
+            <a:off x="838199" y="2554285"/>
+            <a:ext cx="10896601" cy="2086632"/>
           </a:xfrm>
           <a:prstGeom prst="rect">
             <a:avLst/>
@@ -12527,41 +12593,38 @@
           <a:p>
             <a:r>
               <a:rPr lang="zh-TW" altLang="en-US"/>
-              <a:t>第一種是只有宣告變數，沒有初始化數變，沒有初始化前為</a:t>
-            </a:r>
-            <a:r>
-              <a:rPr lang="en-US" altLang="zh-TW"/>
-              <a:t>null</a:t>
-            </a:r>
-          </a:p>
-          <a:p>
-            <a:r>
-              <a:rPr lang="zh-TW" altLang="en-US"/>
-              <a:t>第二種是宣告變數，並且初始化變數的值為初始值</a:t>
+              <a:t>若變數還沒有初始化，則這個陳述式就是初始化變數</a:t>
             </a:r>
             <a:endParaRPr lang="en-US" altLang="zh-TW"/>
           </a:p>
           <a:p>
             <a:r>
               <a:rPr lang="zh-TW" altLang="en-US"/>
-              <a:t>兩種都是陳述式，所以皆需單獨一行，且結尾需有一個分號</a:t>
+              <a:t>若變數已初始化，則這個陳述式就是重新賦值給變數，</a:t>
             </a:r>
             <a:endParaRPr lang="en-US" altLang="zh-TW"/>
           </a:p>
           <a:p>
             <a:r>
               <a:rPr lang="zh-TW" altLang="en-US"/>
-              <a:t>舉例：</a:t>
+              <a:t>且值的資料型別必須和變數相同</a:t>
+            </a:r>
+            <a:endParaRPr lang="en-US" altLang="zh-TW"/>
+          </a:p>
+          <a:p>
+            <a:r>
+              <a:rPr lang="zh-TW" altLang="en-US"/>
+              <a:t>賦值可以是陳述式也可以是表達式。舉例：</a:t>
             </a:r>
           </a:p>
         </p:txBody>
       </p:sp>
       <p:grpSp>
         <p:nvGrpSpPr>
-          <p:cNvPr id="22" name="群組 21">
+          <p:cNvPr id="18" name="群組 17">
             <a:extLst>
               <a:ext uri="{FF2B5EF4-FFF2-40B4-BE49-F238E27FC236}">
-                <a16:creationId xmlns:a16="http://schemas.microsoft.com/office/drawing/2014/main" id="{95D215E6-6C28-4E56-930F-429A659F7095}"/>
+                <a16:creationId xmlns:a16="http://schemas.microsoft.com/office/drawing/2014/main" id="{5311C2B7-E70B-47D0-A7B4-5595821D7E4A}"/>
               </a:ext>
             </a:extLst>
           </p:cNvPr>
@@ -12570,18 +12633,18 @@
         </p:nvGrpSpPr>
         <p:grpSpPr>
           <a:xfrm>
-            <a:off x="903194" y="4595027"/>
-            <a:ext cx="10121153" cy="1754326"/>
-            <a:chOff x="903194" y="4576555"/>
-            <a:chExt cx="10121153" cy="1754326"/>
+            <a:off x="838198" y="4640917"/>
+            <a:ext cx="4928347" cy="1569660"/>
+            <a:chOff x="838198" y="4500930"/>
+            <a:chExt cx="4928347" cy="1569660"/>
           </a:xfrm>
         </p:grpSpPr>
         <p:sp>
           <p:nvSpPr>
-            <p:cNvPr id="19" name="Rectangle 6">
+            <p:cNvPr id="17" name="Rectangle 2">
               <a:extLst>
                 <a:ext uri="{FF2B5EF4-FFF2-40B4-BE49-F238E27FC236}">
-                  <a16:creationId xmlns:a16="http://schemas.microsoft.com/office/drawing/2014/main" id="{DD5B12A1-A0BD-47B9-BDD0-55D4C2272229}"/>
+                  <a16:creationId xmlns:a16="http://schemas.microsoft.com/office/drawing/2014/main" id="{7B15FBAE-C631-4773-B37B-30BA8462C9A2}"/>
                 </a:ext>
               </a:extLst>
             </p:cNvPr>
@@ -12592,8 +12655,8 @@
           </p:nvSpPr>
           <p:spPr bwMode="auto">
             <a:xfrm>
-              <a:off x="903194" y="4576555"/>
-              <a:ext cx="10121153" cy="1754326"/>
+              <a:off x="838198" y="4500930"/>
+              <a:ext cx="4928347" cy="1569660"/>
             </a:xfrm>
             <a:prstGeom prst="rect">
               <a:avLst/>
@@ -12651,26 +12714,9 @@
                 <a:buFontTx/>
                 <a:buNone/>
                 <a:tabLst/>
-                <a:defRPr/>
               </a:pPr>
               <a:r>
-                <a:rPr kumimoji="0" lang="zh-TW" altLang="zh-TW" sz="1300" b="0" i="0" u="none" strike="noStrike" kern="1200" cap="none" spc="0" normalizeH="0" baseline="0" noProof="0">
-                  <a:ln>
-                    <a:noFill/>
-                  </a:ln>
-                  <a:solidFill>
-                    <a:srgbClr val="CF8E6D"/>
-                  </a:solidFill>
-                  <a:effectLst/>
-                  <a:uLnTx/>
-                  <a:uFillTx/>
-                  <a:ea typeface="微軟正黑體 Light"/>
-                  <a:cs typeface="JetBrains Mono" panose="02000009000000000000" pitchFamily="49" charset="0"/>
-                </a:rPr>
-                <a:t>byte </a:t>
-              </a:r>
-              <a:r>
-                <a:rPr kumimoji="0" lang="zh-TW" altLang="zh-TW" sz="1300" b="0" i="0" u="none" strike="noStrike" kern="1200" cap="none" spc="0" normalizeH="0" baseline="0" noProof="0">
+                <a:rPr kumimoji="0" lang="zh-TW" altLang="zh-TW" sz="2400" b="0" i="0" u="none" strike="noStrike" cap="none" normalizeH="0" baseline="0">
                   <a:ln>
                     <a:noFill/>
                   </a:ln>
@@ -12678,15 +12724,38 @@
                     <a:srgbClr val="BCBEC4"/>
                   </a:solidFill>
                   <a:effectLst/>
-                  <a:uLnTx/>
-                  <a:uFillTx/>
-                  <a:ea typeface="微軟正黑體 Light"/>
-                  <a:cs typeface="JetBrains Mono" panose="02000009000000000000" pitchFamily="49" charset="0"/>
-                </a:rPr>
-                <a:t>a;</a:t>
+                  <a:cs typeface="JetBrains Mono" panose="02000009000000000000" pitchFamily="49" charset="0"/>
+                </a:rPr>
+                <a:t>a = </a:t>
+              </a:r>
+              <a:r>
+                <a:rPr kumimoji="0" lang="zh-TW" altLang="zh-TW" sz="2400" b="0" i="0" u="none" strike="noStrike" cap="none" normalizeH="0" baseline="0">
+                  <a:ln>
+                    <a:noFill/>
+                  </a:ln>
+                  <a:solidFill>
+                    <a:srgbClr val="2AACB8"/>
+                  </a:solidFill>
+                  <a:effectLst/>
+                  <a:cs typeface="JetBrains Mono" panose="02000009000000000000" pitchFamily="49" charset="0"/>
+                </a:rPr>
+                <a:t>2</a:t>
+              </a:r>
+              <a:r>
+                <a:rPr kumimoji="0" lang="zh-TW" altLang="zh-TW" sz="2400" b="0" i="0" u="none" strike="noStrike" cap="none" normalizeH="0" baseline="0">
+                  <a:ln>
+                    <a:noFill/>
+                  </a:ln>
+                  <a:solidFill>
+                    <a:srgbClr val="BCBEC4"/>
+                  </a:solidFill>
+                  <a:effectLst/>
+                  <a:cs typeface="JetBrains Mono" panose="02000009000000000000" pitchFamily="49" charset="0"/>
+                </a:rPr>
+                <a:t>;</a:t>
               </a:r>
               <a:br>
-                <a:rPr kumimoji="0" lang="zh-TW" altLang="zh-TW" sz="1300" b="0" i="0" u="none" strike="noStrike" kern="1200" cap="none" spc="0" normalizeH="0" baseline="0" noProof="0">
+                <a:rPr kumimoji="0" lang="zh-TW" altLang="zh-TW" sz="2400" b="0" i="0" u="none" strike="noStrike" cap="none" normalizeH="0" baseline="0">
                   <a:ln>
                     <a:noFill/>
                   </a:ln>
@@ -12694,30 +12763,11 @@
                     <a:srgbClr val="BCBEC4"/>
                   </a:solidFill>
                   <a:effectLst/>
-                  <a:uLnTx/>
-                  <a:uFillTx/>
-                  <a:ea typeface="微軟正黑體 Light"/>
                   <a:cs typeface="JetBrains Mono" panose="02000009000000000000" pitchFamily="49" charset="0"/>
                 </a:rPr>
               </a:br>
               <a:r>
-                <a:rPr kumimoji="0" lang="zh-TW" altLang="zh-TW" sz="1300" b="0" i="0" u="none" strike="noStrike" kern="1200" cap="none" spc="0" normalizeH="0" baseline="0" noProof="0">
-                  <a:ln>
-                    <a:noFill/>
-                  </a:ln>
-                  <a:solidFill>
-                    <a:srgbClr val="CF8E6D"/>
-                  </a:solidFill>
-                  <a:effectLst/>
-                  <a:uLnTx/>
-                  <a:uFillTx/>
-                  <a:ea typeface="微軟正黑體 Light"/>
-                  <a:cs typeface="JetBrains Mono" panose="02000009000000000000" pitchFamily="49" charset="0"/>
-                </a:rPr>
-                <a:t>short </a:t>
-              </a:r>
-              <a:r>
-                <a:rPr kumimoji="0" lang="zh-TW" altLang="zh-TW" sz="1300" b="0" i="0" u="none" strike="noStrike" kern="1200" cap="none" spc="0" normalizeH="0" baseline="0" noProof="0">
+                <a:rPr kumimoji="0" lang="zh-TW" altLang="zh-TW" sz="2400" b="0" i="0" u="none" strike="noStrike" cap="none" normalizeH="0" baseline="0">
                   <a:ln>
                     <a:noFill/>
                   </a:ln>
@@ -12725,15 +12775,12 @@
                     <a:srgbClr val="BCBEC4"/>
                   </a:solidFill>
                   <a:effectLst/>
-                  <a:uLnTx/>
-                  <a:uFillTx/>
-                  <a:ea typeface="微軟正黑體 Light"/>
                   <a:cs typeface="JetBrains Mono" panose="02000009000000000000" pitchFamily="49" charset="0"/>
                 </a:rPr>
                 <a:t>b = </a:t>
               </a:r>
               <a:r>
-                <a:rPr kumimoji="0" lang="zh-TW" altLang="zh-TW" sz="1300" b="0" i="0" u="none" strike="noStrike" kern="1200" cap="none" spc="0" normalizeH="0" baseline="0" noProof="0">
+                <a:rPr kumimoji="0" lang="zh-TW" altLang="zh-TW" sz="2400" b="0" i="0" u="none" strike="noStrike" cap="none" normalizeH="0" baseline="0">
                   <a:ln>
                     <a:noFill/>
                   </a:ln>
@@ -12741,15 +12788,12 @@
                     <a:srgbClr val="2AACB8"/>
                   </a:solidFill>
                   <a:effectLst/>
-                  <a:uLnTx/>
-                  <a:uFillTx/>
-                  <a:ea typeface="微軟正黑體 Light"/>
-                  <a:cs typeface="JetBrains Mono" panose="02000009000000000000" pitchFamily="49" charset="0"/>
-                </a:rPr>
-                <a:t>0</a:t>
-              </a:r>
-              <a:r>
-                <a:rPr kumimoji="0" lang="zh-TW" altLang="zh-TW" sz="1300" b="0" i="0" u="none" strike="noStrike" kern="1200" cap="none" spc="0" normalizeH="0" baseline="0" noProof="0">
+                  <a:cs typeface="JetBrains Mono" panose="02000009000000000000" pitchFamily="49" charset="0"/>
+                </a:rPr>
+                <a:t>4</a:t>
+              </a:r>
+              <a:r>
+                <a:rPr kumimoji="0" lang="zh-TW" altLang="zh-TW" sz="2400" b="0" i="0" u="none" strike="noStrike" cap="none" normalizeH="0" baseline="0">
                   <a:ln>
                     <a:noFill/>
                   </a:ln>
@@ -12757,15 +12801,12 @@
                     <a:srgbClr val="BCBEC4"/>
                   </a:solidFill>
                   <a:effectLst/>
-                  <a:uLnTx/>
-                  <a:uFillTx/>
-                  <a:ea typeface="微軟正黑體 Light"/>
                   <a:cs typeface="JetBrains Mono" panose="02000009000000000000" pitchFamily="49" charset="0"/>
                 </a:rPr>
                 <a:t>;</a:t>
               </a:r>
               <a:br>
-                <a:rPr kumimoji="0" lang="zh-TW" altLang="zh-TW" sz="1300" b="0" i="0" u="none" strike="noStrike" kern="1200" cap="none" spc="0" normalizeH="0" baseline="0" noProof="0">
+                <a:rPr kumimoji="0" lang="zh-TW" altLang="zh-TW" sz="2400" b="0" i="0" u="none" strike="noStrike" cap="none" normalizeH="0" baseline="0">
                   <a:ln>
                     <a:noFill/>
                   </a:ln>
@@ -12773,30 +12814,11 @@
                     <a:srgbClr val="BCBEC4"/>
                   </a:solidFill>
                   <a:effectLst/>
-                  <a:uLnTx/>
-                  <a:uFillTx/>
-                  <a:ea typeface="微軟正黑體 Light"/>
                   <a:cs typeface="JetBrains Mono" panose="02000009000000000000" pitchFamily="49" charset="0"/>
                 </a:rPr>
               </a:br>
               <a:r>
-                <a:rPr kumimoji="0" lang="zh-TW" altLang="zh-TW" sz="1300" b="0" i="0" u="none" strike="noStrike" kern="1200" cap="none" spc="0" normalizeH="0" baseline="0" noProof="0">
-                  <a:ln>
-                    <a:noFill/>
-                  </a:ln>
-                  <a:solidFill>
-                    <a:srgbClr val="CF8E6D"/>
-                  </a:solidFill>
-                  <a:effectLst/>
-                  <a:uLnTx/>
-                  <a:uFillTx/>
-                  <a:ea typeface="微軟正黑體 Light"/>
-                  <a:cs typeface="JetBrains Mono" panose="02000009000000000000" pitchFamily="49" charset="0"/>
-                </a:rPr>
-                <a:t>int </a:t>
-              </a:r>
-              <a:r>
-                <a:rPr kumimoji="0" lang="zh-TW" altLang="zh-TW" sz="1300" b="0" i="0" u="none" strike="noStrike" kern="1200" cap="none" spc="0" normalizeH="0" baseline="0" noProof="0">
+                <a:rPr kumimoji="0" lang="zh-TW" altLang="zh-TW" sz="2400" b="0" i="0" u="none" strike="noStrike" cap="none" normalizeH="0" baseline="0">
                   <a:ln>
                     <a:noFill/>
                   </a:ln>
@@ -12804,15 +12826,12 @@
                     <a:srgbClr val="BCBEC4"/>
                   </a:solidFill>
                   <a:effectLst/>
-                  <a:uLnTx/>
-                  <a:uFillTx/>
-                  <a:ea typeface="微軟正黑體 Light"/>
-                  <a:cs typeface="JetBrains Mono" panose="02000009000000000000" pitchFamily="49" charset="0"/>
-                </a:rPr>
-                <a:t>c = </a:t>
-              </a:r>
-              <a:r>
-                <a:rPr kumimoji="0" lang="zh-TW" altLang="zh-TW" sz="1300" b="0" i="0" u="none" strike="noStrike" kern="1200" cap="none" spc="0" normalizeH="0" baseline="0" noProof="0">
+                  <a:cs typeface="JetBrains Mono" panose="02000009000000000000" pitchFamily="49" charset="0"/>
+                </a:rPr>
+                <a:t>c = -</a:t>
+              </a:r>
+              <a:r>
+                <a:rPr kumimoji="0" lang="zh-TW" altLang="zh-TW" sz="2400" b="0" i="0" u="none" strike="noStrike" cap="none" normalizeH="0" baseline="0">
                   <a:ln>
                     <a:noFill/>
                   </a:ln>
@@ -12820,15 +12839,12 @@
                     <a:srgbClr val="2AACB8"/>
                   </a:solidFill>
                   <a:effectLst/>
-                  <a:uLnTx/>
-                  <a:uFillTx/>
-                  <a:ea typeface="微軟正黑體 Light"/>
-                  <a:cs typeface="JetBrains Mono" panose="02000009000000000000" pitchFamily="49" charset="0"/>
-                </a:rPr>
-                <a:t>2147483647</a:t>
-              </a:r>
-              <a:r>
-                <a:rPr kumimoji="0" lang="zh-TW" altLang="zh-TW" sz="1300" b="0" i="0" u="none" strike="noStrike" kern="1200" cap="none" spc="0" normalizeH="0" baseline="0" noProof="0">
+                  <a:cs typeface="JetBrains Mono" panose="02000009000000000000" pitchFamily="49" charset="0"/>
+                </a:rPr>
+                <a:t>2147483648</a:t>
+              </a:r>
+              <a:r>
+                <a:rPr kumimoji="0" lang="zh-TW" altLang="zh-TW" sz="2400" b="0" i="0" u="none" strike="noStrike" cap="none" normalizeH="0" baseline="0">
                   <a:ln>
                     <a:noFill/>
                   </a:ln>
@@ -12836,15 +12852,12 @@
                     <a:srgbClr val="BCBEC4"/>
                   </a:solidFill>
                   <a:effectLst/>
-                  <a:uLnTx/>
-                  <a:uFillTx/>
-                  <a:ea typeface="微軟正黑體 Light"/>
                   <a:cs typeface="JetBrains Mono" panose="02000009000000000000" pitchFamily="49" charset="0"/>
                 </a:rPr>
                 <a:t>;</a:t>
               </a:r>
               <a:br>
-                <a:rPr kumimoji="0" lang="zh-TW" altLang="zh-TW" sz="1300" b="0" i="0" u="none" strike="noStrike" kern="1200" cap="none" spc="0" normalizeH="0" baseline="0" noProof="0">
+                <a:rPr kumimoji="0" lang="zh-TW" altLang="zh-TW" sz="2400" b="0" i="0" u="none" strike="noStrike" cap="none" normalizeH="0" baseline="0">
                   <a:ln>
                     <a:noFill/>
                   </a:ln>
@@ -12852,30 +12865,11 @@
                     <a:srgbClr val="BCBEC4"/>
                   </a:solidFill>
                   <a:effectLst/>
-                  <a:uLnTx/>
-                  <a:uFillTx/>
-                  <a:ea typeface="微軟正黑體 Light"/>
                   <a:cs typeface="JetBrains Mono" panose="02000009000000000000" pitchFamily="49" charset="0"/>
                 </a:rPr>
               </a:br>
               <a:r>
-                <a:rPr kumimoji="0" lang="zh-TW" altLang="zh-TW" sz="1300" b="0" i="0" u="none" strike="noStrike" kern="1200" cap="none" spc="0" normalizeH="0" baseline="0" noProof="0">
-                  <a:ln>
-                    <a:noFill/>
-                  </a:ln>
-                  <a:solidFill>
-                    <a:srgbClr val="CF8E6D"/>
-                  </a:solidFill>
-                  <a:effectLst/>
-                  <a:uLnTx/>
-                  <a:uFillTx/>
-                  <a:ea typeface="微軟正黑體 Light"/>
-                  <a:cs typeface="JetBrains Mono" panose="02000009000000000000" pitchFamily="49" charset="0"/>
-                </a:rPr>
-                <a:t>long </a:t>
-              </a:r>
-              <a:r>
-                <a:rPr kumimoji="0" lang="zh-TW" altLang="zh-TW" sz="1300" b="0" i="0" u="none" strike="noStrike" kern="1200" cap="none" spc="0" normalizeH="0" baseline="0" noProof="0">
+                <a:rPr kumimoji="0" lang="zh-TW" altLang="zh-TW" sz="2400" b="0" i="0" u="none" strike="noStrike" cap="none" normalizeH="0" baseline="0">
                   <a:ln>
                     <a:noFill/>
                   </a:ln>
@@ -12883,15 +12877,25 @@
                     <a:srgbClr val="BCBEC4"/>
                   </a:solidFill>
                   <a:effectLst/>
-                  <a:uLnTx/>
-                  <a:uFillTx/>
-                  <a:ea typeface="微軟正黑體 Light"/>
-                  <a:cs typeface="JetBrains Mono" panose="02000009000000000000" pitchFamily="49" charset="0"/>
-                </a:rPr>
-                <a:t>d;</a:t>
-              </a:r>
-              <a:br>
-                <a:rPr kumimoji="0" lang="zh-TW" altLang="zh-TW" sz="1300" b="0" i="0" u="none" strike="noStrike" kern="1200" cap="none" spc="0" normalizeH="0" baseline="0" noProof="0">
+                  <a:cs typeface="JetBrains Mono" panose="02000009000000000000" pitchFamily="49" charset="0"/>
+                </a:rPr>
+                <a:t>d = </a:t>
+              </a:r>
+              <a:r>
+                <a:rPr kumimoji="0" lang="zh-TW" altLang="zh-TW" sz="2400" b="0" i="0" u="none" strike="noStrike" cap="none" normalizeH="0" baseline="0">
+                  <a:ln>
+                    <a:noFill/>
+                  </a:ln>
+                  <a:solidFill>
+                    <a:srgbClr val="2AACB8"/>
+                  </a:solidFill>
+                  <a:effectLst/>
+                  <a:cs typeface="JetBrains Mono" panose="02000009000000000000" pitchFamily="49" charset="0"/>
+                </a:rPr>
+                <a:t>9999999999999L</a:t>
+              </a:r>
+              <a:r>
+                <a:rPr kumimoji="0" lang="zh-TW" altLang="zh-TW" sz="2400" b="0" i="0" u="none" strike="noStrike" cap="none" normalizeH="0" baseline="0">
                   <a:ln>
                     <a:noFill/>
                   </a:ln>
@@ -12899,324 +12903,18 @@
                     <a:srgbClr val="BCBEC4"/>
                   </a:solidFill>
                   <a:effectLst/>
-                  <a:uLnTx/>
-                  <a:uFillTx/>
-                  <a:ea typeface="微軟正黑體 Light"/>
-                  <a:cs typeface="JetBrains Mono" panose="02000009000000000000" pitchFamily="49" charset="0"/>
-                </a:rPr>
-              </a:br>
-              <a:r>
-                <a:rPr kumimoji="0" lang="zh-TW" altLang="zh-TW" sz="1300" b="0" i="0" u="none" strike="noStrike" kern="1200" cap="none" spc="0" normalizeH="0" baseline="0" noProof="0">
-                  <a:ln>
-                    <a:noFill/>
-                  </a:ln>
-                  <a:solidFill>
-                    <a:srgbClr val="CF8E6D"/>
-                  </a:solidFill>
-                  <a:effectLst/>
-                  <a:uLnTx/>
-                  <a:uFillTx/>
-                  <a:ea typeface="微軟正黑體 Light"/>
-                  <a:cs typeface="JetBrains Mono" panose="02000009000000000000" pitchFamily="49" charset="0"/>
-                </a:rPr>
-                <a:t>float </a:t>
-              </a:r>
-              <a:r>
-                <a:rPr kumimoji="0" lang="zh-TW" altLang="zh-TW" sz="1300" b="0" i="0" u="none" strike="noStrike" kern="1200" cap="none" spc="0" normalizeH="0" baseline="0" noProof="0">
-                  <a:ln>
-                    <a:noFill/>
-                  </a:ln>
-                  <a:solidFill>
-                    <a:srgbClr val="BCBEC4"/>
-                  </a:solidFill>
-                  <a:effectLst/>
-                  <a:uLnTx/>
-                  <a:uFillTx/>
-                  <a:ea typeface="微軟正黑體 Light"/>
-                  <a:cs typeface="JetBrains Mono" panose="02000009000000000000" pitchFamily="49" charset="0"/>
-                </a:rPr>
-                <a:t>e = </a:t>
-              </a:r>
-              <a:r>
-                <a:rPr kumimoji="0" lang="zh-TW" altLang="zh-TW" sz="1300" b="0" i="0" u="none" strike="noStrike" kern="1200" cap="none" spc="0" normalizeH="0" baseline="0" noProof="0">
-                  <a:ln>
-                    <a:noFill/>
-                  </a:ln>
-                  <a:solidFill>
-                    <a:srgbClr val="2AACB8"/>
-                  </a:solidFill>
-                  <a:effectLst/>
-                  <a:uLnTx/>
-                  <a:uFillTx/>
-                  <a:ea typeface="微軟正黑體 Light"/>
-                  <a:cs typeface="JetBrains Mono" panose="02000009000000000000" pitchFamily="49" charset="0"/>
-                </a:rPr>
-                <a:t>1.414f</a:t>
-              </a:r>
-              <a:r>
-                <a:rPr kumimoji="0" lang="zh-TW" altLang="zh-TW" sz="1300" b="0" i="0" u="none" strike="noStrike" kern="1200" cap="none" spc="0" normalizeH="0" baseline="0" noProof="0">
-                  <a:ln>
-                    <a:noFill/>
-                  </a:ln>
-                  <a:solidFill>
-                    <a:srgbClr val="BCBEC4"/>
-                  </a:solidFill>
-                  <a:effectLst/>
-                  <a:uLnTx/>
-                  <a:uFillTx/>
-                  <a:ea typeface="微軟正黑體 Light"/>
                   <a:cs typeface="JetBrains Mono" panose="02000009000000000000" pitchFamily="49" charset="0"/>
                 </a:rPr>
                 <a:t>;</a:t>
               </a:r>
-              <a:br>
-                <a:rPr kumimoji="0" lang="zh-TW" altLang="zh-TW" sz="1300" b="0" i="0" u="none" strike="noStrike" kern="1200" cap="none" spc="0" normalizeH="0" baseline="0" noProof="0">
-                  <a:ln>
-                    <a:noFill/>
-                  </a:ln>
-                  <a:solidFill>
-                    <a:srgbClr val="BCBEC4"/>
-                  </a:solidFill>
-                  <a:effectLst/>
-                  <a:uLnTx/>
-                  <a:uFillTx/>
-                  <a:ea typeface="微軟正黑體 Light"/>
-                  <a:cs typeface="JetBrains Mono" panose="02000009000000000000" pitchFamily="49" charset="0"/>
-                </a:rPr>
-              </a:br>
-              <a:r>
-                <a:rPr kumimoji="0" lang="zh-TW" altLang="zh-TW" sz="1300" b="0" i="0" u="none" strike="noStrike" kern="1200" cap="none" spc="0" normalizeH="0" baseline="0" noProof="0">
-                  <a:ln>
-                    <a:noFill/>
-                  </a:ln>
-                  <a:solidFill>
-                    <a:srgbClr val="CF8E6D"/>
-                  </a:solidFill>
-                  <a:effectLst/>
-                  <a:uLnTx/>
-                  <a:uFillTx/>
-                  <a:ea typeface="微軟正黑體 Light"/>
-                  <a:cs typeface="JetBrains Mono" panose="02000009000000000000" pitchFamily="49" charset="0"/>
-                </a:rPr>
-                <a:t>double </a:t>
-              </a:r>
-              <a:r>
-                <a:rPr kumimoji="0" lang="zh-TW" altLang="zh-TW" sz="1300" b="0" i="0" u="none" strike="noStrike" kern="1200" cap="none" spc="0" normalizeH="0" baseline="0" noProof="0">
-                  <a:ln>
-                    <a:noFill/>
-                  </a:ln>
-                  <a:solidFill>
-                    <a:srgbClr val="BCBEC4"/>
-                  </a:solidFill>
-                  <a:effectLst/>
-                  <a:uLnTx/>
-                  <a:uFillTx/>
-                  <a:ea typeface="微軟正黑體 Light"/>
-                  <a:cs typeface="JetBrains Mono" panose="02000009000000000000" pitchFamily="49" charset="0"/>
-                </a:rPr>
-                <a:t>f = </a:t>
-              </a:r>
-              <a:r>
-                <a:rPr kumimoji="0" lang="zh-TW" altLang="zh-TW" sz="1300" b="0" i="0" u="none" strike="noStrike" kern="1200" cap="none" spc="0" normalizeH="0" baseline="0" noProof="0">
-                  <a:ln>
-                    <a:noFill/>
-                  </a:ln>
-                  <a:solidFill>
-                    <a:srgbClr val="2AACB8"/>
-                  </a:solidFill>
-                  <a:effectLst/>
-                  <a:uLnTx/>
-                  <a:uFillTx/>
-                  <a:ea typeface="微軟正黑體 Light"/>
-                  <a:cs typeface="JetBrains Mono" panose="02000009000000000000" pitchFamily="49" charset="0"/>
-                </a:rPr>
-                <a:t>6.8</a:t>
-              </a:r>
-              <a:r>
-                <a:rPr kumimoji="0" lang="zh-TW" altLang="zh-TW" sz="1300" b="0" i="0" u="none" strike="noStrike" kern="1200" cap="none" spc="0" normalizeH="0" baseline="0" noProof="0">
-                  <a:ln>
-                    <a:noFill/>
-                  </a:ln>
-                  <a:solidFill>
-                    <a:srgbClr val="BCBEC4"/>
-                  </a:solidFill>
-                  <a:effectLst/>
-                  <a:uLnTx/>
-                  <a:uFillTx/>
-                  <a:ea typeface="微軟正黑體 Light"/>
-                  <a:cs typeface="JetBrains Mono" panose="02000009000000000000" pitchFamily="49" charset="0"/>
-                </a:rPr>
-                <a:t>;</a:t>
-              </a:r>
-              <a:br>
-                <a:rPr kumimoji="0" lang="zh-TW" altLang="zh-TW" sz="1300" b="0" i="0" u="none" strike="noStrike" kern="1200" cap="none" spc="0" normalizeH="0" baseline="0" noProof="0">
-                  <a:ln>
-                    <a:noFill/>
-                  </a:ln>
-                  <a:solidFill>
-                    <a:srgbClr val="BCBEC4"/>
-                  </a:solidFill>
-                  <a:effectLst/>
-                  <a:uLnTx/>
-                  <a:uFillTx/>
-                  <a:ea typeface="微軟正黑體 Light"/>
-                  <a:cs typeface="JetBrains Mono" panose="02000009000000000000" pitchFamily="49" charset="0"/>
-                </a:rPr>
-              </a:br>
-              <a:r>
-                <a:rPr kumimoji="0" lang="zh-TW" altLang="zh-TW" sz="1300" b="0" i="0" u="none" strike="noStrike" kern="1200" cap="none" spc="0" normalizeH="0" baseline="0" noProof="0">
-                  <a:ln>
-                    <a:noFill/>
-                  </a:ln>
-                  <a:solidFill>
-                    <a:srgbClr val="CF8E6D"/>
-                  </a:solidFill>
-                  <a:effectLst/>
-                  <a:uLnTx/>
-                  <a:uFillTx/>
-                  <a:ea typeface="微軟正黑體 Light"/>
-                  <a:cs typeface="JetBrains Mono" panose="02000009000000000000" pitchFamily="49" charset="0"/>
-                </a:rPr>
-                <a:t>char </a:t>
-              </a:r>
-              <a:r>
-                <a:rPr kumimoji="0" lang="zh-TW" altLang="zh-TW" sz="1300" b="0" i="0" u="none" strike="noStrike" kern="1200" cap="none" spc="0" normalizeH="0" baseline="0" noProof="0">
-                  <a:ln>
-                    <a:noFill/>
-                  </a:ln>
-                  <a:solidFill>
-                    <a:srgbClr val="BCBEC4"/>
-                  </a:solidFill>
-                  <a:effectLst/>
-                  <a:uLnTx/>
-                  <a:uFillTx/>
-                  <a:ea typeface="微軟正黑體 Light"/>
-                  <a:cs typeface="JetBrains Mono" panose="02000009000000000000" pitchFamily="49" charset="0"/>
-                </a:rPr>
-                <a:t>g = </a:t>
-              </a:r>
-              <a:r>
-                <a:rPr kumimoji="0" lang="zh-TW" altLang="zh-TW" sz="1300" b="0" i="0" u="none" strike="noStrike" kern="1200" cap="none" spc="0" normalizeH="0" baseline="0" noProof="0">
-                  <a:ln>
-                    <a:noFill/>
-                  </a:ln>
-                  <a:solidFill>
-                    <a:srgbClr val="6AAB73"/>
-                  </a:solidFill>
-                  <a:effectLst/>
-                  <a:uLnTx/>
-                  <a:uFillTx/>
-                  <a:ea typeface="微軟正黑體 Light"/>
-                  <a:cs typeface="JetBrains Mono" panose="02000009000000000000" pitchFamily="49" charset="0"/>
-                </a:rPr>
-                <a:t>'z'</a:t>
-              </a:r>
-              <a:r>
-                <a:rPr kumimoji="0" lang="zh-TW" altLang="zh-TW" sz="1300" b="0" i="0" u="none" strike="noStrike" kern="1200" cap="none" spc="0" normalizeH="0" baseline="0" noProof="0">
-                  <a:ln>
-                    <a:noFill/>
-                  </a:ln>
-                  <a:solidFill>
-                    <a:srgbClr val="BCBEC4"/>
-                  </a:solidFill>
-                  <a:effectLst/>
-                  <a:uLnTx/>
-                  <a:uFillTx/>
-                  <a:ea typeface="微軟正黑體 Light"/>
-                  <a:cs typeface="JetBrains Mono" panose="02000009000000000000" pitchFamily="49" charset="0"/>
-                </a:rPr>
-                <a:t>;</a:t>
-              </a:r>
-              <a:br>
-                <a:rPr kumimoji="0" lang="zh-TW" altLang="zh-TW" sz="1300" b="0" i="0" u="none" strike="noStrike" kern="1200" cap="none" spc="0" normalizeH="0" baseline="0" noProof="0">
-                  <a:ln>
-                    <a:noFill/>
-                  </a:ln>
-                  <a:solidFill>
-                    <a:srgbClr val="BCBEC4"/>
-                  </a:solidFill>
-                  <a:effectLst/>
-                  <a:uLnTx/>
-                  <a:uFillTx/>
-                  <a:ea typeface="微軟正黑體 Light"/>
-                  <a:cs typeface="JetBrains Mono" panose="02000009000000000000" pitchFamily="49" charset="0"/>
-                </a:rPr>
-              </a:br>
-              <a:r>
-                <a:rPr kumimoji="0" lang="zh-TW" altLang="zh-TW" sz="1300" b="0" i="0" u="none" strike="noStrike" kern="1200" cap="none" spc="0" normalizeH="0" baseline="0" noProof="0">
-                  <a:ln>
-                    <a:noFill/>
-                  </a:ln>
-                  <a:solidFill>
-                    <a:srgbClr val="CF8E6D"/>
-                  </a:solidFill>
-                  <a:effectLst/>
-                  <a:uLnTx/>
-                  <a:uFillTx/>
-                  <a:ea typeface="微軟正黑體 Light"/>
-                  <a:cs typeface="JetBrains Mono" panose="02000009000000000000" pitchFamily="49" charset="0"/>
-                </a:rPr>
-                <a:t>boolean </a:t>
-              </a:r>
-              <a:r>
-                <a:rPr kumimoji="0" lang="zh-TW" altLang="zh-TW" sz="1300" b="0" i="0" u="none" strike="noStrike" kern="1200" cap="none" spc="0" normalizeH="0" baseline="0" noProof="0">
-                  <a:ln>
-                    <a:noFill/>
-                  </a:ln>
-                  <a:solidFill>
-                    <a:srgbClr val="BCBEC4"/>
-                  </a:solidFill>
-                  <a:effectLst/>
-                  <a:uLnTx/>
-                  <a:uFillTx/>
-                  <a:ea typeface="微軟正黑體 Light"/>
-                  <a:cs typeface="JetBrains Mono" panose="02000009000000000000" pitchFamily="49" charset="0"/>
-                </a:rPr>
-                <a:t>h = </a:t>
-              </a:r>
-              <a:r>
-                <a:rPr kumimoji="0" lang="zh-TW" altLang="zh-TW" sz="1300" b="0" i="0" u="none" strike="noStrike" kern="1200" cap="none" spc="0" normalizeH="0" baseline="0" noProof="0">
-                  <a:ln>
-                    <a:noFill/>
-                  </a:ln>
-                  <a:solidFill>
-                    <a:srgbClr val="CF8E6D"/>
-                  </a:solidFill>
-                  <a:effectLst/>
-                  <a:uLnTx/>
-                  <a:uFillTx/>
-                  <a:ea typeface="微軟正黑體 Light"/>
-                  <a:cs typeface="JetBrains Mono" panose="02000009000000000000" pitchFamily="49" charset="0"/>
-                </a:rPr>
-                <a:t>true</a:t>
-              </a:r>
-              <a:r>
-                <a:rPr kumimoji="0" lang="zh-TW" altLang="zh-TW" sz="1300" b="0" i="0" u="none" strike="noStrike" kern="1200" cap="none" spc="0" normalizeH="0" baseline="0" noProof="0">
-                  <a:ln>
-                    <a:noFill/>
-                  </a:ln>
-                  <a:solidFill>
-                    <a:srgbClr val="BCBEC4"/>
-                  </a:solidFill>
-                  <a:effectLst/>
-                  <a:uLnTx/>
-                  <a:uFillTx/>
-                  <a:ea typeface="微軟正黑體 Light"/>
-                  <a:cs typeface="JetBrains Mono" panose="02000009000000000000" pitchFamily="49" charset="0"/>
-                </a:rPr>
-                <a:t>;</a:t>
-              </a:r>
-              <a:endParaRPr kumimoji="0" lang="zh-TW" altLang="zh-TW" sz="1800" b="0" i="0" u="none" strike="noStrike" kern="1200" cap="none" spc="0" normalizeH="0" baseline="0" noProof="0">
+              <a:endParaRPr kumimoji="0" lang="zh-TW" altLang="zh-TW" sz="4000" b="0" i="0" u="none" strike="noStrike" cap="none" normalizeH="0" baseline="0">
                 <a:ln>
                   <a:noFill/>
                 </a:ln>
                 <a:solidFill>
-                  <a:prstClr val="white"/>
+                  <a:schemeClr val="tx1"/>
                 </a:solidFill>
                 <a:effectLst/>
-                <a:uLnTx/>
-                <a:uFillTx/>
-                <a:ea typeface="微軟正黑體 Light"/>
               </a:endParaRPr>
             </a:p>
           </p:txBody>
@@ -13235,7 +12933,7 @@
           </p:nvSpPr>
           <p:spPr>
             <a:xfrm>
-              <a:off x="10333132" y="5961549"/>
+              <a:off x="4992408" y="5701258"/>
               <a:ext cx="691215" cy="369332"/>
             </a:xfrm>
             <a:prstGeom prst="rect">
@@ -13266,10 +12964,374 @@
           </p:txBody>
         </p:sp>
       </p:grpSp>
+      <p:grpSp>
+        <p:nvGrpSpPr>
+          <p:cNvPr id="24" name="群組 23">
+            <a:extLst>
+              <a:ext uri="{FF2B5EF4-FFF2-40B4-BE49-F238E27FC236}">
+                <a16:creationId xmlns:a16="http://schemas.microsoft.com/office/drawing/2014/main" id="{89CC36BA-88E5-4ADC-9DDB-7A9CE749EED6}"/>
+              </a:ext>
+            </a:extLst>
+          </p:cNvPr>
+          <p:cNvGrpSpPr/>
+          <p:nvPr/>
+        </p:nvGrpSpPr>
+        <p:grpSpPr>
+          <a:xfrm>
+            <a:off x="6095998" y="4640917"/>
+            <a:ext cx="4928348" cy="1569660"/>
+            <a:chOff x="6095998" y="4500930"/>
+            <a:chExt cx="4928348" cy="1569660"/>
+          </a:xfrm>
+        </p:grpSpPr>
+        <p:sp>
+          <p:nvSpPr>
+            <p:cNvPr id="23" name="Rectangle 3">
+              <a:extLst>
+                <a:ext uri="{FF2B5EF4-FFF2-40B4-BE49-F238E27FC236}">
+                  <a16:creationId xmlns:a16="http://schemas.microsoft.com/office/drawing/2014/main" id="{2C5E456E-815B-46C9-B2E7-DACD7CCB7653}"/>
+                </a:ext>
+              </a:extLst>
+            </p:cNvPr>
+            <p:cNvSpPr>
+              <a:spLocks noChangeArrowheads="1"/>
+            </p:cNvSpPr>
+            <p:nvPr/>
+          </p:nvSpPr>
+          <p:spPr bwMode="auto">
+            <a:xfrm>
+              <a:off x="6095998" y="4500930"/>
+              <a:ext cx="4928347" cy="1569660"/>
+            </a:xfrm>
+            <a:prstGeom prst="rect">
+              <a:avLst/>
+            </a:prstGeom>
+            <a:solidFill>
+              <a:srgbClr val="1E1F22"/>
+            </a:solidFill>
+            <a:ln>
+              <a:noFill/>
+            </a:ln>
+            <a:effectLst/>
+            <a:extLst>
+              <a:ext uri="{91240B29-F687-4F45-9708-019B960494DF}">
+                <a14:hiddenLine xmlns:a14="http://schemas.microsoft.com/office/drawing/2010/main" w="9525">
+                  <a:solidFill>
+                    <a:schemeClr val="tx1"/>
+                  </a:solidFill>
+                  <a:miter lim="800000"/>
+                  <a:headEnd/>
+                  <a:tailEnd/>
+                </a14:hiddenLine>
+              </a:ext>
+              <a:ext uri="{AF507438-7753-43E0-B8FC-AC1667EBCBE1}">
+                <a14:hiddenEffects xmlns:a14="http://schemas.microsoft.com/office/drawing/2010/main">
+                  <a:effectLst>
+                    <a:outerShdw dist="35921" dir="2700000" algn="ctr" rotWithShape="0">
+                      <a:schemeClr val="bg2"/>
+                    </a:outerShdw>
+                  </a:effectLst>
+                </a14:hiddenEffects>
+              </a:ext>
+            </a:extLst>
+          </p:spPr>
+          <p:txBody>
+            <a:bodyPr vert="horz" wrap="square" lIns="91440" tIns="45720" rIns="91440" bIns="45720" numCol="1" anchor="ctr" anchorCtr="0" compatLnSpc="1">
+              <a:prstTxWarp prst="textNoShape">
+                <a:avLst/>
+              </a:prstTxWarp>
+              <a:spAutoFit/>
+            </a:bodyPr>
+            <a:lstStyle/>
+            <a:p>
+              <a:pPr eaLnBrk="0" fontAlgn="base" hangingPunct="0">
+                <a:spcBef>
+                  <a:spcPct val="0"/>
+                </a:spcBef>
+                <a:spcAft>
+                  <a:spcPct val="0"/>
+                </a:spcAft>
+              </a:pPr>
+              <a:r>
+                <a:rPr kumimoji="0" lang="zh-TW" altLang="zh-TW" sz="2400" b="0" i="0" u="none" strike="noStrike" cap="none" normalizeH="0" baseline="0">
+                  <a:ln>
+                    <a:noFill/>
+                  </a:ln>
+                  <a:solidFill>
+                    <a:srgbClr val="BCBEC4"/>
+                  </a:solidFill>
+                  <a:effectLst/>
+                  <a:cs typeface="JetBrains Mono" panose="02000009000000000000" pitchFamily="49" charset="0"/>
+                </a:rPr>
+                <a:t>e = </a:t>
+              </a:r>
+              <a:r>
+                <a:rPr kumimoji="0" lang="zh-TW" altLang="zh-TW" sz="2400" b="0" i="0" u="none" strike="noStrike" cap="none" normalizeH="0" baseline="0">
+                  <a:ln>
+                    <a:noFill/>
+                  </a:ln>
+                  <a:solidFill>
+                    <a:srgbClr val="2AACB8"/>
+                  </a:solidFill>
+                  <a:effectLst/>
+                  <a:cs typeface="JetBrains Mono" panose="02000009000000000000" pitchFamily="49" charset="0"/>
+                </a:rPr>
+                <a:t>0.99999f</a:t>
+              </a:r>
+              <a:r>
+                <a:rPr kumimoji="0" lang="zh-TW" altLang="zh-TW" sz="2400" b="0" i="0" u="none" strike="noStrike" cap="none" normalizeH="0" baseline="0">
+                  <a:ln>
+                    <a:noFill/>
+                  </a:ln>
+                  <a:solidFill>
+                    <a:srgbClr val="BCBEC4"/>
+                  </a:solidFill>
+                  <a:effectLst/>
+                  <a:cs typeface="JetBrains Mono" panose="02000009000000000000" pitchFamily="49" charset="0"/>
+                </a:rPr>
+                <a:t>;</a:t>
+              </a:r>
+              <a:br>
+                <a:rPr kumimoji="0" lang="zh-TW" altLang="zh-TW" sz="2400" b="0" i="0" u="none" strike="noStrike" cap="none" normalizeH="0" baseline="0">
+                  <a:ln>
+                    <a:noFill/>
+                  </a:ln>
+                  <a:solidFill>
+                    <a:srgbClr val="BCBEC4"/>
+                  </a:solidFill>
+                  <a:effectLst/>
+                  <a:cs typeface="JetBrains Mono" panose="02000009000000000000" pitchFamily="49" charset="0"/>
+                </a:rPr>
+              </a:br>
+              <a:r>
+                <a:rPr kumimoji="0" lang="zh-TW" altLang="zh-TW" sz="2400" b="0" i="0" u="none" strike="noStrike" cap="none" normalizeH="0" baseline="0">
+                  <a:ln>
+                    <a:noFill/>
+                  </a:ln>
+                  <a:solidFill>
+                    <a:srgbClr val="BCBEC4"/>
+                  </a:solidFill>
+                  <a:effectLst/>
+                  <a:cs typeface="JetBrains Mono" panose="02000009000000000000" pitchFamily="49" charset="0"/>
+                </a:rPr>
+                <a:t>f = </a:t>
+              </a:r>
+              <a:r>
+                <a:rPr kumimoji="0" lang="zh-TW" altLang="zh-TW" sz="2400" b="0" i="0" u="none" strike="noStrike" cap="none" normalizeH="0" baseline="0">
+                  <a:ln>
+                    <a:noFill/>
+                  </a:ln>
+                  <a:solidFill>
+                    <a:srgbClr val="2AACB8"/>
+                  </a:solidFill>
+                  <a:effectLst/>
+                  <a:cs typeface="JetBrains Mono" panose="02000009000000000000" pitchFamily="49" charset="0"/>
+                </a:rPr>
+                <a:t>0.999999999999</a:t>
+              </a:r>
+              <a:r>
+                <a:rPr kumimoji="0" lang="zh-TW" altLang="zh-TW" sz="2400" b="0" i="0" u="none" strike="noStrike" cap="none" normalizeH="0" baseline="0">
+                  <a:ln>
+                    <a:noFill/>
+                  </a:ln>
+                  <a:solidFill>
+                    <a:srgbClr val="BCBEC4"/>
+                  </a:solidFill>
+                  <a:effectLst/>
+                  <a:cs typeface="JetBrains Mono" panose="02000009000000000000" pitchFamily="49" charset="0"/>
+                </a:rPr>
+                <a:t>;</a:t>
+              </a:r>
+              <a:br>
+                <a:rPr kumimoji="0" lang="zh-TW" altLang="zh-TW" sz="2400" b="0" i="0" u="none" strike="noStrike" cap="none" normalizeH="0" baseline="0">
+                  <a:ln>
+                    <a:noFill/>
+                  </a:ln>
+                  <a:solidFill>
+                    <a:srgbClr val="BCBEC4"/>
+                  </a:solidFill>
+                  <a:effectLst/>
+                  <a:cs typeface="JetBrains Mono" panose="02000009000000000000" pitchFamily="49" charset="0"/>
+                </a:rPr>
+              </a:br>
+              <a:r>
+                <a:rPr kumimoji="0" lang="zh-TW" altLang="zh-TW" sz="2400" b="0" i="0" u="none" strike="noStrike" cap="none" normalizeH="0" baseline="0">
+                  <a:ln>
+                    <a:noFill/>
+                  </a:ln>
+                  <a:solidFill>
+                    <a:srgbClr val="BCBEC4"/>
+                  </a:solidFill>
+                  <a:effectLst/>
+                  <a:cs typeface="JetBrains Mono" panose="02000009000000000000" pitchFamily="49" charset="0"/>
+                </a:rPr>
+                <a:t>g = </a:t>
+              </a:r>
+              <a:r>
+                <a:rPr kumimoji="0" lang="zh-TW" altLang="zh-TW" sz="2400" b="0" i="0" u="none" strike="noStrike" cap="none" normalizeH="0" baseline="0">
+                  <a:ln>
+                    <a:noFill/>
+                  </a:ln>
+                  <a:solidFill>
+                    <a:srgbClr val="6AAB73"/>
+                  </a:solidFill>
+                  <a:effectLst/>
+                  <a:cs typeface="JetBrains Mono" panose="02000009000000000000" pitchFamily="49" charset="0"/>
+                </a:rPr>
+                <a:t>' '</a:t>
+              </a:r>
+              <a:r>
+                <a:rPr kumimoji="0" lang="zh-TW" altLang="zh-TW" sz="2400" b="0" i="0" u="none" strike="noStrike" cap="none" normalizeH="0" baseline="0">
+                  <a:ln>
+                    <a:noFill/>
+                  </a:ln>
+                  <a:solidFill>
+                    <a:srgbClr val="BCBEC4"/>
+                  </a:solidFill>
+                  <a:effectLst/>
+                  <a:cs typeface="JetBrains Mono" panose="02000009000000000000" pitchFamily="49" charset="0"/>
+                </a:rPr>
+                <a:t>; </a:t>
+              </a:r>
+              <a:r>
+                <a:rPr kumimoji="0" lang="zh-TW" altLang="zh-TW" sz="2400" b="0" i="0" u="none" strike="noStrike" cap="none" normalizeH="0" baseline="0">
+                  <a:ln>
+                    <a:noFill/>
+                  </a:ln>
+                  <a:solidFill>
+                    <a:srgbClr val="7A7E85"/>
+                  </a:solidFill>
+                  <a:effectLst/>
+                  <a:cs typeface="JetBrains Mono" panose="02000009000000000000" pitchFamily="49" charset="0"/>
+                </a:rPr>
+                <a:t>// </a:t>
+              </a:r>
+              <a:r>
+                <a:rPr kumimoji="0" lang="zh-TW" altLang="zh-TW" sz="2400" b="0" i="0" u="none" strike="noStrike" cap="none" normalizeH="0" baseline="0">
+                  <a:ln>
+                    <a:noFill/>
+                  </a:ln>
+                  <a:solidFill>
+                    <a:srgbClr val="7A7E85"/>
+                  </a:solidFill>
+                  <a:effectLst/>
+                  <a:ea typeface="微軟正黑體" panose="020B0604030504040204" pitchFamily="34" charset="-120"/>
+                  <a:cs typeface="JetBrains Mono" panose="02000009000000000000" pitchFamily="49" charset="0"/>
+                </a:rPr>
+                <a:t>空白也是一個字</a:t>
+              </a:r>
+              <a:br>
+                <a:rPr kumimoji="0" lang="zh-TW" altLang="zh-TW" sz="2400" b="0" i="0" u="none" strike="noStrike" cap="none" normalizeH="0" baseline="0">
+                  <a:ln>
+                    <a:noFill/>
+                  </a:ln>
+                  <a:solidFill>
+                    <a:srgbClr val="BCBEC4"/>
+                  </a:solidFill>
+                  <a:effectLst/>
+                  <a:cs typeface="JetBrains Mono" panose="02000009000000000000" pitchFamily="49" charset="0"/>
+                </a:rPr>
+              </a:br>
+              <a:r>
+                <a:rPr kumimoji="0" lang="zh-TW" altLang="zh-TW" sz="2400" b="0" i="0" u="none" strike="noStrike" cap="none" normalizeH="0" baseline="0">
+                  <a:ln>
+                    <a:noFill/>
+                  </a:ln>
+                  <a:solidFill>
+                    <a:srgbClr val="BCBEC4"/>
+                  </a:solidFill>
+                  <a:effectLst/>
+                  <a:cs typeface="JetBrains Mono" panose="02000009000000000000" pitchFamily="49" charset="0"/>
+                </a:rPr>
+                <a:t>h = </a:t>
+              </a:r>
+              <a:r>
+                <a:rPr kumimoji="0" lang="zh-TW" altLang="zh-TW" sz="2400" b="0" i="0" u="none" strike="noStrike" cap="none" normalizeH="0" baseline="0">
+                  <a:ln>
+                    <a:noFill/>
+                  </a:ln>
+                  <a:solidFill>
+                    <a:srgbClr val="CF8E6D"/>
+                  </a:solidFill>
+                  <a:effectLst/>
+                  <a:cs typeface="JetBrains Mono" panose="02000009000000000000" pitchFamily="49" charset="0"/>
+                </a:rPr>
+                <a:t>false</a:t>
+              </a:r>
+              <a:r>
+                <a:rPr kumimoji="0" lang="zh-TW" altLang="zh-TW" sz="2400" b="0" i="0" u="none" strike="noStrike" cap="none" normalizeH="0" baseline="0">
+                  <a:ln>
+                    <a:noFill/>
+                  </a:ln>
+                  <a:solidFill>
+                    <a:srgbClr val="BCBEC4"/>
+                  </a:solidFill>
+                  <a:effectLst/>
+                  <a:cs typeface="JetBrains Mono" panose="02000009000000000000" pitchFamily="49" charset="0"/>
+                </a:rPr>
+                <a:t>;</a:t>
+              </a:r>
+              <a:endParaRPr kumimoji="0" lang="zh-TW" altLang="zh-TW" sz="4000" b="0" i="0" u="none" strike="noStrike" cap="none" normalizeH="0" baseline="0">
+                <a:ln>
+                  <a:noFill/>
+                </a:ln>
+                <a:solidFill>
+                  <a:schemeClr val="tx1"/>
+                </a:solidFill>
+                <a:effectLst/>
+              </a:endParaRPr>
+            </a:p>
+          </p:txBody>
+        </p:sp>
+        <p:sp>
+          <p:nvSpPr>
+            <p:cNvPr id="13" name="文字方塊 12">
+              <a:extLst>
+                <a:ext uri="{FF2B5EF4-FFF2-40B4-BE49-F238E27FC236}">
+                  <a16:creationId xmlns:a16="http://schemas.microsoft.com/office/drawing/2014/main" id="{4F1AE356-18D2-4F96-B6F6-0EEBF916045D}"/>
+                </a:ext>
+              </a:extLst>
+            </p:cNvPr>
+            <p:cNvSpPr txBox="1"/>
+            <p:nvPr/>
+          </p:nvSpPr>
+          <p:spPr>
+            <a:xfrm>
+              <a:off x="10333131" y="5701258"/>
+              <a:ext cx="691215" cy="369332"/>
+            </a:xfrm>
+            <a:prstGeom prst="rect">
+              <a:avLst/>
+            </a:prstGeom>
+            <a:noFill/>
+          </p:spPr>
+          <p:txBody>
+            <a:bodyPr wrap="none" rtlCol="0">
+              <a:spAutoFit/>
+            </a:bodyPr>
+            <a:lstStyle/>
+            <a:p>
+              <a:r>
+                <a:rPr lang="en-US" altLang="zh-TW">
+                  <a:solidFill>
+                    <a:schemeClr val="accent3"/>
+                  </a:solidFill>
+                </a:rPr>
+                <a:t>java</a:t>
+              </a:r>
+              <a:endParaRPr lang="zh-TW" altLang="en-US">
+                <a:solidFill>
+                  <a:schemeClr val="accent3"/>
+                </a:solidFill>
+              </a:endParaRPr>
+            </a:p>
+          </p:txBody>
+        </p:sp>
+      </p:grpSp>
     </p:spTree>
     <p:extLst>
       <p:ext uri="{BB962C8B-B14F-4D97-AF65-F5344CB8AC3E}">
-        <p14:creationId xmlns:p14="http://schemas.microsoft.com/office/powerpoint/2010/main" val="1004309032"/>
+        <p14:creationId xmlns:p14="http://schemas.microsoft.com/office/powerpoint/2010/main" val="4001393869"/>
       </p:ext>
     </p:extLst>
   </p:cSld>
@@ -13304,7 +13366,7 @@
           <p:cNvPr id="2" name="標題 1">
             <a:extLst>
               <a:ext uri="{FF2B5EF4-FFF2-40B4-BE49-F238E27FC236}">
-                <a16:creationId xmlns:a16="http://schemas.microsoft.com/office/drawing/2014/main" id="{32A4B15C-234B-4CF8-904F-AF7782D4A625}"/>
+                <a16:creationId xmlns:a16="http://schemas.microsoft.com/office/drawing/2014/main" id="{930AF25F-3221-4D86-8E1A-9A89875D5C41}"/>
               </a:ext>
             </a:extLst>
           </p:cNvPr>
@@ -13315,15 +13377,25 @@
             <p:ph type="title"/>
           </p:nvPr>
         </p:nvSpPr>
-        <p:spPr/>
+        <p:spPr>
+          <a:xfrm>
+            <a:off x="838200" y="365125"/>
+            <a:ext cx="10515600" cy="1325563"/>
+          </a:xfrm>
+        </p:spPr>
         <p:txBody>
           <a:bodyPr/>
           <a:lstStyle/>
           <a:p>
             <a:r>
               <a:rPr lang="zh-TW" altLang="en-US"/>
-              <a:t>數學運算</a:t>
-            </a:r>
+              <a:t>變數</a:t>
+            </a:r>
+            <a:r>
+              <a:rPr lang="en-US" altLang="zh-TW"/>
+              <a:t>(Variable)</a:t>
+            </a:r>
+            <a:endParaRPr lang="zh-TW" altLang="en-US"/>
           </a:p>
         </p:txBody>
       </p:sp>
@@ -13332,7 +13404,1984 @@
           <p:cNvPr id="3" name="內容版面配置區 2">
             <a:extLst>
               <a:ext uri="{FF2B5EF4-FFF2-40B4-BE49-F238E27FC236}">
-                <a16:creationId xmlns:a16="http://schemas.microsoft.com/office/drawing/2014/main" id="{75FCC95D-329D-4D0C-B4FA-4FC920BD6E67}"/>
+                <a16:creationId xmlns:a16="http://schemas.microsoft.com/office/drawing/2014/main" id="{A22DF850-8178-4F00-8D0E-470EBC493CD3}"/>
+              </a:ext>
+            </a:extLst>
+          </p:cNvPr>
+          <p:cNvSpPr>
+            <a:spLocks noGrp="1"/>
+          </p:cNvSpPr>
+          <p:nvPr>
+            <p:ph idx="1"/>
+          </p:nvPr>
+        </p:nvSpPr>
+        <p:spPr>
+          <a:xfrm>
+            <a:off x="838200" y="1619435"/>
+            <a:ext cx="7704233" cy="1527929"/>
+          </a:xfrm>
+        </p:spPr>
+        <p:txBody>
+          <a:bodyPr>
+            <a:normAutofit/>
+          </a:bodyPr>
+          <a:lstStyle/>
+          <a:p>
+            <a:r>
+              <a:rPr lang="zh-TW" altLang="en-US"/>
+              <a:t>使用變數前一定要初始化</a:t>
+            </a:r>
+            <a:endParaRPr lang="en-US" altLang="zh-TW"/>
+          </a:p>
+          <a:p>
+            <a:r>
+              <a:rPr lang="zh-TW" altLang="en-US"/>
+              <a:t>任何可以填值的地方都可以填變數</a:t>
+            </a:r>
+            <a:endParaRPr lang="en-US" altLang="zh-TW"/>
+          </a:p>
+          <a:p>
+            <a:r>
+              <a:rPr lang="zh-TW" altLang="en-US"/>
+              <a:t>舉例：</a:t>
+            </a:r>
+            <a:endParaRPr lang="en-US" altLang="zh-TW"/>
+          </a:p>
+        </p:txBody>
+      </p:sp>
+      <p:grpSp>
+        <p:nvGrpSpPr>
+          <p:cNvPr id="11" name="群組 10">
+            <a:extLst>
+              <a:ext uri="{FF2B5EF4-FFF2-40B4-BE49-F238E27FC236}">
+                <a16:creationId xmlns:a16="http://schemas.microsoft.com/office/drawing/2014/main" id="{552AF8CC-8A23-412B-8714-2B4263FE79C5}"/>
+              </a:ext>
+            </a:extLst>
+          </p:cNvPr>
+          <p:cNvGrpSpPr/>
+          <p:nvPr/>
+        </p:nvGrpSpPr>
+        <p:grpSpPr>
+          <a:xfrm>
+            <a:off x="838201" y="3147364"/>
+            <a:ext cx="7704232" cy="3139321"/>
+            <a:chOff x="838201" y="3147364"/>
+            <a:chExt cx="7704232" cy="3139321"/>
+          </a:xfrm>
+        </p:grpSpPr>
+        <p:sp>
+          <p:nvSpPr>
+            <p:cNvPr id="8" name="Rectangle 3">
+              <a:extLst>
+                <a:ext uri="{FF2B5EF4-FFF2-40B4-BE49-F238E27FC236}">
+                  <a16:creationId xmlns:a16="http://schemas.microsoft.com/office/drawing/2014/main" id="{58F23265-41C9-4057-A4A7-6F3805A22AAA}"/>
+                </a:ext>
+              </a:extLst>
+            </p:cNvPr>
+            <p:cNvSpPr>
+              <a:spLocks noChangeArrowheads="1"/>
+            </p:cNvSpPr>
+            <p:nvPr/>
+          </p:nvSpPr>
+          <p:spPr bwMode="auto">
+            <a:xfrm>
+              <a:off x="838201" y="3147364"/>
+              <a:ext cx="7704232" cy="3139321"/>
+            </a:xfrm>
+            <a:prstGeom prst="rect">
+              <a:avLst/>
+            </a:prstGeom>
+            <a:solidFill>
+              <a:srgbClr val="1E1F22"/>
+            </a:solidFill>
+            <a:ln>
+              <a:noFill/>
+            </a:ln>
+            <a:effectLst/>
+            <a:extLst>
+              <a:ext uri="{91240B29-F687-4F45-9708-019B960494DF}">
+                <a14:hiddenLine xmlns:a14="http://schemas.microsoft.com/office/drawing/2010/main" w="9525">
+                  <a:solidFill>
+                    <a:schemeClr val="tx1"/>
+                  </a:solidFill>
+                  <a:miter lim="800000"/>
+                  <a:headEnd/>
+                  <a:tailEnd/>
+                </a14:hiddenLine>
+              </a:ext>
+              <a:ext uri="{AF507438-7753-43E0-B8FC-AC1667EBCBE1}">
+                <a14:hiddenEffects xmlns:a14="http://schemas.microsoft.com/office/drawing/2010/main">
+                  <a:effectLst>
+                    <a:outerShdw dist="35921" dir="2700000" algn="ctr" rotWithShape="0">
+                      <a:schemeClr val="bg2"/>
+                    </a:outerShdw>
+                  </a:effectLst>
+                </a14:hiddenEffects>
+              </a:ext>
+            </a:extLst>
+          </p:spPr>
+          <p:txBody>
+            <a:bodyPr vert="horz" wrap="square" lIns="91440" tIns="45720" rIns="91440" bIns="45720" numCol="1" anchor="ctr" anchorCtr="0" compatLnSpc="1">
+              <a:prstTxWarp prst="textNoShape">
+                <a:avLst/>
+              </a:prstTxWarp>
+              <a:spAutoFit/>
+            </a:bodyPr>
+            <a:lstStyle/>
+            <a:p>
+              <a:pPr marL="0" marR="0" lvl="0" indent="0" algn="l" defTabSz="914400" rtl="0" eaLnBrk="0" fontAlgn="base" latinLnBrk="0" hangingPunct="0">
+                <a:lnSpc>
+                  <a:spcPct val="100000"/>
+                </a:lnSpc>
+                <a:spcBef>
+                  <a:spcPct val="0"/>
+                </a:spcBef>
+                <a:spcAft>
+                  <a:spcPct val="0"/>
+                </a:spcAft>
+                <a:buClrTx/>
+                <a:buSzTx/>
+                <a:buFontTx/>
+                <a:buNone/>
+                <a:tabLst/>
+              </a:pPr>
+              <a:r>
+                <a:rPr kumimoji="0" lang="zh-TW" altLang="zh-TW" b="0" i="0" u="none" strike="noStrike" cap="none" normalizeH="0" baseline="0">
+                  <a:ln>
+                    <a:noFill/>
+                  </a:ln>
+                  <a:solidFill>
+                    <a:srgbClr val="CF8E6D"/>
+                  </a:solidFill>
+                  <a:effectLst/>
+                  <a:cs typeface="JetBrains Mono" panose="02000009000000000000" pitchFamily="49" charset="0"/>
+                </a:rPr>
+                <a:t>public class </a:t>
+              </a:r>
+              <a:r>
+                <a:rPr kumimoji="0" lang="zh-TW" altLang="zh-TW" b="0" i="0" u="none" strike="noStrike" cap="none" normalizeH="0" baseline="0">
+                  <a:ln>
+                    <a:noFill/>
+                  </a:ln>
+                  <a:solidFill>
+                    <a:srgbClr val="BCBEC4"/>
+                  </a:solidFill>
+                  <a:effectLst/>
+                  <a:cs typeface="JetBrains Mono" panose="02000009000000000000" pitchFamily="49" charset="0"/>
+                </a:rPr>
+                <a:t>Main {</a:t>
+              </a:r>
+              <a:br>
+                <a:rPr kumimoji="0" lang="zh-TW" altLang="zh-TW" b="0" i="0" u="none" strike="noStrike" cap="none" normalizeH="0" baseline="0">
+                  <a:ln>
+                    <a:noFill/>
+                  </a:ln>
+                  <a:solidFill>
+                    <a:srgbClr val="BCBEC4"/>
+                  </a:solidFill>
+                  <a:effectLst/>
+                  <a:cs typeface="JetBrains Mono" panose="02000009000000000000" pitchFamily="49" charset="0"/>
+                </a:rPr>
+              </a:br>
+              <a:r>
+                <a:rPr kumimoji="0" lang="zh-TW" altLang="zh-TW" b="0" i="0" u="none" strike="noStrike" cap="none" normalizeH="0" baseline="0">
+                  <a:ln>
+                    <a:noFill/>
+                  </a:ln>
+                  <a:solidFill>
+                    <a:srgbClr val="BCBEC4"/>
+                  </a:solidFill>
+                  <a:effectLst/>
+                  <a:cs typeface="JetBrains Mono" panose="02000009000000000000" pitchFamily="49" charset="0"/>
+                </a:rPr>
+                <a:t>    </a:t>
+              </a:r>
+              <a:r>
+                <a:rPr kumimoji="0" lang="zh-TW" altLang="zh-TW" b="0" i="0" u="none" strike="noStrike" cap="none" normalizeH="0" baseline="0">
+                  <a:ln>
+                    <a:noFill/>
+                  </a:ln>
+                  <a:solidFill>
+                    <a:srgbClr val="CF8E6D"/>
+                  </a:solidFill>
+                  <a:effectLst/>
+                  <a:cs typeface="JetBrains Mono" panose="02000009000000000000" pitchFamily="49" charset="0"/>
+                </a:rPr>
+                <a:t>public static void </a:t>
+              </a:r>
+              <a:r>
+                <a:rPr kumimoji="0" lang="zh-TW" altLang="zh-TW" b="0" i="0" u="none" strike="noStrike" cap="none" normalizeH="0" baseline="0">
+                  <a:ln>
+                    <a:noFill/>
+                  </a:ln>
+                  <a:solidFill>
+                    <a:srgbClr val="56A8F5"/>
+                  </a:solidFill>
+                  <a:effectLst/>
+                  <a:cs typeface="JetBrains Mono" panose="02000009000000000000" pitchFamily="49" charset="0"/>
+                </a:rPr>
+                <a:t>main</a:t>
+              </a:r>
+              <a:r>
+                <a:rPr kumimoji="0" lang="zh-TW" altLang="zh-TW" b="0" i="0" u="none" strike="noStrike" cap="none" normalizeH="0" baseline="0">
+                  <a:ln>
+                    <a:noFill/>
+                  </a:ln>
+                  <a:solidFill>
+                    <a:srgbClr val="BCBEC4"/>
+                  </a:solidFill>
+                  <a:effectLst/>
+                  <a:cs typeface="JetBrains Mono" panose="02000009000000000000" pitchFamily="49" charset="0"/>
+                </a:rPr>
+                <a:t>(String[] args) {</a:t>
+              </a:r>
+              <a:br>
+                <a:rPr kumimoji="0" lang="zh-TW" altLang="zh-TW" b="0" i="0" u="none" strike="noStrike" cap="none" normalizeH="0" baseline="0">
+                  <a:ln>
+                    <a:noFill/>
+                  </a:ln>
+                  <a:solidFill>
+                    <a:srgbClr val="BCBEC4"/>
+                  </a:solidFill>
+                  <a:effectLst/>
+                  <a:cs typeface="JetBrains Mono" panose="02000009000000000000" pitchFamily="49" charset="0"/>
+                </a:rPr>
+              </a:br>
+              <a:r>
+                <a:rPr kumimoji="0" lang="zh-TW" altLang="zh-TW" b="0" i="0" u="none" strike="noStrike" cap="none" normalizeH="0" baseline="0">
+                  <a:ln>
+                    <a:noFill/>
+                  </a:ln>
+                  <a:solidFill>
+                    <a:srgbClr val="BCBEC4"/>
+                  </a:solidFill>
+                  <a:effectLst/>
+                  <a:cs typeface="JetBrains Mono" panose="02000009000000000000" pitchFamily="49" charset="0"/>
+                </a:rPr>
+                <a:t>        System.</a:t>
+              </a:r>
+              <a:r>
+                <a:rPr kumimoji="0" lang="zh-TW" altLang="zh-TW" b="0" i="1" u="none" strike="noStrike" cap="none" normalizeH="0" baseline="0">
+                  <a:ln>
+                    <a:noFill/>
+                  </a:ln>
+                  <a:solidFill>
+                    <a:srgbClr val="C77DBB"/>
+                  </a:solidFill>
+                  <a:effectLst/>
+                  <a:cs typeface="JetBrains Mono" panose="02000009000000000000" pitchFamily="49" charset="0"/>
+                </a:rPr>
+                <a:t>out</a:t>
+              </a:r>
+              <a:r>
+                <a:rPr kumimoji="0" lang="zh-TW" altLang="zh-TW" b="0" i="0" u="none" strike="noStrike" cap="none" normalizeH="0" baseline="0">
+                  <a:ln>
+                    <a:noFill/>
+                  </a:ln>
+                  <a:solidFill>
+                    <a:srgbClr val="BCBEC4"/>
+                  </a:solidFill>
+                  <a:effectLst/>
+                  <a:cs typeface="JetBrains Mono" panose="02000009000000000000" pitchFamily="49" charset="0"/>
+                </a:rPr>
+                <a:t>.println(</a:t>
+              </a:r>
+              <a:r>
+                <a:rPr kumimoji="0" lang="zh-TW" altLang="zh-TW" b="0" i="0" u="none" strike="noStrike" cap="none" normalizeH="0" baseline="0">
+                  <a:ln>
+                    <a:noFill/>
+                  </a:ln>
+                  <a:solidFill>
+                    <a:srgbClr val="2AACB8"/>
+                  </a:solidFill>
+                  <a:effectLst/>
+                  <a:cs typeface="JetBrains Mono" panose="02000009000000000000" pitchFamily="49" charset="0"/>
+                </a:rPr>
+                <a:t>2</a:t>
+              </a:r>
+              <a:r>
+                <a:rPr kumimoji="0" lang="zh-TW" altLang="zh-TW" b="0" i="0" u="none" strike="noStrike" cap="none" normalizeH="0" baseline="0">
+                  <a:ln>
+                    <a:noFill/>
+                  </a:ln>
+                  <a:solidFill>
+                    <a:srgbClr val="BCBEC4"/>
+                  </a:solidFill>
+                  <a:effectLst/>
+                  <a:cs typeface="JetBrains Mono" panose="02000009000000000000" pitchFamily="49" charset="0"/>
+                </a:rPr>
+                <a:t>);</a:t>
+              </a:r>
+              <a:br>
+                <a:rPr kumimoji="0" lang="zh-TW" altLang="zh-TW" b="0" i="0" u="none" strike="noStrike" cap="none" normalizeH="0" baseline="0">
+                  <a:ln>
+                    <a:noFill/>
+                  </a:ln>
+                  <a:solidFill>
+                    <a:srgbClr val="BCBEC4"/>
+                  </a:solidFill>
+                  <a:effectLst/>
+                  <a:cs typeface="JetBrains Mono" panose="02000009000000000000" pitchFamily="49" charset="0"/>
+                </a:rPr>
+              </a:br>
+              <a:r>
+                <a:rPr kumimoji="0" lang="zh-TW" altLang="zh-TW" b="0" i="0" u="none" strike="noStrike" cap="none" normalizeH="0" baseline="0">
+                  <a:ln>
+                    <a:noFill/>
+                  </a:ln>
+                  <a:solidFill>
+                    <a:srgbClr val="BCBEC4"/>
+                  </a:solidFill>
+                  <a:effectLst/>
+                  <a:cs typeface="JetBrains Mono" panose="02000009000000000000" pitchFamily="49" charset="0"/>
+                </a:rPr>
+                <a:t>        </a:t>
+              </a:r>
+              <a:r>
+                <a:rPr kumimoji="0" lang="zh-TW" altLang="zh-TW" b="0" i="0" u="none" strike="noStrike" cap="none" normalizeH="0" baseline="0">
+                  <a:ln>
+                    <a:noFill/>
+                  </a:ln>
+                  <a:solidFill>
+                    <a:srgbClr val="CF8E6D"/>
+                  </a:solidFill>
+                  <a:effectLst/>
+                  <a:cs typeface="JetBrains Mono" panose="02000009000000000000" pitchFamily="49" charset="0"/>
+                </a:rPr>
+                <a:t>int </a:t>
+              </a:r>
+              <a:r>
+                <a:rPr kumimoji="0" lang="zh-TW" altLang="zh-TW" b="0" i="0" u="none" strike="noStrike" cap="none" normalizeH="0" baseline="0">
+                  <a:ln>
+                    <a:noFill/>
+                  </a:ln>
+                  <a:solidFill>
+                    <a:srgbClr val="BCBEC4"/>
+                  </a:solidFill>
+                  <a:effectLst/>
+                  <a:cs typeface="JetBrains Mono" panose="02000009000000000000" pitchFamily="49" charset="0"/>
+                </a:rPr>
+                <a:t>a = </a:t>
+              </a:r>
+              <a:r>
+                <a:rPr kumimoji="0" lang="zh-TW" altLang="zh-TW" b="0" i="0" u="none" strike="noStrike" cap="none" normalizeH="0" baseline="0">
+                  <a:ln>
+                    <a:noFill/>
+                  </a:ln>
+                  <a:solidFill>
+                    <a:srgbClr val="2AACB8"/>
+                  </a:solidFill>
+                  <a:effectLst/>
+                  <a:cs typeface="JetBrains Mono" panose="02000009000000000000" pitchFamily="49" charset="0"/>
+                </a:rPr>
+                <a:t>2</a:t>
+              </a:r>
+              <a:r>
+                <a:rPr kumimoji="0" lang="zh-TW" altLang="zh-TW" b="0" i="0" u="none" strike="noStrike" cap="none" normalizeH="0" baseline="0">
+                  <a:ln>
+                    <a:noFill/>
+                  </a:ln>
+                  <a:solidFill>
+                    <a:srgbClr val="BCBEC4"/>
+                  </a:solidFill>
+                  <a:effectLst/>
+                  <a:cs typeface="JetBrains Mono" panose="02000009000000000000" pitchFamily="49" charset="0"/>
+                </a:rPr>
+                <a:t>;</a:t>
+              </a:r>
+              <a:br>
+                <a:rPr kumimoji="0" lang="zh-TW" altLang="zh-TW" b="0" i="0" u="none" strike="noStrike" cap="none" normalizeH="0" baseline="0">
+                  <a:ln>
+                    <a:noFill/>
+                  </a:ln>
+                  <a:solidFill>
+                    <a:srgbClr val="BCBEC4"/>
+                  </a:solidFill>
+                  <a:effectLst/>
+                  <a:cs typeface="JetBrains Mono" panose="02000009000000000000" pitchFamily="49" charset="0"/>
+                </a:rPr>
+              </a:br>
+              <a:r>
+                <a:rPr kumimoji="0" lang="zh-TW" altLang="zh-TW" b="0" i="0" u="none" strike="noStrike" cap="none" normalizeH="0" baseline="0">
+                  <a:ln>
+                    <a:noFill/>
+                  </a:ln>
+                  <a:solidFill>
+                    <a:srgbClr val="BCBEC4"/>
+                  </a:solidFill>
+                  <a:effectLst/>
+                  <a:cs typeface="JetBrains Mono" panose="02000009000000000000" pitchFamily="49" charset="0"/>
+                </a:rPr>
+                <a:t>        System.</a:t>
+              </a:r>
+              <a:r>
+                <a:rPr kumimoji="0" lang="zh-TW" altLang="zh-TW" b="0" i="1" u="none" strike="noStrike" cap="none" normalizeH="0" baseline="0">
+                  <a:ln>
+                    <a:noFill/>
+                  </a:ln>
+                  <a:solidFill>
+                    <a:srgbClr val="C77DBB"/>
+                  </a:solidFill>
+                  <a:effectLst/>
+                  <a:cs typeface="JetBrains Mono" panose="02000009000000000000" pitchFamily="49" charset="0"/>
+                </a:rPr>
+                <a:t>out</a:t>
+              </a:r>
+              <a:r>
+                <a:rPr kumimoji="0" lang="zh-TW" altLang="zh-TW" b="0" i="0" u="none" strike="noStrike" cap="none" normalizeH="0" baseline="0">
+                  <a:ln>
+                    <a:noFill/>
+                  </a:ln>
+                  <a:solidFill>
+                    <a:srgbClr val="BCBEC4"/>
+                  </a:solidFill>
+                  <a:effectLst/>
+                  <a:cs typeface="JetBrains Mono" panose="02000009000000000000" pitchFamily="49" charset="0"/>
+                </a:rPr>
+                <a:t>.println(a);</a:t>
+              </a:r>
+              <a:br>
+                <a:rPr kumimoji="0" lang="zh-TW" altLang="zh-TW" b="0" i="0" u="none" strike="noStrike" cap="none" normalizeH="0" baseline="0">
+                  <a:ln>
+                    <a:noFill/>
+                  </a:ln>
+                  <a:solidFill>
+                    <a:srgbClr val="BCBEC4"/>
+                  </a:solidFill>
+                  <a:effectLst/>
+                  <a:cs typeface="JetBrains Mono" panose="02000009000000000000" pitchFamily="49" charset="0"/>
+                </a:rPr>
+              </a:br>
+              <a:r>
+                <a:rPr kumimoji="0" lang="zh-TW" altLang="zh-TW" b="0" i="0" u="none" strike="noStrike" cap="none" normalizeH="0" baseline="0">
+                  <a:ln>
+                    <a:noFill/>
+                  </a:ln>
+                  <a:solidFill>
+                    <a:srgbClr val="BCBEC4"/>
+                  </a:solidFill>
+                  <a:effectLst/>
+                  <a:cs typeface="JetBrains Mono" panose="02000009000000000000" pitchFamily="49" charset="0"/>
+                </a:rPr>
+                <a:t>        a = </a:t>
+              </a:r>
+              <a:r>
+                <a:rPr kumimoji="0" lang="zh-TW" altLang="zh-TW" b="0" i="0" u="none" strike="noStrike" cap="none" normalizeH="0" baseline="0">
+                  <a:ln>
+                    <a:noFill/>
+                  </a:ln>
+                  <a:solidFill>
+                    <a:srgbClr val="2AACB8"/>
+                  </a:solidFill>
+                  <a:effectLst/>
+                  <a:cs typeface="JetBrains Mono" panose="02000009000000000000" pitchFamily="49" charset="0"/>
+                </a:rPr>
+                <a:t>0</a:t>
+              </a:r>
+              <a:r>
+                <a:rPr kumimoji="0" lang="zh-TW" altLang="zh-TW" b="0" i="0" u="none" strike="noStrike" cap="none" normalizeH="0" baseline="0">
+                  <a:ln>
+                    <a:noFill/>
+                  </a:ln>
+                  <a:solidFill>
+                    <a:srgbClr val="BCBEC4"/>
+                  </a:solidFill>
+                  <a:effectLst/>
+                  <a:cs typeface="JetBrains Mono" panose="02000009000000000000" pitchFamily="49" charset="0"/>
+                </a:rPr>
+                <a:t>;</a:t>
+              </a:r>
+              <a:br>
+                <a:rPr kumimoji="0" lang="zh-TW" altLang="zh-TW" b="0" i="0" u="none" strike="noStrike" cap="none" normalizeH="0" baseline="0">
+                  <a:ln>
+                    <a:noFill/>
+                  </a:ln>
+                  <a:solidFill>
+                    <a:srgbClr val="BCBEC4"/>
+                  </a:solidFill>
+                  <a:effectLst/>
+                  <a:cs typeface="JetBrains Mono" panose="02000009000000000000" pitchFamily="49" charset="0"/>
+                </a:rPr>
+              </a:br>
+              <a:r>
+                <a:rPr kumimoji="0" lang="zh-TW" altLang="zh-TW" b="0" i="0" u="none" strike="noStrike" cap="none" normalizeH="0" baseline="0">
+                  <a:ln>
+                    <a:noFill/>
+                  </a:ln>
+                  <a:solidFill>
+                    <a:srgbClr val="BCBEC4"/>
+                  </a:solidFill>
+                  <a:effectLst/>
+                  <a:cs typeface="JetBrains Mono" panose="02000009000000000000" pitchFamily="49" charset="0"/>
+                </a:rPr>
+                <a:t>        System.</a:t>
+              </a:r>
+              <a:r>
+                <a:rPr kumimoji="0" lang="zh-TW" altLang="zh-TW" b="0" i="1" u="none" strike="noStrike" cap="none" normalizeH="0" baseline="0">
+                  <a:ln>
+                    <a:noFill/>
+                  </a:ln>
+                  <a:solidFill>
+                    <a:srgbClr val="C77DBB"/>
+                  </a:solidFill>
+                  <a:effectLst/>
+                  <a:cs typeface="JetBrains Mono" panose="02000009000000000000" pitchFamily="49" charset="0"/>
+                </a:rPr>
+                <a:t>out</a:t>
+              </a:r>
+              <a:r>
+                <a:rPr kumimoji="0" lang="zh-TW" altLang="zh-TW" b="0" i="0" u="none" strike="noStrike" cap="none" normalizeH="0" baseline="0">
+                  <a:ln>
+                    <a:noFill/>
+                  </a:ln>
+                  <a:solidFill>
+                    <a:srgbClr val="BCBEC4"/>
+                  </a:solidFill>
+                  <a:effectLst/>
+                  <a:cs typeface="JetBrains Mono" panose="02000009000000000000" pitchFamily="49" charset="0"/>
+                </a:rPr>
+                <a:t>.println(a);</a:t>
+              </a:r>
+              <a:br>
+                <a:rPr kumimoji="0" lang="zh-TW" altLang="zh-TW" b="0" i="0" u="none" strike="noStrike" cap="none" normalizeH="0" baseline="0">
+                  <a:ln>
+                    <a:noFill/>
+                  </a:ln>
+                  <a:solidFill>
+                    <a:srgbClr val="BCBEC4"/>
+                  </a:solidFill>
+                  <a:effectLst/>
+                  <a:cs typeface="JetBrains Mono" panose="02000009000000000000" pitchFamily="49" charset="0"/>
+                </a:rPr>
+              </a:br>
+              <a:r>
+                <a:rPr kumimoji="0" lang="zh-TW" altLang="zh-TW" b="0" i="0" u="none" strike="noStrike" cap="none" normalizeH="0" baseline="0">
+                  <a:ln>
+                    <a:noFill/>
+                  </a:ln>
+                  <a:solidFill>
+                    <a:srgbClr val="BCBEC4"/>
+                  </a:solidFill>
+                  <a:effectLst/>
+                  <a:cs typeface="JetBrains Mono" panose="02000009000000000000" pitchFamily="49" charset="0"/>
+                </a:rPr>
+                <a:t>        System.</a:t>
+              </a:r>
+              <a:r>
+                <a:rPr kumimoji="0" lang="zh-TW" altLang="zh-TW" b="0" i="1" u="none" strike="noStrike" cap="none" normalizeH="0" baseline="0">
+                  <a:ln>
+                    <a:noFill/>
+                  </a:ln>
+                  <a:solidFill>
+                    <a:srgbClr val="C77DBB"/>
+                  </a:solidFill>
+                  <a:effectLst/>
+                  <a:cs typeface="JetBrains Mono" panose="02000009000000000000" pitchFamily="49" charset="0"/>
+                </a:rPr>
+                <a:t>out</a:t>
+              </a:r>
+              <a:r>
+                <a:rPr kumimoji="0" lang="zh-TW" altLang="zh-TW" b="0" i="0" u="none" strike="noStrike" cap="none" normalizeH="0" baseline="0">
+                  <a:ln>
+                    <a:noFill/>
+                  </a:ln>
+                  <a:solidFill>
+                    <a:srgbClr val="BCBEC4"/>
+                  </a:solidFill>
+                  <a:effectLst/>
+                  <a:cs typeface="JetBrains Mono" panose="02000009000000000000" pitchFamily="49" charset="0"/>
+                </a:rPr>
+                <a:t>.println(a = </a:t>
+              </a:r>
+              <a:r>
+                <a:rPr kumimoji="0" lang="zh-TW" altLang="zh-TW" b="0" i="0" u="none" strike="noStrike" cap="none" normalizeH="0" baseline="0">
+                  <a:ln>
+                    <a:noFill/>
+                  </a:ln>
+                  <a:solidFill>
+                    <a:srgbClr val="2AACB8"/>
+                  </a:solidFill>
+                  <a:effectLst/>
+                  <a:cs typeface="JetBrains Mono" panose="02000009000000000000" pitchFamily="49" charset="0"/>
+                </a:rPr>
+                <a:t>3</a:t>
+              </a:r>
+              <a:r>
+                <a:rPr kumimoji="0" lang="zh-TW" altLang="zh-TW" b="0" i="0" u="none" strike="noStrike" cap="none" normalizeH="0" baseline="0">
+                  <a:ln>
+                    <a:noFill/>
+                  </a:ln>
+                  <a:solidFill>
+                    <a:srgbClr val="BCBEC4"/>
+                  </a:solidFill>
+                  <a:effectLst/>
+                  <a:cs typeface="JetBrains Mono" panose="02000009000000000000" pitchFamily="49" charset="0"/>
+                </a:rPr>
+                <a:t>); </a:t>
+              </a:r>
+              <a:r>
+                <a:rPr kumimoji="0" lang="zh-TW" altLang="zh-TW" b="0" i="0" u="none" strike="noStrike" cap="none" normalizeH="0" baseline="0">
+                  <a:ln>
+                    <a:noFill/>
+                  </a:ln>
+                  <a:solidFill>
+                    <a:srgbClr val="7A7E85"/>
+                  </a:solidFill>
+                  <a:effectLst/>
+                  <a:cs typeface="JetBrains Mono" panose="02000009000000000000" pitchFamily="49" charset="0"/>
+                </a:rPr>
+                <a:t>// </a:t>
+              </a:r>
+              <a:r>
+                <a:rPr kumimoji="0" lang="zh-TW" altLang="zh-TW" b="0" i="0" u="none" strike="noStrike" cap="none" normalizeH="0" baseline="0">
+                  <a:ln>
+                    <a:noFill/>
+                  </a:ln>
+                  <a:solidFill>
+                    <a:srgbClr val="7A7E85"/>
+                  </a:solidFill>
+                  <a:effectLst/>
+                  <a:ea typeface="微軟正黑體" panose="020B0604030504040204" pitchFamily="34" charset="-120"/>
+                  <a:cs typeface="JetBrains Mono" panose="02000009000000000000" pitchFamily="49" charset="0"/>
+                </a:rPr>
+                <a:t>賦值作為表達式</a:t>
+              </a:r>
+              <a:br>
+                <a:rPr kumimoji="0" lang="zh-TW" altLang="zh-TW" b="0" i="0" u="none" strike="noStrike" cap="none" normalizeH="0" baseline="0">
+                  <a:ln>
+                    <a:noFill/>
+                  </a:ln>
+                  <a:solidFill>
+                    <a:srgbClr val="7A7E85"/>
+                  </a:solidFill>
+                  <a:effectLst/>
+                  <a:ea typeface="微軟正黑體" panose="020B0604030504040204" pitchFamily="34" charset="-120"/>
+                  <a:cs typeface="JetBrains Mono" panose="02000009000000000000" pitchFamily="49" charset="0"/>
+                </a:rPr>
+              </a:br>
+              <a:r>
+                <a:rPr kumimoji="0" lang="zh-TW" altLang="zh-TW" b="0" i="0" u="none" strike="noStrike" cap="none" normalizeH="0" baseline="0">
+                  <a:ln>
+                    <a:noFill/>
+                  </a:ln>
+                  <a:solidFill>
+                    <a:srgbClr val="7A7E85"/>
+                  </a:solidFill>
+                  <a:effectLst/>
+                  <a:ea typeface="微軟正黑體" panose="020B0604030504040204" pitchFamily="34" charset="-120"/>
+                  <a:cs typeface="JetBrains Mono" panose="02000009000000000000" pitchFamily="49" charset="0"/>
+                </a:rPr>
+                <a:t>        </a:t>
+              </a:r>
+              <a:r>
+                <a:rPr kumimoji="0" lang="zh-TW" altLang="zh-TW" b="0" i="0" u="none" strike="noStrike" cap="none" normalizeH="0" baseline="0">
+                  <a:ln>
+                    <a:noFill/>
+                  </a:ln>
+                  <a:solidFill>
+                    <a:srgbClr val="BCBEC4"/>
+                  </a:solidFill>
+                  <a:effectLst/>
+                  <a:cs typeface="JetBrains Mono" panose="02000009000000000000" pitchFamily="49" charset="0"/>
+                </a:rPr>
+                <a:t>System.</a:t>
+              </a:r>
+              <a:r>
+                <a:rPr kumimoji="0" lang="zh-TW" altLang="zh-TW" b="0" i="1" u="none" strike="noStrike" cap="none" normalizeH="0" baseline="0">
+                  <a:ln>
+                    <a:noFill/>
+                  </a:ln>
+                  <a:solidFill>
+                    <a:srgbClr val="C77DBB"/>
+                  </a:solidFill>
+                  <a:effectLst/>
+                  <a:cs typeface="JetBrains Mono" panose="02000009000000000000" pitchFamily="49" charset="0"/>
+                </a:rPr>
+                <a:t>out</a:t>
+              </a:r>
+              <a:r>
+                <a:rPr kumimoji="0" lang="zh-TW" altLang="zh-TW" b="0" i="0" u="none" strike="noStrike" cap="none" normalizeH="0" baseline="0">
+                  <a:ln>
+                    <a:noFill/>
+                  </a:ln>
+                  <a:solidFill>
+                    <a:srgbClr val="BCBEC4"/>
+                  </a:solidFill>
+                  <a:effectLst/>
+                  <a:cs typeface="JetBrains Mono" panose="02000009000000000000" pitchFamily="49" charset="0"/>
+                </a:rPr>
+                <a:t>.println(a);</a:t>
+              </a:r>
+              <a:br>
+                <a:rPr kumimoji="0" lang="zh-TW" altLang="zh-TW" b="0" i="0" u="none" strike="noStrike" cap="none" normalizeH="0" baseline="0">
+                  <a:ln>
+                    <a:noFill/>
+                  </a:ln>
+                  <a:solidFill>
+                    <a:srgbClr val="BCBEC4"/>
+                  </a:solidFill>
+                  <a:effectLst/>
+                  <a:cs typeface="JetBrains Mono" panose="02000009000000000000" pitchFamily="49" charset="0"/>
+                </a:rPr>
+              </a:br>
+              <a:r>
+                <a:rPr kumimoji="0" lang="zh-TW" altLang="zh-TW" b="0" i="0" u="none" strike="noStrike" cap="none" normalizeH="0" baseline="0">
+                  <a:ln>
+                    <a:noFill/>
+                  </a:ln>
+                  <a:solidFill>
+                    <a:srgbClr val="BCBEC4"/>
+                  </a:solidFill>
+                  <a:effectLst/>
+                  <a:cs typeface="JetBrains Mono" panose="02000009000000000000" pitchFamily="49" charset="0"/>
+                </a:rPr>
+                <a:t>    }</a:t>
+              </a:r>
+              <a:br>
+                <a:rPr kumimoji="0" lang="zh-TW" altLang="zh-TW" b="0" i="0" u="none" strike="noStrike" cap="none" normalizeH="0" baseline="0">
+                  <a:ln>
+                    <a:noFill/>
+                  </a:ln>
+                  <a:solidFill>
+                    <a:srgbClr val="BCBEC4"/>
+                  </a:solidFill>
+                  <a:effectLst/>
+                  <a:cs typeface="JetBrains Mono" panose="02000009000000000000" pitchFamily="49" charset="0"/>
+                </a:rPr>
+              </a:br>
+              <a:r>
+                <a:rPr kumimoji="0" lang="zh-TW" altLang="zh-TW" b="0" i="0" u="none" strike="noStrike" cap="none" normalizeH="0" baseline="0">
+                  <a:ln>
+                    <a:noFill/>
+                  </a:ln>
+                  <a:solidFill>
+                    <a:srgbClr val="BCBEC4"/>
+                  </a:solidFill>
+                  <a:effectLst/>
+                  <a:cs typeface="JetBrains Mono" panose="02000009000000000000" pitchFamily="49" charset="0"/>
+                </a:rPr>
+                <a:t>}</a:t>
+              </a:r>
+              <a:endParaRPr kumimoji="0" lang="zh-TW" altLang="zh-TW" sz="3200" b="0" i="0" u="none" strike="noStrike" cap="none" normalizeH="0" baseline="0">
+                <a:ln>
+                  <a:noFill/>
+                </a:ln>
+                <a:solidFill>
+                  <a:schemeClr val="tx1"/>
+                </a:solidFill>
+                <a:effectLst/>
+              </a:endParaRPr>
+            </a:p>
+          </p:txBody>
+        </p:sp>
+        <p:sp>
+          <p:nvSpPr>
+            <p:cNvPr id="9" name="文字方塊 8">
+              <a:extLst>
+                <a:ext uri="{FF2B5EF4-FFF2-40B4-BE49-F238E27FC236}">
+                  <a16:creationId xmlns:a16="http://schemas.microsoft.com/office/drawing/2014/main" id="{4BD09913-F855-41B2-92A6-56FDDCCFB053}"/>
+                </a:ext>
+              </a:extLst>
+            </p:cNvPr>
+            <p:cNvSpPr txBox="1"/>
+            <p:nvPr/>
+          </p:nvSpPr>
+          <p:spPr>
+            <a:xfrm>
+              <a:off x="7851218" y="5917353"/>
+              <a:ext cx="691215" cy="369332"/>
+            </a:xfrm>
+            <a:prstGeom prst="rect">
+              <a:avLst/>
+            </a:prstGeom>
+            <a:noFill/>
+          </p:spPr>
+          <p:txBody>
+            <a:bodyPr wrap="none" rtlCol="0">
+              <a:spAutoFit/>
+            </a:bodyPr>
+            <a:lstStyle/>
+            <a:p>
+              <a:r>
+                <a:rPr lang="en-US" altLang="zh-TW">
+                  <a:solidFill>
+                    <a:schemeClr val="accent2"/>
+                  </a:solidFill>
+                </a:rPr>
+                <a:t>java</a:t>
+              </a:r>
+              <a:endParaRPr lang="zh-TW" altLang="en-US">
+                <a:solidFill>
+                  <a:schemeClr val="accent2"/>
+                </a:solidFill>
+              </a:endParaRPr>
+            </a:p>
+          </p:txBody>
+        </p:sp>
+      </p:grpSp>
+      <p:grpSp>
+        <p:nvGrpSpPr>
+          <p:cNvPr id="19" name="群組 18">
+            <a:extLst>
+              <a:ext uri="{FF2B5EF4-FFF2-40B4-BE49-F238E27FC236}">
+                <a16:creationId xmlns:a16="http://schemas.microsoft.com/office/drawing/2014/main" id="{CFFE3461-9D05-46DE-83CC-4F73ACDEE419}"/>
+              </a:ext>
+            </a:extLst>
+          </p:cNvPr>
+          <p:cNvGrpSpPr/>
+          <p:nvPr/>
+        </p:nvGrpSpPr>
+        <p:grpSpPr>
+          <a:xfrm>
+            <a:off x="9094692" y="3978360"/>
+            <a:ext cx="2259107" cy="1477328"/>
+            <a:chOff x="6983505" y="3978361"/>
+            <a:chExt cx="2259107" cy="1477328"/>
+          </a:xfrm>
+        </p:grpSpPr>
+        <p:sp>
+          <p:nvSpPr>
+            <p:cNvPr id="22" name="Rectangle 3">
+              <a:extLst>
+                <a:ext uri="{FF2B5EF4-FFF2-40B4-BE49-F238E27FC236}">
+                  <a16:creationId xmlns:a16="http://schemas.microsoft.com/office/drawing/2014/main" id="{BE326EBD-022F-4398-82CD-6A1DFCA2997A}"/>
+                </a:ext>
+              </a:extLst>
+            </p:cNvPr>
+            <p:cNvSpPr>
+              <a:spLocks noChangeArrowheads="1"/>
+            </p:cNvSpPr>
+            <p:nvPr/>
+          </p:nvSpPr>
+          <p:spPr bwMode="auto">
+            <a:xfrm>
+              <a:off x="6983505" y="3978361"/>
+              <a:ext cx="2250142" cy="1477328"/>
+            </a:xfrm>
+            <a:prstGeom prst="rect">
+              <a:avLst/>
+            </a:prstGeom>
+            <a:solidFill>
+              <a:srgbClr val="1E1F22"/>
+            </a:solidFill>
+            <a:ln>
+              <a:noFill/>
+            </a:ln>
+            <a:effectLst/>
+            <a:extLst>
+              <a:ext uri="{91240B29-F687-4F45-9708-019B960494DF}">
+                <a14:hiddenLine xmlns:a14="http://schemas.microsoft.com/office/drawing/2010/main" w="9525">
+                  <a:solidFill>
+                    <a:schemeClr val="tx1"/>
+                  </a:solidFill>
+                  <a:miter lim="800000"/>
+                  <a:headEnd/>
+                  <a:tailEnd/>
+                </a14:hiddenLine>
+              </a:ext>
+              <a:ext uri="{AF507438-7753-43E0-B8FC-AC1667EBCBE1}">
+                <a14:hiddenEffects xmlns:a14="http://schemas.microsoft.com/office/drawing/2010/main">
+                  <a:effectLst>
+                    <a:outerShdw dist="35921" dir="2700000" algn="ctr" rotWithShape="0">
+                      <a:schemeClr val="bg2"/>
+                    </a:outerShdw>
+                  </a:effectLst>
+                </a14:hiddenEffects>
+              </a:ext>
+            </a:extLst>
+          </p:spPr>
+          <p:txBody>
+            <a:bodyPr vert="horz" wrap="square" lIns="91440" tIns="45720" rIns="91440" bIns="45720" numCol="1" anchor="ctr" anchorCtr="0" compatLnSpc="1">
+              <a:prstTxWarp prst="textNoShape">
+                <a:avLst/>
+              </a:prstTxWarp>
+              <a:spAutoFit/>
+            </a:bodyPr>
+            <a:lstStyle/>
+            <a:p>
+              <a:pPr marL="0" marR="0" lvl="0" indent="0" algn="l" defTabSz="914400" rtl="0" eaLnBrk="0" fontAlgn="base" latinLnBrk="0" hangingPunct="0">
+                <a:lnSpc>
+                  <a:spcPct val="100000"/>
+                </a:lnSpc>
+                <a:spcBef>
+                  <a:spcPct val="0"/>
+                </a:spcBef>
+                <a:spcAft>
+                  <a:spcPct val="0"/>
+                </a:spcAft>
+                <a:buClrTx/>
+                <a:buSzTx/>
+                <a:buFontTx/>
+                <a:buNone/>
+                <a:tabLst/>
+              </a:pPr>
+              <a:r>
+                <a:rPr kumimoji="0" lang="en-US" altLang="zh-TW" b="0" i="0" u="none" strike="noStrike" cap="none" normalizeH="0" baseline="0">
+                  <a:ln>
+                    <a:noFill/>
+                  </a:ln>
+                  <a:solidFill>
+                    <a:srgbClr val="BCBEC4"/>
+                  </a:solidFill>
+                  <a:effectLst/>
+                  <a:cs typeface="JetBrains Mono" panose="02000009000000000000" pitchFamily="49" charset="0"/>
+                </a:rPr>
+                <a:t>2</a:t>
+              </a:r>
+            </a:p>
+            <a:p>
+              <a:pPr marL="0" marR="0" lvl="0" indent="0" algn="l" defTabSz="914400" rtl="0" eaLnBrk="0" fontAlgn="base" latinLnBrk="0" hangingPunct="0">
+                <a:lnSpc>
+                  <a:spcPct val="100000"/>
+                </a:lnSpc>
+                <a:spcBef>
+                  <a:spcPct val="0"/>
+                </a:spcBef>
+                <a:spcAft>
+                  <a:spcPct val="0"/>
+                </a:spcAft>
+                <a:buClrTx/>
+                <a:buSzTx/>
+                <a:buFontTx/>
+                <a:buNone/>
+                <a:tabLst/>
+              </a:pPr>
+              <a:r>
+                <a:rPr kumimoji="0" lang="en-US" altLang="zh-TW" b="0" i="0" u="none" strike="noStrike" cap="none" normalizeH="0" baseline="0">
+                  <a:ln>
+                    <a:noFill/>
+                  </a:ln>
+                  <a:solidFill>
+                    <a:srgbClr val="BCBEC4"/>
+                  </a:solidFill>
+                  <a:effectLst/>
+                  <a:cs typeface="JetBrains Mono" panose="02000009000000000000" pitchFamily="49" charset="0"/>
+                </a:rPr>
+                <a:t>2</a:t>
+              </a:r>
+            </a:p>
+            <a:p>
+              <a:pPr marL="0" marR="0" lvl="0" indent="0" algn="l" defTabSz="914400" rtl="0" eaLnBrk="0" fontAlgn="base" latinLnBrk="0" hangingPunct="0">
+                <a:lnSpc>
+                  <a:spcPct val="100000"/>
+                </a:lnSpc>
+                <a:spcBef>
+                  <a:spcPct val="0"/>
+                </a:spcBef>
+                <a:spcAft>
+                  <a:spcPct val="0"/>
+                </a:spcAft>
+                <a:buClrTx/>
+                <a:buSzTx/>
+                <a:buFontTx/>
+                <a:buNone/>
+                <a:tabLst/>
+              </a:pPr>
+              <a:r>
+                <a:rPr kumimoji="0" lang="en-US" altLang="zh-TW" b="0" i="0" u="none" strike="noStrike" cap="none" normalizeH="0" baseline="0">
+                  <a:ln>
+                    <a:noFill/>
+                  </a:ln>
+                  <a:solidFill>
+                    <a:srgbClr val="BCBEC4"/>
+                  </a:solidFill>
+                  <a:effectLst/>
+                  <a:cs typeface="JetBrains Mono" panose="02000009000000000000" pitchFamily="49" charset="0"/>
+                </a:rPr>
+                <a:t>0</a:t>
+              </a:r>
+            </a:p>
+            <a:p>
+              <a:pPr marL="0" marR="0" lvl="0" indent="0" algn="l" defTabSz="914400" rtl="0" eaLnBrk="0" fontAlgn="base" latinLnBrk="0" hangingPunct="0">
+                <a:lnSpc>
+                  <a:spcPct val="100000"/>
+                </a:lnSpc>
+                <a:spcBef>
+                  <a:spcPct val="0"/>
+                </a:spcBef>
+                <a:spcAft>
+                  <a:spcPct val="0"/>
+                </a:spcAft>
+                <a:buClrTx/>
+                <a:buSzTx/>
+                <a:buFontTx/>
+                <a:buNone/>
+                <a:tabLst/>
+              </a:pPr>
+              <a:r>
+                <a:rPr kumimoji="0" lang="en-US" altLang="zh-TW" b="0" i="0" u="none" strike="noStrike" cap="none" normalizeH="0" baseline="0">
+                  <a:ln>
+                    <a:noFill/>
+                  </a:ln>
+                  <a:solidFill>
+                    <a:srgbClr val="BCBEC4"/>
+                  </a:solidFill>
+                  <a:effectLst/>
+                  <a:cs typeface="JetBrains Mono" panose="02000009000000000000" pitchFamily="49" charset="0"/>
+                </a:rPr>
+                <a:t>3</a:t>
+              </a:r>
+            </a:p>
+            <a:p>
+              <a:pPr marL="0" marR="0" lvl="0" indent="0" algn="l" defTabSz="914400" rtl="0" eaLnBrk="0" fontAlgn="base" latinLnBrk="0" hangingPunct="0">
+                <a:lnSpc>
+                  <a:spcPct val="100000"/>
+                </a:lnSpc>
+                <a:spcBef>
+                  <a:spcPct val="0"/>
+                </a:spcBef>
+                <a:spcAft>
+                  <a:spcPct val="0"/>
+                </a:spcAft>
+                <a:buClrTx/>
+                <a:buSzTx/>
+                <a:buFontTx/>
+                <a:buNone/>
+                <a:tabLst/>
+              </a:pPr>
+              <a:r>
+                <a:rPr kumimoji="0" lang="en-US" altLang="zh-TW" b="0" i="0" u="none" strike="noStrike" cap="none" normalizeH="0" baseline="0">
+                  <a:ln>
+                    <a:noFill/>
+                  </a:ln>
+                  <a:solidFill>
+                    <a:srgbClr val="BCBEC4"/>
+                  </a:solidFill>
+                  <a:effectLst/>
+                  <a:cs typeface="JetBrains Mono" panose="02000009000000000000" pitchFamily="49" charset="0"/>
+                </a:rPr>
+                <a:t>3</a:t>
+              </a:r>
+              <a:endParaRPr kumimoji="0" lang="zh-TW" altLang="zh-TW" sz="3200" b="0" i="0" u="none" strike="noStrike" cap="none" normalizeH="0" baseline="0">
+                <a:ln>
+                  <a:noFill/>
+                </a:ln>
+                <a:solidFill>
+                  <a:srgbClr val="BCBEC4"/>
+                </a:solidFill>
+                <a:effectLst/>
+              </a:endParaRPr>
+            </a:p>
+          </p:txBody>
+        </p:sp>
+        <p:sp>
+          <p:nvSpPr>
+            <p:cNvPr id="25" name="文字方塊 24">
+              <a:extLst>
+                <a:ext uri="{FF2B5EF4-FFF2-40B4-BE49-F238E27FC236}">
+                  <a16:creationId xmlns:a16="http://schemas.microsoft.com/office/drawing/2014/main" id="{1BC9B7A7-7618-4DD5-9E1D-7CA231DF18A8}"/>
+                </a:ext>
+              </a:extLst>
+            </p:cNvPr>
+            <p:cNvSpPr txBox="1"/>
+            <p:nvPr/>
+          </p:nvSpPr>
+          <p:spPr>
+            <a:xfrm>
+              <a:off x="8298123" y="5086357"/>
+              <a:ext cx="944489" cy="369332"/>
+            </a:xfrm>
+            <a:prstGeom prst="rect">
+              <a:avLst/>
+            </a:prstGeom>
+            <a:noFill/>
+          </p:spPr>
+          <p:txBody>
+            <a:bodyPr wrap="none" rtlCol="0">
+              <a:spAutoFit/>
+            </a:bodyPr>
+            <a:lstStyle/>
+            <a:p>
+              <a:r>
+                <a:rPr lang="en-US" altLang="zh-TW">
+                  <a:solidFill>
+                    <a:schemeClr val="accent2"/>
+                  </a:solidFill>
+                </a:rPr>
+                <a:t>output</a:t>
+              </a:r>
+              <a:endParaRPr lang="zh-TW" altLang="en-US">
+                <a:solidFill>
+                  <a:schemeClr val="accent2"/>
+                </a:solidFill>
+              </a:endParaRPr>
+            </a:p>
+          </p:txBody>
+        </p:sp>
+      </p:grpSp>
+      <p:pic>
+        <p:nvPicPr>
+          <p:cNvPr id="26" name="圖片 25">
+            <a:hlinkClick r:id="rId2"/>
+            <a:extLst>
+              <a:ext uri="{FF2B5EF4-FFF2-40B4-BE49-F238E27FC236}">
+                <a16:creationId xmlns:a16="http://schemas.microsoft.com/office/drawing/2014/main" id="{24FCD756-A020-413D-AACA-80F4291673EA}"/>
+              </a:ext>
+            </a:extLst>
+          </p:cNvPr>
+          <p:cNvPicPr>
+            <a:picLocks noChangeAspect="1"/>
+          </p:cNvPicPr>
+          <p:nvPr/>
+        </p:nvPicPr>
+        <p:blipFill>
+          <a:blip r:embed="rId3">
+            <a:extLst>
+              <a:ext uri="{28A0092B-C50C-407E-A947-70E740481C1C}">
+                <a14:useLocalDpi xmlns:a14="http://schemas.microsoft.com/office/drawing/2010/main" val="0"/>
+              </a:ext>
+            </a:extLst>
+          </a:blip>
+          <a:stretch>
+            <a:fillRect/>
+          </a:stretch>
+        </p:blipFill>
+        <p:spPr>
+          <a:xfrm>
+            <a:off x="8112127" y="3172595"/>
+            <a:ext cx="430306" cy="420950"/>
+          </a:xfrm>
+          <a:prstGeom prst="rect">
+            <a:avLst/>
+          </a:prstGeom>
+        </p:spPr>
+      </p:pic>
+    </p:spTree>
+    <p:extLst>
+      <p:ext uri="{BB962C8B-B14F-4D97-AF65-F5344CB8AC3E}">
+        <p14:creationId xmlns:p14="http://schemas.microsoft.com/office/powerpoint/2010/main" val="2580868570"/>
+      </p:ext>
+    </p:extLst>
+  </p:cSld>
+  <p:clrMapOvr>
+    <a:masterClrMapping/>
+  </p:clrMapOvr>
+  <p:transition spd="slow">
+    <p:push dir="u"/>
+  </p:transition>
+</p:sld>
+</file>
+
+<file path=ppt/slides/slide14.xml><?xml version="1.0" encoding="utf-8"?>
+<p:sld xmlns:a="http://schemas.openxmlformats.org/drawingml/2006/main" xmlns:r="http://schemas.openxmlformats.org/officeDocument/2006/relationships" xmlns:p="http://schemas.openxmlformats.org/presentationml/2006/main">
+  <p:cSld>
+    <p:spTree>
+      <p:nvGrpSpPr>
+        <p:cNvPr id="1" name=""/>
+        <p:cNvGrpSpPr/>
+        <p:nvPr/>
+      </p:nvGrpSpPr>
+      <p:grpSpPr>
+        <a:xfrm>
+          <a:off x="0" y="0"/>
+          <a:ext cx="0" cy="0"/>
+          <a:chOff x="0" y="0"/>
+          <a:chExt cx="0" cy="0"/>
+        </a:xfrm>
+      </p:grpSpPr>
+      <p:sp>
+        <p:nvSpPr>
+          <p:cNvPr id="2" name="標題 1">
+            <a:extLst>
+              <a:ext uri="{FF2B5EF4-FFF2-40B4-BE49-F238E27FC236}">
+                <a16:creationId xmlns:a16="http://schemas.microsoft.com/office/drawing/2014/main" id="{4917F288-1D1B-4E74-87AF-FAC296701AEC}"/>
+              </a:ext>
+            </a:extLst>
+          </p:cNvPr>
+          <p:cNvSpPr>
+            <a:spLocks noGrp="1"/>
+          </p:cNvSpPr>
+          <p:nvPr>
+            <p:ph type="title"/>
+          </p:nvPr>
+        </p:nvSpPr>
+        <p:spPr>
+          <a:xfrm>
+            <a:off x="838200" y="194796"/>
+            <a:ext cx="10515600" cy="1325563"/>
+          </a:xfrm>
+        </p:spPr>
+        <p:txBody>
+          <a:bodyPr/>
+          <a:lstStyle/>
+          <a:p>
+            <a:r>
+              <a:rPr lang="zh-TW" altLang="en-US"/>
+              <a:t>運算</a:t>
+            </a:r>
+            <a:r>
+              <a:rPr lang="en-US" altLang="zh-TW"/>
+              <a:t>(operation)</a:t>
+            </a:r>
+            <a:endParaRPr lang="zh-TW" altLang="en-US"/>
+          </a:p>
+        </p:txBody>
+      </p:sp>
+      <p:sp>
+        <p:nvSpPr>
+          <p:cNvPr id="3" name="內容版面配置區 2">
+            <a:extLst>
+              <a:ext uri="{FF2B5EF4-FFF2-40B4-BE49-F238E27FC236}">
+                <a16:creationId xmlns:a16="http://schemas.microsoft.com/office/drawing/2014/main" id="{10CC1E79-5DAC-48AA-8DEB-836EC0FD4C94}"/>
+              </a:ext>
+            </a:extLst>
+          </p:cNvPr>
+          <p:cNvSpPr>
+            <a:spLocks noGrp="1"/>
+          </p:cNvSpPr>
+          <p:nvPr>
+            <p:ph idx="1"/>
+          </p:nvPr>
+        </p:nvSpPr>
+        <p:spPr>
+          <a:xfrm>
+            <a:off x="838200" y="1395318"/>
+            <a:ext cx="9354671" cy="2034573"/>
+          </a:xfrm>
+        </p:spPr>
+        <p:txBody>
+          <a:bodyPr>
+            <a:normAutofit/>
+          </a:bodyPr>
+          <a:lstStyle/>
+          <a:p>
+            <a:r>
+              <a:rPr lang="zh-TW" altLang="en-US"/>
+              <a:t>只有基本型別可以進行運算</a:t>
+            </a:r>
+            <a:endParaRPr lang="en-US" altLang="zh-TW"/>
+          </a:p>
+          <a:p>
+            <a:r>
+              <a:rPr lang="zh-TW" altLang="en-US"/>
+              <a:t>每個運算都由</a:t>
+            </a:r>
+            <a:r>
+              <a:rPr lang="zh-TW" altLang="en-US">
+                <a:solidFill>
+                  <a:srgbClr val="29A5B1"/>
+                </a:solidFill>
+              </a:rPr>
+              <a:t>運算元</a:t>
+            </a:r>
+            <a:r>
+              <a:rPr lang="en-US" altLang="zh-TW">
+                <a:solidFill>
+                  <a:srgbClr val="29A5B1"/>
+                </a:solidFill>
+              </a:rPr>
+              <a:t>(operand)</a:t>
+            </a:r>
+            <a:r>
+              <a:rPr lang="zh-TW" altLang="en-US"/>
+              <a:t>及</a:t>
+            </a:r>
+            <a:r>
+              <a:rPr lang="zh-TW" altLang="en-US">
+                <a:solidFill>
+                  <a:srgbClr val="FFC000"/>
+                </a:solidFill>
+              </a:rPr>
+              <a:t>運算子</a:t>
+            </a:r>
+            <a:r>
+              <a:rPr lang="en-US" altLang="zh-TW">
+                <a:solidFill>
+                  <a:srgbClr val="FFC000"/>
+                </a:solidFill>
+              </a:rPr>
+              <a:t>(operator)</a:t>
+            </a:r>
+            <a:r>
+              <a:rPr lang="zh-TW" altLang="en-US"/>
+              <a:t>組成</a:t>
+            </a:r>
+            <a:endParaRPr lang="en-US" altLang="zh-TW"/>
+          </a:p>
+          <a:p>
+            <a:r>
+              <a:rPr lang="zh-TW" altLang="en-US"/>
+              <a:t>且每個運算都會返回一個結果</a:t>
+            </a:r>
+            <a:endParaRPr lang="en-US" altLang="zh-TW"/>
+          </a:p>
+          <a:p>
+            <a:r>
+              <a:rPr lang="zh-TW" altLang="en-US"/>
+              <a:t>以加法運算為例：</a:t>
+            </a:r>
+            <a:endParaRPr lang="en-US" altLang="zh-TW"/>
+          </a:p>
+          <a:p>
+            <a:endParaRPr lang="zh-TW" altLang="en-US"/>
+          </a:p>
+        </p:txBody>
+      </p:sp>
+      <p:grpSp>
+        <p:nvGrpSpPr>
+          <p:cNvPr id="7" name="群組 6">
+            <a:extLst>
+              <a:ext uri="{FF2B5EF4-FFF2-40B4-BE49-F238E27FC236}">
+                <a16:creationId xmlns:a16="http://schemas.microsoft.com/office/drawing/2014/main" id="{3379D54F-014B-44BA-85F4-2282B798DB11}"/>
+              </a:ext>
+            </a:extLst>
+          </p:cNvPr>
+          <p:cNvGrpSpPr/>
+          <p:nvPr/>
+        </p:nvGrpSpPr>
+        <p:grpSpPr>
+          <a:xfrm>
+            <a:off x="838200" y="3463297"/>
+            <a:ext cx="9354671" cy="461665"/>
+            <a:chOff x="838200" y="3325906"/>
+            <a:chExt cx="9354671" cy="461665"/>
+          </a:xfrm>
+        </p:grpSpPr>
+        <p:sp>
+          <p:nvSpPr>
+            <p:cNvPr id="4" name="Rectangle 1">
+              <a:extLst>
+                <a:ext uri="{FF2B5EF4-FFF2-40B4-BE49-F238E27FC236}">
+                  <a16:creationId xmlns:a16="http://schemas.microsoft.com/office/drawing/2014/main" id="{09595486-6834-4C6A-B1D1-DB2FC3DAF231}"/>
+                </a:ext>
+              </a:extLst>
+            </p:cNvPr>
+            <p:cNvSpPr>
+              <a:spLocks noChangeArrowheads="1"/>
+            </p:cNvSpPr>
+            <p:nvPr/>
+          </p:nvSpPr>
+          <p:spPr bwMode="auto">
+            <a:xfrm>
+              <a:off x="838200" y="3325906"/>
+              <a:ext cx="9354671" cy="461665"/>
+            </a:xfrm>
+            <a:prstGeom prst="rect">
+              <a:avLst/>
+            </a:prstGeom>
+            <a:solidFill>
+              <a:srgbClr val="1E1F22"/>
+            </a:solidFill>
+            <a:ln>
+              <a:noFill/>
+            </a:ln>
+            <a:effectLst/>
+            <a:extLst>
+              <a:ext uri="{91240B29-F687-4F45-9708-019B960494DF}">
+                <a14:hiddenLine xmlns:a14="http://schemas.microsoft.com/office/drawing/2010/main" w="9525">
+                  <a:solidFill>
+                    <a:schemeClr val="tx1"/>
+                  </a:solidFill>
+                  <a:miter lim="800000"/>
+                  <a:headEnd/>
+                  <a:tailEnd/>
+                </a14:hiddenLine>
+              </a:ext>
+              <a:ext uri="{AF507438-7753-43E0-B8FC-AC1667EBCBE1}">
+                <a14:hiddenEffects xmlns:a14="http://schemas.microsoft.com/office/drawing/2010/main">
+                  <a:effectLst>
+                    <a:outerShdw dist="35921" dir="2700000" algn="ctr" rotWithShape="0">
+                      <a:schemeClr val="bg2"/>
+                    </a:outerShdw>
+                  </a:effectLst>
+                </a14:hiddenEffects>
+              </a:ext>
+            </a:extLst>
+          </p:spPr>
+          <p:txBody>
+            <a:bodyPr vert="horz" wrap="square" lIns="91440" tIns="45720" rIns="91440" bIns="45720" numCol="1" anchor="ctr" anchorCtr="0" compatLnSpc="1">
+              <a:prstTxWarp prst="textNoShape">
+                <a:avLst/>
+              </a:prstTxWarp>
+              <a:spAutoFit/>
+            </a:bodyPr>
+            <a:lstStyle/>
+            <a:p>
+              <a:pPr marL="0" marR="0" lvl="0" indent="0" algn="l" defTabSz="914400" rtl="0" eaLnBrk="0" fontAlgn="base" latinLnBrk="0" hangingPunct="0">
+                <a:lnSpc>
+                  <a:spcPct val="100000"/>
+                </a:lnSpc>
+                <a:spcBef>
+                  <a:spcPct val="0"/>
+                </a:spcBef>
+                <a:spcAft>
+                  <a:spcPct val="0"/>
+                </a:spcAft>
+                <a:buClrTx/>
+                <a:buSzTx/>
+                <a:buFontTx/>
+                <a:buNone/>
+                <a:tabLst/>
+              </a:pPr>
+              <a:r>
+                <a:rPr kumimoji="0" lang="zh-TW" altLang="zh-TW" sz="2400" b="0" i="0" u="none" strike="noStrike" cap="none" normalizeH="0" baseline="0">
+                  <a:ln>
+                    <a:noFill/>
+                  </a:ln>
+                  <a:solidFill>
+                    <a:srgbClr val="2AACB8"/>
+                  </a:solidFill>
+                  <a:effectLst/>
+                  <a:cs typeface="JetBrains Mono" panose="02000009000000000000" pitchFamily="49" charset="0"/>
+                </a:rPr>
+                <a:t>6 </a:t>
+              </a:r>
+              <a:r>
+                <a:rPr kumimoji="0" lang="zh-TW" altLang="zh-TW" sz="2400" b="0" i="0" u="none" strike="noStrike" cap="none" normalizeH="0" baseline="0">
+                  <a:ln>
+                    <a:noFill/>
+                  </a:ln>
+                  <a:solidFill>
+                    <a:srgbClr val="BCBEC4"/>
+                  </a:solidFill>
+                  <a:effectLst/>
+                  <a:cs typeface="JetBrains Mono" panose="02000009000000000000" pitchFamily="49" charset="0"/>
+                </a:rPr>
+                <a:t>+ </a:t>
+              </a:r>
+              <a:r>
+                <a:rPr kumimoji="0" lang="zh-TW" altLang="zh-TW" sz="2400" b="0" i="0" u="none" strike="noStrike" cap="none" normalizeH="0" baseline="0">
+                  <a:ln>
+                    <a:noFill/>
+                  </a:ln>
+                  <a:solidFill>
+                    <a:srgbClr val="2AACB8"/>
+                  </a:solidFill>
+                  <a:effectLst/>
+                  <a:cs typeface="JetBrains Mono" panose="02000009000000000000" pitchFamily="49" charset="0"/>
+                </a:rPr>
+                <a:t>8</a:t>
+              </a:r>
+              <a:endParaRPr kumimoji="0" lang="zh-TW" altLang="zh-TW" sz="4000" b="0" i="0" u="none" strike="noStrike" cap="none" normalizeH="0" baseline="0">
+                <a:ln>
+                  <a:noFill/>
+                </a:ln>
+                <a:solidFill>
+                  <a:schemeClr val="tx1"/>
+                </a:solidFill>
+                <a:effectLst/>
+              </a:endParaRPr>
+            </a:p>
+          </p:txBody>
+        </p:sp>
+        <p:sp>
+          <p:nvSpPr>
+            <p:cNvPr id="5" name="文字方塊 4">
+              <a:extLst>
+                <a:ext uri="{FF2B5EF4-FFF2-40B4-BE49-F238E27FC236}">
+                  <a16:creationId xmlns:a16="http://schemas.microsoft.com/office/drawing/2014/main" id="{360C86AF-7795-40A0-98BB-469B5F758F08}"/>
+                </a:ext>
+              </a:extLst>
+            </p:cNvPr>
+            <p:cNvSpPr txBox="1"/>
+            <p:nvPr/>
+          </p:nvSpPr>
+          <p:spPr>
+            <a:xfrm>
+              <a:off x="9501656" y="3418239"/>
+              <a:ext cx="691215" cy="369332"/>
+            </a:xfrm>
+            <a:prstGeom prst="rect">
+              <a:avLst/>
+            </a:prstGeom>
+            <a:noFill/>
+          </p:spPr>
+          <p:txBody>
+            <a:bodyPr wrap="none" rtlCol="0">
+              <a:spAutoFit/>
+            </a:bodyPr>
+            <a:lstStyle/>
+            <a:p>
+              <a:r>
+                <a:rPr lang="en-US" altLang="zh-TW">
+                  <a:solidFill>
+                    <a:schemeClr val="accent3"/>
+                  </a:solidFill>
+                </a:rPr>
+                <a:t>java</a:t>
+              </a:r>
+              <a:endParaRPr lang="zh-TW" altLang="en-US">
+                <a:solidFill>
+                  <a:schemeClr val="accent3"/>
+                </a:solidFill>
+              </a:endParaRPr>
+            </a:p>
+          </p:txBody>
+        </p:sp>
+      </p:grpSp>
+      <p:sp>
+        <p:nvSpPr>
+          <p:cNvPr id="6" name="內容版面配置區 2">
+            <a:extLst>
+              <a:ext uri="{FF2B5EF4-FFF2-40B4-BE49-F238E27FC236}">
+                <a16:creationId xmlns:a16="http://schemas.microsoft.com/office/drawing/2014/main" id="{1FB4B79E-E220-48CF-88D9-84C61A54B6D7}"/>
+              </a:ext>
+            </a:extLst>
+          </p:cNvPr>
+          <p:cNvSpPr txBox="1">
+            <a:spLocks/>
+          </p:cNvSpPr>
+          <p:nvPr/>
+        </p:nvSpPr>
+        <p:spPr>
+          <a:xfrm>
+            <a:off x="838200" y="4014610"/>
+            <a:ext cx="9354670" cy="2583414"/>
+          </a:xfrm>
+          <a:prstGeom prst="rect">
+            <a:avLst/>
+          </a:prstGeom>
+        </p:spPr>
+        <p:txBody>
+          <a:bodyPr vert="horz" lIns="91440" tIns="45720" rIns="91440" bIns="45720" rtlCol="0">
+            <a:normAutofit/>
+          </a:bodyPr>
+          <a:lstStyle>
+            <a:lvl1pPr marL="0" indent="0" algn="l" defTabSz="914400" rtl="0" eaLnBrk="1" latinLnBrk="0" hangingPunct="1">
+              <a:lnSpc>
+                <a:spcPct val="90000"/>
+              </a:lnSpc>
+              <a:spcBef>
+                <a:spcPts val="1000"/>
+              </a:spcBef>
+              <a:buFont typeface="Arial" panose="020B0604020202020204" pitchFamily="34" charset="0"/>
+              <a:buNone/>
+              <a:defRPr sz="2800" kern="1200">
+                <a:solidFill>
+                  <a:schemeClr val="tx1"/>
+                </a:solidFill>
+                <a:latin typeface="+mn-lt"/>
+                <a:ea typeface="+mn-ea"/>
+                <a:cs typeface="+mn-cs"/>
+              </a:defRPr>
+            </a:lvl1pPr>
+            <a:lvl2pPr marL="457200" indent="0" algn="l" defTabSz="914400" rtl="0" eaLnBrk="1" latinLnBrk="0" hangingPunct="1">
+              <a:lnSpc>
+                <a:spcPct val="90000"/>
+              </a:lnSpc>
+              <a:spcBef>
+                <a:spcPts val="500"/>
+              </a:spcBef>
+              <a:buFont typeface="Arial" panose="020B0604020202020204" pitchFamily="34" charset="0"/>
+              <a:buNone/>
+              <a:defRPr sz="2400" kern="1200">
+                <a:solidFill>
+                  <a:schemeClr val="tx1"/>
+                </a:solidFill>
+                <a:latin typeface="+mn-lt"/>
+                <a:ea typeface="+mn-ea"/>
+                <a:cs typeface="+mn-cs"/>
+              </a:defRPr>
+            </a:lvl2pPr>
+            <a:lvl3pPr marL="914400" indent="0" algn="l" defTabSz="914400" rtl="0" eaLnBrk="1" latinLnBrk="0" hangingPunct="1">
+              <a:lnSpc>
+                <a:spcPct val="90000"/>
+              </a:lnSpc>
+              <a:spcBef>
+                <a:spcPts val="500"/>
+              </a:spcBef>
+              <a:buFont typeface="Arial" panose="020B0604020202020204" pitchFamily="34" charset="0"/>
+              <a:buNone/>
+              <a:defRPr sz="2000" kern="1200">
+                <a:solidFill>
+                  <a:schemeClr val="tx1"/>
+                </a:solidFill>
+                <a:latin typeface="+mn-lt"/>
+                <a:ea typeface="+mn-ea"/>
+                <a:cs typeface="+mn-cs"/>
+              </a:defRPr>
+            </a:lvl3pPr>
+            <a:lvl4pPr marL="1371600" indent="0" algn="l" defTabSz="914400" rtl="0" eaLnBrk="1" latinLnBrk="0" hangingPunct="1">
+              <a:lnSpc>
+                <a:spcPct val="90000"/>
+              </a:lnSpc>
+              <a:spcBef>
+                <a:spcPts val="500"/>
+              </a:spcBef>
+              <a:buFont typeface="Arial" panose="020B0604020202020204" pitchFamily="34" charset="0"/>
+              <a:buNone/>
+              <a:defRPr sz="1800" kern="1200">
+                <a:solidFill>
+                  <a:schemeClr val="tx1"/>
+                </a:solidFill>
+                <a:latin typeface="+mn-lt"/>
+                <a:ea typeface="+mn-ea"/>
+                <a:cs typeface="+mn-cs"/>
+              </a:defRPr>
+            </a:lvl4pPr>
+            <a:lvl5pPr marL="1828800" indent="0" algn="l" defTabSz="914400" rtl="0" eaLnBrk="1" latinLnBrk="0" hangingPunct="1">
+              <a:lnSpc>
+                <a:spcPct val="90000"/>
+              </a:lnSpc>
+              <a:spcBef>
+                <a:spcPts val="500"/>
+              </a:spcBef>
+              <a:buFont typeface="Arial" panose="020B0604020202020204" pitchFamily="34" charset="0"/>
+              <a:buNone/>
+              <a:defRPr sz="1800" kern="1200">
+                <a:solidFill>
+                  <a:schemeClr val="tx1"/>
+                </a:solidFill>
+                <a:latin typeface="+mn-lt"/>
+                <a:ea typeface="+mn-ea"/>
+                <a:cs typeface="+mn-cs"/>
+              </a:defRPr>
+            </a:lvl5pPr>
+            <a:lvl6pPr marL="2514600" indent="-228600" algn="l" defTabSz="914400" rtl="0" eaLnBrk="1" latinLnBrk="0" hangingPunct="1">
+              <a:lnSpc>
+                <a:spcPct val="90000"/>
+              </a:lnSpc>
+              <a:spcBef>
+                <a:spcPts val="500"/>
+              </a:spcBef>
+              <a:buFont typeface="Arial" panose="020B0604020202020204" pitchFamily="34" charset="0"/>
+              <a:buChar char="•"/>
+              <a:defRPr sz="1800" kern="1200">
+                <a:solidFill>
+                  <a:schemeClr val="tx1"/>
+                </a:solidFill>
+                <a:latin typeface="+mn-lt"/>
+                <a:ea typeface="+mn-ea"/>
+                <a:cs typeface="+mn-cs"/>
+              </a:defRPr>
+            </a:lvl6pPr>
+            <a:lvl7pPr marL="2971800" indent="-228600" algn="l" defTabSz="914400" rtl="0" eaLnBrk="1" latinLnBrk="0" hangingPunct="1">
+              <a:lnSpc>
+                <a:spcPct val="90000"/>
+              </a:lnSpc>
+              <a:spcBef>
+                <a:spcPts val="500"/>
+              </a:spcBef>
+              <a:buFont typeface="Arial" panose="020B0604020202020204" pitchFamily="34" charset="0"/>
+              <a:buChar char="•"/>
+              <a:defRPr sz="1800" kern="1200">
+                <a:solidFill>
+                  <a:schemeClr val="tx1"/>
+                </a:solidFill>
+                <a:latin typeface="+mn-lt"/>
+                <a:ea typeface="+mn-ea"/>
+                <a:cs typeface="+mn-cs"/>
+              </a:defRPr>
+            </a:lvl7pPr>
+            <a:lvl8pPr marL="3429000" indent="-228600" algn="l" defTabSz="914400" rtl="0" eaLnBrk="1" latinLnBrk="0" hangingPunct="1">
+              <a:lnSpc>
+                <a:spcPct val="90000"/>
+              </a:lnSpc>
+              <a:spcBef>
+                <a:spcPts val="500"/>
+              </a:spcBef>
+              <a:buFont typeface="Arial" panose="020B0604020202020204" pitchFamily="34" charset="0"/>
+              <a:buChar char="•"/>
+              <a:defRPr sz="1800" kern="1200">
+                <a:solidFill>
+                  <a:schemeClr val="tx1"/>
+                </a:solidFill>
+                <a:latin typeface="+mn-lt"/>
+                <a:ea typeface="+mn-ea"/>
+                <a:cs typeface="+mn-cs"/>
+              </a:defRPr>
+            </a:lvl8pPr>
+            <a:lvl9pPr marL="3886200" indent="-228600" algn="l" defTabSz="914400" rtl="0" eaLnBrk="1" latinLnBrk="0" hangingPunct="1">
+              <a:lnSpc>
+                <a:spcPct val="90000"/>
+              </a:lnSpc>
+              <a:spcBef>
+                <a:spcPts val="500"/>
+              </a:spcBef>
+              <a:buFont typeface="Arial" panose="020B0604020202020204" pitchFamily="34" charset="0"/>
+              <a:buChar char="•"/>
+              <a:defRPr sz="1800" kern="1200">
+                <a:solidFill>
+                  <a:schemeClr val="tx1"/>
+                </a:solidFill>
+                <a:latin typeface="+mn-lt"/>
+                <a:ea typeface="+mn-ea"/>
+                <a:cs typeface="+mn-cs"/>
+              </a:defRPr>
+            </a:lvl9pPr>
+          </a:lstStyle>
+          <a:p>
+            <a:r>
+              <a:rPr lang="zh-TW" altLang="en-US"/>
+              <a:t>其中 </a:t>
+            </a:r>
+            <a:r>
+              <a:rPr lang="en-US" altLang="zh-TW">
+                <a:solidFill>
+                  <a:srgbClr val="29A5B1"/>
+                </a:solidFill>
+              </a:rPr>
+              <a:t>6</a:t>
+            </a:r>
+            <a:r>
+              <a:rPr lang="zh-TW" altLang="en-US"/>
+              <a:t> 和 </a:t>
+            </a:r>
+            <a:r>
+              <a:rPr lang="en-US" altLang="zh-TW">
+                <a:solidFill>
+                  <a:srgbClr val="29A5B1"/>
+                </a:solidFill>
+              </a:rPr>
+              <a:t>8</a:t>
+            </a:r>
+            <a:r>
+              <a:rPr lang="zh-TW" altLang="en-US"/>
+              <a:t> 為</a:t>
+            </a:r>
+            <a:r>
+              <a:rPr lang="zh-TW" altLang="en-US">
+                <a:solidFill>
+                  <a:srgbClr val="29A5B1"/>
+                </a:solidFill>
+              </a:rPr>
+              <a:t>運算元</a:t>
+            </a:r>
+            <a:r>
+              <a:rPr lang="zh-TW" altLang="en-US"/>
+              <a:t>，為參與運算的值</a:t>
+            </a:r>
+            <a:endParaRPr lang="en-US" altLang="zh-TW"/>
+          </a:p>
+          <a:p>
+            <a:r>
+              <a:rPr lang="en-US" altLang="zh-TW"/>
+              <a:t>"</a:t>
+            </a:r>
+            <a:r>
+              <a:rPr lang="en-US" altLang="zh-TW">
+                <a:solidFill>
+                  <a:srgbClr val="FFC000"/>
+                </a:solidFill>
+              </a:rPr>
+              <a:t>+</a:t>
+            </a:r>
+            <a:r>
+              <a:rPr lang="en-US" altLang="zh-TW"/>
+              <a:t>" </a:t>
+            </a:r>
+            <a:r>
+              <a:rPr lang="zh-TW" altLang="en-US"/>
+              <a:t>為</a:t>
+            </a:r>
+            <a:r>
+              <a:rPr lang="zh-TW" altLang="en-US">
+                <a:solidFill>
+                  <a:srgbClr val="FFC000"/>
+                </a:solidFill>
+              </a:rPr>
+              <a:t>運算子</a:t>
+            </a:r>
+            <a:r>
+              <a:rPr lang="zh-TW" altLang="en-US"/>
+              <a:t>，表示運算的類型</a:t>
+            </a:r>
+            <a:endParaRPr lang="en-US" altLang="zh-TW"/>
+          </a:p>
+          <a:p>
+            <a:r>
+              <a:rPr lang="zh-TW" altLang="en-US"/>
+              <a:t>返回的結果會是 </a:t>
+            </a:r>
+            <a:r>
+              <a:rPr lang="en-US" altLang="zh-TW"/>
+              <a:t>14 (</a:t>
+            </a:r>
+            <a:r>
+              <a:rPr lang="zh-TW" altLang="en-US"/>
+              <a:t>型別為 </a:t>
+            </a:r>
+            <a:r>
+              <a:rPr lang="en-US" altLang="zh-TW"/>
+              <a:t>int)</a:t>
+            </a:r>
+          </a:p>
+          <a:p>
+            <a:r>
+              <a:rPr lang="zh-TW" altLang="en-US"/>
+              <a:t>運算元的數量及型別，視運算的類型而定</a:t>
+            </a:r>
+            <a:endParaRPr lang="en-US" altLang="zh-TW"/>
+          </a:p>
+          <a:p>
+            <a:r>
+              <a:rPr lang="zh-TW" altLang="en-US"/>
+              <a:t>返回結果的型別，視運算的類型和運算元的型別而定</a:t>
+            </a:r>
+            <a:endParaRPr lang="en-US" altLang="zh-TW"/>
+          </a:p>
+        </p:txBody>
+      </p:sp>
+    </p:spTree>
+    <p:extLst>
+      <p:ext uri="{BB962C8B-B14F-4D97-AF65-F5344CB8AC3E}">
+        <p14:creationId xmlns:p14="http://schemas.microsoft.com/office/powerpoint/2010/main" val="4240085792"/>
+      </p:ext>
+    </p:extLst>
+  </p:cSld>
+  <p:clrMapOvr>
+    <a:masterClrMapping/>
+  </p:clrMapOvr>
+  <p:transition spd="slow">
+    <p:push dir="u"/>
+  </p:transition>
+</p:sld>
+</file>
+
+<file path=ppt/slides/slide15.xml><?xml version="1.0" encoding="utf-8"?>
+<p:sld xmlns:a="http://schemas.openxmlformats.org/drawingml/2006/main" xmlns:r="http://schemas.openxmlformats.org/officeDocument/2006/relationships" xmlns:p="http://schemas.openxmlformats.org/presentationml/2006/main">
+  <p:cSld>
+    <p:spTree>
+      <p:nvGrpSpPr>
+        <p:cNvPr id="1" name=""/>
+        <p:cNvGrpSpPr/>
+        <p:nvPr/>
+      </p:nvGrpSpPr>
+      <p:grpSpPr>
+        <a:xfrm>
+          <a:off x="0" y="0"/>
+          <a:ext cx="0" cy="0"/>
+          <a:chOff x="0" y="0"/>
+          <a:chExt cx="0" cy="0"/>
+        </a:xfrm>
+      </p:grpSpPr>
+      <p:sp>
+        <p:nvSpPr>
+          <p:cNvPr id="49" name="矩形 48">
+            <a:extLst>
+              <a:ext uri="{FF2B5EF4-FFF2-40B4-BE49-F238E27FC236}">
+                <a16:creationId xmlns:a16="http://schemas.microsoft.com/office/drawing/2014/main" id="{D4C45359-7BA8-4D1A-AB83-6D7DD018F488}"/>
+              </a:ext>
+            </a:extLst>
+          </p:cNvPr>
+          <p:cNvSpPr/>
+          <p:nvPr/>
+        </p:nvSpPr>
+        <p:spPr>
+          <a:xfrm>
+            <a:off x="877734" y="3958621"/>
+            <a:ext cx="10868024" cy="859821"/>
+          </a:xfrm>
+          <a:prstGeom prst="rect">
+            <a:avLst/>
+          </a:prstGeom>
+          <a:solidFill>
+            <a:srgbClr val="FFCC99"/>
+          </a:solidFill>
+        </p:spPr>
+        <p:style>
+          <a:lnRef idx="2">
+            <a:schemeClr val="accent1">
+              <a:shade val="50000"/>
+            </a:schemeClr>
+          </a:lnRef>
+          <a:fillRef idx="1">
+            <a:schemeClr val="accent1"/>
+          </a:fillRef>
+          <a:effectRef idx="0">
+            <a:schemeClr val="accent1"/>
+          </a:effectRef>
+          <a:fontRef idx="minor">
+            <a:schemeClr val="lt1"/>
+          </a:fontRef>
+        </p:style>
+        <p:txBody>
+          <a:bodyPr rtlCol="0" anchor="ctr"/>
+          <a:lstStyle/>
+          <a:p>
+            <a:pPr algn="ctr"/>
+            <a:endParaRPr lang="zh-TW" altLang="en-US"/>
+          </a:p>
+        </p:txBody>
+      </p:sp>
+      <p:sp>
+        <p:nvSpPr>
+          <p:cNvPr id="50" name="矩形 49">
+            <a:extLst>
+              <a:ext uri="{FF2B5EF4-FFF2-40B4-BE49-F238E27FC236}">
+                <a16:creationId xmlns:a16="http://schemas.microsoft.com/office/drawing/2014/main" id="{4AD92214-881B-456D-B4B1-0356FCECEA63}"/>
+              </a:ext>
+            </a:extLst>
+          </p:cNvPr>
+          <p:cNvSpPr/>
+          <p:nvPr/>
+        </p:nvSpPr>
+        <p:spPr>
+          <a:xfrm>
+            <a:off x="877734" y="4823127"/>
+            <a:ext cx="10868024" cy="505360"/>
+          </a:xfrm>
+          <a:prstGeom prst="rect">
+            <a:avLst/>
+          </a:prstGeom>
+          <a:solidFill>
+            <a:srgbClr val="FFFFCC"/>
+          </a:solidFill>
+        </p:spPr>
+        <p:style>
+          <a:lnRef idx="2">
+            <a:schemeClr val="accent1">
+              <a:shade val="50000"/>
+            </a:schemeClr>
+          </a:lnRef>
+          <a:fillRef idx="1">
+            <a:schemeClr val="accent1"/>
+          </a:fillRef>
+          <a:effectRef idx="0">
+            <a:schemeClr val="accent1"/>
+          </a:effectRef>
+          <a:fontRef idx="minor">
+            <a:schemeClr val="lt1"/>
+          </a:fontRef>
+        </p:style>
+        <p:txBody>
+          <a:bodyPr rtlCol="0" anchor="ctr"/>
+          <a:lstStyle/>
+          <a:p>
+            <a:pPr algn="ctr"/>
+            <a:endParaRPr lang="zh-TW" altLang="en-US"/>
+          </a:p>
+        </p:txBody>
+      </p:sp>
+      <p:sp>
+        <p:nvSpPr>
+          <p:cNvPr id="2" name="標題 1">
+            <a:extLst>
+              <a:ext uri="{FF2B5EF4-FFF2-40B4-BE49-F238E27FC236}">
+                <a16:creationId xmlns:a16="http://schemas.microsoft.com/office/drawing/2014/main" id="{BD44A3B5-6035-4924-BB37-D0B70CACBD4E}"/>
+              </a:ext>
+            </a:extLst>
+          </p:cNvPr>
+          <p:cNvSpPr>
+            <a:spLocks noGrp="1"/>
+          </p:cNvSpPr>
+          <p:nvPr>
+            <p:ph type="title"/>
+          </p:nvPr>
+        </p:nvSpPr>
+        <p:spPr>
+          <a:xfrm>
+            <a:off x="838200" y="365125"/>
+            <a:ext cx="10515600" cy="1325563"/>
+          </a:xfrm>
+        </p:spPr>
+        <p:txBody>
+          <a:bodyPr/>
+          <a:lstStyle/>
+          <a:p>
+            <a:r>
+              <a:rPr lang="zh-TW" altLang="en-US"/>
+              <a:t>一元運算</a:t>
+            </a:r>
+          </a:p>
+        </p:txBody>
+      </p:sp>
+      <p:sp>
+        <p:nvSpPr>
+          <p:cNvPr id="8" name="內容版面配置區 7">
+            <a:extLst>
+              <a:ext uri="{FF2B5EF4-FFF2-40B4-BE49-F238E27FC236}">
+                <a16:creationId xmlns:a16="http://schemas.microsoft.com/office/drawing/2014/main" id="{B9E77F8B-0273-40B3-A119-1C08E877ACB1}"/>
               </a:ext>
             </a:extLst>
           </p:cNvPr>
@@ -13346,7 +15395,7 @@
         <p:spPr>
           <a:xfrm>
             <a:off x="838200" y="1825625"/>
-            <a:ext cx="10515600" cy="603572"/>
+            <a:ext cx="5996940" cy="514163"/>
           </a:xfrm>
         </p:spPr>
         <p:txBody>
@@ -13354,23 +15403,1915 @@
           <a:lstStyle/>
           <a:p>
             <a:r>
-              <a:rPr lang="en-US" altLang="zh-TW"/>
-              <a:t>Java</a:t>
-            </a:r>
-            <a:r>
               <a:rPr lang="zh-TW" altLang="en-US"/>
-              <a:t> 中有各式各樣的運算。顯然的，數學運算只有數字才能用</a:t>
-            </a:r>
-            <a:endParaRPr lang="en-US" altLang="zh-TW"/>
+              <a:t>一元運算是指只有一個運算元的運算</a:t>
+            </a:r>
           </a:p>
         </p:txBody>
       </p:sp>
+      <p:sp>
+        <p:nvSpPr>
+          <p:cNvPr id="59" name="手繪多邊形: 圖案 58">
+            <a:extLst>
+              <a:ext uri="{FF2B5EF4-FFF2-40B4-BE49-F238E27FC236}">
+                <a16:creationId xmlns:a16="http://schemas.microsoft.com/office/drawing/2014/main" id="{9184E1D0-F180-4842-84A7-4EC8EB79A3EC}"/>
+              </a:ext>
+            </a:extLst>
+          </p:cNvPr>
+          <p:cNvSpPr/>
+          <p:nvPr/>
+        </p:nvSpPr>
+        <p:spPr>
+          <a:xfrm>
+            <a:off x="877734" y="2474725"/>
+            <a:ext cx="10868024" cy="631072"/>
+          </a:xfrm>
+          <a:custGeom>
+            <a:avLst/>
+            <a:gdLst>
+              <a:gd name="connsiteX0" fmla="*/ 589184 w 10868024"/>
+              <a:gd name="connsiteY0" fmla="*/ 0 h 631072"/>
+              <a:gd name="connsiteX1" fmla="*/ 10278840 w 10868024"/>
+              <a:gd name="connsiteY1" fmla="*/ 0 h 631072"/>
+              <a:gd name="connsiteX2" fmla="*/ 10868024 w 10868024"/>
+              <a:gd name="connsiteY2" fmla="*/ 589184 h 631072"/>
+              <a:gd name="connsiteX3" fmla="*/ 10868024 w 10868024"/>
+              <a:gd name="connsiteY3" fmla="*/ 631072 h 631072"/>
+              <a:gd name="connsiteX4" fmla="*/ 0 w 10868024"/>
+              <a:gd name="connsiteY4" fmla="*/ 631072 h 631072"/>
+              <a:gd name="connsiteX5" fmla="*/ 0 w 10868024"/>
+              <a:gd name="connsiteY5" fmla="*/ 589184 h 631072"/>
+              <a:gd name="connsiteX6" fmla="*/ 589184 w 10868024"/>
+              <a:gd name="connsiteY6" fmla="*/ 0 h 631072"/>
+            </a:gdLst>
+            <a:ahLst/>
+            <a:cxnLst>
+              <a:cxn ang="0">
+                <a:pos x="connsiteX0" y="connsiteY0"/>
+              </a:cxn>
+              <a:cxn ang="0">
+                <a:pos x="connsiteX1" y="connsiteY1"/>
+              </a:cxn>
+              <a:cxn ang="0">
+                <a:pos x="connsiteX2" y="connsiteY2"/>
+              </a:cxn>
+              <a:cxn ang="0">
+                <a:pos x="connsiteX3" y="connsiteY3"/>
+              </a:cxn>
+              <a:cxn ang="0">
+                <a:pos x="connsiteX4" y="connsiteY4"/>
+              </a:cxn>
+              <a:cxn ang="0">
+                <a:pos x="connsiteX5" y="connsiteY5"/>
+              </a:cxn>
+              <a:cxn ang="0">
+                <a:pos x="connsiteX6" y="connsiteY6"/>
+              </a:cxn>
+            </a:cxnLst>
+            <a:rect l="l" t="t" r="r" b="b"/>
+            <a:pathLst>
+              <a:path w="10868024" h="631072">
+                <a:moveTo>
+                  <a:pt x="589184" y="0"/>
+                </a:moveTo>
+                <a:lnTo>
+                  <a:pt x="10278840" y="0"/>
+                </a:lnTo>
+                <a:cubicBezTo>
+                  <a:pt x="10604237" y="0"/>
+                  <a:pt x="10868024" y="263787"/>
+                  <a:pt x="10868024" y="589184"/>
+                </a:cubicBezTo>
+                <a:lnTo>
+                  <a:pt x="10868024" y="631072"/>
+                </a:lnTo>
+                <a:lnTo>
+                  <a:pt x="0" y="631072"/>
+                </a:lnTo>
+                <a:lnTo>
+                  <a:pt x="0" y="589184"/>
+                </a:lnTo>
+                <a:cubicBezTo>
+                  <a:pt x="0" y="263787"/>
+                  <a:pt x="263787" y="0"/>
+                  <a:pt x="589184" y="0"/>
+                </a:cubicBezTo>
+                <a:close/>
+              </a:path>
+            </a:pathLst>
+          </a:custGeom>
+          <a:solidFill>
+            <a:srgbClr val="CCECFF"/>
+          </a:solidFill>
+          <a:ln>
+            <a:noFill/>
+          </a:ln>
+        </p:spPr>
+        <p:style>
+          <a:lnRef idx="2">
+            <a:schemeClr val="accent1">
+              <a:shade val="50000"/>
+            </a:schemeClr>
+          </a:lnRef>
+          <a:fillRef idx="1">
+            <a:schemeClr val="accent1"/>
+          </a:fillRef>
+          <a:effectRef idx="0">
+            <a:schemeClr val="accent1"/>
+          </a:effectRef>
+          <a:fontRef idx="minor">
+            <a:schemeClr val="lt1"/>
+          </a:fontRef>
+        </p:style>
+        <p:txBody>
+          <a:bodyPr wrap="square" rtlCol="0" anchor="ctr">
+            <a:noAutofit/>
+          </a:bodyPr>
+          <a:lstStyle/>
+          <a:p>
+            <a:pPr algn="ctr"/>
+            <a:endParaRPr lang="zh-TW" altLang="en-US"/>
+          </a:p>
+        </p:txBody>
+      </p:sp>
+      <p:sp>
+        <p:nvSpPr>
+          <p:cNvPr id="11" name="手繪多邊形: 圖案 10">
+            <a:extLst>
+              <a:ext uri="{FF2B5EF4-FFF2-40B4-BE49-F238E27FC236}">
+                <a16:creationId xmlns:a16="http://schemas.microsoft.com/office/drawing/2014/main" id="{78D57688-01E6-48CE-86C8-7428FD593CA1}"/>
+              </a:ext>
+            </a:extLst>
+          </p:cNvPr>
+          <p:cNvSpPr/>
+          <p:nvPr/>
+        </p:nvSpPr>
+        <p:spPr>
+          <a:xfrm>
+            <a:off x="877734" y="5333171"/>
+            <a:ext cx="10868024" cy="962024"/>
+          </a:xfrm>
+          <a:custGeom>
+            <a:avLst/>
+            <a:gdLst>
+              <a:gd name="connsiteX0" fmla="*/ 0 w 10868024"/>
+              <a:gd name="connsiteY0" fmla="*/ 0 h 962024"/>
+              <a:gd name="connsiteX1" fmla="*/ 10868024 w 10868024"/>
+              <a:gd name="connsiteY1" fmla="*/ 0 h 962024"/>
+              <a:gd name="connsiteX2" fmla="*/ 10868024 w 10868024"/>
+              <a:gd name="connsiteY2" fmla="*/ 372840 h 962024"/>
+              <a:gd name="connsiteX3" fmla="*/ 10278840 w 10868024"/>
+              <a:gd name="connsiteY3" fmla="*/ 962024 h 962024"/>
+              <a:gd name="connsiteX4" fmla="*/ 589184 w 10868024"/>
+              <a:gd name="connsiteY4" fmla="*/ 962024 h 962024"/>
+              <a:gd name="connsiteX5" fmla="*/ 0 w 10868024"/>
+              <a:gd name="connsiteY5" fmla="*/ 372840 h 962024"/>
+            </a:gdLst>
+            <a:ahLst/>
+            <a:cxnLst>
+              <a:cxn ang="0">
+                <a:pos x="connsiteX0" y="connsiteY0"/>
+              </a:cxn>
+              <a:cxn ang="0">
+                <a:pos x="connsiteX1" y="connsiteY1"/>
+              </a:cxn>
+              <a:cxn ang="0">
+                <a:pos x="connsiteX2" y="connsiteY2"/>
+              </a:cxn>
+              <a:cxn ang="0">
+                <a:pos x="connsiteX3" y="connsiteY3"/>
+              </a:cxn>
+              <a:cxn ang="0">
+                <a:pos x="connsiteX4" y="connsiteY4"/>
+              </a:cxn>
+              <a:cxn ang="0">
+                <a:pos x="connsiteX5" y="connsiteY5"/>
+              </a:cxn>
+            </a:cxnLst>
+            <a:rect l="l" t="t" r="r" b="b"/>
+            <a:pathLst>
+              <a:path w="10868024" h="962024">
+                <a:moveTo>
+                  <a:pt x="0" y="0"/>
+                </a:moveTo>
+                <a:lnTo>
+                  <a:pt x="10868024" y="0"/>
+                </a:lnTo>
+                <a:lnTo>
+                  <a:pt x="10868024" y="372840"/>
+                </a:lnTo>
+                <a:cubicBezTo>
+                  <a:pt x="10868024" y="698237"/>
+                  <a:pt x="10604237" y="962024"/>
+                  <a:pt x="10278840" y="962024"/>
+                </a:cubicBezTo>
+                <a:lnTo>
+                  <a:pt x="589184" y="962024"/>
+                </a:lnTo>
+                <a:cubicBezTo>
+                  <a:pt x="263787" y="962024"/>
+                  <a:pt x="0" y="698237"/>
+                  <a:pt x="0" y="372840"/>
+                </a:cubicBezTo>
+                <a:close/>
+              </a:path>
+            </a:pathLst>
+          </a:custGeom>
+          <a:solidFill>
+            <a:srgbClr val="99CCFF"/>
+          </a:solidFill>
+          <a:ln>
+            <a:noFill/>
+          </a:ln>
+        </p:spPr>
+        <p:style>
+          <a:lnRef idx="2">
+            <a:schemeClr val="accent1">
+              <a:shade val="50000"/>
+            </a:schemeClr>
+          </a:lnRef>
+          <a:fillRef idx="1">
+            <a:schemeClr val="accent1"/>
+          </a:fillRef>
+          <a:effectRef idx="0">
+            <a:schemeClr val="accent1"/>
+          </a:effectRef>
+          <a:fontRef idx="minor">
+            <a:schemeClr val="lt1"/>
+          </a:fontRef>
+        </p:style>
+        <p:txBody>
+          <a:bodyPr wrap="square" rtlCol="0" anchor="ctr">
+            <a:noAutofit/>
+          </a:bodyPr>
+          <a:lstStyle/>
+          <a:p>
+            <a:pPr algn="ctr"/>
+            <a:endParaRPr lang="zh-TW" altLang="en-US"/>
+          </a:p>
+        </p:txBody>
+      </p:sp>
+      <p:sp>
+        <p:nvSpPr>
+          <p:cNvPr id="12" name="矩形 11">
+            <a:extLst>
+              <a:ext uri="{FF2B5EF4-FFF2-40B4-BE49-F238E27FC236}">
+                <a16:creationId xmlns:a16="http://schemas.microsoft.com/office/drawing/2014/main" id="{F55DD331-67A1-47E3-8055-AC9AC4A0E151}"/>
+              </a:ext>
+            </a:extLst>
+          </p:cNvPr>
+          <p:cNvSpPr/>
+          <p:nvPr/>
+        </p:nvSpPr>
+        <p:spPr>
+          <a:xfrm>
+            <a:off x="877734" y="3121644"/>
+            <a:ext cx="10868024" cy="824756"/>
+          </a:xfrm>
+          <a:prstGeom prst="rect">
+            <a:avLst/>
+          </a:prstGeom>
+          <a:solidFill>
+            <a:srgbClr val="CCFFCC"/>
+          </a:solidFill>
+        </p:spPr>
+        <p:style>
+          <a:lnRef idx="2">
+            <a:schemeClr val="accent1">
+              <a:shade val="50000"/>
+            </a:schemeClr>
+          </a:lnRef>
+          <a:fillRef idx="1">
+            <a:schemeClr val="accent1"/>
+          </a:fillRef>
+          <a:effectRef idx="0">
+            <a:schemeClr val="accent1"/>
+          </a:effectRef>
+          <a:fontRef idx="minor">
+            <a:schemeClr val="lt1"/>
+          </a:fontRef>
+        </p:style>
+        <p:txBody>
+          <a:bodyPr rtlCol="0" anchor="ctr"/>
+          <a:lstStyle/>
+          <a:p>
+            <a:pPr algn="ctr"/>
+            <a:endParaRPr lang="zh-TW" altLang="en-US"/>
+          </a:p>
+        </p:txBody>
+      </p:sp>
+      <p:cxnSp>
+        <p:nvCxnSpPr>
+          <p:cNvPr id="13" name="直線接點 12">
+            <a:extLst>
+              <a:ext uri="{FF2B5EF4-FFF2-40B4-BE49-F238E27FC236}">
+                <a16:creationId xmlns:a16="http://schemas.microsoft.com/office/drawing/2014/main" id="{52FEF3CE-79D1-4FE9-8856-7B08813854F2}"/>
+              </a:ext>
+            </a:extLst>
+          </p:cNvPr>
+          <p:cNvCxnSpPr>
+            <a:cxnSpLocks/>
+          </p:cNvCxnSpPr>
+          <p:nvPr/>
+        </p:nvCxnSpPr>
+        <p:spPr>
+          <a:xfrm flipV="1">
+            <a:off x="877734" y="3097781"/>
+            <a:ext cx="10868024" cy="2"/>
+          </a:xfrm>
+          <a:prstGeom prst="line">
+            <a:avLst/>
+          </a:prstGeom>
+          <a:ln w="38100">
+            <a:solidFill>
+              <a:srgbClr val="336600"/>
+            </a:solidFill>
+          </a:ln>
+        </p:spPr>
+        <p:style>
+          <a:lnRef idx="1">
+            <a:schemeClr val="accent1"/>
+          </a:lnRef>
+          <a:fillRef idx="0">
+            <a:schemeClr val="accent1"/>
+          </a:fillRef>
+          <a:effectRef idx="0">
+            <a:schemeClr val="accent1"/>
+          </a:effectRef>
+          <a:fontRef idx="minor">
+            <a:schemeClr val="tx1"/>
+          </a:fontRef>
+        </p:style>
+      </p:cxnSp>
+      <p:sp>
+        <p:nvSpPr>
+          <p:cNvPr id="15" name="文字方塊 14">
+            <a:extLst>
+              <a:ext uri="{FF2B5EF4-FFF2-40B4-BE49-F238E27FC236}">
+                <a16:creationId xmlns:a16="http://schemas.microsoft.com/office/drawing/2014/main" id="{67C88C35-DA77-4BBD-A548-8650588A9388}"/>
+              </a:ext>
+            </a:extLst>
+          </p:cNvPr>
+          <p:cNvSpPr txBox="1"/>
+          <p:nvPr/>
+        </p:nvSpPr>
+        <p:spPr>
+          <a:xfrm>
+            <a:off x="1093601" y="2548344"/>
+            <a:ext cx="2265364" cy="461665"/>
+          </a:xfrm>
+          <a:prstGeom prst="rect">
+            <a:avLst/>
+          </a:prstGeom>
+          <a:noFill/>
+        </p:spPr>
+        <p:txBody>
+          <a:bodyPr wrap="none" rtlCol="0">
+            <a:spAutoFit/>
+          </a:bodyPr>
+          <a:lstStyle/>
+          <a:p>
+            <a:r>
+              <a:rPr lang="zh-TW" altLang="en-US" sz="2400">
+                <a:solidFill>
+                  <a:schemeClr val="bg1"/>
+                </a:solidFill>
+              </a:rPr>
+              <a:t>否定</a:t>
+            </a:r>
+            <a:r>
+              <a:rPr lang="en-US" altLang="zh-TW" sz="2400">
+                <a:solidFill>
+                  <a:schemeClr val="bg1"/>
+                </a:solidFill>
+              </a:rPr>
+              <a:t>(NOT)</a:t>
+            </a:r>
+            <a:r>
+              <a:rPr lang="zh-TW" altLang="en-US" sz="2400">
+                <a:solidFill>
+                  <a:schemeClr val="bg1"/>
+                </a:solidFill>
+              </a:rPr>
+              <a:t>運算</a:t>
+            </a:r>
+          </a:p>
+        </p:txBody>
+      </p:sp>
+      <p:cxnSp>
+        <p:nvCxnSpPr>
+          <p:cNvPr id="21" name="直線接點 20">
+            <a:extLst>
+              <a:ext uri="{FF2B5EF4-FFF2-40B4-BE49-F238E27FC236}">
+                <a16:creationId xmlns:a16="http://schemas.microsoft.com/office/drawing/2014/main" id="{3771894B-8ACB-48CC-BD2A-BCD4919867BD}"/>
+              </a:ext>
+            </a:extLst>
+          </p:cNvPr>
+          <p:cNvCxnSpPr>
+            <a:cxnSpLocks/>
+          </p:cNvCxnSpPr>
+          <p:nvPr/>
+        </p:nvCxnSpPr>
+        <p:spPr>
+          <a:xfrm>
+            <a:off x="8951522" y="2474725"/>
+            <a:ext cx="0" cy="3820470"/>
+          </a:xfrm>
+          <a:prstGeom prst="line">
+            <a:avLst/>
+          </a:prstGeom>
+          <a:ln w="38100">
+            <a:solidFill>
+              <a:srgbClr val="336600"/>
+            </a:solidFill>
+          </a:ln>
+        </p:spPr>
+        <p:style>
+          <a:lnRef idx="1">
+            <a:schemeClr val="accent1"/>
+          </a:lnRef>
+          <a:fillRef idx="0">
+            <a:schemeClr val="accent1"/>
+          </a:fillRef>
+          <a:effectRef idx="0">
+            <a:schemeClr val="accent1"/>
+          </a:effectRef>
+          <a:fontRef idx="minor">
+            <a:schemeClr val="tx1"/>
+          </a:fontRef>
+        </p:style>
+      </p:cxnSp>
+      <p:cxnSp>
+        <p:nvCxnSpPr>
+          <p:cNvPr id="37" name="直線接點 36">
+            <a:extLst>
+              <a:ext uri="{FF2B5EF4-FFF2-40B4-BE49-F238E27FC236}">
+                <a16:creationId xmlns:a16="http://schemas.microsoft.com/office/drawing/2014/main" id="{55140263-F327-4218-9B5A-6AFF71AB85F0}"/>
+              </a:ext>
+            </a:extLst>
+          </p:cNvPr>
+          <p:cNvCxnSpPr>
+            <a:cxnSpLocks/>
+            <a:endCxn id="11" idx="1"/>
+          </p:cNvCxnSpPr>
+          <p:nvPr/>
+        </p:nvCxnSpPr>
+        <p:spPr>
+          <a:xfrm>
+            <a:off x="877734" y="5311336"/>
+            <a:ext cx="10868024" cy="21835"/>
+          </a:xfrm>
+          <a:prstGeom prst="line">
+            <a:avLst/>
+          </a:prstGeom>
+          <a:ln w="38100">
+            <a:solidFill>
+              <a:srgbClr val="336600"/>
+            </a:solidFill>
+          </a:ln>
+        </p:spPr>
+        <p:style>
+          <a:lnRef idx="1">
+            <a:schemeClr val="accent1"/>
+          </a:lnRef>
+          <a:fillRef idx="0">
+            <a:schemeClr val="accent1"/>
+          </a:fillRef>
+          <a:effectRef idx="0">
+            <a:schemeClr val="accent1"/>
+          </a:effectRef>
+          <a:fontRef idx="minor">
+            <a:schemeClr val="tx1"/>
+          </a:fontRef>
+        </p:style>
+      </p:cxnSp>
+      <p:sp>
+        <p:nvSpPr>
+          <p:cNvPr id="39" name="文字方塊 38">
+            <a:extLst>
+              <a:ext uri="{FF2B5EF4-FFF2-40B4-BE49-F238E27FC236}">
+                <a16:creationId xmlns:a16="http://schemas.microsoft.com/office/drawing/2014/main" id="{A11A837B-9FB7-4FAE-B5AC-E843DE5477E0}"/>
+              </a:ext>
+            </a:extLst>
+          </p:cNvPr>
+          <p:cNvSpPr txBox="1"/>
+          <p:nvPr/>
+        </p:nvSpPr>
+        <p:spPr>
+          <a:xfrm>
+            <a:off x="1624195" y="5398684"/>
+            <a:ext cx="1204176" cy="830997"/>
+          </a:xfrm>
+          <a:prstGeom prst="rect">
+            <a:avLst/>
+          </a:prstGeom>
+          <a:noFill/>
+        </p:spPr>
+        <p:txBody>
+          <a:bodyPr wrap="none" rtlCol="0">
+            <a:spAutoFit/>
+          </a:bodyPr>
+          <a:lstStyle/>
+          <a:p>
+            <a:r>
+              <a:rPr lang="en-US" altLang="zh-TW" sz="2400">
+                <a:solidFill>
+                  <a:schemeClr val="bg1"/>
+                </a:solidFill>
+              </a:rPr>
+              <a:t>!false</a:t>
+            </a:r>
+          </a:p>
+          <a:p>
+            <a:r>
+              <a:rPr lang="en-US" altLang="zh-TW" sz="2400">
+                <a:solidFill>
+                  <a:schemeClr val="bg1"/>
+                </a:solidFill>
+              </a:rPr>
+              <a:t>!true</a:t>
+            </a:r>
+            <a:endParaRPr lang="zh-TW" altLang="en-US" sz="2400">
+              <a:solidFill>
+                <a:schemeClr val="bg1"/>
+              </a:solidFill>
+            </a:endParaRPr>
+          </a:p>
+        </p:txBody>
+      </p:sp>
+      <p:cxnSp>
+        <p:nvCxnSpPr>
+          <p:cNvPr id="46" name="直線接點 45">
+            <a:extLst>
+              <a:ext uri="{FF2B5EF4-FFF2-40B4-BE49-F238E27FC236}">
+                <a16:creationId xmlns:a16="http://schemas.microsoft.com/office/drawing/2014/main" id="{D99106D0-9C3C-4DF0-A6BD-D8FEBD5D364E}"/>
+              </a:ext>
+            </a:extLst>
+          </p:cNvPr>
+          <p:cNvCxnSpPr>
+            <a:cxnSpLocks/>
+          </p:cNvCxnSpPr>
+          <p:nvPr/>
+        </p:nvCxnSpPr>
+        <p:spPr>
+          <a:xfrm>
+            <a:off x="3541952" y="2474725"/>
+            <a:ext cx="0" cy="3820470"/>
+          </a:xfrm>
+          <a:prstGeom prst="line">
+            <a:avLst/>
+          </a:prstGeom>
+          <a:ln w="38100">
+            <a:solidFill>
+              <a:srgbClr val="336600"/>
+            </a:solidFill>
+          </a:ln>
+        </p:spPr>
+        <p:style>
+          <a:lnRef idx="1">
+            <a:schemeClr val="accent1"/>
+          </a:lnRef>
+          <a:fillRef idx="0">
+            <a:schemeClr val="accent1"/>
+          </a:fillRef>
+          <a:effectRef idx="0">
+            <a:schemeClr val="accent1"/>
+          </a:effectRef>
+          <a:fontRef idx="minor">
+            <a:schemeClr val="tx1"/>
+          </a:fontRef>
+        </p:style>
+      </p:cxnSp>
+      <p:cxnSp>
+        <p:nvCxnSpPr>
+          <p:cNvPr id="55" name="直線接點 54">
+            <a:extLst>
+              <a:ext uri="{FF2B5EF4-FFF2-40B4-BE49-F238E27FC236}">
+                <a16:creationId xmlns:a16="http://schemas.microsoft.com/office/drawing/2014/main" id="{FD42ED1A-8C96-4123-9FF9-95E7FE158275}"/>
+              </a:ext>
+            </a:extLst>
+          </p:cNvPr>
+          <p:cNvCxnSpPr>
+            <a:cxnSpLocks/>
+          </p:cNvCxnSpPr>
+          <p:nvPr/>
+        </p:nvCxnSpPr>
+        <p:spPr>
+          <a:xfrm>
+            <a:off x="877734" y="4801292"/>
+            <a:ext cx="10868024" cy="21835"/>
+          </a:xfrm>
+          <a:prstGeom prst="line">
+            <a:avLst/>
+          </a:prstGeom>
+          <a:ln w="38100">
+            <a:solidFill>
+              <a:srgbClr val="336600"/>
+            </a:solidFill>
+          </a:ln>
+        </p:spPr>
+        <p:style>
+          <a:lnRef idx="1">
+            <a:schemeClr val="accent1"/>
+          </a:lnRef>
+          <a:fillRef idx="0">
+            <a:schemeClr val="accent1"/>
+          </a:fillRef>
+          <a:effectRef idx="0">
+            <a:schemeClr val="accent1"/>
+          </a:effectRef>
+          <a:fontRef idx="minor">
+            <a:schemeClr val="tx1"/>
+          </a:fontRef>
+        </p:style>
+      </p:cxnSp>
+      <p:cxnSp>
+        <p:nvCxnSpPr>
+          <p:cNvPr id="56" name="直線接點 55">
+            <a:extLst>
+              <a:ext uri="{FF2B5EF4-FFF2-40B4-BE49-F238E27FC236}">
+                <a16:creationId xmlns:a16="http://schemas.microsoft.com/office/drawing/2014/main" id="{40E98726-AEF9-4BDF-A406-867B46A44D81}"/>
+              </a:ext>
+            </a:extLst>
+          </p:cNvPr>
+          <p:cNvCxnSpPr>
+            <a:cxnSpLocks/>
+          </p:cNvCxnSpPr>
+          <p:nvPr/>
+        </p:nvCxnSpPr>
+        <p:spPr>
+          <a:xfrm>
+            <a:off x="877734" y="3954414"/>
+            <a:ext cx="10868024" cy="21835"/>
+          </a:xfrm>
+          <a:prstGeom prst="line">
+            <a:avLst/>
+          </a:prstGeom>
+          <a:ln w="38100">
+            <a:solidFill>
+              <a:srgbClr val="336600"/>
+            </a:solidFill>
+          </a:ln>
+        </p:spPr>
+        <p:style>
+          <a:lnRef idx="1">
+            <a:schemeClr val="accent1"/>
+          </a:lnRef>
+          <a:fillRef idx="0">
+            <a:schemeClr val="accent1"/>
+          </a:fillRef>
+          <a:effectRef idx="0">
+            <a:schemeClr val="accent1"/>
+          </a:effectRef>
+          <a:fontRef idx="minor">
+            <a:schemeClr val="tx1"/>
+          </a:fontRef>
+        </p:style>
+      </p:cxnSp>
+      <p:sp>
+        <p:nvSpPr>
+          <p:cNvPr id="57" name="文字方塊 56">
+            <a:extLst>
+              <a:ext uri="{FF2B5EF4-FFF2-40B4-BE49-F238E27FC236}">
+                <a16:creationId xmlns:a16="http://schemas.microsoft.com/office/drawing/2014/main" id="{76F92B3A-BCFC-45F4-8A92-60BB6D788517}"/>
+              </a:ext>
+            </a:extLst>
+          </p:cNvPr>
+          <p:cNvSpPr txBox="1"/>
+          <p:nvPr/>
+        </p:nvSpPr>
+        <p:spPr>
+          <a:xfrm>
+            <a:off x="1542197" y="3277824"/>
+            <a:ext cx="1374094" cy="461665"/>
+          </a:xfrm>
+          <a:prstGeom prst="rect">
+            <a:avLst/>
+          </a:prstGeom>
+          <a:noFill/>
+        </p:spPr>
+        <p:txBody>
+          <a:bodyPr wrap="none" rtlCol="0">
+            <a:spAutoFit/>
+          </a:bodyPr>
+          <a:lstStyle/>
+          <a:p>
+            <a:r>
+              <a:rPr lang="en-US" altLang="zh-TW" sz="2400">
+                <a:solidFill>
+                  <a:schemeClr val="bg1"/>
+                </a:solidFill>
+              </a:rPr>
+              <a:t>boolean</a:t>
+            </a:r>
+            <a:endParaRPr lang="zh-TW" altLang="en-US" sz="2400">
+              <a:solidFill>
+                <a:schemeClr val="bg1"/>
+              </a:solidFill>
+            </a:endParaRPr>
+          </a:p>
+        </p:txBody>
+      </p:sp>
+      <p:sp>
+        <p:nvSpPr>
+          <p:cNvPr id="60" name="文字方塊 59">
+            <a:extLst>
+              <a:ext uri="{FF2B5EF4-FFF2-40B4-BE49-F238E27FC236}">
+                <a16:creationId xmlns:a16="http://schemas.microsoft.com/office/drawing/2014/main" id="{25498771-5FEA-4C70-9855-BC5AF80A58D1}"/>
+              </a:ext>
+            </a:extLst>
+          </p:cNvPr>
+          <p:cNvSpPr txBox="1"/>
+          <p:nvPr/>
+        </p:nvSpPr>
+        <p:spPr>
+          <a:xfrm>
+            <a:off x="910614" y="3992130"/>
+            <a:ext cx="2637260" cy="830997"/>
+          </a:xfrm>
+          <a:prstGeom prst="rect">
+            <a:avLst/>
+          </a:prstGeom>
+          <a:noFill/>
+        </p:spPr>
+        <p:txBody>
+          <a:bodyPr wrap="none" rtlCol="0">
+            <a:spAutoFit/>
+          </a:bodyPr>
+          <a:lstStyle/>
+          <a:p>
+            <a:r>
+              <a:rPr lang="zh-TW" altLang="en-US" sz="2400">
+                <a:solidFill>
+                  <a:schemeClr val="bg1"/>
+                </a:solidFill>
+              </a:rPr>
+              <a:t>把</a:t>
+            </a:r>
+            <a:r>
+              <a:rPr lang="en-US" altLang="zh-TW" sz="2400">
+                <a:solidFill>
+                  <a:schemeClr val="bg1"/>
+                </a:solidFill>
+              </a:rPr>
+              <a:t>true</a:t>
+            </a:r>
+            <a:r>
+              <a:rPr lang="zh-TW" altLang="en-US" sz="2400">
+                <a:solidFill>
+                  <a:schemeClr val="bg1"/>
+                </a:solidFill>
+              </a:rPr>
+              <a:t>改成</a:t>
+            </a:r>
+            <a:r>
+              <a:rPr lang="en-US" altLang="zh-TW" sz="2400">
+                <a:solidFill>
+                  <a:schemeClr val="bg1"/>
+                </a:solidFill>
+              </a:rPr>
+              <a:t>false</a:t>
+            </a:r>
+          </a:p>
+          <a:p>
+            <a:r>
+              <a:rPr lang="zh-TW" altLang="en-US" sz="2400">
+                <a:solidFill>
+                  <a:schemeClr val="bg1"/>
+                </a:solidFill>
+              </a:rPr>
+              <a:t>把</a:t>
+            </a:r>
+            <a:r>
+              <a:rPr lang="en-US" altLang="zh-TW" sz="2400">
+                <a:solidFill>
+                  <a:schemeClr val="bg1"/>
+                </a:solidFill>
+              </a:rPr>
+              <a:t>false</a:t>
+            </a:r>
+            <a:r>
+              <a:rPr lang="zh-TW" altLang="en-US" sz="2400">
+                <a:solidFill>
+                  <a:schemeClr val="bg1"/>
+                </a:solidFill>
+              </a:rPr>
+              <a:t>改成</a:t>
+            </a:r>
+            <a:r>
+              <a:rPr lang="en-US" altLang="zh-TW" sz="2400">
+                <a:solidFill>
+                  <a:schemeClr val="bg1"/>
+                </a:solidFill>
+              </a:rPr>
+              <a:t>true</a:t>
+            </a:r>
+          </a:p>
+        </p:txBody>
+      </p:sp>
+      <p:sp>
+        <p:nvSpPr>
+          <p:cNvPr id="63" name="文字方塊 62">
+            <a:extLst>
+              <a:ext uri="{FF2B5EF4-FFF2-40B4-BE49-F238E27FC236}">
+                <a16:creationId xmlns:a16="http://schemas.microsoft.com/office/drawing/2014/main" id="{5561A760-177B-4FFB-8E85-301A72BD5C80}"/>
+              </a:ext>
+            </a:extLst>
+          </p:cNvPr>
+          <p:cNvSpPr txBox="1"/>
+          <p:nvPr/>
+        </p:nvSpPr>
+        <p:spPr>
+          <a:xfrm>
+            <a:off x="1511930" y="4845390"/>
+            <a:ext cx="1277914" cy="461665"/>
+          </a:xfrm>
+          <a:prstGeom prst="rect">
+            <a:avLst/>
+          </a:prstGeom>
+          <a:noFill/>
+        </p:spPr>
+        <p:txBody>
+          <a:bodyPr wrap="none" rtlCol="0">
+            <a:spAutoFit/>
+          </a:bodyPr>
+          <a:lstStyle/>
+          <a:p>
+            <a:r>
+              <a:rPr lang="en-US" altLang="zh-TW" sz="2400">
+                <a:solidFill>
+                  <a:schemeClr val="bg1"/>
+                </a:solidFill>
+              </a:rPr>
+              <a:t>!</a:t>
+            </a:r>
+            <a:r>
+              <a:rPr lang="zh-TW" altLang="en-US" sz="2400">
+                <a:solidFill>
+                  <a:schemeClr val="bg1"/>
+                </a:solidFill>
+              </a:rPr>
+              <a:t>運算元</a:t>
+            </a:r>
+          </a:p>
+        </p:txBody>
+      </p:sp>
+      <p:sp>
+        <p:nvSpPr>
+          <p:cNvPr id="65" name="文字方塊 64">
+            <a:extLst>
+              <a:ext uri="{FF2B5EF4-FFF2-40B4-BE49-F238E27FC236}">
+                <a16:creationId xmlns:a16="http://schemas.microsoft.com/office/drawing/2014/main" id="{3627B594-C2EE-46D1-B3E8-2CE37EDC52F6}"/>
+              </a:ext>
+            </a:extLst>
+          </p:cNvPr>
+          <p:cNvSpPr txBox="1"/>
+          <p:nvPr/>
+        </p:nvSpPr>
+        <p:spPr>
+          <a:xfrm>
+            <a:off x="4209916" y="2548344"/>
+            <a:ext cx="1447832" cy="461665"/>
+          </a:xfrm>
+          <a:prstGeom prst="rect">
+            <a:avLst/>
+          </a:prstGeom>
+          <a:noFill/>
+        </p:spPr>
+        <p:txBody>
+          <a:bodyPr wrap="none" rtlCol="0">
+            <a:spAutoFit/>
+          </a:bodyPr>
+          <a:lstStyle/>
+          <a:p>
+            <a:r>
+              <a:rPr lang="zh-TW" altLang="en-US" sz="2400">
+                <a:solidFill>
+                  <a:schemeClr val="bg1"/>
+                </a:solidFill>
+              </a:rPr>
+              <a:t>負數運算</a:t>
+            </a:r>
+          </a:p>
+        </p:txBody>
+      </p:sp>
+      <p:sp>
+        <p:nvSpPr>
+          <p:cNvPr id="66" name="文字方塊 65">
+            <a:extLst>
+              <a:ext uri="{FF2B5EF4-FFF2-40B4-BE49-F238E27FC236}">
+                <a16:creationId xmlns:a16="http://schemas.microsoft.com/office/drawing/2014/main" id="{81EC9DA6-7F3C-4E89-8890-24F9F480D0C9}"/>
+              </a:ext>
+            </a:extLst>
+          </p:cNvPr>
+          <p:cNvSpPr txBox="1"/>
+          <p:nvPr/>
+        </p:nvSpPr>
+        <p:spPr>
+          <a:xfrm>
+            <a:off x="4329349" y="5398684"/>
+            <a:ext cx="1034257" cy="830997"/>
+          </a:xfrm>
+          <a:prstGeom prst="rect">
+            <a:avLst/>
+          </a:prstGeom>
+          <a:noFill/>
+        </p:spPr>
+        <p:txBody>
+          <a:bodyPr wrap="none" rtlCol="0">
+            <a:spAutoFit/>
+          </a:bodyPr>
+          <a:lstStyle/>
+          <a:p>
+            <a:r>
+              <a:rPr lang="en-US" altLang="zh-TW" sz="2400">
+                <a:solidFill>
+                  <a:schemeClr val="bg1"/>
+                </a:solidFill>
+              </a:rPr>
+              <a:t>-1</a:t>
+            </a:r>
+          </a:p>
+          <a:p>
+            <a:r>
+              <a:rPr lang="en-US" altLang="zh-TW" sz="2400">
+                <a:solidFill>
+                  <a:schemeClr val="bg1"/>
+                </a:solidFill>
+              </a:rPr>
+              <a:t>-(-2)</a:t>
+            </a:r>
+            <a:endParaRPr lang="zh-TW" altLang="en-US" sz="2400">
+              <a:solidFill>
+                <a:schemeClr val="bg1"/>
+              </a:solidFill>
+            </a:endParaRPr>
+          </a:p>
+        </p:txBody>
+      </p:sp>
+      <p:sp>
+        <p:nvSpPr>
+          <p:cNvPr id="67" name="文字方塊 66">
+            <a:extLst>
+              <a:ext uri="{FF2B5EF4-FFF2-40B4-BE49-F238E27FC236}">
+                <a16:creationId xmlns:a16="http://schemas.microsoft.com/office/drawing/2014/main" id="{D296E85C-49B0-4F58-8B34-F6FA07AEB89C}"/>
+              </a:ext>
+            </a:extLst>
+          </p:cNvPr>
+          <p:cNvSpPr txBox="1"/>
+          <p:nvPr/>
+        </p:nvSpPr>
+        <p:spPr>
+          <a:xfrm>
+            <a:off x="4647364" y="3119563"/>
+            <a:ext cx="3348994" cy="830997"/>
+          </a:xfrm>
+          <a:prstGeom prst="rect">
+            <a:avLst/>
+          </a:prstGeom>
+          <a:noFill/>
+        </p:spPr>
+        <p:txBody>
+          <a:bodyPr wrap="none" rtlCol="0">
+            <a:spAutoFit/>
+          </a:bodyPr>
+          <a:lstStyle/>
+          <a:p>
+            <a:r>
+              <a:rPr lang="en-US" altLang="zh-TW" sz="2400">
+                <a:solidFill>
+                  <a:schemeClr val="bg1"/>
+                </a:solidFill>
+              </a:rPr>
+              <a:t>byte</a:t>
+            </a:r>
+            <a:r>
+              <a:rPr lang="zh-TW" altLang="en-US" sz="2400">
+                <a:solidFill>
+                  <a:schemeClr val="bg1"/>
+                </a:solidFill>
+              </a:rPr>
+              <a:t>、</a:t>
+            </a:r>
+            <a:r>
+              <a:rPr lang="en-US" altLang="zh-TW" sz="2400">
+                <a:solidFill>
+                  <a:schemeClr val="bg1"/>
+                </a:solidFill>
+              </a:rPr>
+              <a:t>short</a:t>
+            </a:r>
+            <a:r>
+              <a:rPr lang="zh-TW" altLang="en-US" sz="2400">
+                <a:solidFill>
+                  <a:schemeClr val="bg1"/>
+                </a:solidFill>
+              </a:rPr>
+              <a:t>、</a:t>
+            </a:r>
+            <a:r>
+              <a:rPr lang="en-US" altLang="zh-TW" sz="2400">
+                <a:solidFill>
+                  <a:schemeClr val="bg1"/>
+                </a:solidFill>
+              </a:rPr>
+              <a:t>int</a:t>
+            </a:r>
+            <a:r>
+              <a:rPr lang="zh-TW" altLang="en-US" sz="2400">
+                <a:solidFill>
+                  <a:schemeClr val="bg1"/>
+                </a:solidFill>
+              </a:rPr>
+              <a:t>、</a:t>
+            </a:r>
+            <a:endParaRPr lang="en-US" altLang="zh-TW" sz="2400">
+              <a:solidFill>
+                <a:schemeClr val="bg1"/>
+              </a:solidFill>
+            </a:endParaRPr>
+          </a:p>
+          <a:p>
+            <a:r>
+              <a:rPr lang="en-US" altLang="zh-TW" sz="2400">
+                <a:solidFill>
+                  <a:schemeClr val="bg1"/>
+                </a:solidFill>
+              </a:rPr>
+              <a:t>long</a:t>
+            </a:r>
+            <a:r>
+              <a:rPr lang="zh-TW" altLang="en-US" sz="2400">
+                <a:solidFill>
+                  <a:schemeClr val="bg1"/>
+                </a:solidFill>
+              </a:rPr>
+              <a:t>、</a:t>
+            </a:r>
+            <a:r>
+              <a:rPr lang="en-US" altLang="zh-TW" sz="2400">
+                <a:solidFill>
+                  <a:schemeClr val="bg1"/>
+                </a:solidFill>
+              </a:rPr>
+              <a:t>float</a:t>
+            </a:r>
+            <a:r>
+              <a:rPr lang="zh-TW" altLang="en-US" sz="2400">
+                <a:solidFill>
+                  <a:schemeClr val="bg1"/>
+                </a:solidFill>
+              </a:rPr>
+              <a:t>、</a:t>
+            </a:r>
+            <a:r>
+              <a:rPr lang="en-US" altLang="zh-TW" sz="2400">
+                <a:solidFill>
+                  <a:schemeClr val="bg1"/>
+                </a:solidFill>
+              </a:rPr>
+              <a:t>double</a:t>
+            </a:r>
+          </a:p>
+        </p:txBody>
+      </p:sp>
+      <p:sp>
+        <p:nvSpPr>
+          <p:cNvPr id="68" name="文字方塊 67">
+            <a:extLst>
+              <a:ext uri="{FF2B5EF4-FFF2-40B4-BE49-F238E27FC236}">
+                <a16:creationId xmlns:a16="http://schemas.microsoft.com/office/drawing/2014/main" id="{9765BC1F-C88C-46D9-B2FE-7997FCEB5EF1}"/>
+              </a:ext>
+            </a:extLst>
+          </p:cNvPr>
+          <p:cNvSpPr txBox="1"/>
+          <p:nvPr/>
+        </p:nvSpPr>
+        <p:spPr>
+          <a:xfrm>
+            <a:off x="3609278" y="4180257"/>
+            <a:ext cx="2678938" cy="461665"/>
+          </a:xfrm>
+          <a:prstGeom prst="rect">
+            <a:avLst/>
+          </a:prstGeom>
+          <a:noFill/>
+        </p:spPr>
+        <p:txBody>
+          <a:bodyPr wrap="none" rtlCol="0">
+            <a:spAutoFit/>
+          </a:bodyPr>
+          <a:lstStyle/>
+          <a:p>
+            <a:r>
+              <a:rPr lang="zh-TW" altLang="en-US" sz="2400">
+                <a:solidFill>
+                  <a:schemeClr val="bg1"/>
+                </a:solidFill>
+              </a:rPr>
+              <a:t>把數字變為相反數</a:t>
+            </a:r>
+            <a:endParaRPr lang="en-US" altLang="zh-TW" sz="2400">
+              <a:solidFill>
+                <a:schemeClr val="bg1"/>
+              </a:solidFill>
+            </a:endParaRPr>
+          </a:p>
+        </p:txBody>
+      </p:sp>
+      <p:sp>
+        <p:nvSpPr>
+          <p:cNvPr id="69" name="文字方塊 68">
+            <a:extLst>
+              <a:ext uri="{FF2B5EF4-FFF2-40B4-BE49-F238E27FC236}">
+                <a16:creationId xmlns:a16="http://schemas.microsoft.com/office/drawing/2014/main" id="{68B0615F-24B6-4505-927A-9CCA1493C6B9}"/>
+              </a:ext>
+            </a:extLst>
+          </p:cNvPr>
+          <p:cNvSpPr txBox="1"/>
+          <p:nvPr/>
+        </p:nvSpPr>
+        <p:spPr>
+          <a:xfrm>
+            <a:off x="4203449" y="4845390"/>
+            <a:ext cx="1277914" cy="461665"/>
+          </a:xfrm>
+          <a:prstGeom prst="rect">
+            <a:avLst/>
+          </a:prstGeom>
+          <a:noFill/>
+        </p:spPr>
+        <p:txBody>
+          <a:bodyPr wrap="none" rtlCol="0">
+            <a:spAutoFit/>
+          </a:bodyPr>
+          <a:lstStyle/>
+          <a:p>
+            <a:r>
+              <a:rPr lang="en-US" altLang="zh-TW" sz="2400">
+                <a:solidFill>
+                  <a:schemeClr val="bg1"/>
+                </a:solidFill>
+              </a:rPr>
+              <a:t>-</a:t>
+            </a:r>
+            <a:r>
+              <a:rPr lang="zh-TW" altLang="en-US" sz="2400">
+                <a:solidFill>
+                  <a:schemeClr val="bg1"/>
+                </a:solidFill>
+              </a:rPr>
+              <a:t>運算元</a:t>
+            </a:r>
+          </a:p>
+        </p:txBody>
+      </p:sp>
+      <p:cxnSp>
+        <p:nvCxnSpPr>
+          <p:cNvPr id="74" name="直線接點 73">
+            <a:extLst>
+              <a:ext uri="{FF2B5EF4-FFF2-40B4-BE49-F238E27FC236}">
+                <a16:creationId xmlns:a16="http://schemas.microsoft.com/office/drawing/2014/main" id="{2B335857-C2EE-44A2-8F86-E49FCDA28460}"/>
+              </a:ext>
+            </a:extLst>
+          </p:cNvPr>
+          <p:cNvCxnSpPr>
+            <a:cxnSpLocks/>
+          </p:cNvCxnSpPr>
+          <p:nvPr/>
+        </p:nvCxnSpPr>
+        <p:spPr>
+          <a:xfrm>
+            <a:off x="6321861" y="2474725"/>
+            <a:ext cx="0" cy="623056"/>
+          </a:xfrm>
+          <a:prstGeom prst="line">
+            <a:avLst/>
+          </a:prstGeom>
+          <a:ln w="38100">
+            <a:solidFill>
+              <a:srgbClr val="336600"/>
+            </a:solidFill>
+          </a:ln>
+        </p:spPr>
+        <p:style>
+          <a:lnRef idx="1">
+            <a:schemeClr val="accent1"/>
+          </a:lnRef>
+          <a:fillRef idx="0">
+            <a:schemeClr val="accent1"/>
+          </a:fillRef>
+          <a:effectRef idx="0">
+            <a:schemeClr val="accent1"/>
+          </a:effectRef>
+          <a:fontRef idx="minor">
+            <a:schemeClr val="tx1"/>
+          </a:fontRef>
+        </p:style>
+      </p:cxnSp>
+      <p:cxnSp>
+        <p:nvCxnSpPr>
+          <p:cNvPr id="75" name="直線接點 74">
+            <a:extLst>
+              <a:ext uri="{FF2B5EF4-FFF2-40B4-BE49-F238E27FC236}">
+                <a16:creationId xmlns:a16="http://schemas.microsoft.com/office/drawing/2014/main" id="{D65EF232-91B6-4AF8-8D4F-1CF831A05238}"/>
+              </a:ext>
+            </a:extLst>
+          </p:cNvPr>
+          <p:cNvCxnSpPr>
+            <a:cxnSpLocks/>
+          </p:cNvCxnSpPr>
+          <p:nvPr/>
+        </p:nvCxnSpPr>
+        <p:spPr>
+          <a:xfrm>
+            <a:off x="-494262" y="2474725"/>
+            <a:ext cx="0" cy="3820470"/>
+          </a:xfrm>
+          <a:prstGeom prst="line">
+            <a:avLst/>
+          </a:prstGeom>
+          <a:ln w="38100">
+            <a:solidFill>
+              <a:srgbClr val="336600"/>
+            </a:solidFill>
+          </a:ln>
+        </p:spPr>
+        <p:style>
+          <a:lnRef idx="1">
+            <a:schemeClr val="accent1"/>
+          </a:lnRef>
+          <a:fillRef idx="0">
+            <a:schemeClr val="accent1"/>
+          </a:fillRef>
+          <a:effectRef idx="0">
+            <a:schemeClr val="accent1"/>
+          </a:effectRef>
+          <a:fontRef idx="minor">
+            <a:schemeClr val="tx1"/>
+          </a:fontRef>
+        </p:style>
+      </p:cxnSp>
+      <p:sp>
+        <p:nvSpPr>
+          <p:cNvPr id="76" name="文字方塊 75">
+            <a:extLst>
+              <a:ext uri="{FF2B5EF4-FFF2-40B4-BE49-F238E27FC236}">
+                <a16:creationId xmlns:a16="http://schemas.microsoft.com/office/drawing/2014/main" id="{168ED6A6-1451-45A8-B6D5-E16350B3E2AD}"/>
+              </a:ext>
+            </a:extLst>
+          </p:cNvPr>
+          <p:cNvSpPr txBox="1"/>
+          <p:nvPr/>
+        </p:nvSpPr>
+        <p:spPr>
+          <a:xfrm>
+            <a:off x="6930245" y="2548344"/>
+            <a:ext cx="1447832" cy="461665"/>
+          </a:xfrm>
+          <a:prstGeom prst="rect">
+            <a:avLst/>
+          </a:prstGeom>
+          <a:noFill/>
+        </p:spPr>
+        <p:txBody>
+          <a:bodyPr wrap="none" rtlCol="0">
+            <a:spAutoFit/>
+          </a:bodyPr>
+          <a:lstStyle/>
+          <a:p>
+            <a:r>
+              <a:rPr lang="zh-TW" altLang="en-US" sz="2400">
+                <a:solidFill>
+                  <a:schemeClr val="bg1"/>
+                </a:solidFill>
+              </a:rPr>
+              <a:t>正數運算</a:t>
+            </a:r>
+          </a:p>
+        </p:txBody>
+      </p:sp>
+      <p:sp>
+        <p:nvSpPr>
+          <p:cNvPr id="77" name="文字方塊 76">
+            <a:extLst>
+              <a:ext uri="{FF2B5EF4-FFF2-40B4-BE49-F238E27FC236}">
+                <a16:creationId xmlns:a16="http://schemas.microsoft.com/office/drawing/2014/main" id="{601D012F-753B-4BE4-8F34-8932F141CC84}"/>
+              </a:ext>
+            </a:extLst>
+          </p:cNvPr>
+          <p:cNvSpPr txBox="1"/>
+          <p:nvPr/>
+        </p:nvSpPr>
+        <p:spPr>
+          <a:xfrm>
+            <a:off x="7251891" y="5398684"/>
+            <a:ext cx="1034257" cy="830997"/>
+          </a:xfrm>
+          <a:prstGeom prst="rect">
+            <a:avLst/>
+          </a:prstGeom>
+          <a:noFill/>
+        </p:spPr>
+        <p:txBody>
+          <a:bodyPr wrap="none" rtlCol="0">
+            <a:spAutoFit/>
+          </a:bodyPr>
+          <a:lstStyle/>
+          <a:p>
+            <a:r>
+              <a:rPr lang="en-US" altLang="zh-TW" sz="2400">
+                <a:solidFill>
+                  <a:schemeClr val="bg1"/>
+                </a:solidFill>
+              </a:rPr>
+              <a:t>+1</a:t>
+            </a:r>
+          </a:p>
+          <a:p>
+            <a:r>
+              <a:rPr lang="en-US" altLang="zh-TW" sz="2400">
+                <a:solidFill>
+                  <a:schemeClr val="bg1"/>
+                </a:solidFill>
+              </a:rPr>
+              <a:t>+(-2)</a:t>
+            </a:r>
+            <a:endParaRPr lang="zh-TW" altLang="en-US" sz="2400">
+              <a:solidFill>
+                <a:schemeClr val="bg1"/>
+              </a:solidFill>
+            </a:endParaRPr>
+          </a:p>
+        </p:txBody>
+      </p:sp>
+      <p:sp>
+        <p:nvSpPr>
+          <p:cNvPr id="79" name="文字方塊 78">
+            <a:extLst>
+              <a:ext uri="{FF2B5EF4-FFF2-40B4-BE49-F238E27FC236}">
+                <a16:creationId xmlns:a16="http://schemas.microsoft.com/office/drawing/2014/main" id="{8BE84372-51C1-4542-994E-47B557B297CB}"/>
+              </a:ext>
+            </a:extLst>
+          </p:cNvPr>
+          <p:cNvSpPr txBox="1"/>
+          <p:nvPr/>
+        </p:nvSpPr>
+        <p:spPr>
+          <a:xfrm>
+            <a:off x="6465486" y="4001348"/>
+            <a:ext cx="2371162" cy="830997"/>
+          </a:xfrm>
+          <a:prstGeom prst="rect">
+            <a:avLst/>
+          </a:prstGeom>
+          <a:noFill/>
+        </p:spPr>
+        <p:txBody>
+          <a:bodyPr wrap="none" rtlCol="0">
+            <a:spAutoFit/>
+          </a:bodyPr>
+          <a:lstStyle/>
+          <a:p>
+            <a:r>
+              <a:rPr lang="zh-TW" altLang="en-US" sz="2400">
+                <a:solidFill>
+                  <a:schemeClr val="bg1"/>
+                </a:solidFill>
+              </a:rPr>
+              <a:t>把數字加上正號</a:t>
+            </a:r>
+            <a:endParaRPr lang="en-US" altLang="zh-TW" sz="2400">
+              <a:solidFill>
+                <a:schemeClr val="bg1"/>
+              </a:solidFill>
+            </a:endParaRPr>
+          </a:p>
+          <a:p>
+            <a:r>
+              <a:rPr lang="en-US" altLang="zh-TW" sz="2400">
+                <a:solidFill>
+                  <a:schemeClr val="bg1"/>
+                </a:solidFill>
+              </a:rPr>
+              <a:t>=</a:t>
+            </a:r>
+            <a:r>
+              <a:rPr lang="zh-TW" altLang="en-US" sz="2400">
+                <a:solidFill>
+                  <a:schemeClr val="bg1"/>
+                </a:solidFill>
+              </a:rPr>
+              <a:t> </a:t>
+            </a:r>
+            <a:r>
+              <a:rPr lang="en-US" altLang="zh-TW" sz="2400">
+                <a:solidFill>
+                  <a:schemeClr val="bg1"/>
+                </a:solidFill>
+              </a:rPr>
+              <a:t>Do</a:t>
+            </a:r>
+            <a:r>
+              <a:rPr lang="zh-TW" altLang="en-US" sz="2400">
+                <a:solidFill>
+                  <a:schemeClr val="bg1"/>
+                </a:solidFill>
+              </a:rPr>
+              <a:t> </a:t>
+            </a:r>
+            <a:r>
+              <a:rPr lang="en-US" altLang="zh-TW" sz="2400">
+                <a:solidFill>
+                  <a:schemeClr val="bg1"/>
+                </a:solidFill>
+              </a:rPr>
+              <a:t>Nothing</a:t>
+            </a:r>
+          </a:p>
+        </p:txBody>
+      </p:sp>
+      <p:sp>
+        <p:nvSpPr>
+          <p:cNvPr id="80" name="文字方塊 79">
+            <a:extLst>
+              <a:ext uri="{FF2B5EF4-FFF2-40B4-BE49-F238E27FC236}">
+                <a16:creationId xmlns:a16="http://schemas.microsoft.com/office/drawing/2014/main" id="{73BF893F-FD6F-47E4-9544-E181A570E10C}"/>
+              </a:ext>
+            </a:extLst>
+          </p:cNvPr>
+          <p:cNvSpPr txBox="1"/>
+          <p:nvPr/>
+        </p:nvSpPr>
+        <p:spPr>
+          <a:xfrm>
+            <a:off x="6998707" y="4845390"/>
+            <a:ext cx="1277914" cy="461665"/>
+          </a:xfrm>
+          <a:prstGeom prst="rect">
+            <a:avLst/>
+          </a:prstGeom>
+          <a:noFill/>
+        </p:spPr>
+        <p:txBody>
+          <a:bodyPr wrap="none" rtlCol="0">
+            <a:spAutoFit/>
+          </a:bodyPr>
+          <a:lstStyle/>
+          <a:p>
+            <a:r>
+              <a:rPr lang="en-US" altLang="zh-TW" sz="2400">
+                <a:solidFill>
+                  <a:schemeClr val="bg1"/>
+                </a:solidFill>
+              </a:rPr>
+              <a:t>+</a:t>
+            </a:r>
+            <a:r>
+              <a:rPr lang="zh-TW" altLang="en-US" sz="2400">
+                <a:solidFill>
+                  <a:schemeClr val="bg1"/>
+                </a:solidFill>
+              </a:rPr>
+              <a:t>運算元</a:t>
+            </a:r>
+          </a:p>
+        </p:txBody>
+      </p:sp>
+      <p:cxnSp>
+        <p:nvCxnSpPr>
+          <p:cNvPr id="83" name="直線接點 82">
+            <a:extLst>
+              <a:ext uri="{FF2B5EF4-FFF2-40B4-BE49-F238E27FC236}">
+                <a16:creationId xmlns:a16="http://schemas.microsoft.com/office/drawing/2014/main" id="{5B7A48CA-DD00-4A0A-9314-C76FD90B3D60}"/>
+              </a:ext>
+            </a:extLst>
+          </p:cNvPr>
+          <p:cNvCxnSpPr>
+            <a:cxnSpLocks/>
+          </p:cNvCxnSpPr>
+          <p:nvPr/>
+        </p:nvCxnSpPr>
+        <p:spPr>
+          <a:xfrm>
+            <a:off x="6321861" y="3946400"/>
+            <a:ext cx="0" cy="2348795"/>
+          </a:xfrm>
+          <a:prstGeom prst="line">
+            <a:avLst/>
+          </a:prstGeom>
+          <a:ln w="38100">
+            <a:solidFill>
+              <a:srgbClr val="336600"/>
+            </a:solidFill>
+          </a:ln>
+        </p:spPr>
+        <p:style>
+          <a:lnRef idx="1">
+            <a:schemeClr val="accent1"/>
+          </a:lnRef>
+          <a:fillRef idx="0">
+            <a:schemeClr val="accent1"/>
+          </a:fillRef>
+          <a:effectRef idx="0">
+            <a:schemeClr val="accent1"/>
+          </a:effectRef>
+          <a:fontRef idx="minor">
+            <a:schemeClr val="tx1"/>
+          </a:fontRef>
+        </p:style>
+      </p:cxnSp>
+      <p:sp>
+        <p:nvSpPr>
+          <p:cNvPr id="86" name="文字方塊 85">
+            <a:extLst>
+              <a:ext uri="{FF2B5EF4-FFF2-40B4-BE49-F238E27FC236}">
+                <a16:creationId xmlns:a16="http://schemas.microsoft.com/office/drawing/2014/main" id="{EDC52468-59F0-46ED-BBB7-7B59D396BFCF}"/>
+              </a:ext>
+            </a:extLst>
+          </p:cNvPr>
+          <p:cNvSpPr txBox="1"/>
+          <p:nvPr/>
+        </p:nvSpPr>
+        <p:spPr>
+          <a:xfrm>
+            <a:off x="9190836" y="2548344"/>
+            <a:ext cx="2265364" cy="461665"/>
+          </a:xfrm>
+          <a:prstGeom prst="rect">
+            <a:avLst/>
+          </a:prstGeom>
+          <a:noFill/>
+        </p:spPr>
+        <p:txBody>
+          <a:bodyPr wrap="none" rtlCol="0">
+            <a:spAutoFit/>
+          </a:bodyPr>
+          <a:lstStyle/>
+          <a:p>
+            <a:r>
+              <a:rPr lang="zh-TW" altLang="en-US" sz="2400">
+                <a:solidFill>
+                  <a:schemeClr val="bg1"/>
+                </a:solidFill>
+              </a:rPr>
+              <a:t>反相</a:t>
+            </a:r>
+            <a:r>
+              <a:rPr lang="en-US" altLang="zh-TW" sz="2400">
+                <a:solidFill>
+                  <a:schemeClr val="bg1"/>
+                </a:solidFill>
+              </a:rPr>
+              <a:t>(NOT)</a:t>
+            </a:r>
+            <a:r>
+              <a:rPr lang="zh-TW" altLang="en-US" sz="2400">
+                <a:solidFill>
+                  <a:schemeClr val="bg1"/>
+                </a:solidFill>
+              </a:rPr>
+              <a:t>運算</a:t>
+            </a:r>
+          </a:p>
+        </p:txBody>
+      </p:sp>
+      <p:sp>
+        <p:nvSpPr>
+          <p:cNvPr id="87" name="文字方塊 86">
+            <a:extLst>
+              <a:ext uri="{FF2B5EF4-FFF2-40B4-BE49-F238E27FC236}">
+                <a16:creationId xmlns:a16="http://schemas.microsoft.com/office/drawing/2014/main" id="{F7118AB8-3D0D-4B10-B161-29426381FF67}"/>
+              </a:ext>
+            </a:extLst>
+          </p:cNvPr>
+          <p:cNvSpPr txBox="1"/>
+          <p:nvPr/>
+        </p:nvSpPr>
+        <p:spPr>
+          <a:xfrm>
+            <a:off x="10039864" y="5398684"/>
+            <a:ext cx="694421" cy="830997"/>
+          </a:xfrm>
+          <a:prstGeom prst="rect">
+            <a:avLst/>
+          </a:prstGeom>
+          <a:noFill/>
+        </p:spPr>
+        <p:txBody>
+          <a:bodyPr wrap="none" rtlCol="0">
+            <a:spAutoFit/>
+          </a:bodyPr>
+          <a:lstStyle/>
+          <a:p>
+            <a:r>
+              <a:rPr lang="en-US" altLang="zh-TW" sz="2400">
+                <a:solidFill>
+                  <a:schemeClr val="bg1"/>
+                </a:solidFill>
+              </a:rPr>
+              <a:t>~2</a:t>
+            </a:r>
+          </a:p>
+          <a:p>
+            <a:r>
+              <a:rPr lang="en-US" altLang="zh-TW" sz="2400">
+                <a:solidFill>
+                  <a:schemeClr val="bg1"/>
+                </a:solidFill>
+              </a:rPr>
+              <a:t>~-3</a:t>
+            </a:r>
+            <a:endParaRPr lang="zh-TW" altLang="en-US" sz="2400">
+              <a:solidFill>
+                <a:schemeClr val="bg1"/>
+              </a:solidFill>
+            </a:endParaRPr>
+          </a:p>
+        </p:txBody>
+      </p:sp>
+      <p:sp>
+        <p:nvSpPr>
+          <p:cNvPr id="88" name="文字方塊 87">
+            <a:extLst>
+              <a:ext uri="{FF2B5EF4-FFF2-40B4-BE49-F238E27FC236}">
+                <a16:creationId xmlns:a16="http://schemas.microsoft.com/office/drawing/2014/main" id="{71211470-22AE-4546-8E2B-B222A0BEA87F}"/>
+              </a:ext>
+            </a:extLst>
+          </p:cNvPr>
+          <p:cNvSpPr txBox="1"/>
+          <p:nvPr/>
+        </p:nvSpPr>
+        <p:spPr>
+          <a:xfrm>
+            <a:off x="9312664" y="3098559"/>
+            <a:ext cx="2021707" cy="830997"/>
+          </a:xfrm>
+          <a:prstGeom prst="rect">
+            <a:avLst/>
+          </a:prstGeom>
+          <a:noFill/>
+        </p:spPr>
+        <p:txBody>
+          <a:bodyPr wrap="none" rtlCol="0">
+            <a:spAutoFit/>
+          </a:bodyPr>
+          <a:lstStyle/>
+          <a:p>
+            <a:r>
+              <a:rPr lang="en-US" altLang="zh-TW" sz="2400">
+                <a:solidFill>
+                  <a:schemeClr val="bg1"/>
+                </a:solidFill>
+              </a:rPr>
+              <a:t>byte</a:t>
+            </a:r>
+            <a:r>
+              <a:rPr lang="zh-TW" altLang="en-US" sz="2400">
+                <a:solidFill>
+                  <a:schemeClr val="bg1"/>
+                </a:solidFill>
+              </a:rPr>
+              <a:t>、</a:t>
+            </a:r>
+            <a:r>
+              <a:rPr lang="en-US" altLang="zh-TW" sz="2400">
+                <a:solidFill>
+                  <a:schemeClr val="bg1"/>
+                </a:solidFill>
+              </a:rPr>
+              <a:t>short</a:t>
+            </a:r>
+          </a:p>
+          <a:p>
+            <a:r>
+              <a:rPr lang="zh-TW" altLang="en-US" sz="2400">
+                <a:solidFill>
+                  <a:schemeClr val="bg1"/>
+                </a:solidFill>
+              </a:rPr>
+              <a:t>、</a:t>
+            </a:r>
+            <a:r>
+              <a:rPr lang="en-US" altLang="zh-TW" sz="2400">
+                <a:solidFill>
+                  <a:schemeClr val="bg1"/>
+                </a:solidFill>
+              </a:rPr>
+              <a:t>int</a:t>
+            </a:r>
+            <a:r>
+              <a:rPr lang="zh-TW" altLang="en-US" sz="2400">
+                <a:solidFill>
+                  <a:schemeClr val="bg1"/>
+                </a:solidFill>
+              </a:rPr>
+              <a:t>、</a:t>
+            </a:r>
+            <a:r>
+              <a:rPr lang="en-US" altLang="zh-TW" sz="2400">
+                <a:solidFill>
+                  <a:schemeClr val="bg1"/>
+                </a:solidFill>
+              </a:rPr>
+              <a:t>long</a:t>
+            </a:r>
+            <a:endParaRPr lang="zh-TW" altLang="en-US" sz="2400">
+              <a:solidFill>
+                <a:schemeClr val="bg1"/>
+              </a:solidFill>
+            </a:endParaRPr>
+          </a:p>
+        </p:txBody>
+      </p:sp>
+      <p:sp>
+        <p:nvSpPr>
+          <p:cNvPr id="89" name="文字方塊 88">
+            <a:extLst>
+              <a:ext uri="{FF2B5EF4-FFF2-40B4-BE49-F238E27FC236}">
+                <a16:creationId xmlns:a16="http://schemas.microsoft.com/office/drawing/2014/main" id="{A553760F-926F-4DF4-A230-72DEEAB1A42A}"/>
+              </a:ext>
+            </a:extLst>
+          </p:cNvPr>
+          <p:cNvSpPr txBox="1"/>
+          <p:nvPr/>
+        </p:nvSpPr>
+        <p:spPr>
+          <a:xfrm>
+            <a:off x="9148595" y="3992130"/>
+            <a:ext cx="2403222" cy="830997"/>
+          </a:xfrm>
+          <a:prstGeom prst="rect">
+            <a:avLst/>
+          </a:prstGeom>
+          <a:noFill/>
+        </p:spPr>
+        <p:txBody>
+          <a:bodyPr wrap="none" rtlCol="0">
+            <a:spAutoFit/>
+          </a:bodyPr>
+          <a:lstStyle/>
+          <a:p>
+            <a:r>
+              <a:rPr lang="zh-TW" altLang="en-US" sz="2400">
+                <a:solidFill>
+                  <a:schemeClr val="bg1"/>
+                </a:solidFill>
+              </a:rPr>
+              <a:t>把二進制下的</a:t>
+            </a:r>
+            <a:endParaRPr lang="en-US" altLang="zh-TW" sz="2400">
+              <a:solidFill>
+                <a:schemeClr val="bg1"/>
+              </a:solidFill>
+            </a:endParaRPr>
+          </a:p>
+          <a:p>
+            <a:r>
+              <a:rPr lang="en-US" altLang="zh-TW" sz="2400">
+                <a:solidFill>
+                  <a:schemeClr val="bg1"/>
+                </a:solidFill>
+              </a:rPr>
+              <a:t>0</a:t>
+            </a:r>
+            <a:r>
+              <a:rPr lang="zh-TW" altLang="en-US" sz="2400">
+                <a:solidFill>
+                  <a:schemeClr val="bg1"/>
+                </a:solidFill>
+              </a:rPr>
+              <a:t>改成</a:t>
+            </a:r>
+            <a:r>
+              <a:rPr lang="en-US" altLang="zh-TW" sz="2400">
+                <a:solidFill>
+                  <a:schemeClr val="bg1"/>
+                </a:solidFill>
+              </a:rPr>
+              <a:t>1</a:t>
+            </a:r>
+            <a:r>
+              <a:rPr lang="zh-TW" altLang="en-US" sz="2400">
+                <a:solidFill>
+                  <a:schemeClr val="bg1"/>
+                </a:solidFill>
+              </a:rPr>
+              <a:t>、</a:t>
+            </a:r>
+            <a:r>
+              <a:rPr lang="en-US" altLang="zh-TW" sz="2400">
+                <a:solidFill>
+                  <a:schemeClr val="bg1"/>
+                </a:solidFill>
+              </a:rPr>
+              <a:t>1</a:t>
+            </a:r>
+            <a:r>
+              <a:rPr lang="zh-TW" altLang="en-US" sz="2400">
+                <a:solidFill>
+                  <a:schemeClr val="bg1"/>
+                </a:solidFill>
+              </a:rPr>
+              <a:t>改成</a:t>
+            </a:r>
+            <a:r>
+              <a:rPr lang="en-US" altLang="zh-TW" sz="2400">
+                <a:solidFill>
+                  <a:schemeClr val="bg1"/>
+                </a:solidFill>
+              </a:rPr>
+              <a:t>0</a:t>
+            </a:r>
+          </a:p>
+        </p:txBody>
+      </p:sp>
+      <p:sp>
+        <p:nvSpPr>
+          <p:cNvPr id="90" name="文字方塊 89">
+            <a:extLst>
+              <a:ext uri="{FF2B5EF4-FFF2-40B4-BE49-F238E27FC236}">
+                <a16:creationId xmlns:a16="http://schemas.microsoft.com/office/drawing/2014/main" id="{827A973A-7968-4092-914D-933AD359A44B}"/>
+              </a:ext>
+            </a:extLst>
+          </p:cNvPr>
+          <p:cNvSpPr txBox="1"/>
+          <p:nvPr/>
+        </p:nvSpPr>
+        <p:spPr>
+          <a:xfrm>
+            <a:off x="9748118" y="4845390"/>
+            <a:ext cx="1277914" cy="461665"/>
+          </a:xfrm>
+          <a:prstGeom prst="rect">
+            <a:avLst/>
+          </a:prstGeom>
+          <a:noFill/>
+        </p:spPr>
+        <p:txBody>
+          <a:bodyPr wrap="none" rtlCol="0">
+            <a:spAutoFit/>
+          </a:bodyPr>
+          <a:lstStyle/>
+          <a:p>
+            <a:r>
+              <a:rPr lang="en-US" altLang="zh-TW" sz="2400">
+                <a:solidFill>
+                  <a:schemeClr val="bg1"/>
+                </a:solidFill>
+              </a:rPr>
+              <a:t>~</a:t>
+            </a:r>
+            <a:r>
+              <a:rPr lang="zh-TW" altLang="en-US" sz="2400">
+                <a:solidFill>
+                  <a:schemeClr val="bg1"/>
+                </a:solidFill>
+              </a:rPr>
+              <a:t>運算元</a:t>
+            </a:r>
+          </a:p>
+        </p:txBody>
+      </p:sp>
+    </p:spTree>
+    <p:extLst>
+      <p:ext uri="{BB962C8B-B14F-4D97-AF65-F5344CB8AC3E}">
+        <p14:creationId xmlns:p14="http://schemas.microsoft.com/office/powerpoint/2010/main" val="129258225"/>
+      </p:ext>
+    </p:extLst>
+  </p:cSld>
+  <p:clrMapOvr>
+    <a:masterClrMapping/>
+  </p:clrMapOvr>
+  <p:transition spd="slow">
+    <p:push dir="u"/>
+  </p:transition>
+</p:sld>
+</file>
+
+<file path=ppt/slides/slide16.xml><?xml version="1.0" encoding="utf-8"?>
+<p:sld xmlns:a="http://schemas.openxmlformats.org/drawingml/2006/main" xmlns:r="http://schemas.openxmlformats.org/officeDocument/2006/relationships" xmlns:p="http://schemas.openxmlformats.org/presentationml/2006/main">
+  <p:cSld>
+    <p:spTree>
+      <p:nvGrpSpPr>
+        <p:cNvPr id="1" name=""/>
+        <p:cNvGrpSpPr/>
+        <p:nvPr/>
+      </p:nvGrpSpPr>
+      <p:grpSpPr>
+        <a:xfrm>
+          <a:off x="0" y="0"/>
+          <a:ext cx="0" cy="0"/>
+          <a:chOff x="0" y="0"/>
+          <a:chExt cx="0" cy="0"/>
+        </a:xfrm>
+      </p:grpSpPr>
       <p:grpSp>
         <p:nvGrpSpPr>
-          <p:cNvPr id="42" name="群組 41">
+          <p:cNvPr id="154" name="群組 153">
             <a:extLst>
               <a:ext uri="{FF2B5EF4-FFF2-40B4-BE49-F238E27FC236}">
-                <a16:creationId xmlns:a16="http://schemas.microsoft.com/office/drawing/2014/main" id="{EA354419-904C-4F0D-BE0A-31B85EB3FB89}"/>
+                <a16:creationId xmlns:a16="http://schemas.microsoft.com/office/drawing/2014/main" id="{85406E9B-6F8E-4474-A7A4-5BC1C0D49117}"/>
               </a:ext>
             </a:extLst>
           </p:cNvPr>
@@ -13387,10 +17328,10 @@
         </p:grpSpPr>
         <p:sp>
           <p:nvSpPr>
-            <p:cNvPr id="43" name="手繪多邊形: 圖案 42">
+            <p:cNvPr id="155" name="手繪多邊形: 圖案 154">
               <a:extLst>
                 <a:ext uri="{FF2B5EF4-FFF2-40B4-BE49-F238E27FC236}">
-                  <a16:creationId xmlns:a16="http://schemas.microsoft.com/office/drawing/2014/main" id="{9C17FDA4-F91B-485E-9F44-2C5828704BED}"/>
+                  <a16:creationId xmlns:a16="http://schemas.microsoft.com/office/drawing/2014/main" id="{80A57102-F388-4B69-9256-1B56D6996496}"/>
                 </a:ext>
               </a:extLst>
             </p:cNvPr>
@@ -13512,10 +17453,10 @@
         </p:sp>
         <p:sp>
           <p:nvSpPr>
-            <p:cNvPr id="44" name="手繪多邊形: 圖案 43">
+            <p:cNvPr id="156" name="手繪多邊形: 圖案 155">
               <a:extLst>
                 <a:ext uri="{FF2B5EF4-FFF2-40B4-BE49-F238E27FC236}">
-                  <a16:creationId xmlns:a16="http://schemas.microsoft.com/office/drawing/2014/main" id="{84D25046-695C-4581-BFAF-591D6A05F10B}"/>
+                  <a16:creationId xmlns:a16="http://schemas.microsoft.com/office/drawing/2014/main" id="{9762B44C-4132-4F45-864D-8AAA9CB6B5D3}"/>
                 </a:ext>
               </a:extLst>
             </p:cNvPr>
@@ -13629,10 +17570,10 @@
         </p:sp>
         <p:sp>
           <p:nvSpPr>
-            <p:cNvPr id="45" name="矩形 44">
+            <p:cNvPr id="157" name="矩形 156">
               <a:extLst>
                 <a:ext uri="{FF2B5EF4-FFF2-40B4-BE49-F238E27FC236}">
-                  <a16:creationId xmlns:a16="http://schemas.microsoft.com/office/drawing/2014/main" id="{9987BAFC-0A0F-4814-AF93-E08FE79B6B28}"/>
+                  <a16:creationId xmlns:a16="http://schemas.microsoft.com/office/drawing/2014/main" id="{4C131FB8-84CD-4A20-9FCB-AB3894A1F7F8}"/>
                 </a:ext>
               </a:extLst>
             </p:cNvPr>
@@ -13678,16 +17619,16 @@
         </p:sp>
         <p:cxnSp>
           <p:nvCxnSpPr>
-            <p:cNvPr id="46" name="直線接點 45">
+            <p:cNvPr id="158" name="直線接點 157">
               <a:extLst>
                 <a:ext uri="{FF2B5EF4-FFF2-40B4-BE49-F238E27FC236}">
-                  <a16:creationId xmlns:a16="http://schemas.microsoft.com/office/drawing/2014/main" id="{C2DB7D9A-DC66-446C-A0C6-19592F8EF0A7}"/>
+                  <a16:creationId xmlns:a16="http://schemas.microsoft.com/office/drawing/2014/main" id="{3C024742-2491-47EB-89F9-169352EAA20D}"/>
                 </a:ext>
               </a:extLst>
             </p:cNvPr>
             <p:cNvCxnSpPr>
               <a:cxnSpLocks/>
-              <a:stCxn id="43" idx="4"/>
+              <a:stCxn id="155" idx="4"/>
             </p:cNvCxnSpPr>
             <p:nvPr/>
           </p:nvCxnSpPr>
@@ -13722,10 +17663,10 @@
         </p:cxnSp>
         <p:sp>
           <p:nvSpPr>
-            <p:cNvPr id="47" name="文字方塊 46">
+            <p:cNvPr id="159" name="文字方塊 158">
               <a:extLst>
                 <a:ext uri="{FF2B5EF4-FFF2-40B4-BE49-F238E27FC236}">
-                  <a16:creationId xmlns:a16="http://schemas.microsoft.com/office/drawing/2014/main" id="{45CD11FC-8CC8-49CE-9FC2-AB8774B83D8C}"/>
+                  <a16:creationId xmlns:a16="http://schemas.microsoft.com/office/drawing/2014/main" id="{2CCDB025-6304-42AB-B4EB-E73B5374A8D7}"/>
                 </a:ext>
               </a:extLst>
             </p:cNvPr>
@@ -13766,10 +17707,10 @@
         </p:sp>
         <p:sp>
           <p:nvSpPr>
-            <p:cNvPr id="48" name="文字方塊 47">
+            <p:cNvPr id="160" name="文字方塊 159">
               <a:extLst>
                 <a:ext uri="{FF2B5EF4-FFF2-40B4-BE49-F238E27FC236}">
-                  <a16:creationId xmlns:a16="http://schemas.microsoft.com/office/drawing/2014/main" id="{279FB3A4-46BB-44EC-BE69-D28EBA7D3BAD}"/>
+                  <a16:creationId xmlns:a16="http://schemas.microsoft.com/office/drawing/2014/main" id="{C0E3E5B1-6C03-42B2-998A-F4946EB23029}"/>
                 </a:ext>
               </a:extLst>
             </p:cNvPr>
@@ -13810,10 +17751,10 @@
         </p:sp>
         <p:sp>
           <p:nvSpPr>
-            <p:cNvPr id="49" name="文字方塊 48">
+            <p:cNvPr id="161" name="文字方塊 160">
               <a:extLst>
                 <a:ext uri="{FF2B5EF4-FFF2-40B4-BE49-F238E27FC236}">
-                  <a16:creationId xmlns:a16="http://schemas.microsoft.com/office/drawing/2014/main" id="{488CDBC3-DECD-44D1-86DC-9A3BDBF1DA1A}"/>
+                  <a16:creationId xmlns:a16="http://schemas.microsoft.com/office/drawing/2014/main" id="{65D9D06A-EDD2-4109-91A9-BA7554B122A4}"/>
                 </a:ext>
               </a:extLst>
             </p:cNvPr>
@@ -13854,10 +17795,10 @@
         </p:sp>
         <p:sp>
           <p:nvSpPr>
-            <p:cNvPr id="50" name="文字方塊 49">
+            <p:cNvPr id="162" name="文字方塊 161">
               <a:extLst>
                 <a:ext uri="{FF2B5EF4-FFF2-40B4-BE49-F238E27FC236}">
-                  <a16:creationId xmlns:a16="http://schemas.microsoft.com/office/drawing/2014/main" id="{C4406B50-4733-42CE-AB1F-9F695CEEE5CD}"/>
+                  <a16:creationId xmlns:a16="http://schemas.microsoft.com/office/drawing/2014/main" id="{9B62A624-C414-44F0-87BB-05A61E31CBF9}"/>
                 </a:ext>
               </a:extLst>
             </p:cNvPr>
@@ -13898,10 +17839,10 @@
         </p:sp>
         <p:sp>
           <p:nvSpPr>
-            <p:cNvPr id="51" name="文字方塊 50">
+            <p:cNvPr id="163" name="文字方塊 162">
               <a:extLst>
                 <a:ext uri="{FF2B5EF4-FFF2-40B4-BE49-F238E27FC236}">
-                  <a16:creationId xmlns:a16="http://schemas.microsoft.com/office/drawing/2014/main" id="{B5A0DE2E-FA85-4569-A7A6-410755BB29B2}"/>
+                  <a16:creationId xmlns:a16="http://schemas.microsoft.com/office/drawing/2014/main" id="{87E8AC93-E4DE-4186-8BB3-F5D3374EF006}"/>
                 </a:ext>
               </a:extLst>
             </p:cNvPr>
@@ -13942,10 +17883,10 @@
         </p:sp>
         <p:sp>
           <p:nvSpPr>
-            <p:cNvPr id="52" name="文字方塊 51">
+            <p:cNvPr id="164" name="文字方塊 163">
               <a:extLst>
                 <a:ext uri="{FF2B5EF4-FFF2-40B4-BE49-F238E27FC236}">
-                  <a16:creationId xmlns:a16="http://schemas.microsoft.com/office/drawing/2014/main" id="{8FD97953-916C-46FE-A127-994EFCCE9B38}"/>
+                  <a16:creationId xmlns:a16="http://schemas.microsoft.com/office/drawing/2014/main" id="{B625ABBB-F806-4994-853B-4A1D4F700260}"/>
                 </a:ext>
               </a:extLst>
             </p:cNvPr>
@@ -13986,10 +17927,10 @@
         </p:sp>
         <p:sp>
           <p:nvSpPr>
-            <p:cNvPr id="53" name="文字方塊 52">
+            <p:cNvPr id="165" name="文字方塊 164">
               <a:extLst>
                 <a:ext uri="{FF2B5EF4-FFF2-40B4-BE49-F238E27FC236}">
-                  <a16:creationId xmlns:a16="http://schemas.microsoft.com/office/drawing/2014/main" id="{25593F36-4006-469A-B31C-D8B891EC13D4}"/>
+                  <a16:creationId xmlns:a16="http://schemas.microsoft.com/office/drawing/2014/main" id="{113B73A8-05F4-429D-A6CA-A56B2BB0327B}"/>
                 </a:ext>
               </a:extLst>
             </p:cNvPr>
@@ -14030,10 +17971,10 @@
         </p:sp>
         <p:cxnSp>
           <p:nvCxnSpPr>
-            <p:cNvPr id="54" name="直線接點 53">
+            <p:cNvPr id="166" name="直線接點 165">
               <a:extLst>
                 <a:ext uri="{FF2B5EF4-FFF2-40B4-BE49-F238E27FC236}">
-                  <a16:creationId xmlns:a16="http://schemas.microsoft.com/office/drawing/2014/main" id="{F875CE75-4D63-4708-BBCB-71162056BA68}"/>
+                  <a16:creationId xmlns:a16="http://schemas.microsoft.com/office/drawing/2014/main" id="{98E7C9F9-35AC-40FC-82B0-97F7B48DE3AE}"/>
                 </a:ext>
               </a:extLst>
             </p:cNvPr>
@@ -14073,10 +18014,10 @@
         </p:cxnSp>
         <p:cxnSp>
           <p:nvCxnSpPr>
-            <p:cNvPr id="55" name="直線接點 54">
+            <p:cNvPr id="167" name="直線接點 166">
               <a:extLst>
                 <a:ext uri="{FF2B5EF4-FFF2-40B4-BE49-F238E27FC236}">
-                  <a16:creationId xmlns:a16="http://schemas.microsoft.com/office/drawing/2014/main" id="{4416829A-3D3C-4368-AECF-7930E84F3000}"/>
+                  <a16:creationId xmlns:a16="http://schemas.microsoft.com/office/drawing/2014/main" id="{6A6F9C63-586F-417C-A2EA-A0C88D002567}"/>
                 </a:ext>
               </a:extLst>
             </p:cNvPr>
@@ -14116,10 +18057,10 @@
         </p:cxnSp>
         <p:cxnSp>
           <p:nvCxnSpPr>
-            <p:cNvPr id="56" name="直線接點 55">
+            <p:cNvPr id="168" name="直線接點 167">
               <a:extLst>
                 <a:ext uri="{FF2B5EF4-FFF2-40B4-BE49-F238E27FC236}">
-                  <a16:creationId xmlns:a16="http://schemas.microsoft.com/office/drawing/2014/main" id="{394EB899-E68C-48D1-BA91-A534D9D3DBC3}"/>
+                  <a16:creationId xmlns:a16="http://schemas.microsoft.com/office/drawing/2014/main" id="{51786F10-62BF-491C-BE27-EB4D2616CB8E}"/>
                 </a:ext>
               </a:extLst>
             </p:cNvPr>
@@ -14159,10 +18100,10 @@
         </p:cxnSp>
         <p:cxnSp>
           <p:nvCxnSpPr>
-            <p:cNvPr id="57" name="直線接點 56">
+            <p:cNvPr id="169" name="直線接點 168">
               <a:extLst>
                 <a:ext uri="{FF2B5EF4-FFF2-40B4-BE49-F238E27FC236}">
-                  <a16:creationId xmlns:a16="http://schemas.microsoft.com/office/drawing/2014/main" id="{51EC9533-3BD5-446B-970F-EC17F8783F74}"/>
+                  <a16:creationId xmlns:a16="http://schemas.microsoft.com/office/drawing/2014/main" id="{116164F9-7ED5-4796-A597-69C27568455D}"/>
                 </a:ext>
               </a:extLst>
             </p:cNvPr>
@@ -14202,10 +18143,10 @@
         </p:cxnSp>
         <p:cxnSp>
           <p:nvCxnSpPr>
-            <p:cNvPr id="58" name="直線接點 57">
+            <p:cNvPr id="170" name="直線接點 169">
               <a:extLst>
                 <a:ext uri="{FF2B5EF4-FFF2-40B4-BE49-F238E27FC236}">
-                  <a16:creationId xmlns:a16="http://schemas.microsoft.com/office/drawing/2014/main" id="{D8298EBB-6630-4290-A4CD-1A145105A17D}"/>
+                  <a16:creationId xmlns:a16="http://schemas.microsoft.com/office/drawing/2014/main" id="{E24E0A1F-71E1-4987-8C37-4BD56AEBF2DC}"/>
                 </a:ext>
               </a:extLst>
             </p:cNvPr>
@@ -14216,7 +18157,7 @@
           </p:nvCxnSpPr>
           <p:spPr>
             <a:xfrm>
-              <a:off x="5867791" y="2572539"/>
+              <a:off x="5897531" y="2572539"/>
               <a:ext cx="0" cy="3535036"/>
             </a:xfrm>
             <a:prstGeom prst="line">
@@ -14245,10 +18186,10 @@
         </p:cxnSp>
         <p:cxnSp>
           <p:nvCxnSpPr>
-            <p:cNvPr id="59" name="直線接點 58">
+            <p:cNvPr id="171" name="直線接點 170">
               <a:extLst>
                 <a:ext uri="{FF2B5EF4-FFF2-40B4-BE49-F238E27FC236}">
-                  <a16:creationId xmlns:a16="http://schemas.microsoft.com/office/drawing/2014/main" id="{96ADA6A2-F797-465B-BF36-2A814E4C4EFC}"/>
+                  <a16:creationId xmlns:a16="http://schemas.microsoft.com/office/drawing/2014/main" id="{BA5F6ABD-EC98-498D-8688-95A07BFC6AB8}"/>
                 </a:ext>
               </a:extLst>
             </p:cNvPr>
@@ -14288,10 +18229,10 @@
         </p:cxnSp>
         <p:cxnSp>
           <p:nvCxnSpPr>
-            <p:cNvPr id="60" name="直線接點 59">
+            <p:cNvPr id="172" name="直線接點 171">
               <a:extLst>
                 <a:ext uri="{FF2B5EF4-FFF2-40B4-BE49-F238E27FC236}">
-                  <a16:creationId xmlns:a16="http://schemas.microsoft.com/office/drawing/2014/main" id="{5E492E0B-97DA-48A0-B9D5-CEFD4C628365}"/>
+                  <a16:creationId xmlns:a16="http://schemas.microsoft.com/office/drawing/2014/main" id="{9FB5F9FE-470A-43EE-932B-2AFE8CCCA6C1}"/>
                 </a:ext>
               </a:extLst>
             </p:cNvPr>
@@ -14331,10 +18272,10 @@
         </p:cxnSp>
         <p:sp>
           <p:nvSpPr>
-            <p:cNvPr id="61" name="文字方塊 60">
+            <p:cNvPr id="173" name="文字方塊 172">
               <a:extLst>
                 <a:ext uri="{FF2B5EF4-FFF2-40B4-BE49-F238E27FC236}">
-                  <a16:creationId xmlns:a16="http://schemas.microsoft.com/office/drawing/2014/main" id="{BA498A35-2136-446E-9589-0D1F0459878C}"/>
+                  <a16:creationId xmlns:a16="http://schemas.microsoft.com/office/drawing/2014/main" id="{E36F70D3-F038-4BE1-A448-A5E64CD50293}"/>
                 </a:ext>
               </a:extLst>
             </p:cNvPr>
@@ -14375,10 +18316,10 @@
         </p:sp>
         <p:sp>
           <p:nvSpPr>
-            <p:cNvPr id="62" name="文字方塊 61">
+            <p:cNvPr id="174" name="文字方塊 173">
               <a:extLst>
                 <a:ext uri="{FF2B5EF4-FFF2-40B4-BE49-F238E27FC236}">
-                  <a16:creationId xmlns:a16="http://schemas.microsoft.com/office/drawing/2014/main" id="{98E29022-6915-41EB-8796-B0A43A15E3AE}"/>
+                  <a16:creationId xmlns:a16="http://schemas.microsoft.com/office/drawing/2014/main" id="{F4BFC346-DF34-4EBA-83DE-5CA1208A5E14}"/>
                 </a:ext>
               </a:extLst>
             </p:cNvPr>
@@ -14513,10 +18454,10 @@
         </p:sp>
         <p:sp>
           <p:nvSpPr>
-            <p:cNvPr id="63" name="文字方塊 62">
+            <p:cNvPr id="175" name="文字方塊 174">
               <a:extLst>
                 <a:ext uri="{FF2B5EF4-FFF2-40B4-BE49-F238E27FC236}">
-                  <a16:creationId xmlns:a16="http://schemas.microsoft.com/office/drawing/2014/main" id="{FCFD4E34-B17D-4169-9682-922B69053CC8}"/>
+                  <a16:creationId xmlns:a16="http://schemas.microsoft.com/office/drawing/2014/main" id="{4B729A2B-7CBD-469A-8921-44865B9A0B48}"/>
                 </a:ext>
               </a:extLst>
             </p:cNvPr>
@@ -14617,10 +18558,10 @@
         </p:sp>
         <p:sp>
           <p:nvSpPr>
-            <p:cNvPr id="64" name="文字方塊 63">
+            <p:cNvPr id="176" name="文字方塊 175">
               <a:extLst>
                 <a:ext uri="{FF2B5EF4-FFF2-40B4-BE49-F238E27FC236}">
-                  <a16:creationId xmlns:a16="http://schemas.microsoft.com/office/drawing/2014/main" id="{88DB43BF-10C1-4156-B0C9-C78FF90E6966}"/>
+                  <a16:creationId xmlns:a16="http://schemas.microsoft.com/office/drawing/2014/main" id="{375FF6B9-B5D4-4822-8508-B194E35CF38F}"/>
                 </a:ext>
               </a:extLst>
             </p:cNvPr>
@@ -14721,10 +18662,10 @@
         </p:sp>
         <p:sp>
           <p:nvSpPr>
-            <p:cNvPr id="65" name="文字方塊 64">
+            <p:cNvPr id="177" name="文字方塊 176">
               <a:extLst>
                 <a:ext uri="{FF2B5EF4-FFF2-40B4-BE49-F238E27FC236}">
-                  <a16:creationId xmlns:a16="http://schemas.microsoft.com/office/drawing/2014/main" id="{88ADB28C-0079-4A30-94CE-7F4975B0360D}"/>
+                  <a16:creationId xmlns:a16="http://schemas.microsoft.com/office/drawing/2014/main" id="{7179F9DD-7DB7-4144-BCEB-147A1FCD3929}"/>
                 </a:ext>
               </a:extLst>
             </p:cNvPr>
@@ -14854,10 +18795,10 @@
         </p:sp>
         <p:sp>
           <p:nvSpPr>
-            <p:cNvPr id="66" name="文字方塊 65">
+            <p:cNvPr id="178" name="文字方塊 177">
               <a:extLst>
                 <a:ext uri="{FF2B5EF4-FFF2-40B4-BE49-F238E27FC236}">
-                  <a16:creationId xmlns:a16="http://schemas.microsoft.com/office/drawing/2014/main" id="{1486E165-DB3B-4B9D-80B7-9CE447268847}"/>
+                  <a16:creationId xmlns:a16="http://schemas.microsoft.com/office/drawing/2014/main" id="{8FC3D8D5-E2E1-434E-AA1A-430F55E2DFB1}"/>
                 </a:ext>
               </a:extLst>
             </p:cNvPr>
@@ -14866,8 +18807,8 @@
           </p:nvSpPr>
           <p:spPr>
             <a:xfrm>
-              <a:off x="4541411" y="3369390"/>
-              <a:ext cx="1360207" cy="1754326"/>
+              <a:off x="4542144" y="3369390"/>
+              <a:ext cx="1336611" cy="1754326"/>
             </a:xfrm>
             <a:prstGeom prst="rect">
               <a:avLst/>
@@ -14886,7 +18827,7 @@
                     <a:schemeClr val="bg1"/>
                   </a:solidFill>
                 </a:rPr>
-                <a:t>直接表示，</a:t>
+                <a:t>整數後方</a:t>
               </a:r>
               <a:endParaRPr lang="en-US" altLang="zh-TW">
                 <a:solidFill>
@@ -14901,7 +18842,23 @@
                     <a:schemeClr val="bg1"/>
                   </a:solidFill>
                 </a:rPr>
-                <a:t>值的範圍為</a:t>
+                <a:t>加</a:t>
+              </a:r>
+              <a:r>
+                <a:rPr lang="en-US" altLang="zh-TW">
+                  <a:solidFill>
+                    <a:schemeClr val="bg1"/>
+                  </a:solidFill>
+                </a:rPr>
+                <a:t>L</a:t>
+              </a:r>
+              <a:r>
+                <a:rPr lang="zh-TW" altLang="en-US">
+                  <a:solidFill>
+                    <a:schemeClr val="bg1"/>
+                  </a:solidFill>
+                </a:rPr>
+                <a:t>表示，</a:t>
               </a:r>
               <a:endParaRPr lang="en-US" altLang="zh-TW">
                 <a:solidFill>
@@ -14911,6 +18868,14 @@
             </a:p>
             <a:p>
               <a:r>
+                <a:rPr lang="zh-TW" altLang="en-US">
+                  <a:solidFill>
+                    <a:schemeClr val="bg1"/>
+                  </a:solidFill>
+                </a:rPr>
+                <a:t>值的範圍為</a:t>
+              </a:r>
+              <a:r>
                 <a:rPr lang="en-US" altLang="zh-TW">
                   <a:solidFill>
                     <a:schemeClr val="bg1"/>
@@ -14936,13 +18901,6 @@
                 </a:rPr>
                 <a:t>到</a:t>
               </a:r>
-              <a:endParaRPr lang="en-US" altLang="zh-TW">
-                <a:solidFill>
-                  <a:schemeClr val="bg1"/>
-                </a:solidFill>
-              </a:endParaRPr>
-            </a:p>
-            <a:p>
               <a:r>
                 <a:rPr lang="en-US" altLang="zh-TW">
                   <a:solidFill>
@@ -14982,10 +18940,10 @@
         </p:sp>
         <p:sp>
           <p:nvSpPr>
-            <p:cNvPr id="67" name="文字方塊 66">
+            <p:cNvPr id="179" name="文字方塊 178">
               <a:extLst>
                 <a:ext uri="{FF2B5EF4-FFF2-40B4-BE49-F238E27FC236}">
-                  <a16:creationId xmlns:a16="http://schemas.microsoft.com/office/drawing/2014/main" id="{8D89D2F7-F841-420E-BDFD-E49157AA91BC}"/>
+                  <a16:creationId xmlns:a16="http://schemas.microsoft.com/office/drawing/2014/main" id="{43FE7D99-F12D-4A3A-A978-1FCF160D2265}"/>
                 </a:ext>
               </a:extLst>
             </p:cNvPr>
@@ -14994,8 +18952,8 @@
           </p:nvSpPr>
           <p:spPr>
             <a:xfrm>
-              <a:off x="5870477" y="3369390"/>
-              <a:ext cx="1583552" cy="1754326"/>
+              <a:off x="5892733" y="3369390"/>
+              <a:ext cx="1573013" cy="1754326"/>
             </a:xfrm>
             <a:prstGeom prst="rect">
               <a:avLst/>
@@ -15014,18 +18972,31 @@
                     <a:schemeClr val="bg1"/>
                   </a:solidFill>
                 </a:rPr>
-                <a:t>小數後方加</a:t>
-              </a:r>
-              <a:r>
-                <a:rPr lang="en-US" altLang="zh-TW">
-                  <a:solidFill>
-                    <a:schemeClr val="bg1"/>
-                  </a:solidFill>
-                </a:rPr>
-                <a:t>f</a:t>
-              </a:r>
+                <a:t>小數後方</a:t>
+              </a:r>
+              <a:endParaRPr lang="en-US" altLang="zh-TW">
+                <a:solidFill>
+                  <a:schemeClr val="bg1"/>
+                </a:solidFill>
+              </a:endParaRPr>
             </a:p>
             <a:p>
+              <a:r>
+                <a:rPr lang="zh-TW" altLang="en-US">
+                  <a:solidFill>
+                    <a:schemeClr val="bg1"/>
+                  </a:solidFill>
+                </a:rPr>
+                <a:t>加</a:t>
+              </a:r>
+              <a:r>
+                <a:rPr lang="en-US" altLang="zh-TW">
+                  <a:solidFill>
+                    <a:schemeClr val="bg1"/>
+                  </a:solidFill>
+                </a:rPr>
+                <a:t>f</a:t>
+              </a:r>
               <a:r>
                 <a:rPr lang="zh-TW" altLang="en-US">
                   <a:solidFill>
@@ -15099,10 +19070,10 @@
         </p:sp>
         <p:sp>
           <p:nvSpPr>
-            <p:cNvPr id="68" name="文字方塊 67">
+            <p:cNvPr id="180" name="文字方塊 179">
               <a:extLst>
                 <a:ext uri="{FF2B5EF4-FFF2-40B4-BE49-F238E27FC236}">
-                  <a16:creationId xmlns:a16="http://schemas.microsoft.com/office/drawing/2014/main" id="{DA72D7BD-24B8-4477-A12F-971AF219C7CB}"/>
+                  <a16:creationId xmlns:a16="http://schemas.microsoft.com/office/drawing/2014/main" id="{A4140BF6-1C6B-4E6E-BE59-59420A2193B7}"/>
                 </a:ext>
               </a:extLst>
             </p:cNvPr>
@@ -15213,10 +19184,10 @@
         </p:sp>
         <p:sp>
           <p:nvSpPr>
-            <p:cNvPr id="69" name="文字方塊 68">
+            <p:cNvPr id="181" name="文字方塊 180">
               <a:extLst>
                 <a:ext uri="{FF2B5EF4-FFF2-40B4-BE49-F238E27FC236}">
-                  <a16:creationId xmlns:a16="http://schemas.microsoft.com/office/drawing/2014/main" id="{D0705C0A-D87C-42E6-9AC4-AD3B2FFC9625}"/>
+                  <a16:creationId xmlns:a16="http://schemas.microsoft.com/office/drawing/2014/main" id="{81448496-3066-4983-970C-2DF821CF3614}"/>
                 </a:ext>
               </a:extLst>
             </p:cNvPr>
@@ -15330,16 +19301,16 @@
         </p:sp>
         <p:cxnSp>
           <p:nvCxnSpPr>
-            <p:cNvPr id="70" name="直線接點 69">
+            <p:cNvPr id="182" name="直線接點 181">
               <a:extLst>
                 <a:ext uri="{FF2B5EF4-FFF2-40B4-BE49-F238E27FC236}">
-                  <a16:creationId xmlns:a16="http://schemas.microsoft.com/office/drawing/2014/main" id="{3E78C424-BFBD-4581-B5FA-F9ECBA776439}"/>
+                  <a16:creationId xmlns:a16="http://schemas.microsoft.com/office/drawing/2014/main" id="{80D38FB9-6686-4FB8-A207-B5E1944CA1FA}"/>
                 </a:ext>
               </a:extLst>
             </p:cNvPr>
             <p:cNvCxnSpPr>
               <a:cxnSpLocks/>
-              <a:endCxn id="44" idx="1"/>
+              <a:endCxn id="156" idx="1"/>
             </p:cNvCxnSpPr>
             <p:nvPr/>
           </p:nvCxnSpPr>
@@ -15374,10 +19345,10 @@
         </p:cxnSp>
         <p:sp>
           <p:nvSpPr>
-            <p:cNvPr id="71" name="文字方塊 70">
+            <p:cNvPr id="183" name="文字方塊 182">
               <a:extLst>
                 <a:ext uri="{FF2B5EF4-FFF2-40B4-BE49-F238E27FC236}">
-                  <a16:creationId xmlns:a16="http://schemas.microsoft.com/office/drawing/2014/main" id="{BAF3EAB6-4C9D-408F-98DD-0BAE648AF823}"/>
+                  <a16:creationId xmlns:a16="http://schemas.microsoft.com/office/drawing/2014/main" id="{7662FE9F-1C01-4E57-8C1B-F273005808DB}"/>
                 </a:ext>
               </a:extLst>
             </p:cNvPr>
@@ -15428,10 +19399,10 @@
         </p:sp>
         <p:sp>
           <p:nvSpPr>
-            <p:cNvPr id="72" name="文字方塊 71">
+            <p:cNvPr id="184" name="文字方塊 183">
               <a:extLst>
                 <a:ext uri="{FF2B5EF4-FFF2-40B4-BE49-F238E27FC236}">
-                  <a16:creationId xmlns:a16="http://schemas.microsoft.com/office/drawing/2014/main" id="{5F47EDDA-96C5-49D6-B40B-7764E3304173}"/>
+                  <a16:creationId xmlns:a16="http://schemas.microsoft.com/office/drawing/2014/main" id="{0D105C72-1F7B-4170-99E8-081249258C4F}"/>
                 </a:ext>
               </a:extLst>
             </p:cNvPr>
@@ -15482,10 +19453,10 @@
         </p:sp>
         <p:sp>
           <p:nvSpPr>
-            <p:cNvPr id="73" name="文字方塊 72">
+            <p:cNvPr id="185" name="文字方塊 184">
               <a:extLst>
                 <a:ext uri="{FF2B5EF4-FFF2-40B4-BE49-F238E27FC236}">
-                  <a16:creationId xmlns:a16="http://schemas.microsoft.com/office/drawing/2014/main" id="{F366517C-AD0B-457B-954B-6A866825EBE1}"/>
+                  <a16:creationId xmlns:a16="http://schemas.microsoft.com/office/drawing/2014/main" id="{0962362E-7ACA-4E30-91E6-6442AC734FB4}"/>
                 </a:ext>
               </a:extLst>
             </p:cNvPr>
@@ -15536,10 +19507,10 @@
         </p:sp>
         <p:sp>
           <p:nvSpPr>
-            <p:cNvPr id="74" name="文字方塊 73">
+            <p:cNvPr id="186" name="文字方塊 185">
               <a:extLst>
                 <a:ext uri="{FF2B5EF4-FFF2-40B4-BE49-F238E27FC236}">
-                  <a16:creationId xmlns:a16="http://schemas.microsoft.com/office/drawing/2014/main" id="{73A6C0BC-DC89-4AA3-A968-1F37CDE8D189}"/>
+                  <a16:creationId xmlns:a16="http://schemas.microsoft.com/office/drawing/2014/main" id="{63574FEE-9321-438E-A50A-25CF041176E2}"/>
                 </a:ext>
               </a:extLst>
             </p:cNvPr>
@@ -15590,10 +19561,10 @@
         </p:sp>
         <p:sp>
           <p:nvSpPr>
-            <p:cNvPr id="75" name="文字方塊 74">
+            <p:cNvPr id="187" name="文字方塊 186">
               <a:extLst>
                 <a:ext uri="{FF2B5EF4-FFF2-40B4-BE49-F238E27FC236}">
-                  <a16:creationId xmlns:a16="http://schemas.microsoft.com/office/drawing/2014/main" id="{35D9C737-559D-4C37-8C8C-E19E9FF4FD23}"/>
+                  <a16:creationId xmlns:a16="http://schemas.microsoft.com/office/drawing/2014/main" id="{B5CE0771-6548-4866-9955-DC71C6AA6844}"/>
                 </a:ext>
               </a:extLst>
             </p:cNvPr>
@@ -15602,8 +19573,8 @@
           </p:nvSpPr>
           <p:spPr>
             <a:xfrm>
-              <a:off x="4612285" y="5226222"/>
-              <a:ext cx="1204176" cy="830997"/>
+              <a:off x="4564807" y="5226222"/>
+              <a:ext cx="1374094" cy="830997"/>
             </a:xfrm>
             <a:prstGeom prst="rect">
               <a:avLst/>
@@ -15622,7 +19593,7 @@
                     <a:schemeClr val="bg1"/>
                   </a:solidFill>
                 </a:rPr>
-                <a:t>999999</a:t>
+                <a:t>999999L</a:t>
               </a:r>
             </a:p>
             <a:p>
@@ -15632,7 +19603,7 @@
                     <a:schemeClr val="bg1"/>
                   </a:solidFill>
                 </a:rPr>
-                <a:t>-77777</a:t>
+                <a:t>-77777L</a:t>
               </a:r>
               <a:endParaRPr lang="zh-TW" altLang="en-US" sz="2400">
                 <a:solidFill>
@@ -15644,10 +19615,10 @@
         </p:sp>
         <p:sp>
           <p:nvSpPr>
-            <p:cNvPr id="76" name="文字方塊 75">
+            <p:cNvPr id="188" name="文字方塊 187">
               <a:extLst>
                 <a:ext uri="{FF2B5EF4-FFF2-40B4-BE49-F238E27FC236}">
-                  <a16:creationId xmlns:a16="http://schemas.microsoft.com/office/drawing/2014/main" id="{9792D90E-7F92-4C64-A750-F42DF31CCC4B}"/>
+                  <a16:creationId xmlns:a16="http://schemas.microsoft.com/office/drawing/2014/main" id="{2791A9D1-5A79-4F88-923A-770A26426A72}"/>
                 </a:ext>
               </a:extLst>
             </p:cNvPr>
@@ -15698,10 +19669,10 @@
         </p:sp>
         <p:sp>
           <p:nvSpPr>
-            <p:cNvPr id="77" name="文字方塊 76">
+            <p:cNvPr id="189" name="文字方塊 188">
               <a:extLst>
                 <a:ext uri="{FF2B5EF4-FFF2-40B4-BE49-F238E27FC236}">
-                  <a16:creationId xmlns:a16="http://schemas.microsoft.com/office/drawing/2014/main" id="{08C7C524-FCDF-496A-ADF0-B57363440779}"/>
+                  <a16:creationId xmlns:a16="http://schemas.microsoft.com/office/drawing/2014/main" id="{AED178C6-7E70-450F-A916-7EE42CA3F151}"/>
                 </a:ext>
               </a:extLst>
             </p:cNvPr>
@@ -15747,10 +19718,10 @@
         </p:sp>
         <p:sp>
           <p:nvSpPr>
-            <p:cNvPr id="78" name="文字方塊 77">
+            <p:cNvPr id="190" name="文字方塊 189">
               <a:extLst>
                 <a:ext uri="{FF2B5EF4-FFF2-40B4-BE49-F238E27FC236}">
-                  <a16:creationId xmlns:a16="http://schemas.microsoft.com/office/drawing/2014/main" id="{F7CFD9A3-11E6-43C9-8222-7259DC114AA9}"/>
+                  <a16:creationId xmlns:a16="http://schemas.microsoft.com/office/drawing/2014/main" id="{F031C50E-12DF-4844-916A-ACF0C11C1FB3}"/>
                 </a:ext>
               </a:extLst>
             </p:cNvPr>
@@ -15800,6 +19771,72 @@
           </p:txBody>
         </p:sp>
       </p:grpSp>
+      <p:sp>
+        <p:nvSpPr>
+          <p:cNvPr id="2" name="標題 1">
+            <a:extLst>
+              <a:ext uri="{FF2B5EF4-FFF2-40B4-BE49-F238E27FC236}">
+                <a16:creationId xmlns:a16="http://schemas.microsoft.com/office/drawing/2014/main" id="{32A4B15C-234B-4CF8-904F-AF7782D4A625}"/>
+              </a:ext>
+            </a:extLst>
+          </p:cNvPr>
+          <p:cNvSpPr>
+            <a:spLocks noGrp="1"/>
+          </p:cNvSpPr>
+          <p:nvPr>
+            <p:ph type="title"/>
+          </p:nvPr>
+        </p:nvSpPr>
+        <p:spPr/>
+        <p:txBody>
+          <a:bodyPr/>
+          <a:lstStyle/>
+          <a:p>
+            <a:r>
+              <a:rPr lang="zh-TW" altLang="en-US"/>
+              <a:t>數學運算</a:t>
+            </a:r>
+          </a:p>
+        </p:txBody>
+      </p:sp>
+      <p:sp>
+        <p:nvSpPr>
+          <p:cNvPr id="3" name="內容版面配置區 2">
+            <a:extLst>
+              <a:ext uri="{FF2B5EF4-FFF2-40B4-BE49-F238E27FC236}">
+                <a16:creationId xmlns:a16="http://schemas.microsoft.com/office/drawing/2014/main" id="{75FCC95D-329D-4D0C-B4FA-4FC920BD6E67}"/>
+              </a:ext>
+            </a:extLst>
+          </p:cNvPr>
+          <p:cNvSpPr>
+            <a:spLocks noGrp="1"/>
+          </p:cNvSpPr>
+          <p:nvPr>
+            <p:ph idx="1"/>
+          </p:nvPr>
+        </p:nvSpPr>
+        <p:spPr>
+          <a:xfrm>
+            <a:off x="838200" y="1825625"/>
+            <a:ext cx="10515600" cy="603572"/>
+          </a:xfrm>
+        </p:spPr>
+        <p:txBody>
+          <a:bodyPr/>
+          <a:lstStyle/>
+          <a:p>
+            <a:r>
+              <a:rPr lang="en-US" altLang="zh-TW"/>
+              <a:t>Java</a:t>
+            </a:r>
+            <a:r>
+              <a:rPr lang="zh-TW" altLang="en-US"/>
+              <a:t> 中有各式各樣的運算。顯然的，數學運算只有數字才能用</a:t>
+            </a:r>
+            <a:endParaRPr lang="en-US" altLang="zh-TW"/>
+          </a:p>
+        </p:txBody>
+      </p:sp>
       <p:sp>
         <p:nvSpPr>
           <p:cNvPr id="81" name="手繪多邊形: 圖案 80">
@@ -15935,13 +19972,13 @@
   <p:clrMapOvr>
     <a:masterClrMapping/>
   </p:clrMapOvr>
-  <mc:AlternateContent xmlns:mc="http://schemas.openxmlformats.org/markup-compatibility/2006">
-    <mc:Choice xmlns:p159="http://schemas.microsoft.com/office/powerpoint/2015/09/main" Requires="p159">
+  <mc:AlternateContent xmlns:mc="http://schemas.openxmlformats.org/markup-compatibility/2006" xmlns:p159="http://schemas.microsoft.com/office/powerpoint/2015/09/main">
+    <mc:Choice Requires="p159">
       <p:transition spd="slow">
         <p159:morph option="byObject"/>
       </p:transition>
     </mc:Choice>
-    <mc:Fallback>
+    <mc:Fallback xmlns="">
       <p:transition spd="slow">
         <p:fade/>
       </p:transition>
@@ -23849,10 +27886,10 @@
       </p:sp>
       <p:grpSp>
         <p:nvGrpSpPr>
-          <p:cNvPr id="147" name="群組 146">
+          <p:cNvPr id="148" name="群組 147">
             <a:extLst>
               <a:ext uri="{FF2B5EF4-FFF2-40B4-BE49-F238E27FC236}">
-                <a16:creationId xmlns:a16="http://schemas.microsoft.com/office/drawing/2014/main" id="{528E7CFD-9F78-483D-9F76-3CC787BB9F97}"/>
+                <a16:creationId xmlns:a16="http://schemas.microsoft.com/office/drawing/2014/main" id="{5B612157-F857-49B3-BA7E-8E23DFC757B1}"/>
               </a:ext>
             </a:extLst>
           </p:cNvPr>
@@ -23862,971 +27899,950 @@
         <p:grpSpPr>
           <a:xfrm>
             <a:off x="560393" y="3329525"/>
-            <a:ext cx="6817660" cy="3046988"/>
+            <a:ext cx="6817659" cy="3046988"/>
             <a:chOff x="838200" y="3447435"/>
-            <a:chExt cx="6817660" cy="3046988"/>
+            <a:chExt cx="6817659" cy="3046988"/>
           </a:xfrm>
         </p:grpSpPr>
-        <p:grpSp>
-          <p:nvGrpSpPr>
-            <p:cNvPr id="148" name="群組 147">
+        <p:sp>
+          <p:nvSpPr>
+            <p:cNvPr id="150" name="Rectangle 5">
               <a:extLst>
                 <a:ext uri="{FF2B5EF4-FFF2-40B4-BE49-F238E27FC236}">
-                  <a16:creationId xmlns:a16="http://schemas.microsoft.com/office/drawing/2014/main" id="{5B612157-F857-49B3-BA7E-8E23DFC757B1}"/>
+                  <a16:creationId xmlns:a16="http://schemas.microsoft.com/office/drawing/2014/main" id="{65F100C2-D3D1-4FE8-BEBC-88ACA88A9656}"/>
                 </a:ext>
               </a:extLst>
             </p:cNvPr>
-            <p:cNvGrpSpPr/>
+            <p:cNvSpPr>
+              <a:spLocks noChangeArrowheads="1"/>
+            </p:cNvSpPr>
             <p:nvPr/>
-          </p:nvGrpSpPr>
-          <p:grpSpPr>
+          </p:nvSpPr>
+          <p:spPr bwMode="auto">
             <a:xfrm>
               <a:off x="838200" y="3447435"/>
               <a:ext cx="6817659" cy="3046988"/>
-              <a:chOff x="838200" y="3447435"/>
-              <a:chExt cx="6817659" cy="3046988"/>
-            </a:xfrm>
-          </p:grpSpPr>
-          <p:sp>
-            <p:nvSpPr>
-              <p:cNvPr id="150" name="Rectangle 5">
-                <a:extLst>
-                  <a:ext uri="{FF2B5EF4-FFF2-40B4-BE49-F238E27FC236}">
-                    <a16:creationId xmlns:a16="http://schemas.microsoft.com/office/drawing/2014/main" id="{65F100C2-D3D1-4FE8-BEBC-88ACA88A9656}"/>
-                  </a:ext>
-                </a:extLst>
-              </p:cNvPr>
-              <p:cNvSpPr>
-                <a:spLocks noChangeArrowheads="1"/>
-              </p:cNvSpPr>
-              <p:nvPr/>
-            </p:nvSpPr>
-            <p:spPr bwMode="auto">
-              <a:xfrm>
-                <a:off x="838200" y="3447435"/>
-                <a:ext cx="6817659" cy="3046988"/>
-              </a:xfrm>
-              <a:prstGeom prst="rect">
-                <a:avLst/>
-              </a:prstGeom>
-              <a:solidFill>
-                <a:srgbClr val="1E1F22"/>
-              </a:solidFill>
-              <a:ln>
-                <a:noFill/>
-              </a:ln>
-              <a:effectLst/>
-              <a:extLst>
-                <a:ext uri="{91240B29-F687-4F45-9708-019B960494DF}">
-                  <a14:hiddenLine xmlns:a14="http://schemas.microsoft.com/office/drawing/2010/main" w="9525">
-                    <a:solidFill>
-                      <a:schemeClr val="tx1"/>
-                    </a:solidFill>
-                    <a:miter lim="800000"/>
-                    <a:headEnd/>
-                    <a:tailEnd/>
-                  </a14:hiddenLine>
-                </a:ext>
-                <a:ext uri="{AF507438-7753-43E0-B8FC-AC1667EBCBE1}">
-                  <a14:hiddenEffects xmlns:a14="http://schemas.microsoft.com/office/drawing/2010/main">
-                    <a:effectLst>
-                      <a:outerShdw dist="35921" dir="2700000" algn="ctr" rotWithShape="0">
-                        <a:schemeClr val="bg2"/>
-                      </a:outerShdw>
-                    </a:effectLst>
-                  </a14:hiddenEffects>
-                </a:ext>
-              </a:extLst>
-            </p:spPr>
-            <p:txBody>
-              <a:bodyPr vert="horz" wrap="square" lIns="91440" tIns="45720" rIns="91440" bIns="45720" numCol="1" anchor="ctr" anchorCtr="0" compatLnSpc="1">
-                <a:prstTxWarp prst="textNoShape">
-                  <a:avLst/>
-                </a:prstTxWarp>
-                <a:spAutoFit/>
-              </a:bodyPr>
-              <a:lstStyle/>
-              <a:p>
-                <a:pPr marL="0" marR="0" lvl="0" indent="0" algn="l" defTabSz="914400" rtl="0" eaLnBrk="0" fontAlgn="base" latinLnBrk="0" hangingPunct="0">
-                  <a:lnSpc>
-                    <a:spcPct val="100000"/>
-                  </a:lnSpc>
-                  <a:spcBef>
-                    <a:spcPct val="0"/>
-                  </a:spcBef>
-                  <a:spcAft>
-                    <a:spcPct val="0"/>
-                  </a:spcAft>
-                  <a:buClrTx/>
-                  <a:buSzTx/>
-                  <a:buFontTx/>
-                  <a:buNone/>
-                  <a:tabLst/>
-                </a:pPr>
-                <a:r>
-                  <a:rPr kumimoji="0" lang="zh-TW" altLang="zh-TW" sz="1600" b="0" i="0" u="none" strike="noStrike" cap="none" normalizeH="0" baseline="0">
-                    <a:ln>
-                      <a:noFill/>
-                    </a:ln>
-                    <a:solidFill>
-                      <a:srgbClr val="BCBEC4"/>
-                    </a:solidFill>
-                    <a:effectLst/>
-                    <a:cs typeface="JetBrains Mono" panose="02000009000000000000" pitchFamily="49" charset="0"/>
-                  </a:rPr>
-                  <a:t>01    </a:t>
-                </a:r>
-                <a:r>
-                  <a:rPr kumimoji="0" lang="zh-TW" altLang="zh-TW" sz="1600" b="0" i="0" u="none" strike="noStrike" cap="none" normalizeH="0" baseline="0">
-                    <a:ln>
-                      <a:noFill/>
-                    </a:ln>
-                    <a:solidFill>
-                      <a:srgbClr val="CF8E6D"/>
-                    </a:solidFill>
-                    <a:effectLst/>
-                    <a:cs typeface="JetBrains Mono" panose="02000009000000000000" pitchFamily="49" charset="0"/>
-                  </a:rPr>
-                  <a:t>public class </a:t>
-                </a:r>
-                <a:r>
-                  <a:rPr kumimoji="0" lang="zh-TW" altLang="zh-TW" sz="1600" b="0" i="0" u="none" strike="noStrike" cap="none" normalizeH="0" baseline="0">
-                    <a:ln>
-                      <a:noFill/>
-                    </a:ln>
-                    <a:solidFill>
-                      <a:srgbClr val="BCBEC4"/>
-                    </a:solidFill>
-                    <a:effectLst/>
-                    <a:cs typeface="JetBrains Mono" panose="02000009000000000000" pitchFamily="49" charset="0"/>
-                  </a:rPr>
-                  <a:t>Main {</a:t>
-                </a:r>
-                <a:br>
-                  <a:rPr kumimoji="0" lang="zh-TW" altLang="zh-TW" sz="1600" b="0" i="0" u="none" strike="noStrike" cap="none" normalizeH="0" baseline="0">
-                    <a:ln>
-                      <a:noFill/>
-                    </a:ln>
-                    <a:solidFill>
-                      <a:srgbClr val="BCBEC4"/>
-                    </a:solidFill>
-                    <a:effectLst/>
-                    <a:cs typeface="JetBrains Mono" panose="02000009000000000000" pitchFamily="49" charset="0"/>
-                  </a:rPr>
-                </a:br>
-                <a:r>
-                  <a:rPr kumimoji="0" lang="zh-TW" altLang="zh-TW" sz="1600" b="0" i="0" u="none" strike="noStrike" cap="none" normalizeH="0" baseline="0">
-                    <a:ln>
-                      <a:noFill/>
-                    </a:ln>
-                    <a:solidFill>
-                      <a:srgbClr val="BCBEC4"/>
-                    </a:solidFill>
-                    <a:effectLst/>
-                    <a:cs typeface="JetBrains Mono" panose="02000009000000000000" pitchFamily="49" charset="0"/>
-                  </a:rPr>
-                  <a:t>02        </a:t>
-                </a:r>
-                <a:r>
-                  <a:rPr kumimoji="0" lang="zh-TW" altLang="zh-TW" sz="1600" b="0" i="0" u="none" strike="noStrike" cap="none" normalizeH="0" baseline="0">
-                    <a:ln>
-                      <a:noFill/>
-                    </a:ln>
-                    <a:solidFill>
-                      <a:srgbClr val="CF8E6D"/>
-                    </a:solidFill>
-                    <a:effectLst/>
-                    <a:cs typeface="JetBrains Mono" panose="02000009000000000000" pitchFamily="49" charset="0"/>
-                  </a:rPr>
-                  <a:t>public static void </a:t>
-                </a:r>
-                <a:r>
-                  <a:rPr kumimoji="0" lang="zh-TW" altLang="zh-TW" sz="1600" b="0" i="0" u="none" strike="noStrike" cap="none" normalizeH="0" baseline="0">
-                    <a:ln>
-                      <a:noFill/>
-                    </a:ln>
-                    <a:solidFill>
-                      <a:srgbClr val="56A8F5"/>
-                    </a:solidFill>
-                    <a:effectLst/>
-                    <a:cs typeface="JetBrains Mono" panose="02000009000000000000" pitchFamily="49" charset="0"/>
-                  </a:rPr>
-                  <a:t>main</a:t>
-                </a:r>
-                <a:r>
-                  <a:rPr kumimoji="0" lang="zh-TW" altLang="zh-TW" sz="1600" b="0" i="0" u="none" strike="noStrike" cap="none" normalizeH="0" baseline="0">
-                    <a:ln>
-                      <a:noFill/>
-                    </a:ln>
-                    <a:solidFill>
-                      <a:srgbClr val="BCBEC4"/>
-                    </a:solidFill>
-                    <a:effectLst/>
-                    <a:cs typeface="JetBrains Mono" panose="02000009000000000000" pitchFamily="49" charset="0"/>
-                  </a:rPr>
-                  <a:t>(String[] args) {</a:t>
-                </a:r>
-                <a:br>
-                  <a:rPr kumimoji="0" lang="zh-TW" altLang="zh-TW" sz="1600" b="0" i="0" u="none" strike="noStrike" cap="none" normalizeH="0" baseline="0">
-                    <a:ln>
-                      <a:noFill/>
-                    </a:ln>
-                    <a:solidFill>
-                      <a:srgbClr val="BCBEC4"/>
-                    </a:solidFill>
-                    <a:effectLst/>
-                    <a:cs typeface="JetBrains Mono" panose="02000009000000000000" pitchFamily="49" charset="0"/>
-                  </a:rPr>
-                </a:br>
-                <a:r>
-                  <a:rPr kumimoji="0" lang="zh-TW" altLang="zh-TW" sz="1600" b="0" i="0" u="none" strike="noStrike" cap="none" normalizeH="0" baseline="0">
-                    <a:ln>
-                      <a:noFill/>
-                    </a:ln>
-                    <a:solidFill>
-                      <a:srgbClr val="BCBEC4"/>
-                    </a:solidFill>
-                    <a:effectLst/>
-                    <a:cs typeface="JetBrains Mono" panose="02000009000000000000" pitchFamily="49" charset="0"/>
-                  </a:rPr>
-                  <a:t>03            System.</a:t>
-                </a:r>
-                <a:r>
-                  <a:rPr kumimoji="0" lang="zh-TW" altLang="zh-TW" sz="1600" b="0" i="1" u="none" strike="noStrike" cap="none" normalizeH="0" baseline="0">
-                    <a:ln>
-                      <a:noFill/>
-                    </a:ln>
-                    <a:solidFill>
-                      <a:srgbClr val="C77DBB"/>
-                    </a:solidFill>
-                    <a:effectLst/>
-                    <a:cs typeface="JetBrains Mono" panose="02000009000000000000" pitchFamily="49" charset="0"/>
-                  </a:rPr>
-                  <a:t>out</a:t>
-                </a:r>
-                <a:r>
-                  <a:rPr kumimoji="0" lang="zh-TW" altLang="zh-TW" sz="1600" b="0" i="0" u="none" strike="noStrike" cap="none" normalizeH="0" baseline="0">
-                    <a:ln>
-                      <a:noFill/>
-                    </a:ln>
-                    <a:solidFill>
-                      <a:srgbClr val="BCBEC4"/>
-                    </a:solidFill>
-                    <a:effectLst/>
-                    <a:cs typeface="JetBrains Mono" panose="02000009000000000000" pitchFamily="49" charset="0"/>
-                  </a:rPr>
-                  <a:t>.println(</a:t>
-                </a:r>
-                <a:r>
-                  <a:rPr kumimoji="0" lang="zh-TW" altLang="zh-TW" sz="1600" b="0" i="0" u="none" strike="noStrike" cap="none" normalizeH="0" baseline="0">
-                    <a:ln>
-                      <a:noFill/>
-                    </a:ln>
-                    <a:solidFill>
-                      <a:srgbClr val="6AAB73"/>
-                    </a:solidFill>
-                    <a:effectLst/>
-                    <a:cs typeface="JetBrains Mono" panose="02000009000000000000" pitchFamily="49" charset="0"/>
-                  </a:rPr>
-                  <a:t>"a"</a:t>
-                </a:r>
-                <a:r>
-                  <a:rPr kumimoji="0" lang="zh-TW" altLang="zh-TW" sz="1600" b="0" i="0" u="none" strike="noStrike" cap="none" normalizeH="0" baseline="0">
-                    <a:ln>
-                      <a:noFill/>
-                    </a:ln>
-                    <a:solidFill>
-                      <a:srgbClr val="BCBEC4"/>
-                    </a:solidFill>
-                    <a:effectLst/>
-                    <a:cs typeface="JetBrains Mono" panose="02000009000000000000" pitchFamily="49" charset="0"/>
-                  </a:rPr>
-                  <a:t>);</a:t>
-                </a:r>
-                <a:br>
-                  <a:rPr kumimoji="0" lang="zh-TW" altLang="zh-TW" sz="1600" b="0" i="0" u="none" strike="noStrike" cap="none" normalizeH="0" baseline="0">
-                    <a:ln>
-                      <a:noFill/>
-                    </a:ln>
-                    <a:solidFill>
-                      <a:srgbClr val="BCBEC4"/>
-                    </a:solidFill>
-                    <a:effectLst/>
-                    <a:cs typeface="JetBrains Mono" panose="02000009000000000000" pitchFamily="49" charset="0"/>
-                  </a:rPr>
-                </a:br>
-                <a:r>
-                  <a:rPr kumimoji="0" lang="zh-TW" altLang="zh-TW" sz="1600" b="0" i="0" u="none" strike="noStrike" cap="none" normalizeH="0" baseline="0">
-                    <a:ln>
-                      <a:noFill/>
-                    </a:ln>
-                    <a:solidFill>
-                      <a:srgbClr val="BCBEC4"/>
-                    </a:solidFill>
-                    <a:effectLst/>
-                    <a:cs typeface="JetBrains Mono" panose="02000009000000000000" pitchFamily="49" charset="0"/>
-                  </a:rPr>
-                  <a:t>04            System.</a:t>
-                </a:r>
-                <a:r>
-                  <a:rPr kumimoji="0" lang="zh-TW" altLang="zh-TW" sz="1600" b="0" i="1" u="none" strike="noStrike" cap="none" normalizeH="0" baseline="0">
-                    <a:ln>
-                      <a:noFill/>
-                    </a:ln>
-                    <a:solidFill>
-                      <a:srgbClr val="C77DBB"/>
-                    </a:solidFill>
-                    <a:effectLst/>
-                    <a:cs typeface="JetBrains Mono" panose="02000009000000000000" pitchFamily="49" charset="0"/>
-                  </a:rPr>
-                  <a:t>out</a:t>
-                </a:r>
-                <a:r>
-                  <a:rPr kumimoji="0" lang="zh-TW" altLang="zh-TW" sz="1600" b="0" i="0" u="none" strike="noStrike" cap="none" normalizeH="0" baseline="0">
-                    <a:ln>
-                      <a:noFill/>
-                    </a:ln>
-                    <a:solidFill>
-                      <a:srgbClr val="BCBEC4"/>
-                    </a:solidFill>
-                    <a:effectLst/>
-                    <a:cs typeface="JetBrains Mono" panose="02000009000000000000" pitchFamily="49" charset="0"/>
-                  </a:rPr>
-                  <a:t>.println(</a:t>
-                </a:r>
-                <a:r>
-                  <a:rPr kumimoji="0" lang="zh-TW" altLang="zh-TW" sz="1600" b="0" i="0" u="none" strike="noStrike" cap="none" normalizeH="0" baseline="0">
-                    <a:ln>
-                      <a:noFill/>
-                    </a:ln>
-                    <a:solidFill>
-                      <a:srgbClr val="6AAB73"/>
-                    </a:solidFill>
-                    <a:effectLst/>
-                    <a:cs typeface="JetBrains Mono" panose="02000009000000000000" pitchFamily="49" charset="0"/>
-                  </a:rPr>
-                  <a:t>'a'</a:t>
-                </a:r>
-                <a:r>
-                  <a:rPr kumimoji="0" lang="zh-TW" altLang="zh-TW" sz="1600" b="0" i="0" u="none" strike="noStrike" cap="none" normalizeH="0" baseline="0">
-                    <a:ln>
-                      <a:noFill/>
-                    </a:ln>
-                    <a:solidFill>
-                      <a:srgbClr val="BCBEC4"/>
-                    </a:solidFill>
-                    <a:effectLst/>
-                    <a:cs typeface="JetBrains Mono" panose="02000009000000000000" pitchFamily="49" charset="0"/>
-                  </a:rPr>
-                  <a:t>);</a:t>
-                </a:r>
-                <a:br>
-                  <a:rPr kumimoji="0" lang="zh-TW" altLang="zh-TW" sz="1600" b="0" i="0" u="none" strike="noStrike" cap="none" normalizeH="0" baseline="0">
-                    <a:ln>
-                      <a:noFill/>
-                    </a:ln>
-                    <a:solidFill>
-                      <a:srgbClr val="BCBEC4"/>
-                    </a:solidFill>
-                    <a:effectLst/>
-                    <a:cs typeface="JetBrains Mono" panose="02000009000000000000" pitchFamily="49" charset="0"/>
-                  </a:rPr>
-                </a:br>
-                <a:r>
-                  <a:rPr kumimoji="0" lang="zh-TW" altLang="zh-TW" sz="1600" b="0" i="0" u="none" strike="noStrike" cap="none" normalizeH="0" baseline="0">
-                    <a:ln>
-                      <a:noFill/>
-                    </a:ln>
-                    <a:solidFill>
-                      <a:srgbClr val="BCBEC4"/>
-                    </a:solidFill>
-                    <a:effectLst/>
-                    <a:cs typeface="JetBrains Mono" panose="02000009000000000000" pitchFamily="49" charset="0"/>
-                  </a:rPr>
-                  <a:t>05            System.</a:t>
-                </a:r>
-                <a:r>
-                  <a:rPr kumimoji="0" lang="zh-TW" altLang="zh-TW" sz="1600" b="0" i="1" u="none" strike="noStrike" cap="none" normalizeH="0" baseline="0">
-                    <a:ln>
-                      <a:noFill/>
-                    </a:ln>
-                    <a:solidFill>
-                      <a:srgbClr val="C77DBB"/>
-                    </a:solidFill>
-                    <a:effectLst/>
-                    <a:cs typeface="JetBrains Mono" panose="02000009000000000000" pitchFamily="49" charset="0"/>
-                  </a:rPr>
-                  <a:t>out</a:t>
-                </a:r>
-                <a:r>
-                  <a:rPr kumimoji="0" lang="zh-TW" altLang="zh-TW" sz="1600" b="0" i="0" u="none" strike="noStrike" cap="none" normalizeH="0" baseline="0">
-                    <a:ln>
-                      <a:noFill/>
-                    </a:ln>
-                    <a:solidFill>
-                      <a:srgbClr val="BCBEC4"/>
-                    </a:solidFill>
-                    <a:effectLst/>
-                    <a:cs typeface="JetBrains Mono" panose="02000009000000000000" pitchFamily="49" charset="0"/>
-                  </a:rPr>
-                  <a:t>.println(</a:t>
-                </a:r>
-                <a:r>
-                  <a:rPr kumimoji="0" lang="zh-TW" altLang="zh-TW" sz="1600" b="0" i="0" u="none" strike="noStrike" cap="none" normalizeH="0" baseline="0">
-                    <a:ln>
-                      <a:noFill/>
-                    </a:ln>
-                    <a:solidFill>
-                      <a:srgbClr val="6AAB73"/>
-                    </a:solidFill>
-                    <a:effectLst/>
-                    <a:cs typeface="JetBrains Mono" panose="02000009000000000000" pitchFamily="49" charset="0"/>
-                  </a:rPr>
-                  <a:t>"2147483647"</a:t>
-                </a:r>
-                <a:r>
-                  <a:rPr kumimoji="0" lang="zh-TW" altLang="zh-TW" sz="1600" b="0" i="0" u="none" strike="noStrike" cap="none" normalizeH="0" baseline="0">
-                    <a:ln>
-                      <a:noFill/>
-                    </a:ln>
-                    <a:solidFill>
-                      <a:srgbClr val="BCBEC4"/>
-                    </a:solidFill>
-                    <a:effectLst/>
-                    <a:cs typeface="JetBrains Mono" panose="02000009000000000000" pitchFamily="49" charset="0"/>
-                  </a:rPr>
-                  <a:t>);</a:t>
-                </a:r>
-                <a:br>
-                  <a:rPr kumimoji="0" lang="zh-TW" altLang="zh-TW" sz="1600" b="0" i="0" u="none" strike="noStrike" cap="none" normalizeH="0" baseline="0">
-                    <a:ln>
-                      <a:noFill/>
-                    </a:ln>
-                    <a:solidFill>
-                      <a:srgbClr val="BCBEC4"/>
-                    </a:solidFill>
-                    <a:effectLst/>
-                    <a:cs typeface="JetBrains Mono" panose="02000009000000000000" pitchFamily="49" charset="0"/>
-                  </a:rPr>
-                </a:br>
-                <a:r>
-                  <a:rPr kumimoji="0" lang="zh-TW" altLang="zh-TW" sz="1600" b="0" i="0" u="none" strike="noStrike" cap="none" normalizeH="0" baseline="0">
-                    <a:ln>
-                      <a:noFill/>
-                    </a:ln>
-                    <a:solidFill>
-                      <a:srgbClr val="BCBEC4"/>
-                    </a:solidFill>
-                    <a:effectLst/>
-                    <a:cs typeface="JetBrains Mono" panose="02000009000000000000" pitchFamily="49" charset="0"/>
-                  </a:rPr>
-                  <a:t>06            System.</a:t>
-                </a:r>
-                <a:r>
-                  <a:rPr kumimoji="0" lang="zh-TW" altLang="zh-TW" sz="1600" b="0" i="1" u="none" strike="noStrike" cap="none" normalizeH="0" baseline="0">
-                    <a:ln>
-                      <a:noFill/>
-                    </a:ln>
-                    <a:solidFill>
-                      <a:srgbClr val="C77DBB"/>
-                    </a:solidFill>
-                    <a:effectLst/>
-                    <a:cs typeface="JetBrains Mono" panose="02000009000000000000" pitchFamily="49" charset="0"/>
-                  </a:rPr>
-                  <a:t>out</a:t>
-                </a:r>
-                <a:r>
-                  <a:rPr kumimoji="0" lang="zh-TW" altLang="zh-TW" sz="1600" b="0" i="0" u="none" strike="noStrike" cap="none" normalizeH="0" baseline="0">
-                    <a:ln>
-                      <a:noFill/>
-                    </a:ln>
-                    <a:solidFill>
-                      <a:srgbClr val="BCBEC4"/>
-                    </a:solidFill>
-                    <a:effectLst/>
-                    <a:cs typeface="JetBrains Mono" panose="02000009000000000000" pitchFamily="49" charset="0"/>
-                  </a:rPr>
-                  <a:t>.println(</a:t>
-                </a:r>
-                <a:r>
-                  <a:rPr kumimoji="0" lang="zh-TW" altLang="zh-TW" sz="1600" b="0" i="0" u="none" strike="noStrike" cap="none" normalizeH="0" baseline="0">
-                    <a:ln>
-                      <a:noFill/>
-                    </a:ln>
-                    <a:solidFill>
-                      <a:srgbClr val="2AACB8"/>
-                    </a:solidFill>
-                    <a:effectLst/>
-                    <a:cs typeface="JetBrains Mono" panose="02000009000000000000" pitchFamily="49" charset="0"/>
-                  </a:rPr>
-                  <a:t>2147483647</a:t>
-                </a:r>
-                <a:r>
-                  <a:rPr kumimoji="0" lang="zh-TW" altLang="zh-TW" sz="1600" b="0" i="0" u="none" strike="noStrike" cap="none" normalizeH="0" baseline="0">
-                    <a:ln>
-                      <a:noFill/>
-                    </a:ln>
-                    <a:solidFill>
-                      <a:srgbClr val="BCBEC4"/>
-                    </a:solidFill>
-                    <a:effectLst/>
-                    <a:cs typeface="JetBrains Mono" panose="02000009000000000000" pitchFamily="49" charset="0"/>
-                  </a:rPr>
-                  <a:t>);</a:t>
-                </a:r>
-                <a:br>
-                  <a:rPr kumimoji="0" lang="zh-TW" altLang="zh-TW" sz="1600" b="0" i="0" u="none" strike="noStrike" cap="none" normalizeH="0" baseline="0">
-                    <a:ln>
-                      <a:noFill/>
-                    </a:ln>
-                    <a:solidFill>
-                      <a:srgbClr val="BCBEC4"/>
-                    </a:solidFill>
-                    <a:effectLst/>
-                    <a:cs typeface="JetBrains Mono" panose="02000009000000000000" pitchFamily="49" charset="0"/>
-                  </a:rPr>
-                </a:br>
-                <a:r>
-                  <a:rPr kumimoji="0" lang="zh-TW" altLang="zh-TW" sz="1600" b="0" i="0" u="none" strike="noStrike" cap="none" normalizeH="0" baseline="0">
-                    <a:ln>
-                      <a:noFill/>
-                    </a:ln>
-                    <a:solidFill>
-                      <a:srgbClr val="BCBEC4"/>
-                    </a:solidFill>
-                    <a:effectLst/>
-                    <a:cs typeface="JetBrains Mono" panose="02000009000000000000" pitchFamily="49" charset="0"/>
-                  </a:rPr>
-                  <a:t>07            System.</a:t>
-                </a:r>
-                <a:r>
-                  <a:rPr kumimoji="0" lang="zh-TW" altLang="zh-TW" sz="1600" b="0" i="1" u="none" strike="noStrike" cap="none" normalizeH="0" baseline="0">
-                    <a:ln>
-                      <a:noFill/>
-                    </a:ln>
-                    <a:solidFill>
-                      <a:srgbClr val="C77DBB"/>
-                    </a:solidFill>
-                    <a:effectLst/>
-                    <a:cs typeface="JetBrains Mono" panose="02000009000000000000" pitchFamily="49" charset="0"/>
-                  </a:rPr>
-                  <a:t>out</a:t>
-                </a:r>
-                <a:r>
-                  <a:rPr kumimoji="0" lang="zh-TW" altLang="zh-TW" sz="1600" b="0" i="0" u="none" strike="noStrike" cap="none" normalizeH="0" baseline="0">
-                    <a:ln>
-                      <a:noFill/>
-                    </a:ln>
-                    <a:solidFill>
-                      <a:srgbClr val="BCBEC4"/>
-                    </a:solidFill>
-                    <a:effectLst/>
-                    <a:cs typeface="JetBrains Mono" panose="02000009000000000000" pitchFamily="49" charset="0"/>
-                  </a:rPr>
-                  <a:t>.println(</a:t>
-                </a:r>
-                <a:r>
-                  <a:rPr kumimoji="0" lang="zh-TW" altLang="zh-TW" sz="1600" b="0" i="0" u="none" strike="noStrike" cap="none" normalizeH="0" baseline="0">
-                    <a:ln>
-                      <a:noFill/>
-                    </a:ln>
-                    <a:solidFill>
-                      <a:srgbClr val="6AAB73"/>
-                    </a:solidFill>
-                    <a:effectLst/>
-                    <a:cs typeface="JetBrains Mono" panose="02000009000000000000" pitchFamily="49" charset="0"/>
-                  </a:rPr>
-                  <a:t>"3.14159"</a:t>
-                </a:r>
-                <a:r>
-                  <a:rPr kumimoji="0" lang="zh-TW" altLang="zh-TW" sz="1600" b="0" i="0" u="none" strike="noStrike" cap="none" normalizeH="0" baseline="0">
-                    <a:ln>
-                      <a:noFill/>
-                    </a:ln>
-                    <a:solidFill>
-                      <a:srgbClr val="BCBEC4"/>
-                    </a:solidFill>
-                    <a:effectLst/>
-                    <a:cs typeface="JetBrains Mono" panose="02000009000000000000" pitchFamily="49" charset="0"/>
-                  </a:rPr>
-                  <a:t>);</a:t>
-                </a:r>
-                <a:br>
-                  <a:rPr kumimoji="0" lang="zh-TW" altLang="zh-TW" sz="1600" b="0" i="0" u="none" strike="noStrike" cap="none" normalizeH="0" baseline="0">
-                    <a:ln>
-                      <a:noFill/>
-                    </a:ln>
-                    <a:solidFill>
-                      <a:srgbClr val="BCBEC4"/>
-                    </a:solidFill>
-                    <a:effectLst/>
-                    <a:cs typeface="JetBrains Mono" panose="02000009000000000000" pitchFamily="49" charset="0"/>
-                  </a:rPr>
-                </a:br>
-                <a:r>
-                  <a:rPr kumimoji="0" lang="zh-TW" altLang="zh-TW" sz="1600" b="0" i="0" u="none" strike="noStrike" cap="none" normalizeH="0" baseline="0">
-                    <a:ln>
-                      <a:noFill/>
-                    </a:ln>
-                    <a:solidFill>
-                      <a:srgbClr val="BCBEC4"/>
-                    </a:solidFill>
-                    <a:effectLst/>
-                    <a:cs typeface="JetBrains Mono" panose="02000009000000000000" pitchFamily="49" charset="0"/>
-                  </a:rPr>
-                  <a:t>08            System.</a:t>
-                </a:r>
-                <a:r>
-                  <a:rPr kumimoji="0" lang="zh-TW" altLang="zh-TW" sz="1600" b="0" i="1" u="none" strike="noStrike" cap="none" normalizeH="0" baseline="0">
-                    <a:ln>
-                      <a:noFill/>
-                    </a:ln>
-                    <a:solidFill>
-                      <a:srgbClr val="C77DBB"/>
-                    </a:solidFill>
-                    <a:effectLst/>
-                    <a:cs typeface="JetBrains Mono" panose="02000009000000000000" pitchFamily="49" charset="0"/>
-                  </a:rPr>
-                  <a:t>out</a:t>
-                </a:r>
-                <a:r>
-                  <a:rPr kumimoji="0" lang="zh-TW" altLang="zh-TW" sz="1600" b="0" i="0" u="none" strike="noStrike" cap="none" normalizeH="0" baseline="0">
-                    <a:ln>
-                      <a:noFill/>
-                    </a:ln>
-                    <a:solidFill>
-                      <a:srgbClr val="BCBEC4"/>
-                    </a:solidFill>
-                    <a:effectLst/>
-                    <a:cs typeface="JetBrains Mono" panose="02000009000000000000" pitchFamily="49" charset="0"/>
-                  </a:rPr>
-                  <a:t>.println(</a:t>
-                </a:r>
-                <a:r>
-                  <a:rPr kumimoji="0" lang="zh-TW" altLang="zh-TW" sz="1600" b="0" i="0" u="none" strike="noStrike" cap="none" normalizeH="0" baseline="0">
-                    <a:ln>
-                      <a:noFill/>
-                    </a:ln>
-                    <a:solidFill>
-                      <a:srgbClr val="2AACB8"/>
-                    </a:solidFill>
-                    <a:effectLst/>
-                    <a:cs typeface="JetBrains Mono" panose="02000009000000000000" pitchFamily="49" charset="0"/>
-                  </a:rPr>
-                  <a:t>3.14159</a:t>
-                </a:r>
-                <a:r>
-                  <a:rPr kumimoji="0" lang="zh-TW" altLang="zh-TW" sz="1600" b="0" i="0" u="none" strike="noStrike" cap="none" normalizeH="0" baseline="0">
-                    <a:ln>
-                      <a:noFill/>
-                    </a:ln>
-                    <a:solidFill>
-                      <a:srgbClr val="BCBEC4"/>
-                    </a:solidFill>
-                    <a:effectLst/>
-                    <a:cs typeface="JetBrains Mono" panose="02000009000000000000" pitchFamily="49" charset="0"/>
-                  </a:rPr>
-                  <a:t>);</a:t>
-                </a:r>
-                <a:br>
-                  <a:rPr kumimoji="0" lang="zh-TW" altLang="zh-TW" sz="1600" b="0" i="0" u="none" strike="noStrike" cap="none" normalizeH="0" baseline="0">
-                    <a:ln>
-                      <a:noFill/>
-                    </a:ln>
-                    <a:solidFill>
-                      <a:srgbClr val="BCBEC4"/>
-                    </a:solidFill>
-                    <a:effectLst/>
-                    <a:cs typeface="JetBrains Mono" panose="02000009000000000000" pitchFamily="49" charset="0"/>
-                  </a:rPr>
-                </a:br>
-                <a:r>
-                  <a:rPr kumimoji="0" lang="zh-TW" altLang="zh-TW" sz="1600" b="0" i="0" u="none" strike="noStrike" cap="none" normalizeH="0" baseline="0">
-                    <a:ln>
-                      <a:noFill/>
-                    </a:ln>
-                    <a:solidFill>
-                      <a:srgbClr val="BCBEC4"/>
-                    </a:solidFill>
-                    <a:effectLst/>
-                    <a:cs typeface="JetBrains Mono" panose="02000009000000000000" pitchFamily="49" charset="0"/>
-                  </a:rPr>
-                  <a:t>09            System.</a:t>
-                </a:r>
-                <a:r>
-                  <a:rPr kumimoji="0" lang="zh-TW" altLang="zh-TW" sz="1600" b="0" i="1" u="none" strike="noStrike" cap="none" normalizeH="0" baseline="0">
-                    <a:ln>
-                      <a:noFill/>
-                    </a:ln>
-                    <a:solidFill>
-                      <a:srgbClr val="C77DBB"/>
-                    </a:solidFill>
-                    <a:effectLst/>
-                    <a:cs typeface="JetBrains Mono" panose="02000009000000000000" pitchFamily="49" charset="0"/>
-                  </a:rPr>
-                  <a:t>out</a:t>
-                </a:r>
-                <a:r>
-                  <a:rPr kumimoji="0" lang="zh-TW" altLang="zh-TW" sz="1600" b="0" i="0" u="none" strike="noStrike" cap="none" normalizeH="0" baseline="0">
-                    <a:ln>
-                      <a:noFill/>
-                    </a:ln>
-                    <a:solidFill>
-                      <a:srgbClr val="BCBEC4"/>
-                    </a:solidFill>
-                    <a:effectLst/>
-                    <a:cs typeface="JetBrains Mono" panose="02000009000000000000" pitchFamily="49" charset="0"/>
-                  </a:rPr>
-                  <a:t>.println(</a:t>
-                </a:r>
-                <a:r>
-                  <a:rPr kumimoji="0" lang="zh-TW" altLang="zh-TW" sz="1600" b="0" i="0" u="none" strike="noStrike" cap="none" normalizeH="0" baseline="0">
-                    <a:ln>
-                      <a:noFill/>
-                    </a:ln>
-                    <a:solidFill>
-                      <a:srgbClr val="6AAB73"/>
-                    </a:solidFill>
-                    <a:effectLst/>
-                    <a:cs typeface="JetBrains Mono" panose="02000009000000000000" pitchFamily="49" charset="0"/>
-                  </a:rPr>
-                  <a:t>"true"</a:t>
-                </a:r>
-                <a:r>
-                  <a:rPr kumimoji="0" lang="zh-TW" altLang="zh-TW" sz="1600" b="0" i="0" u="none" strike="noStrike" cap="none" normalizeH="0" baseline="0">
-                    <a:ln>
-                      <a:noFill/>
-                    </a:ln>
-                    <a:solidFill>
-                      <a:srgbClr val="BCBEC4"/>
-                    </a:solidFill>
-                    <a:effectLst/>
-                    <a:cs typeface="JetBrains Mono" panose="02000009000000000000" pitchFamily="49" charset="0"/>
-                  </a:rPr>
-                  <a:t>);</a:t>
-                </a:r>
-                <a:br>
-                  <a:rPr kumimoji="0" lang="zh-TW" altLang="zh-TW" sz="1600" b="0" i="0" u="none" strike="noStrike" cap="none" normalizeH="0" baseline="0">
-                    <a:ln>
-                      <a:noFill/>
-                    </a:ln>
-                    <a:solidFill>
-                      <a:srgbClr val="BCBEC4"/>
-                    </a:solidFill>
-                    <a:effectLst/>
-                    <a:cs typeface="JetBrains Mono" panose="02000009000000000000" pitchFamily="49" charset="0"/>
-                  </a:rPr>
-                </a:br>
-                <a:r>
-                  <a:rPr kumimoji="0" lang="zh-TW" altLang="zh-TW" sz="1600" b="0" i="0" u="none" strike="noStrike" cap="none" normalizeH="0" baseline="0">
-                    <a:ln>
-                      <a:noFill/>
-                    </a:ln>
-                    <a:solidFill>
-                      <a:srgbClr val="BCBEC4"/>
-                    </a:solidFill>
-                    <a:effectLst/>
-                    <a:cs typeface="JetBrains Mono" panose="02000009000000000000" pitchFamily="49" charset="0"/>
-                  </a:rPr>
-                  <a:t>10            System.</a:t>
-                </a:r>
-                <a:r>
-                  <a:rPr kumimoji="0" lang="zh-TW" altLang="zh-TW" sz="1600" b="0" i="1" u="none" strike="noStrike" cap="none" normalizeH="0" baseline="0">
-                    <a:ln>
-                      <a:noFill/>
-                    </a:ln>
-                    <a:solidFill>
-                      <a:srgbClr val="C77DBB"/>
-                    </a:solidFill>
-                    <a:effectLst/>
-                    <a:cs typeface="JetBrains Mono" panose="02000009000000000000" pitchFamily="49" charset="0"/>
-                  </a:rPr>
-                  <a:t>out</a:t>
-                </a:r>
-                <a:r>
-                  <a:rPr kumimoji="0" lang="zh-TW" altLang="zh-TW" sz="1600" b="0" i="0" u="none" strike="noStrike" cap="none" normalizeH="0" baseline="0">
-                    <a:ln>
-                      <a:noFill/>
-                    </a:ln>
-                    <a:solidFill>
-                      <a:srgbClr val="BCBEC4"/>
-                    </a:solidFill>
-                    <a:effectLst/>
-                    <a:cs typeface="JetBrains Mono" panose="02000009000000000000" pitchFamily="49" charset="0"/>
-                  </a:rPr>
-                  <a:t>.println(</a:t>
-                </a:r>
-                <a:r>
-                  <a:rPr kumimoji="0" lang="zh-TW" altLang="zh-TW" sz="1600" b="0" i="0" u="none" strike="noStrike" cap="none" normalizeH="0" baseline="0">
-                    <a:ln>
-                      <a:noFill/>
-                    </a:ln>
-                    <a:solidFill>
-                      <a:srgbClr val="CF8E6D"/>
-                    </a:solidFill>
-                    <a:effectLst/>
-                    <a:cs typeface="JetBrains Mono" panose="02000009000000000000" pitchFamily="49" charset="0"/>
-                  </a:rPr>
-                  <a:t>true</a:t>
-                </a:r>
-                <a:r>
-                  <a:rPr kumimoji="0" lang="zh-TW" altLang="zh-TW" sz="1600" b="0" i="0" u="none" strike="noStrike" cap="none" normalizeH="0" baseline="0">
-                    <a:ln>
-                      <a:noFill/>
-                    </a:ln>
-                    <a:solidFill>
-                      <a:srgbClr val="BCBEC4"/>
-                    </a:solidFill>
-                    <a:effectLst/>
-                    <a:cs typeface="JetBrains Mono" panose="02000009000000000000" pitchFamily="49" charset="0"/>
-                  </a:rPr>
-                  <a:t>);</a:t>
-                </a:r>
-                <a:br>
-                  <a:rPr kumimoji="0" lang="zh-TW" altLang="zh-TW" sz="1600" b="0" i="0" u="none" strike="noStrike" cap="none" normalizeH="0" baseline="0">
-                    <a:ln>
-                      <a:noFill/>
-                    </a:ln>
-                    <a:solidFill>
-                      <a:srgbClr val="BCBEC4"/>
-                    </a:solidFill>
-                    <a:effectLst/>
-                    <a:cs typeface="JetBrains Mono" panose="02000009000000000000" pitchFamily="49" charset="0"/>
-                  </a:rPr>
-                </a:br>
-                <a:r>
-                  <a:rPr kumimoji="0" lang="zh-TW" altLang="zh-TW" sz="1600" b="0" i="0" u="none" strike="noStrike" cap="none" normalizeH="0" baseline="0">
-                    <a:ln>
-                      <a:noFill/>
-                    </a:ln>
-                    <a:solidFill>
-                      <a:srgbClr val="BCBEC4"/>
-                    </a:solidFill>
-                    <a:effectLst/>
-                    <a:cs typeface="JetBrains Mono" panose="02000009000000000000" pitchFamily="49" charset="0"/>
-                  </a:rPr>
-                  <a:t>11        }</a:t>
-                </a:r>
-                <a:br>
-                  <a:rPr kumimoji="0" lang="zh-TW" altLang="zh-TW" sz="1600" b="0" i="0" u="none" strike="noStrike" cap="none" normalizeH="0" baseline="0">
-                    <a:ln>
-                      <a:noFill/>
-                    </a:ln>
-                    <a:solidFill>
-                      <a:srgbClr val="BCBEC4"/>
-                    </a:solidFill>
-                    <a:effectLst/>
-                    <a:cs typeface="JetBrains Mono" panose="02000009000000000000" pitchFamily="49" charset="0"/>
-                  </a:rPr>
-                </a:br>
-                <a:r>
-                  <a:rPr kumimoji="0" lang="zh-TW" altLang="zh-TW" sz="1600" b="0" i="0" u="none" strike="noStrike" cap="none" normalizeH="0" baseline="0">
-                    <a:ln>
-                      <a:noFill/>
-                    </a:ln>
-                    <a:solidFill>
-                      <a:srgbClr val="BCBEC4"/>
-                    </a:solidFill>
-                    <a:effectLst/>
-                    <a:cs typeface="JetBrains Mono" panose="02000009000000000000" pitchFamily="49" charset="0"/>
-                  </a:rPr>
-                  <a:t>12    }</a:t>
-                </a:r>
-                <a:endParaRPr kumimoji="0" lang="zh-TW" altLang="zh-TW" sz="2400" b="0" i="0" u="none" strike="noStrike" cap="none" normalizeH="0" baseline="0">
-                  <a:ln>
-                    <a:noFill/>
-                  </a:ln>
-                  <a:solidFill>
-                    <a:schemeClr val="tx1"/>
-                  </a:solidFill>
-                  <a:effectLst/>
-                </a:endParaRPr>
-              </a:p>
-            </p:txBody>
-          </p:sp>
-          <p:sp>
-            <p:nvSpPr>
-              <p:cNvPr id="151" name="文字方塊 150">
-                <a:extLst>
-                  <a:ext uri="{FF2B5EF4-FFF2-40B4-BE49-F238E27FC236}">
-                    <a16:creationId xmlns:a16="http://schemas.microsoft.com/office/drawing/2014/main" id="{E630174F-92C4-49EF-9FB7-810A66ACDF2B}"/>
-                  </a:ext>
-                </a:extLst>
-              </p:cNvPr>
-              <p:cNvSpPr txBox="1"/>
-              <p:nvPr/>
-            </p:nvSpPr>
-            <p:spPr>
-              <a:xfrm>
-                <a:off x="7073648" y="6186646"/>
-                <a:ext cx="582211" cy="307777"/>
-              </a:xfrm>
-              <a:prstGeom prst="rect">
-                <a:avLst/>
-              </a:prstGeom>
-              <a:noFill/>
-            </p:spPr>
-            <p:txBody>
-              <a:bodyPr wrap="none" rtlCol="0">
-                <a:spAutoFit/>
-              </a:bodyPr>
-              <a:lstStyle/>
-              <a:p>
-                <a:r>
-                  <a:rPr lang="en-US" altLang="zh-TW" sz="1400">
-                    <a:solidFill>
-                      <a:schemeClr val="accent3"/>
-                    </a:solidFill>
-                  </a:rPr>
-                  <a:t>java</a:t>
-                </a:r>
-                <a:endParaRPr lang="zh-TW" altLang="en-US" sz="1400">
-                  <a:solidFill>
-                    <a:schemeClr val="accent3"/>
-                  </a:solidFill>
-                </a:endParaRPr>
-              </a:p>
-            </p:txBody>
-          </p:sp>
-        </p:grpSp>
-        <p:pic>
-          <p:nvPicPr>
-            <p:cNvPr id="149" name="圖片 148">
-              <a:hlinkClick r:id="rId2"/>
-              <a:extLst>
-                <a:ext uri="{FF2B5EF4-FFF2-40B4-BE49-F238E27FC236}">
-                  <a16:creationId xmlns:a16="http://schemas.microsoft.com/office/drawing/2014/main" id="{2BBA5775-5558-4CF8-8E09-D394B39FB320}"/>
-                </a:ext>
-              </a:extLst>
-            </p:cNvPr>
-            <p:cNvPicPr>
-              <a:picLocks noChangeAspect="1"/>
-            </p:cNvPicPr>
-            <p:nvPr/>
-          </p:nvPicPr>
-          <p:blipFill>
-            <a:blip r:embed="rId3">
-              <a:extLst>
-                <a:ext uri="{28A0092B-C50C-407E-A947-70E740481C1C}">
-                  <a14:useLocalDpi xmlns:a14="http://schemas.microsoft.com/office/drawing/2010/main" val="0"/>
-                </a:ext>
-              </a:extLst>
-            </a:blip>
-            <a:stretch>
-              <a:fillRect/>
-            </a:stretch>
-          </p:blipFill>
-          <p:spPr>
-            <a:xfrm>
-              <a:off x="7225554" y="3447435"/>
-              <a:ext cx="430306" cy="420950"/>
             </a:xfrm>
             <a:prstGeom prst="rect">
               <a:avLst/>
             </a:prstGeom>
+            <a:solidFill>
+              <a:srgbClr val="1E1F22"/>
+            </a:solidFill>
+            <a:ln>
+              <a:noFill/>
+            </a:ln>
+            <a:effectLst/>
+            <a:extLst>
+              <a:ext uri="{91240B29-F687-4F45-9708-019B960494DF}">
+                <a14:hiddenLine xmlns:a14="http://schemas.microsoft.com/office/drawing/2010/main" w="9525">
+                  <a:solidFill>
+                    <a:schemeClr val="tx1"/>
+                  </a:solidFill>
+                  <a:miter lim="800000"/>
+                  <a:headEnd/>
+                  <a:tailEnd/>
+                </a14:hiddenLine>
+              </a:ext>
+              <a:ext uri="{AF507438-7753-43E0-B8FC-AC1667EBCBE1}">
+                <a14:hiddenEffects xmlns:a14="http://schemas.microsoft.com/office/drawing/2010/main">
+                  <a:effectLst>
+                    <a:outerShdw dist="35921" dir="2700000" algn="ctr" rotWithShape="0">
+                      <a:schemeClr val="bg2"/>
+                    </a:outerShdw>
+                  </a:effectLst>
+                </a14:hiddenEffects>
+              </a:ext>
+            </a:extLst>
           </p:spPr>
-        </p:pic>
+          <p:txBody>
+            <a:bodyPr vert="horz" wrap="square" lIns="91440" tIns="45720" rIns="91440" bIns="45720" numCol="1" anchor="ctr" anchorCtr="0" compatLnSpc="1">
+              <a:prstTxWarp prst="textNoShape">
+                <a:avLst/>
+              </a:prstTxWarp>
+              <a:spAutoFit/>
+            </a:bodyPr>
+            <a:lstStyle/>
+            <a:p>
+              <a:pPr marL="0" marR="0" lvl="0" indent="0" algn="l" defTabSz="914400" rtl="0" eaLnBrk="0" fontAlgn="base" latinLnBrk="0" hangingPunct="0">
+                <a:lnSpc>
+                  <a:spcPct val="100000"/>
+                </a:lnSpc>
+                <a:spcBef>
+                  <a:spcPct val="0"/>
+                </a:spcBef>
+                <a:spcAft>
+                  <a:spcPct val="0"/>
+                </a:spcAft>
+                <a:buClrTx/>
+                <a:buSzTx/>
+                <a:buFontTx/>
+                <a:buNone/>
+                <a:tabLst/>
+              </a:pPr>
+              <a:r>
+                <a:rPr kumimoji="0" lang="zh-TW" altLang="zh-TW" sz="1600" b="0" i="0" u="none" strike="noStrike" cap="none" normalizeH="0" baseline="0">
+                  <a:ln>
+                    <a:noFill/>
+                  </a:ln>
+                  <a:solidFill>
+                    <a:srgbClr val="BCBEC4"/>
+                  </a:solidFill>
+                  <a:effectLst/>
+                  <a:cs typeface="JetBrains Mono" panose="02000009000000000000" pitchFamily="49" charset="0"/>
+                </a:rPr>
+                <a:t>01    </a:t>
+              </a:r>
+              <a:r>
+                <a:rPr kumimoji="0" lang="zh-TW" altLang="zh-TW" sz="1600" b="0" i="0" u="none" strike="noStrike" cap="none" normalizeH="0" baseline="0">
+                  <a:ln>
+                    <a:noFill/>
+                  </a:ln>
+                  <a:solidFill>
+                    <a:srgbClr val="CF8E6D"/>
+                  </a:solidFill>
+                  <a:effectLst/>
+                  <a:cs typeface="JetBrains Mono" panose="02000009000000000000" pitchFamily="49" charset="0"/>
+                </a:rPr>
+                <a:t>public class </a:t>
+              </a:r>
+              <a:r>
+                <a:rPr kumimoji="0" lang="zh-TW" altLang="zh-TW" sz="1600" b="0" i="0" u="none" strike="noStrike" cap="none" normalizeH="0" baseline="0">
+                  <a:ln>
+                    <a:noFill/>
+                  </a:ln>
+                  <a:solidFill>
+                    <a:srgbClr val="BCBEC4"/>
+                  </a:solidFill>
+                  <a:effectLst/>
+                  <a:cs typeface="JetBrains Mono" panose="02000009000000000000" pitchFamily="49" charset="0"/>
+                </a:rPr>
+                <a:t>Main {</a:t>
+              </a:r>
+              <a:br>
+                <a:rPr kumimoji="0" lang="zh-TW" altLang="zh-TW" sz="1600" b="0" i="0" u="none" strike="noStrike" cap="none" normalizeH="0" baseline="0">
+                  <a:ln>
+                    <a:noFill/>
+                  </a:ln>
+                  <a:solidFill>
+                    <a:srgbClr val="BCBEC4"/>
+                  </a:solidFill>
+                  <a:effectLst/>
+                  <a:cs typeface="JetBrains Mono" panose="02000009000000000000" pitchFamily="49" charset="0"/>
+                </a:rPr>
+              </a:br>
+              <a:r>
+                <a:rPr kumimoji="0" lang="zh-TW" altLang="zh-TW" sz="1600" b="0" i="0" u="none" strike="noStrike" cap="none" normalizeH="0" baseline="0">
+                  <a:ln>
+                    <a:noFill/>
+                  </a:ln>
+                  <a:solidFill>
+                    <a:srgbClr val="BCBEC4"/>
+                  </a:solidFill>
+                  <a:effectLst/>
+                  <a:cs typeface="JetBrains Mono" panose="02000009000000000000" pitchFamily="49" charset="0"/>
+                </a:rPr>
+                <a:t>02        </a:t>
+              </a:r>
+              <a:r>
+                <a:rPr kumimoji="0" lang="zh-TW" altLang="zh-TW" sz="1600" b="0" i="0" u="none" strike="noStrike" cap="none" normalizeH="0" baseline="0">
+                  <a:ln>
+                    <a:noFill/>
+                  </a:ln>
+                  <a:solidFill>
+                    <a:srgbClr val="CF8E6D"/>
+                  </a:solidFill>
+                  <a:effectLst/>
+                  <a:cs typeface="JetBrains Mono" panose="02000009000000000000" pitchFamily="49" charset="0"/>
+                </a:rPr>
+                <a:t>public static void </a:t>
+              </a:r>
+              <a:r>
+                <a:rPr kumimoji="0" lang="zh-TW" altLang="zh-TW" sz="1600" b="0" i="0" u="none" strike="noStrike" cap="none" normalizeH="0" baseline="0">
+                  <a:ln>
+                    <a:noFill/>
+                  </a:ln>
+                  <a:solidFill>
+                    <a:srgbClr val="56A8F5"/>
+                  </a:solidFill>
+                  <a:effectLst/>
+                  <a:cs typeface="JetBrains Mono" panose="02000009000000000000" pitchFamily="49" charset="0"/>
+                </a:rPr>
+                <a:t>main</a:t>
+              </a:r>
+              <a:r>
+                <a:rPr kumimoji="0" lang="zh-TW" altLang="zh-TW" sz="1600" b="0" i="0" u="none" strike="noStrike" cap="none" normalizeH="0" baseline="0">
+                  <a:ln>
+                    <a:noFill/>
+                  </a:ln>
+                  <a:solidFill>
+                    <a:srgbClr val="BCBEC4"/>
+                  </a:solidFill>
+                  <a:effectLst/>
+                  <a:cs typeface="JetBrains Mono" panose="02000009000000000000" pitchFamily="49" charset="0"/>
+                </a:rPr>
+                <a:t>(String[] args) {</a:t>
+              </a:r>
+              <a:br>
+                <a:rPr kumimoji="0" lang="zh-TW" altLang="zh-TW" sz="1600" b="0" i="0" u="none" strike="noStrike" cap="none" normalizeH="0" baseline="0">
+                  <a:ln>
+                    <a:noFill/>
+                  </a:ln>
+                  <a:solidFill>
+                    <a:srgbClr val="BCBEC4"/>
+                  </a:solidFill>
+                  <a:effectLst/>
+                  <a:cs typeface="JetBrains Mono" panose="02000009000000000000" pitchFamily="49" charset="0"/>
+                </a:rPr>
+              </a:br>
+              <a:r>
+                <a:rPr kumimoji="0" lang="zh-TW" altLang="zh-TW" sz="1600" b="0" i="0" u="none" strike="noStrike" cap="none" normalizeH="0" baseline="0">
+                  <a:ln>
+                    <a:noFill/>
+                  </a:ln>
+                  <a:solidFill>
+                    <a:srgbClr val="BCBEC4"/>
+                  </a:solidFill>
+                  <a:effectLst/>
+                  <a:cs typeface="JetBrains Mono" panose="02000009000000000000" pitchFamily="49" charset="0"/>
+                </a:rPr>
+                <a:t>03            System.</a:t>
+              </a:r>
+              <a:r>
+                <a:rPr kumimoji="0" lang="zh-TW" altLang="zh-TW" sz="1600" b="0" i="1" u="none" strike="noStrike" cap="none" normalizeH="0" baseline="0">
+                  <a:ln>
+                    <a:noFill/>
+                  </a:ln>
+                  <a:solidFill>
+                    <a:srgbClr val="C77DBB"/>
+                  </a:solidFill>
+                  <a:effectLst/>
+                  <a:cs typeface="JetBrains Mono" panose="02000009000000000000" pitchFamily="49" charset="0"/>
+                </a:rPr>
+                <a:t>out</a:t>
+              </a:r>
+              <a:r>
+                <a:rPr kumimoji="0" lang="zh-TW" altLang="zh-TW" sz="1600" b="0" i="0" u="none" strike="noStrike" cap="none" normalizeH="0" baseline="0">
+                  <a:ln>
+                    <a:noFill/>
+                  </a:ln>
+                  <a:solidFill>
+                    <a:srgbClr val="BCBEC4"/>
+                  </a:solidFill>
+                  <a:effectLst/>
+                  <a:cs typeface="JetBrains Mono" panose="02000009000000000000" pitchFamily="49" charset="0"/>
+                </a:rPr>
+                <a:t>.println(</a:t>
+              </a:r>
+              <a:r>
+                <a:rPr kumimoji="0" lang="zh-TW" altLang="zh-TW" sz="1600" b="0" i="0" u="none" strike="noStrike" cap="none" normalizeH="0" baseline="0">
+                  <a:ln>
+                    <a:noFill/>
+                  </a:ln>
+                  <a:solidFill>
+                    <a:srgbClr val="6AAB73"/>
+                  </a:solidFill>
+                  <a:effectLst/>
+                  <a:cs typeface="JetBrains Mono" panose="02000009000000000000" pitchFamily="49" charset="0"/>
+                </a:rPr>
+                <a:t>"a"</a:t>
+              </a:r>
+              <a:r>
+                <a:rPr kumimoji="0" lang="zh-TW" altLang="zh-TW" sz="1600" b="0" i="0" u="none" strike="noStrike" cap="none" normalizeH="0" baseline="0">
+                  <a:ln>
+                    <a:noFill/>
+                  </a:ln>
+                  <a:solidFill>
+                    <a:srgbClr val="BCBEC4"/>
+                  </a:solidFill>
+                  <a:effectLst/>
+                  <a:cs typeface="JetBrains Mono" panose="02000009000000000000" pitchFamily="49" charset="0"/>
+                </a:rPr>
+                <a:t>);</a:t>
+              </a:r>
+              <a:br>
+                <a:rPr kumimoji="0" lang="zh-TW" altLang="zh-TW" sz="1600" b="0" i="0" u="none" strike="noStrike" cap="none" normalizeH="0" baseline="0">
+                  <a:ln>
+                    <a:noFill/>
+                  </a:ln>
+                  <a:solidFill>
+                    <a:srgbClr val="BCBEC4"/>
+                  </a:solidFill>
+                  <a:effectLst/>
+                  <a:cs typeface="JetBrains Mono" panose="02000009000000000000" pitchFamily="49" charset="0"/>
+                </a:rPr>
+              </a:br>
+              <a:r>
+                <a:rPr kumimoji="0" lang="zh-TW" altLang="zh-TW" sz="1600" b="0" i="0" u="none" strike="noStrike" cap="none" normalizeH="0" baseline="0">
+                  <a:ln>
+                    <a:noFill/>
+                  </a:ln>
+                  <a:solidFill>
+                    <a:srgbClr val="BCBEC4"/>
+                  </a:solidFill>
+                  <a:effectLst/>
+                  <a:cs typeface="JetBrains Mono" panose="02000009000000000000" pitchFamily="49" charset="0"/>
+                </a:rPr>
+                <a:t>04            System.</a:t>
+              </a:r>
+              <a:r>
+                <a:rPr kumimoji="0" lang="zh-TW" altLang="zh-TW" sz="1600" b="0" i="1" u="none" strike="noStrike" cap="none" normalizeH="0" baseline="0">
+                  <a:ln>
+                    <a:noFill/>
+                  </a:ln>
+                  <a:solidFill>
+                    <a:srgbClr val="C77DBB"/>
+                  </a:solidFill>
+                  <a:effectLst/>
+                  <a:cs typeface="JetBrains Mono" panose="02000009000000000000" pitchFamily="49" charset="0"/>
+                </a:rPr>
+                <a:t>out</a:t>
+              </a:r>
+              <a:r>
+                <a:rPr kumimoji="0" lang="zh-TW" altLang="zh-TW" sz="1600" b="0" i="0" u="none" strike="noStrike" cap="none" normalizeH="0" baseline="0">
+                  <a:ln>
+                    <a:noFill/>
+                  </a:ln>
+                  <a:solidFill>
+                    <a:srgbClr val="BCBEC4"/>
+                  </a:solidFill>
+                  <a:effectLst/>
+                  <a:cs typeface="JetBrains Mono" panose="02000009000000000000" pitchFamily="49" charset="0"/>
+                </a:rPr>
+                <a:t>.println(</a:t>
+              </a:r>
+              <a:r>
+                <a:rPr kumimoji="0" lang="zh-TW" altLang="zh-TW" sz="1600" b="0" i="0" u="none" strike="noStrike" cap="none" normalizeH="0" baseline="0">
+                  <a:ln>
+                    <a:noFill/>
+                  </a:ln>
+                  <a:solidFill>
+                    <a:srgbClr val="6AAB73"/>
+                  </a:solidFill>
+                  <a:effectLst/>
+                  <a:cs typeface="JetBrains Mono" panose="02000009000000000000" pitchFamily="49" charset="0"/>
+                </a:rPr>
+                <a:t>'a'</a:t>
+              </a:r>
+              <a:r>
+                <a:rPr kumimoji="0" lang="zh-TW" altLang="zh-TW" sz="1600" b="0" i="0" u="none" strike="noStrike" cap="none" normalizeH="0" baseline="0">
+                  <a:ln>
+                    <a:noFill/>
+                  </a:ln>
+                  <a:solidFill>
+                    <a:srgbClr val="BCBEC4"/>
+                  </a:solidFill>
+                  <a:effectLst/>
+                  <a:cs typeface="JetBrains Mono" panose="02000009000000000000" pitchFamily="49" charset="0"/>
+                </a:rPr>
+                <a:t>);</a:t>
+              </a:r>
+              <a:br>
+                <a:rPr kumimoji="0" lang="zh-TW" altLang="zh-TW" sz="1600" b="0" i="0" u="none" strike="noStrike" cap="none" normalizeH="0" baseline="0">
+                  <a:ln>
+                    <a:noFill/>
+                  </a:ln>
+                  <a:solidFill>
+                    <a:srgbClr val="BCBEC4"/>
+                  </a:solidFill>
+                  <a:effectLst/>
+                  <a:cs typeface="JetBrains Mono" panose="02000009000000000000" pitchFamily="49" charset="0"/>
+                </a:rPr>
+              </a:br>
+              <a:r>
+                <a:rPr kumimoji="0" lang="zh-TW" altLang="zh-TW" sz="1600" b="0" i="0" u="none" strike="noStrike" cap="none" normalizeH="0" baseline="0">
+                  <a:ln>
+                    <a:noFill/>
+                  </a:ln>
+                  <a:solidFill>
+                    <a:srgbClr val="BCBEC4"/>
+                  </a:solidFill>
+                  <a:effectLst/>
+                  <a:cs typeface="JetBrains Mono" panose="02000009000000000000" pitchFamily="49" charset="0"/>
+                </a:rPr>
+                <a:t>05            System.</a:t>
+              </a:r>
+              <a:r>
+                <a:rPr kumimoji="0" lang="zh-TW" altLang="zh-TW" sz="1600" b="0" i="1" u="none" strike="noStrike" cap="none" normalizeH="0" baseline="0">
+                  <a:ln>
+                    <a:noFill/>
+                  </a:ln>
+                  <a:solidFill>
+                    <a:srgbClr val="C77DBB"/>
+                  </a:solidFill>
+                  <a:effectLst/>
+                  <a:cs typeface="JetBrains Mono" panose="02000009000000000000" pitchFamily="49" charset="0"/>
+                </a:rPr>
+                <a:t>out</a:t>
+              </a:r>
+              <a:r>
+                <a:rPr kumimoji="0" lang="zh-TW" altLang="zh-TW" sz="1600" b="0" i="0" u="none" strike="noStrike" cap="none" normalizeH="0" baseline="0">
+                  <a:ln>
+                    <a:noFill/>
+                  </a:ln>
+                  <a:solidFill>
+                    <a:srgbClr val="BCBEC4"/>
+                  </a:solidFill>
+                  <a:effectLst/>
+                  <a:cs typeface="JetBrains Mono" panose="02000009000000000000" pitchFamily="49" charset="0"/>
+                </a:rPr>
+                <a:t>.println(</a:t>
+              </a:r>
+              <a:r>
+                <a:rPr kumimoji="0" lang="zh-TW" altLang="zh-TW" sz="1600" b="0" i="0" u="none" strike="noStrike" cap="none" normalizeH="0" baseline="0">
+                  <a:ln>
+                    <a:noFill/>
+                  </a:ln>
+                  <a:solidFill>
+                    <a:srgbClr val="6AAB73"/>
+                  </a:solidFill>
+                  <a:effectLst/>
+                  <a:cs typeface="JetBrains Mono" panose="02000009000000000000" pitchFamily="49" charset="0"/>
+                </a:rPr>
+                <a:t>"2147483647"</a:t>
+              </a:r>
+              <a:r>
+                <a:rPr kumimoji="0" lang="zh-TW" altLang="zh-TW" sz="1600" b="0" i="0" u="none" strike="noStrike" cap="none" normalizeH="0" baseline="0">
+                  <a:ln>
+                    <a:noFill/>
+                  </a:ln>
+                  <a:solidFill>
+                    <a:srgbClr val="BCBEC4"/>
+                  </a:solidFill>
+                  <a:effectLst/>
+                  <a:cs typeface="JetBrains Mono" panose="02000009000000000000" pitchFamily="49" charset="0"/>
+                </a:rPr>
+                <a:t>);</a:t>
+              </a:r>
+              <a:br>
+                <a:rPr kumimoji="0" lang="zh-TW" altLang="zh-TW" sz="1600" b="0" i="0" u="none" strike="noStrike" cap="none" normalizeH="0" baseline="0">
+                  <a:ln>
+                    <a:noFill/>
+                  </a:ln>
+                  <a:solidFill>
+                    <a:srgbClr val="BCBEC4"/>
+                  </a:solidFill>
+                  <a:effectLst/>
+                  <a:cs typeface="JetBrains Mono" panose="02000009000000000000" pitchFamily="49" charset="0"/>
+                </a:rPr>
+              </a:br>
+              <a:r>
+                <a:rPr kumimoji="0" lang="zh-TW" altLang="zh-TW" sz="1600" b="0" i="0" u="none" strike="noStrike" cap="none" normalizeH="0" baseline="0">
+                  <a:ln>
+                    <a:noFill/>
+                  </a:ln>
+                  <a:solidFill>
+                    <a:srgbClr val="BCBEC4"/>
+                  </a:solidFill>
+                  <a:effectLst/>
+                  <a:cs typeface="JetBrains Mono" panose="02000009000000000000" pitchFamily="49" charset="0"/>
+                </a:rPr>
+                <a:t>06            System.</a:t>
+              </a:r>
+              <a:r>
+                <a:rPr kumimoji="0" lang="zh-TW" altLang="zh-TW" sz="1600" b="0" i="1" u="none" strike="noStrike" cap="none" normalizeH="0" baseline="0">
+                  <a:ln>
+                    <a:noFill/>
+                  </a:ln>
+                  <a:solidFill>
+                    <a:srgbClr val="C77DBB"/>
+                  </a:solidFill>
+                  <a:effectLst/>
+                  <a:cs typeface="JetBrains Mono" panose="02000009000000000000" pitchFamily="49" charset="0"/>
+                </a:rPr>
+                <a:t>out</a:t>
+              </a:r>
+              <a:r>
+                <a:rPr kumimoji="0" lang="zh-TW" altLang="zh-TW" sz="1600" b="0" i="0" u="none" strike="noStrike" cap="none" normalizeH="0" baseline="0">
+                  <a:ln>
+                    <a:noFill/>
+                  </a:ln>
+                  <a:solidFill>
+                    <a:srgbClr val="BCBEC4"/>
+                  </a:solidFill>
+                  <a:effectLst/>
+                  <a:cs typeface="JetBrains Mono" panose="02000009000000000000" pitchFamily="49" charset="0"/>
+                </a:rPr>
+                <a:t>.println(</a:t>
+              </a:r>
+              <a:r>
+                <a:rPr kumimoji="0" lang="zh-TW" altLang="zh-TW" sz="1600" b="0" i="0" u="none" strike="noStrike" cap="none" normalizeH="0" baseline="0">
+                  <a:ln>
+                    <a:noFill/>
+                  </a:ln>
+                  <a:solidFill>
+                    <a:srgbClr val="2AACB8"/>
+                  </a:solidFill>
+                  <a:effectLst/>
+                  <a:cs typeface="JetBrains Mono" panose="02000009000000000000" pitchFamily="49" charset="0"/>
+                </a:rPr>
+                <a:t>2147483647</a:t>
+              </a:r>
+              <a:r>
+                <a:rPr kumimoji="0" lang="zh-TW" altLang="zh-TW" sz="1600" b="0" i="0" u="none" strike="noStrike" cap="none" normalizeH="0" baseline="0">
+                  <a:ln>
+                    <a:noFill/>
+                  </a:ln>
+                  <a:solidFill>
+                    <a:srgbClr val="BCBEC4"/>
+                  </a:solidFill>
+                  <a:effectLst/>
+                  <a:cs typeface="JetBrains Mono" panose="02000009000000000000" pitchFamily="49" charset="0"/>
+                </a:rPr>
+                <a:t>);</a:t>
+              </a:r>
+              <a:br>
+                <a:rPr kumimoji="0" lang="zh-TW" altLang="zh-TW" sz="1600" b="0" i="0" u="none" strike="noStrike" cap="none" normalizeH="0" baseline="0">
+                  <a:ln>
+                    <a:noFill/>
+                  </a:ln>
+                  <a:solidFill>
+                    <a:srgbClr val="BCBEC4"/>
+                  </a:solidFill>
+                  <a:effectLst/>
+                  <a:cs typeface="JetBrains Mono" panose="02000009000000000000" pitchFamily="49" charset="0"/>
+                </a:rPr>
+              </a:br>
+              <a:r>
+                <a:rPr kumimoji="0" lang="zh-TW" altLang="zh-TW" sz="1600" b="0" i="0" u="none" strike="noStrike" cap="none" normalizeH="0" baseline="0">
+                  <a:ln>
+                    <a:noFill/>
+                  </a:ln>
+                  <a:solidFill>
+                    <a:srgbClr val="BCBEC4"/>
+                  </a:solidFill>
+                  <a:effectLst/>
+                  <a:cs typeface="JetBrains Mono" panose="02000009000000000000" pitchFamily="49" charset="0"/>
+                </a:rPr>
+                <a:t>07            System.</a:t>
+              </a:r>
+              <a:r>
+                <a:rPr kumimoji="0" lang="zh-TW" altLang="zh-TW" sz="1600" b="0" i="1" u="none" strike="noStrike" cap="none" normalizeH="0" baseline="0">
+                  <a:ln>
+                    <a:noFill/>
+                  </a:ln>
+                  <a:solidFill>
+                    <a:srgbClr val="C77DBB"/>
+                  </a:solidFill>
+                  <a:effectLst/>
+                  <a:cs typeface="JetBrains Mono" panose="02000009000000000000" pitchFamily="49" charset="0"/>
+                </a:rPr>
+                <a:t>out</a:t>
+              </a:r>
+              <a:r>
+                <a:rPr kumimoji="0" lang="zh-TW" altLang="zh-TW" sz="1600" b="0" i="0" u="none" strike="noStrike" cap="none" normalizeH="0" baseline="0">
+                  <a:ln>
+                    <a:noFill/>
+                  </a:ln>
+                  <a:solidFill>
+                    <a:srgbClr val="BCBEC4"/>
+                  </a:solidFill>
+                  <a:effectLst/>
+                  <a:cs typeface="JetBrains Mono" panose="02000009000000000000" pitchFamily="49" charset="0"/>
+                </a:rPr>
+                <a:t>.println(</a:t>
+              </a:r>
+              <a:r>
+                <a:rPr kumimoji="0" lang="zh-TW" altLang="zh-TW" sz="1600" b="0" i="0" u="none" strike="noStrike" cap="none" normalizeH="0" baseline="0">
+                  <a:ln>
+                    <a:noFill/>
+                  </a:ln>
+                  <a:solidFill>
+                    <a:srgbClr val="6AAB73"/>
+                  </a:solidFill>
+                  <a:effectLst/>
+                  <a:cs typeface="JetBrains Mono" panose="02000009000000000000" pitchFamily="49" charset="0"/>
+                </a:rPr>
+                <a:t>"3.14159"</a:t>
+              </a:r>
+              <a:r>
+                <a:rPr kumimoji="0" lang="zh-TW" altLang="zh-TW" sz="1600" b="0" i="0" u="none" strike="noStrike" cap="none" normalizeH="0" baseline="0">
+                  <a:ln>
+                    <a:noFill/>
+                  </a:ln>
+                  <a:solidFill>
+                    <a:srgbClr val="BCBEC4"/>
+                  </a:solidFill>
+                  <a:effectLst/>
+                  <a:cs typeface="JetBrains Mono" panose="02000009000000000000" pitchFamily="49" charset="0"/>
+                </a:rPr>
+                <a:t>);</a:t>
+              </a:r>
+              <a:br>
+                <a:rPr kumimoji="0" lang="zh-TW" altLang="zh-TW" sz="1600" b="0" i="0" u="none" strike="noStrike" cap="none" normalizeH="0" baseline="0">
+                  <a:ln>
+                    <a:noFill/>
+                  </a:ln>
+                  <a:solidFill>
+                    <a:srgbClr val="BCBEC4"/>
+                  </a:solidFill>
+                  <a:effectLst/>
+                  <a:cs typeface="JetBrains Mono" panose="02000009000000000000" pitchFamily="49" charset="0"/>
+                </a:rPr>
+              </a:br>
+              <a:r>
+                <a:rPr kumimoji="0" lang="zh-TW" altLang="zh-TW" sz="1600" b="0" i="0" u="none" strike="noStrike" cap="none" normalizeH="0" baseline="0">
+                  <a:ln>
+                    <a:noFill/>
+                  </a:ln>
+                  <a:solidFill>
+                    <a:srgbClr val="BCBEC4"/>
+                  </a:solidFill>
+                  <a:effectLst/>
+                  <a:cs typeface="JetBrains Mono" panose="02000009000000000000" pitchFamily="49" charset="0"/>
+                </a:rPr>
+                <a:t>08            System.</a:t>
+              </a:r>
+              <a:r>
+                <a:rPr kumimoji="0" lang="zh-TW" altLang="zh-TW" sz="1600" b="0" i="1" u="none" strike="noStrike" cap="none" normalizeH="0" baseline="0">
+                  <a:ln>
+                    <a:noFill/>
+                  </a:ln>
+                  <a:solidFill>
+                    <a:srgbClr val="C77DBB"/>
+                  </a:solidFill>
+                  <a:effectLst/>
+                  <a:cs typeface="JetBrains Mono" panose="02000009000000000000" pitchFamily="49" charset="0"/>
+                </a:rPr>
+                <a:t>out</a:t>
+              </a:r>
+              <a:r>
+                <a:rPr kumimoji="0" lang="zh-TW" altLang="zh-TW" sz="1600" b="0" i="0" u="none" strike="noStrike" cap="none" normalizeH="0" baseline="0">
+                  <a:ln>
+                    <a:noFill/>
+                  </a:ln>
+                  <a:solidFill>
+                    <a:srgbClr val="BCBEC4"/>
+                  </a:solidFill>
+                  <a:effectLst/>
+                  <a:cs typeface="JetBrains Mono" panose="02000009000000000000" pitchFamily="49" charset="0"/>
+                </a:rPr>
+                <a:t>.println(</a:t>
+              </a:r>
+              <a:r>
+                <a:rPr kumimoji="0" lang="zh-TW" altLang="zh-TW" sz="1600" b="0" i="0" u="none" strike="noStrike" cap="none" normalizeH="0" baseline="0">
+                  <a:ln>
+                    <a:noFill/>
+                  </a:ln>
+                  <a:solidFill>
+                    <a:srgbClr val="2AACB8"/>
+                  </a:solidFill>
+                  <a:effectLst/>
+                  <a:cs typeface="JetBrains Mono" panose="02000009000000000000" pitchFamily="49" charset="0"/>
+                </a:rPr>
+                <a:t>3.14159</a:t>
+              </a:r>
+              <a:r>
+                <a:rPr kumimoji="0" lang="zh-TW" altLang="zh-TW" sz="1600" b="0" i="0" u="none" strike="noStrike" cap="none" normalizeH="0" baseline="0">
+                  <a:ln>
+                    <a:noFill/>
+                  </a:ln>
+                  <a:solidFill>
+                    <a:srgbClr val="BCBEC4"/>
+                  </a:solidFill>
+                  <a:effectLst/>
+                  <a:cs typeface="JetBrains Mono" panose="02000009000000000000" pitchFamily="49" charset="0"/>
+                </a:rPr>
+                <a:t>);</a:t>
+              </a:r>
+              <a:br>
+                <a:rPr kumimoji="0" lang="zh-TW" altLang="zh-TW" sz="1600" b="0" i="0" u="none" strike="noStrike" cap="none" normalizeH="0" baseline="0">
+                  <a:ln>
+                    <a:noFill/>
+                  </a:ln>
+                  <a:solidFill>
+                    <a:srgbClr val="BCBEC4"/>
+                  </a:solidFill>
+                  <a:effectLst/>
+                  <a:cs typeface="JetBrains Mono" panose="02000009000000000000" pitchFamily="49" charset="0"/>
+                </a:rPr>
+              </a:br>
+              <a:r>
+                <a:rPr kumimoji="0" lang="zh-TW" altLang="zh-TW" sz="1600" b="0" i="0" u="none" strike="noStrike" cap="none" normalizeH="0" baseline="0">
+                  <a:ln>
+                    <a:noFill/>
+                  </a:ln>
+                  <a:solidFill>
+                    <a:srgbClr val="BCBEC4"/>
+                  </a:solidFill>
+                  <a:effectLst/>
+                  <a:cs typeface="JetBrains Mono" panose="02000009000000000000" pitchFamily="49" charset="0"/>
+                </a:rPr>
+                <a:t>09            System.</a:t>
+              </a:r>
+              <a:r>
+                <a:rPr kumimoji="0" lang="zh-TW" altLang="zh-TW" sz="1600" b="0" i="1" u="none" strike="noStrike" cap="none" normalizeH="0" baseline="0">
+                  <a:ln>
+                    <a:noFill/>
+                  </a:ln>
+                  <a:solidFill>
+                    <a:srgbClr val="C77DBB"/>
+                  </a:solidFill>
+                  <a:effectLst/>
+                  <a:cs typeface="JetBrains Mono" panose="02000009000000000000" pitchFamily="49" charset="0"/>
+                </a:rPr>
+                <a:t>out</a:t>
+              </a:r>
+              <a:r>
+                <a:rPr kumimoji="0" lang="zh-TW" altLang="zh-TW" sz="1600" b="0" i="0" u="none" strike="noStrike" cap="none" normalizeH="0" baseline="0">
+                  <a:ln>
+                    <a:noFill/>
+                  </a:ln>
+                  <a:solidFill>
+                    <a:srgbClr val="BCBEC4"/>
+                  </a:solidFill>
+                  <a:effectLst/>
+                  <a:cs typeface="JetBrains Mono" panose="02000009000000000000" pitchFamily="49" charset="0"/>
+                </a:rPr>
+                <a:t>.println(</a:t>
+              </a:r>
+              <a:r>
+                <a:rPr kumimoji="0" lang="zh-TW" altLang="zh-TW" sz="1600" b="0" i="0" u="none" strike="noStrike" cap="none" normalizeH="0" baseline="0">
+                  <a:ln>
+                    <a:noFill/>
+                  </a:ln>
+                  <a:solidFill>
+                    <a:srgbClr val="6AAB73"/>
+                  </a:solidFill>
+                  <a:effectLst/>
+                  <a:cs typeface="JetBrains Mono" panose="02000009000000000000" pitchFamily="49" charset="0"/>
+                </a:rPr>
+                <a:t>"true"</a:t>
+              </a:r>
+              <a:r>
+                <a:rPr kumimoji="0" lang="zh-TW" altLang="zh-TW" sz="1600" b="0" i="0" u="none" strike="noStrike" cap="none" normalizeH="0" baseline="0">
+                  <a:ln>
+                    <a:noFill/>
+                  </a:ln>
+                  <a:solidFill>
+                    <a:srgbClr val="BCBEC4"/>
+                  </a:solidFill>
+                  <a:effectLst/>
+                  <a:cs typeface="JetBrains Mono" panose="02000009000000000000" pitchFamily="49" charset="0"/>
+                </a:rPr>
+                <a:t>);</a:t>
+              </a:r>
+              <a:br>
+                <a:rPr kumimoji="0" lang="zh-TW" altLang="zh-TW" sz="1600" b="0" i="0" u="none" strike="noStrike" cap="none" normalizeH="0" baseline="0">
+                  <a:ln>
+                    <a:noFill/>
+                  </a:ln>
+                  <a:solidFill>
+                    <a:srgbClr val="BCBEC4"/>
+                  </a:solidFill>
+                  <a:effectLst/>
+                  <a:cs typeface="JetBrains Mono" panose="02000009000000000000" pitchFamily="49" charset="0"/>
+                </a:rPr>
+              </a:br>
+              <a:r>
+                <a:rPr kumimoji="0" lang="zh-TW" altLang="zh-TW" sz="1600" b="0" i="0" u="none" strike="noStrike" cap="none" normalizeH="0" baseline="0">
+                  <a:ln>
+                    <a:noFill/>
+                  </a:ln>
+                  <a:solidFill>
+                    <a:srgbClr val="BCBEC4"/>
+                  </a:solidFill>
+                  <a:effectLst/>
+                  <a:cs typeface="JetBrains Mono" panose="02000009000000000000" pitchFamily="49" charset="0"/>
+                </a:rPr>
+                <a:t>10            System.</a:t>
+              </a:r>
+              <a:r>
+                <a:rPr kumimoji="0" lang="zh-TW" altLang="zh-TW" sz="1600" b="0" i="1" u="none" strike="noStrike" cap="none" normalizeH="0" baseline="0">
+                  <a:ln>
+                    <a:noFill/>
+                  </a:ln>
+                  <a:solidFill>
+                    <a:srgbClr val="C77DBB"/>
+                  </a:solidFill>
+                  <a:effectLst/>
+                  <a:cs typeface="JetBrains Mono" panose="02000009000000000000" pitchFamily="49" charset="0"/>
+                </a:rPr>
+                <a:t>out</a:t>
+              </a:r>
+              <a:r>
+                <a:rPr kumimoji="0" lang="zh-TW" altLang="zh-TW" sz="1600" b="0" i="0" u="none" strike="noStrike" cap="none" normalizeH="0" baseline="0">
+                  <a:ln>
+                    <a:noFill/>
+                  </a:ln>
+                  <a:solidFill>
+                    <a:srgbClr val="BCBEC4"/>
+                  </a:solidFill>
+                  <a:effectLst/>
+                  <a:cs typeface="JetBrains Mono" panose="02000009000000000000" pitchFamily="49" charset="0"/>
+                </a:rPr>
+                <a:t>.println(</a:t>
+              </a:r>
+              <a:r>
+                <a:rPr kumimoji="0" lang="zh-TW" altLang="zh-TW" sz="1600" b="0" i="0" u="none" strike="noStrike" cap="none" normalizeH="0" baseline="0">
+                  <a:ln>
+                    <a:noFill/>
+                  </a:ln>
+                  <a:solidFill>
+                    <a:srgbClr val="CF8E6D"/>
+                  </a:solidFill>
+                  <a:effectLst/>
+                  <a:cs typeface="JetBrains Mono" panose="02000009000000000000" pitchFamily="49" charset="0"/>
+                </a:rPr>
+                <a:t>true</a:t>
+              </a:r>
+              <a:r>
+                <a:rPr kumimoji="0" lang="zh-TW" altLang="zh-TW" sz="1600" b="0" i="0" u="none" strike="noStrike" cap="none" normalizeH="0" baseline="0">
+                  <a:ln>
+                    <a:noFill/>
+                  </a:ln>
+                  <a:solidFill>
+                    <a:srgbClr val="BCBEC4"/>
+                  </a:solidFill>
+                  <a:effectLst/>
+                  <a:cs typeface="JetBrains Mono" panose="02000009000000000000" pitchFamily="49" charset="0"/>
+                </a:rPr>
+                <a:t>);</a:t>
+              </a:r>
+              <a:br>
+                <a:rPr kumimoji="0" lang="zh-TW" altLang="zh-TW" sz="1600" b="0" i="0" u="none" strike="noStrike" cap="none" normalizeH="0" baseline="0">
+                  <a:ln>
+                    <a:noFill/>
+                  </a:ln>
+                  <a:solidFill>
+                    <a:srgbClr val="BCBEC4"/>
+                  </a:solidFill>
+                  <a:effectLst/>
+                  <a:cs typeface="JetBrains Mono" panose="02000009000000000000" pitchFamily="49" charset="0"/>
+                </a:rPr>
+              </a:br>
+              <a:r>
+                <a:rPr kumimoji="0" lang="zh-TW" altLang="zh-TW" sz="1600" b="0" i="0" u="none" strike="noStrike" cap="none" normalizeH="0" baseline="0">
+                  <a:ln>
+                    <a:noFill/>
+                  </a:ln>
+                  <a:solidFill>
+                    <a:srgbClr val="BCBEC4"/>
+                  </a:solidFill>
+                  <a:effectLst/>
+                  <a:cs typeface="JetBrains Mono" panose="02000009000000000000" pitchFamily="49" charset="0"/>
+                </a:rPr>
+                <a:t>11        }</a:t>
+              </a:r>
+              <a:br>
+                <a:rPr kumimoji="0" lang="zh-TW" altLang="zh-TW" sz="1600" b="0" i="0" u="none" strike="noStrike" cap="none" normalizeH="0" baseline="0">
+                  <a:ln>
+                    <a:noFill/>
+                  </a:ln>
+                  <a:solidFill>
+                    <a:srgbClr val="BCBEC4"/>
+                  </a:solidFill>
+                  <a:effectLst/>
+                  <a:cs typeface="JetBrains Mono" panose="02000009000000000000" pitchFamily="49" charset="0"/>
+                </a:rPr>
+              </a:br>
+              <a:r>
+                <a:rPr kumimoji="0" lang="zh-TW" altLang="zh-TW" sz="1600" b="0" i="0" u="none" strike="noStrike" cap="none" normalizeH="0" baseline="0">
+                  <a:ln>
+                    <a:noFill/>
+                  </a:ln>
+                  <a:solidFill>
+                    <a:srgbClr val="BCBEC4"/>
+                  </a:solidFill>
+                  <a:effectLst/>
+                  <a:cs typeface="JetBrains Mono" panose="02000009000000000000" pitchFamily="49" charset="0"/>
+                </a:rPr>
+                <a:t>12    }</a:t>
+              </a:r>
+              <a:endParaRPr kumimoji="0" lang="zh-TW" altLang="zh-TW" sz="2400" b="0" i="0" u="none" strike="noStrike" cap="none" normalizeH="0" baseline="0">
+                <a:ln>
+                  <a:noFill/>
+                </a:ln>
+                <a:solidFill>
+                  <a:schemeClr val="tx1"/>
+                </a:solidFill>
+                <a:effectLst/>
+              </a:endParaRPr>
+            </a:p>
+          </p:txBody>
+        </p:sp>
+        <p:sp>
+          <p:nvSpPr>
+            <p:cNvPr id="151" name="文字方塊 150">
+              <a:extLst>
+                <a:ext uri="{FF2B5EF4-FFF2-40B4-BE49-F238E27FC236}">
+                  <a16:creationId xmlns:a16="http://schemas.microsoft.com/office/drawing/2014/main" id="{E630174F-92C4-49EF-9FB7-810A66ACDF2B}"/>
+                </a:ext>
+              </a:extLst>
+            </p:cNvPr>
+            <p:cNvSpPr txBox="1"/>
+            <p:nvPr/>
+          </p:nvSpPr>
+          <p:spPr>
+            <a:xfrm>
+              <a:off x="7073648" y="6186646"/>
+              <a:ext cx="582211" cy="307777"/>
+            </a:xfrm>
+            <a:prstGeom prst="rect">
+              <a:avLst/>
+            </a:prstGeom>
+            <a:noFill/>
+          </p:spPr>
+          <p:txBody>
+            <a:bodyPr wrap="none" rtlCol="0">
+              <a:spAutoFit/>
+            </a:bodyPr>
+            <a:lstStyle/>
+            <a:p>
+              <a:r>
+                <a:rPr lang="en-US" altLang="zh-TW" sz="1400">
+                  <a:solidFill>
+                    <a:schemeClr val="accent3"/>
+                  </a:solidFill>
+                </a:rPr>
+                <a:t>java</a:t>
+              </a:r>
+              <a:endParaRPr lang="zh-TW" altLang="en-US" sz="1400">
+                <a:solidFill>
+                  <a:schemeClr val="accent3"/>
+                </a:solidFill>
+              </a:endParaRPr>
+            </a:p>
+          </p:txBody>
+        </p:sp>
       </p:grpSp>
+      <p:pic>
+        <p:nvPicPr>
+          <p:cNvPr id="149" name="圖片 148">
+            <a:hlinkClick r:id="rId2"/>
+            <a:extLst>
+              <a:ext uri="{FF2B5EF4-FFF2-40B4-BE49-F238E27FC236}">
+                <a16:creationId xmlns:a16="http://schemas.microsoft.com/office/drawing/2014/main" id="{2BBA5775-5558-4CF8-8E09-D394B39FB320}"/>
+              </a:ext>
+            </a:extLst>
+          </p:cNvPr>
+          <p:cNvPicPr>
+            <a:picLocks noChangeAspect="1"/>
+          </p:cNvPicPr>
+          <p:nvPr/>
+        </p:nvPicPr>
+        <p:blipFill>
+          <a:blip r:embed="rId3">
+            <a:extLst>
+              <a:ext uri="{28A0092B-C50C-407E-A947-70E740481C1C}">
+                <a14:useLocalDpi xmlns:a14="http://schemas.microsoft.com/office/drawing/2010/main" val="0"/>
+              </a:ext>
+            </a:extLst>
+          </a:blip>
+          <a:stretch>
+            <a:fillRect/>
+          </a:stretch>
+        </p:blipFill>
+        <p:spPr>
+          <a:xfrm>
+            <a:off x="6947747" y="3329525"/>
+            <a:ext cx="430306" cy="420950"/>
+          </a:xfrm>
+          <a:prstGeom prst="rect">
+            <a:avLst/>
+          </a:prstGeom>
+        </p:spPr>
+      </p:pic>
       <p:grpSp>
         <p:nvGrpSpPr>
           <p:cNvPr id="152" name="群組 151">
@@ -30494,13 +34510,13 @@
   <p:clrMapOvr>
     <a:masterClrMapping/>
   </p:clrMapOvr>
-  <mc:AlternateContent xmlns:mc="http://schemas.openxmlformats.org/markup-compatibility/2006">
-    <mc:Choice xmlns:p159="http://schemas.microsoft.com/office/powerpoint/2015/09/main" Requires="p159">
+  <mc:AlternateContent xmlns:mc="http://schemas.openxmlformats.org/markup-compatibility/2006" xmlns:p159="http://schemas.microsoft.com/office/powerpoint/2015/09/main">
+    <mc:Choice Requires="p159">
       <p:transition spd="slow">
         <p159:morph option="byObject"/>
       </p:transition>
     </mc:Choice>
-    <mc:Fallback>
+    <mc:Fallback xmlns="">
       <p:transition spd="slow">
         <p:fade/>
       </p:transition>
